--- a/Presentations/CAMWS_2016/Gorman_camws_2016.pptx
+++ b/Presentations/CAMWS_2016/Gorman_camws_2016.pptx
@@ -5,14 +5,20 @@
     <p:sldMasterId id="2147483660" r:id="rId1"/>
   </p:sldMasterIdLst>
   <p:notesMasterIdLst>
-    <p:notesMasterId r:id="rId7"/>
+    <p:notesMasterId r:id="rId13"/>
   </p:notesMasterIdLst>
   <p:sldIdLst>
-    <p:sldId id="258" r:id="rId2"/>
-    <p:sldId id="259" r:id="rId3"/>
-    <p:sldId id="260" r:id="rId4"/>
-    <p:sldId id="261" r:id="rId5"/>
-    <p:sldId id="262" r:id="rId6"/>
+    <p:sldId id="263" r:id="rId2"/>
+    <p:sldId id="264" r:id="rId3"/>
+    <p:sldId id="267" r:id="rId4"/>
+    <p:sldId id="265" r:id="rId5"/>
+    <p:sldId id="268" r:id="rId6"/>
+    <p:sldId id="266" r:id="rId7"/>
+    <p:sldId id="258" r:id="rId8"/>
+    <p:sldId id="259" r:id="rId9"/>
+    <p:sldId id="260" r:id="rId10"/>
+    <p:sldId id="261" r:id="rId11"/>
+    <p:sldId id="262" r:id="rId12"/>
   </p:sldIdLst>
   <p:sldSz cx="12192000" cy="6858000"/>
   <p:notesSz cx="6858000" cy="9144000"/>
@@ -204,7 +210,7 @@
           <a:p>
             <a:fld id="{B126904A-A4F5-408B-B318-7ABD31E5B746}" type="datetimeFigureOut">
               <a:rPr lang="en-US" smtClean="0"/>
-              <a:t>3/15/2016</a:t>
+              <a:t>3/16/2016</a:t>
             </a:fld>
             <a:endParaRPr lang="en-US"/>
           </a:p>
@@ -518,37 +524,11 @@
           <a:p>
             <a:r>
               <a:rPr lang="en-US" dirty="0" smtClean="0"/>
-              <a:t>Data so far is interesting and</a:t>
+              <a:t>Students</a:t>
             </a:r>
             <a:r>
               <a:rPr lang="en-US" baseline="0" dirty="0" smtClean="0"/>
-              <a:t> its collection usefully automated.</a:t>
-            </a:r>
-          </a:p>
-          <a:p>
-            <a:r>
-              <a:rPr lang="en-US" dirty="0" smtClean="0"/>
-              <a:t>It is utterly traditional</a:t>
-            </a:r>
-          </a:p>
-          <a:p>
-            <a:r>
-              <a:rPr lang="en-US" dirty="0" smtClean="0"/>
-              <a:t>It is not very “</a:t>
-            </a:r>
-            <a:r>
-              <a:rPr lang="en-US" dirty="0" err="1" smtClean="0"/>
-              <a:t>treeish</a:t>
-            </a:r>
-            <a:r>
-              <a:rPr lang="en-US" dirty="0" smtClean="0"/>
-              <a:t>.”</a:t>
-            </a:r>
-          </a:p>
-          <a:p>
-            <a:r>
-              <a:rPr lang="en-US" dirty="0" smtClean="0"/>
-              <a:t>The “head” assigned by a student to a word is somewhat different</a:t>
+              <a:t> are asked to correctly identify every form</a:t>
             </a:r>
           </a:p>
           <a:p>
@@ -557,12 +537,8 @@
               <a:buChar char="•"/>
             </a:pPr>
             <a:r>
-              <a:rPr lang="en-US" dirty="0" smtClean="0"/>
-              <a:t>it</a:t>
-            </a:r>
-            <a:r>
               <a:rPr lang="en-US" baseline="0" dirty="0" smtClean="0"/>
-              <a:t> can also be put in traditional terms: a given adjective is and attribute of a given noun, for example</a:t>
+              <a:t>Lemma</a:t>
             </a:r>
           </a:p>
           <a:p>
@@ -572,53 +548,8 @@
             </a:pPr>
             <a:r>
               <a:rPr lang="en-US" baseline="0" dirty="0" smtClean="0"/>
-              <a:t>But it is also quite different than the other data examined so far</a:t>
-            </a:r>
-          </a:p>
-          <a:p>
-            <a:pPr marL="628650" lvl="1" indent="-171450">
-              <a:buFont typeface="Arial" panose="020B0604020202020204" pitchFamily="34" charset="0"/>
-              <a:buChar char="•"/>
-            </a:pPr>
-            <a:r>
-              <a:rPr lang="en-US" baseline="0" dirty="0" smtClean="0"/>
-              <a:t>We understand what it means when a student mislabels a Relationship: SBJ for </a:t>
-            </a:r>
-            <a:r>
-              <a:rPr lang="en-US" baseline="0" dirty="0" err="1" smtClean="0"/>
-              <a:t>Poss</a:t>
-            </a:r>
-            <a:endParaRPr lang="en-US" baseline="0" dirty="0" smtClean="0"/>
-          </a:p>
-          <a:p>
-            <a:pPr marL="628650" lvl="1" indent="-171450">
-              <a:buFont typeface="Arial" panose="020B0604020202020204" pitchFamily="34" charset="0"/>
-              <a:buChar char="•"/>
-            </a:pPr>
-            <a:r>
-              <a:rPr lang="en-US" baseline="0" dirty="0" smtClean="0"/>
-              <a:t>But evaluating head data presents difficulties</a:t>
-            </a:r>
-          </a:p>
-          <a:p>
-            <a:pPr marL="628650" lvl="1" indent="-171450">
-              <a:buFont typeface="Arial" panose="020B0604020202020204" pitchFamily="34" charset="0"/>
-              <a:buChar char="•"/>
-            </a:pPr>
-            <a:r>
-              <a:rPr lang="en-US" baseline="0" dirty="0" smtClean="0"/>
-              <a:t>It cannot be interpreted without looking at the tree as a whole: it is the more </a:t>
-            </a:r>
-            <a:r>
-              <a:rPr lang="en-US" baseline="0" dirty="0" err="1" smtClean="0"/>
-              <a:t>treeish</a:t>
-            </a:r>
-            <a:r>
-              <a:rPr lang="en-US" baseline="0" dirty="0" smtClean="0"/>
-              <a:t> part of the data</a:t>
-            </a:r>
-          </a:p>
-          <a:p>
+              <a:t>All relevant morphological information</a:t>
+            </a:r>
             <a:endParaRPr lang="en-US" dirty="0"/>
           </a:p>
         </p:txBody>
@@ -640,7 +571,7 @@
           <a:p>
             <a:fld id="{B3E9124A-7BF9-46DF-BFFC-8F8BB6FC65EB}" type="slidenum">
               <a:rPr lang="en-US" smtClean="0"/>
-              <a:t>1</a:t>
+              <a:t>2</a:t>
             </a:fld>
             <a:endParaRPr lang="en-US"/>
           </a:p>
@@ -649,7 +580,7 @@
     </p:spTree>
     <p:extLst>
       <p:ext uri="{BB962C8B-B14F-4D97-AF65-F5344CB8AC3E}">
-        <p14:creationId xmlns:p14="http://schemas.microsoft.com/office/powerpoint/2010/main" val="57256476"/>
+        <p14:creationId xmlns:p14="http://schemas.microsoft.com/office/powerpoint/2010/main" val="1394287972"/>
       </p:ext>
     </p:extLst>
   </p:cSld>
@@ -703,7 +634,35 @@
           <a:bodyPr/>
           <a:lstStyle/>
           <a:p>
-            <a:endParaRPr lang="en-US"/>
+            <a:r>
+              <a:rPr lang="en-US" dirty="0" smtClean="0"/>
+              <a:t>Students are also asked</a:t>
+            </a:r>
+            <a:r>
+              <a:rPr lang="en-US" baseline="0" dirty="0" smtClean="0"/>
+              <a:t> to specify the dependency relationship</a:t>
+            </a:r>
+          </a:p>
+          <a:p>
+            <a:pPr marL="171450" indent="-171450">
+              <a:buFont typeface="Arial" panose="020B0604020202020204" pitchFamily="34" charset="0"/>
+              <a:buChar char="•"/>
+            </a:pPr>
+            <a:r>
+              <a:rPr lang="en-US" baseline="0" dirty="0" smtClean="0"/>
+              <a:t>The list can be customized to meet classroom needs</a:t>
+            </a:r>
+          </a:p>
+          <a:p>
+            <a:pPr marL="171450" indent="-171450">
+              <a:buFont typeface="Arial" panose="020B0604020202020204" pitchFamily="34" charset="0"/>
+              <a:buChar char="•"/>
+            </a:pPr>
+            <a:r>
+              <a:rPr lang="en-US" baseline="0" dirty="0" smtClean="0"/>
+              <a:t>Here is list of clauses known to the students</a:t>
+            </a:r>
+            <a:endParaRPr lang="en-US" dirty="0"/>
           </a:p>
         </p:txBody>
       </p:sp>
@@ -724,7 +683,454 @@
           <a:p>
             <a:fld id="{B3E9124A-7BF9-46DF-BFFC-8F8BB6FC65EB}" type="slidenum">
               <a:rPr lang="en-US" smtClean="0"/>
-              <a:t>2</a:t>
+              <a:t>3</a:t>
+            </a:fld>
+            <a:endParaRPr lang="en-US"/>
+          </a:p>
+        </p:txBody>
+      </p:sp>
+    </p:spTree>
+    <p:extLst>
+      <p:ext uri="{BB962C8B-B14F-4D97-AF65-F5344CB8AC3E}">
+        <p14:creationId xmlns:p14="http://schemas.microsoft.com/office/powerpoint/2010/main" val="3569651408"/>
+      </p:ext>
+    </p:extLst>
+  </p:cSld>
+  <p:clrMapOvr>
+    <a:masterClrMapping/>
+  </p:clrMapOvr>
+</p:notes>
+</file>
+
+<file path=ppt/notesSlides/notesSlide3.xml><?xml version="1.0" encoding="utf-8"?>
+<p:notes xmlns:a="http://schemas.openxmlformats.org/drawingml/2006/main" xmlns:r="http://schemas.openxmlformats.org/officeDocument/2006/relationships" xmlns:p="http://schemas.openxmlformats.org/presentationml/2006/main">
+  <p:cSld>
+    <p:spTree>
+      <p:nvGrpSpPr>
+        <p:cNvPr id="1" name=""/>
+        <p:cNvGrpSpPr/>
+        <p:nvPr/>
+      </p:nvGrpSpPr>
+      <p:grpSpPr>
+        <a:xfrm>
+          <a:off x="0" y="0"/>
+          <a:ext cx="0" cy="0"/>
+          <a:chOff x="0" y="0"/>
+          <a:chExt cx="0" cy="0"/>
+        </a:xfrm>
+      </p:grpSpPr>
+      <p:sp>
+        <p:nvSpPr>
+          <p:cNvPr id="2" name="Slide Image Placeholder 1"/>
+          <p:cNvSpPr>
+            <a:spLocks noGrp="1" noRot="1" noChangeAspect="1"/>
+          </p:cNvSpPr>
+          <p:nvPr>
+            <p:ph type="sldImg"/>
+          </p:nvPr>
+        </p:nvSpPr>
+        <p:spPr/>
+      </p:sp>
+      <p:sp>
+        <p:nvSpPr>
+          <p:cNvPr id="3" name="Notes Placeholder 2"/>
+          <p:cNvSpPr>
+            <a:spLocks noGrp="1"/>
+          </p:cNvSpPr>
+          <p:nvPr>
+            <p:ph type="body" idx="1"/>
+          </p:nvPr>
+        </p:nvSpPr>
+        <p:spPr/>
+        <p:txBody>
+          <a:bodyPr/>
+          <a:lstStyle/>
+          <a:p>
+            <a:r>
+              <a:rPr lang="en-US" dirty="0" smtClean="0"/>
+              <a:t>Underlying XML</a:t>
+            </a:r>
+            <a:endParaRPr lang="en-US" dirty="0"/>
+          </a:p>
+        </p:txBody>
+      </p:sp>
+      <p:sp>
+        <p:nvSpPr>
+          <p:cNvPr id="4" name="Slide Number Placeholder 3"/>
+          <p:cNvSpPr>
+            <a:spLocks noGrp="1"/>
+          </p:cNvSpPr>
+          <p:nvPr>
+            <p:ph type="sldNum" sz="quarter" idx="10"/>
+          </p:nvPr>
+        </p:nvSpPr>
+        <p:spPr/>
+        <p:txBody>
+          <a:bodyPr/>
+          <a:lstStyle/>
+          <a:p>
+            <a:fld id="{B3E9124A-7BF9-46DF-BFFC-8F8BB6FC65EB}" type="slidenum">
+              <a:rPr lang="en-US" smtClean="0"/>
+              <a:t>4</a:t>
+            </a:fld>
+            <a:endParaRPr lang="en-US"/>
+          </a:p>
+        </p:txBody>
+      </p:sp>
+    </p:spTree>
+    <p:extLst>
+      <p:ext uri="{BB962C8B-B14F-4D97-AF65-F5344CB8AC3E}">
+        <p14:creationId xmlns:p14="http://schemas.microsoft.com/office/powerpoint/2010/main" val="1474261016"/>
+      </p:ext>
+    </p:extLst>
+  </p:cSld>
+  <p:clrMapOvr>
+    <a:masterClrMapping/>
+  </p:clrMapOvr>
+</p:notes>
+</file>
+
+<file path=ppt/notesSlides/notesSlide4.xml><?xml version="1.0" encoding="utf-8"?>
+<p:notes xmlns:a="http://schemas.openxmlformats.org/drawingml/2006/main" xmlns:r="http://schemas.openxmlformats.org/officeDocument/2006/relationships" xmlns:p="http://schemas.openxmlformats.org/presentationml/2006/main">
+  <p:cSld>
+    <p:spTree>
+      <p:nvGrpSpPr>
+        <p:cNvPr id="1" name=""/>
+        <p:cNvGrpSpPr/>
+        <p:nvPr/>
+      </p:nvGrpSpPr>
+      <p:grpSpPr>
+        <a:xfrm>
+          <a:off x="0" y="0"/>
+          <a:ext cx="0" cy="0"/>
+          <a:chOff x="0" y="0"/>
+          <a:chExt cx="0" cy="0"/>
+        </a:xfrm>
+      </p:grpSpPr>
+      <p:sp>
+        <p:nvSpPr>
+          <p:cNvPr id="2" name="Slide Image Placeholder 1"/>
+          <p:cNvSpPr>
+            <a:spLocks noGrp="1" noRot="1" noChangeAspect="1"/>
+          </p:cNvSpPr>
+          <p:nvPr>
+            <p:ph type="sldImg"/>
+          </p:nvPr>
+        </p:nvSpPr>
+        <p:spPr/>
+      </p:sp>
+      <p:sp>
+        <p:nvSpPr>
+          <p:cNvPr id="3" name="Notes Placeholder 2"/>
+          <p:cNvSpPr>
+            <a:spLocks noGrp="1"/>
+          </p:cNvSpPr>
+          <p:nvPr>
+            <p:ph type="body" idx="1"/>
+          </p:nvPr>
+        </p:nvSpPr>
+        <p:spPr/>
+        <p:txBody>
+          <a:bodyPr/>
+          <a:lstStyle/>
+          <a:p>
+            <a:r>
+              <a:rPr lang="en-US" dirty="0" smtClean="0"/>
+              <a:t>Underlying XML</a:t>
+            </a:r>
+            <a:endParaRPr lang="en-US" dirty="0"/>
+          </a:p>
+        </p:txBody>
+      </p:sp>
+      <p:sp>
+        <p:nvSpPr>
+          <p:cNvPr id="4" name="Slide Number Placeholder 3"/>
+          <p:cNvSpPr>
+            <a:spLocks noGrp="1"/>
+          </p:cNvSpPr>
+          <p:nvPr>
+            <p:ph type="sldNum" sz="quarter" idx="10"/>
+          </p:nvPr>
+        </p:nvSpPr>
+        <p:spPr/>
+        <p:txBody>
+          <a:bodyPr/>
+          <a:lstStyle/>
+          <a:p>
+            <a:fld id="{B3E9124A-7BF9-46DF-BFFC-8F8BB6FC65EB}" type="slidenum">
+              <a:rPr lang="en-US" smtClean="0"/>
+              <a:t>5</a:t>
+            </a:fld>
+            <a:endParaRPr lang="en-US"/>
+          </a:p>
+        </p:txBody>
+      </p:sp>
+    </p:spTree>
+    <p:extLst>
+      <p:ext uri="{BB962C8B-B14F-4D97-AF65-F5344CB8AC3E}">
+        <p14:creationId xmlns:p14="http://schemas.microsoft.com/office/powerpoint/2010/main" val="2734403786"/>
+      </p:ext>
+    </p:extLst>
+  </p:cSld>
+  <p:clrMapOvr>
+    <a:masterClrMapping/>
+  </p:clrMapOvr>
+</p:notes>
+</file>
+
+<file path=ppt/notesSlides/notesSlide5.xml><?xml version="1.0" encoding="utf-8"?>
+<p:notes xmlns:a="http://schemas.openxmlformats.org/drawingml/2006/main" xmlns:r="http://schemas.openxmlformats.org/officeDocument/2006/relationships" xmlns:p="http://schemas.openxmlformats.org/presentationml/2006/main">
+  <p:cSld>
+    <p:spTree>
+      <p:nvGrpSpPr>
+        <p:cNvPr id="1" name=""/>
+        <p:cNvGrpSpPr/>
+        <p:nvPr/>
+      </p:nvGrpSpPr>
+      <p:grpSpPr>
+        <a:xfrm>
+          <a:off x="0" y="0"/>
+          <a:ext cx="0" cy="0"/>
+          <a:chOff x="0" y="0"/>
+          <a:chExt cx="0" cy="0"/>
+        </a:xfrm>
+      </p:grpSpPr>
+      <p:sp>
+        <p:nvSpPr>
+          <p:cNvPr id="2" name="Slide Image Placeholder 1"/>
+          <p:cNvSpPr>
+            <a:spLocks noGrp="1" noRot="1" noChangeAspect="1"/>
+          </p:cNvSpPr>
+          <p:nvPr>
+            <p:ph type="sldImg"/>
+          </p:nvPr>
+        </p:nvSpPr>
+        <p:spPr/>
+      </p:sp>
+      <p:sp>
+        <p:nvSpPr>
+          <p:cNvPr id="3" name="Notes Placeholder 2"/>
+          <p:cNvSpPr>
+            <a:spLocks noGrp="1"/>
+          </p:cNvSpPr>
+          <p:nvPr>
+            <p:ph type="body" idx="1"/>
+          </p:nvPr>
+        </p:nvSpPr>
+        <p:spPr/>
+        <p:txBody>
+          <a:bodyPr/>
+          <a:lstStyle/>
+          <a:p>
+            <a:r>
+              <a:rPr lang="en-US" dirty="0" smtClean="0"/>
+              <a:t>Data so far is interesting and</a:t>
+            </a:r>
+            <a:r>
+              <a:rPr lang="en-US" baseline="0" dirty="0" smtClean="0"/>
+              <a:t> its collection usefully automated.</a:t>
+            </a:r>
+          </a:p>
+          <a:p>
+            <a:r>
+              <a:rPr lang="en-US" dirty="0" smtClean="0"/>
+              <a:t>It is utterly traditional</a:t>
+            </a:r>
+          </a:p>
+          <a:p>
+            <a:r>
+              <a:rPr lang="en-US" dirty="0" smtClean="0"/>
+              <a:t>It is not very “</a:t>
+            </a:r>
+            <a:r>
+              <a:rPr lang="en-US" dirty="0" err="1" smtClean="0"/>
+              <a:t>treeish</a:t>
+            </a:r>
+            <a:r>
+              <a:rPr lang="en-US" dirty="0" smtClean="0"/>
+              <a:t>.”</a:t>
+            </a:r>
+          </a:p>
+          <a:p>
+            <a:r>
+              <a:rPr lang="en-US" dirty="0" smtClean="0"/>
+              <a:t>The “head” assigned by a student to a word is somewhat different</a:t>
+            </a:r>
+          </a:p>
+          <a:p>
+            <a:pPr marL="171450" indent="-171450">
+              <a:buFont typeface="Arial" panose="020B0604020202020204" pitchFamily="34" charset="0"/>
+              <a:buChar char="•"/>
+            </a:pPr>
+            <a:r>
+              <a:rPr lang="en-US" dirty="0" smtClean="0"/>
+              <a:t>it</a:t>
+            </a:r>
+            <a:r>
+              <a:rPr lang="en-US" baseline="0" dirty="0" smtClean="0"/>
+              <a:t> can also be put in traditional terms: a given adjective is and attribute of a given noun, for example</a:t>
+            </a:r>
+          </a:p>
+          <a:p>
+            <a:pPr marL="171450" indent="-171450">
+              <a:buFont typeface="Arial" panose="020B0604020202020204" pitchFamily="34" charset="0"/>
+              <a:buChar char="•"/>
+            </a:pPr>
+            <a:r>
+              <a:rPr lang="en-US" baseline="0" dirty="0" smtClean="0"/>
+              <a:t>But it is also quite different than the other data examined so far</a:t>
+            </a:r>
+          </a:p>
+          <a:p>
+            <a:pPr marL="628650" lvl="1" indent="-171450">
+              <a:buFont typeface="Arial" panose="020B0604020202020204" pitchFamily="34" charset="0"/>
+              <a:buChar char="•"/>
+            </a:pPr>
+            <a:r>
+              <a:rPr lang="en-US" baseline="0" dirty="0" smtClean="0"/>
+              <a:t>We understand what it means when a student mislabels a Relationship: SBJ for </a:t>
+            </a:r>
+            <a:r>
+              <a:rPr lang="en-US" baseline="0" dirty="0" err="1" smtClean="0"/>
+              <a:t>Poss</a:t>
+            </a:r>
+            <a:endParaRPr lang="en-US" baseline="0" dirty="0" smtClean="0"/>
+          </a:p>
+          <a:p>
+            <a:pPr marL="628650" lvl="1" indent="-171450">
+              <a:buFont typeface="Arial" panose="020B0604020202020204" pitchFamily="34" charset="0"/>
+              <a:buChar char="•"/>
+            </a:pPr>
+            <a:r>
+              <a:rPr lang="en-US" baseline="0" dirty="0" smtClean="0"/>
+              <a:t>But evaluating head data presents difficulties</a:t>
+            </a:r>
+          </a:p>
+          <a:p>
+            <a:pPr marL="628650" lvl="1" indent="-171450">
+              <a:buFont typeface="Arial" panose="020B0604020202020204" pitchFamily="34" charset="0"/>
+              <a:buChar char="•"/>
+            </a:pPr>
+            <a:r>
+              <a:rPr lang="en-US" baseline="0" dirty="0" smtClean="0"/>
+              <a:t>It cannot be interpreted without looking at the tree as a whole: it is the more </a:t>
+            </a:r>
+            <a:r>
+              <a:rPr lang="en-US" baseline="0" dirty="0" err="1" smtClean="0"/>
+              <a:t>treeish</a:t>
+            </a:r>
+            <a:r>
+              <a:rPr lang="en-US" baseline="0" dirty="0" smtClean="0"/>
+              <a:t> part of the data</a:t>
+            </a:r>
+          </a:p>
+          <a:p>
+            <a:endParaRPr lang="en-US" dirty="0"/>
+          </a:p>
+        </p:txBody>
+      </p:sp>
+      <p:sp>
+        <p:nvSpPr>
+          <p:cNvPr id="4" name="Slide Number Placeholder 3"/>
+          <p:cNvSpPr>
+            <a:spLocks noGrp="1"/>
+          </p:cNvSpPr>
+          <p:nvPr>
+            <p:ph type="sldNum" sz="quarter" idx="10"/>
+          </p:nvPr>
+        </p:nvSpPr>
+        <p:spPr/>
+        <p:txBody>
+          <a:bodyPr/>
+          <a:lstStyle/>
+          <a:p>
+            <a:fld id="{B3E9124A-7BF9-46DF-BFFC-8F8BB6FC65EB}" type="slidenum">
+              <a:rPr lang="en-US" smtClean="0"/>
+              <a:t>7</a:t>
+            </a:fld>
+            <a:endParaRPr lang="en-US"/>
+          </a:p>
+        </p:txBody>
+      </p:sp>
+    </p:spTree>
+    <p:extLst>
+      <p:ext uri="{BB962C8B-B14F-4D97-AF65-F5344CB8AC3E}">
+        <p14:creationId xmlns:p14="http://schemas.microsoft.com/office/powerpoint/2010/main" val="57256476"/>
+      </p:ext>
+    </p:extLst>
+  </p:cSld>
+  <p:clrMapOvr>
+    <a:masterClrMapping/>
+  </p:clrMapOvr>
+</p:notes>
+</file>
+
+<file path=ppt/notesSlides/notesSlide6.xml><?xml version="1.0" encoding="utf-8"?>
+<p:notes xmlns:a="http://schemas.openxmlformats.org/drawingml/2006/main" xmlns:r="http://schemas.openxmlformats.org/officeDocument/2006/relationships" xmlns:p="http://schemas.openxmlformats.org/presentationml/2006/main">
+  <p:cSld>
+    <p:spTree>
+      <p:nvGrpSpPr>
+        <p:cNvPr id="1" name=""/>
+        <p:cNvGrpSpPr/>
+        <p:nvPr/>
+      </p:nvGrpSpPr>
+      <p:grpSpPr>
+        <a:xfrm>
+          <a:off x="0" y="0"/>
+          <a:ext cx="0" cy="0"/>
+          <a:chOff x="0" y="0"/>
+          <a:chExt cx="0" cy="0"/>
+        </a:xfrm>
+      </p:grpSpPr>
+      <p:sp>
+        <p:nvSpPr>
+          <p:cNvPr id="2" name="Slide Image Placeholder 1"/>
+          <p:cNvSpPr>
+            <a:spLocks noGrp="1" noRot="1" noChangeAspect="1"/>
+          </p:cNvSpPr>
+          <p:nvPr>
+            <p:ph type="sldImg"/>
+          </p:nvPr>
+        </p:nvSpPr>
+        <p:spPr/>
+      </p:sp>
+      <p:sp>
+        <p:nvSpPr>
+          <p:cNvPr id="3" name="Notes Placeholder 2"/>
+          <p:cNvSpPr>
+            <a:spLocks noGrp="1"/>
+          </p:cNvSpPr>
+          <p:nvPr>
+            <p:ph type="body" idx="1"/>
+          </p:nvPr>
+        </p:nvSpPr>
+        <p:spPr/>
+        <p:txBody>
+          <a:bodyPr/>
+          <a:lstStyle/>
+          <a:p>
+            <a:endParaRPr lang="en-US"/>
+          </a:p>
+        </p:txBody>
+      </p:sp>
+      <p:sp>
+        <p:nvSpPr>
+          <p:cNvPr id="4" name="Slide Number Placeholder 3"/>
+          <p:cNvSpPr>
+            <a:spLocks noGrp="1"/>
+          </p:cNvSpPr>
+          <p:nvPr>
+            <p:ph type="sldNum" sz="quarter" idx="10"/>
+          </p:nvPr>
+        </p:nvSpPr>
+        <p:spPr/>
+        <p:txBody>
+          <a:bodyPr/>
+          <a:lstStyle/>
+          <a:p>
+            <a:fld id="{B3E9124A-7BF9-46DF-BFFC-8F8BB6FC65EB}" type="slidenum">
+              <a:rPr lang="en-US" smtClean="0"/>
+              <a:t>8</a:t>
             </a:fld>
             <a:endParaRPr lang="en-US"/>
           </a:p>
@@ -944,7 +1350,7 @@
                 </a:solidFill>
               </a:rPr>
               <a:pPr/>
-              <a:t>3/15/2016</a:t>
+              <a:t>3/16/2016</a:t>
             </a:fld>
             <a:endParaRPr lang="en-US">
               <a:solidFill>
@@ -1158,7 +1564,7 @@
                 </a:solidFill>
               </a:rPr>
               <a:pPr/>
-              <a:t>3/15/2016</a:t>
+              <a:t>3/16/2016</a:t>
             </a:fld>
             <a:endParaRPr lang="en-US">
               <a:solidFill>
@@ -1375,7 +1781,7 @@
                 </a:solidFill>
               </a:rPr>
               <a:pPr/>
-              <a:t>3/15/2016</a:t>
+              <a:t>3/16/2016</a:t>
             </a:fld>
             <a:endParaRPr lang="en-US">
               <a:solidFill>
@@ -1658,7 +2064,7 @@
                 </a:solidFill>
               </a:rPr>
               <a:pPr/>
-              <a:t>3/15/2016</a:t>
+              <a:t>3/16/2016</a:t>
             </a:fld>
             <a:endParaRPr lang="en-US">
               <a:solidFill>
@@ -1969,7 +2375,7 @@
                 </a:solidFill>
               </a:rPr>
               <a:pPr/>
-              <a:t>3/15/2016</a:t>
+              <a:t>3/16/2016</a:t>
             </a:fld>
             <a:endParaRPr lang="en-US">
               <a:solidFill>
@@ -2416,7 +2822,7 @@
                 </a:solidFill>
               </a:rPr>
               <a:pPr/>
-              <a:t>3/15/2016</a:t>
+              <a:t>3/16/2016</a:t>
             </a:fld>
             <a:endParaRPr lang="en-US">
               <a:solidFill>
@@ -2824,7 +3230,7 @@
                 </a:solidFill>
               </a:rPr>
               <a:pPr/>
-              <a:t>3/15/2016</a:t>
+              <a:t>3/16/2016</a:t>
             </a:fld>
             <a:endParaRPr lang="en-US">
               <a:solidFill>
@@ -3093,7 +3499,7 @@
                 </a:solidFill>
               </a:rPr>
               <a:pPr/>
-              <a:t>3/15/2016</a:t>
+              <a:t>3/16/2016</a:t>
             </a:fld>
             <a:endParaRPr lang="en-US">
               <a:solidFill>
@@ -3225,7 +3631,7 @@
                 </a:solidFill>
               </a:rPr>
               <a:pPr/>
-              <a:t>3/15/2016</a:t>
+              <a:t>3/16/2016</a:t>
             </a:fld>
             <a:endParaRPr lang="en-US">
               <a:solidFill>
@@ -3555,7 +3961,7 @@
                 </a:solidFill>
               </a:rPr>
               <a:pPr/>
-              <a:t>3/15/2016</a:t>
+              <a:t>3/16/2016</a:t>
             </a:fld>
             <a:endParaRPr lang="en-US">
               <a:solidFill>
@@ -3866,7 +4272,7 @@
                 </a:solidFill>
               </a:rPr>
               <a:pPr/>
-              <a:t>3/15/2016</a:t>
+              <a:t>3/16/2016</a:t>
             </a:fld>
             <a:endParaRPr lang="en-US">
               <a:solidFill>
@@ -4118,7 +4524,7 @@
                 </a:solidFill>
               </a:rPr>
               <a:pPr/>
-              <a:t>3/15/2016</a:t>
+              <a:t>3/16/2016</a:t>
             </a:fld>
             <a:endParaRPr lang="en-US">
               <a:solidFill>
@@ -4687,6 +5093,1446 @@
           <a:lstStyle/>
           <a:p>
             <a:r>
+              <a:rPr lang="en-US" dirty="0" err="1">
+                <a:effectLst/>
+              </a:rPr>
+              <a:t>Noster</a:t>
+            </a:r>
+            <a:r>
+              <a:rPr lang="en-US" dirty="0">
+                <a:effectLst/>
+              </a:rPr>
+              <a:t> </a:t>
+            </a:r>
+            <a:r>
+              <a:rPr lang="en-US" dirty="0" err="1">
+                <a:effectLst/>
+              </a:rPr>
+              <a:t>poēta</a:t>
+            </a:r>
+            <a:r>
+              <a:rPr lang="en-US" dirty="0">
+                <a:effectLst/>
+              </a:rPr>
+              <a:t> , nisi </a:t>
+            </a:r>
+            <a:r>
+              <a:rPr lang="en-US" dirty="0" err="1">
+                <a:effectLst/>
+              </a:rPr>
+              <a:t>cīvis</a:t>
+            </a:r>
+            <a:r>
+              <a:rPr lang="en-US" dirty="0">
+                <a:effectLst/>
+              </a:rPr>
+              <a:t> </a:t>
+            </a:r>
+            <a:r>
+              <a:rPr lang="en-US" dirty="0" err="1">
+                <a:effectLst/>
+              </a:rPr>
+              <a:t>Rōmānus</a:t>
+            </a:r>
+            <a:r>
+              <a:rPr lang="en-US" dirty="0">
+                <a:effectLst/>
+              </a:rPr>
+              <a:t> </a:t>
+            </a:r>
+            <a:r>
+              <a:rPr lang="en-US" dirty="0" err="1">
+                <a:effectLst/>
+              </a:rPr>
+              <a:t>esset</a:t>
+            </a:r>
+            <a:r>
+              <a:rPr lang="en-US" dirty="0">
+                <a:effectLst/>
+              </a:rPr>
+              <a:t> , ā </a:t>
+            </a:r>
+            <a:r>
+              <a:rPr lang="en-US" dirty="0" smtClean="0">
+                <a:effectLst/>
+              </a:rPr>
+              <a:t/>
+            </a:r>
+            <a:br>
+              <a:rPr lang="en-US" dirty="0" smtClean="0">
+                <a:effectLst/>
+              </a:rPr>
+            </a:br>
+            <a:r>
+              <a:rPr lang="en-US" dirty="0" err="1" smtClean="0">
+                <a:effectLst/>
+              </a:rPr>
+              <a:t>populō</a:t>
+            </a:r>
+            <a:r>
+              <a:rPr lang="en-US" dirty="0">
+                <a:effectLst/>
+              </a:rPr>
+              <a:t> </a:t>
+            </a:r>
+            <a:r>
+              <a:rPr lang="en-US" dirty="0" err="1">
+                <a:effectLst/>
+              </a:rPr>
+              <a:t>nunc</a:t>
+            </a:r>
+            <a:r>
+              <a:rPr lang="en-US" dirty="0">
+                <a:effectLst/>
+              </a:rPr>
+              <a:t> </a:t>
+            </a:r>
+            <a:r>
+              <a:rPr lang="en-US" dirty="0" err="1">
+                <a:effectLst/>
+              </a:rPr>
+              <a:t>cīvitāte</a:t>
+            </a:r>
+            <a:r>
+              <a:rPr lang="en-US" dirty="0">
+                <a:effectLst/>
+              </a:rPr>
+              <a:t> </a:t>
+            </a:r>
+            <a:r>
+              <a:rPr lang="en-US" dirty="0" err="1">
+                <a:effectLst/>
+              </a:rPr>
+              <a:t>dōnārētur</a:t>
+            </a:r>
+            <a:r>
+              <a:rPr lang="en-US" dirty="0">
+                <a:effectLst/>
+              </a:rPr>
+              <a:t> .</a:t>
+            </a:r>
+            <a:endParaRPr lang="en-US" dirty="0"/>
+          </a:p>
+        </p:txBody>
+      </p:sp>
+      <p:pic>
+        <p:nvPicPr>
+          <p:cNvPr id="4" name="Content Placeholder 3"/>
+          <p:cNvPicPr>
+            <a:picLocks noGrp="1" noChangeAspect="1"/>
+          </p:cNvPicPr>
+          <p:nvPr>
+            <p:ph idx="1"/>
+          </p:nvPr>
+        </p:nvPicPr>
+        <p:blipFill>
+          <a:blip r:embed="rId2">
+            <a:clrChange>
+              <a:clrFrom>
+                <a:srgbClr val="F2F2F2"/>
+              </a:clrFrom>
+              <a:clrTo>
+                <a:srgbClr val="F2F2F2">
+                  <a:alpha val="0"/>
+                </a:srgbClr>
+              </a:clrTo>
+            </a:clrChange>
+            <a:extLst>
+              <a:ext uri="{28A0092B-C50C-407E-A947-70E740481C1C}">
+                <a14:useLocalDpi xmlns:a14="http://schemas.microsoft.com/office/drawing/2010/main" val="0"/>
+              </a:ext>
+            </a:extLst>
+          </a:blip>
+          <a:stretch>
+            <a:fillRect/>
+          </a:stretch>
+        </p:blipFill>
+        <p:spPr>
+          <a:xfrm>
+            <a:off x="3165774" y="1600200"/>
+            <a:ext cx="5860451" cy="4525963"/>
+          </a:xfrm>
+        </p:spPr>
+      </p:pic>
+    </p:spTree>
+    <p:extLst>
+      <p:ext uri="{BB962C8B-B14F-4D97-AF65-F5344CB8AC3E}">
+        <p14:creationId xmlns:p14="http://schemas.microsoft.com/office/powerpoint/2010/main" val="3627201457"/>
+      </p:ext>
+    </p:extLst>
+  </p:cSld>
+  <p:clrMapOvr>
+    <a:masterClrMapping/>
+  </p:clrMapOvr>
+</p:sld>
+</file>
+
+<file path=ppt/slides/slide10.xml><?xml version="1.0" encoding="utf-8"?>
+<p:sld xmlns:a="http://schemas.openxmlformats.org/drawingml/2006/main" xmlns:r="http://schemas.openxmlformats.org/officeDocument/2006/relationships" xmlns:p="http://schemas.openxmlformats.org/presentationml/2006/main">
+  <p:cSld>
+    <p:spTree>
+      <p:nvGrpSpPr>
+        <p:cNvPr id="1" name=""/>
+        <p:cNvGrpSpPr/>
+        <p:nvPr/>
+      </p:nvGrpSpPr>
+      <p:grpSpPr>
+        <a:xfrm>
+          <a:off x="0" y="0"/>
+          <a:ext cx="0" cy="0"/>
+          <a:chOff x="0" y="0"/>
+          <a:chExt cx="0" cy="0"/>
+        </a:xfrm>
+      </p:grpSpPr>
+      <p:sp>
+        <p:nvSpPr>
+          <p:cNvPr id="2" name="Title 1"/>
+          <p:cNvSpPr>
+            <a:spLocks noGrp="1"/>
+          </p:cNvSpPr>
+          <p:nvPr>
+            <p:ph type="title"/>
+          </p:nvPr>
+        </p:nvSpPr>
+        <p:spPr/>
+        <p:txBody>
+          <a:bodyPr/>
+          <a:lstStyle/>
+          <a:p>
+            <a:endParaRPr lang="en-US"/>
+          </a:p>
+        </p:txBody>
+      </p:sp>
+      <p:sp>
+        <p:nvSpPr>
+          <p:cNvPr id="3" name="Content Placeholder 2"/>
+          <p:cNvSpPr>
+            <a:spLocks noGrp="1"/>
+          </p:cNvSpPr>
+          <p:nvPr>
+            <p:ph idx="1"/>
+          </p:nvPr>
+        </p:nvSpPr>
+        <p:spPr/>
+        <p:txBody>
+          <a:bodyPr/>
+          <a:lstStyle/>
+          <a:p>
+            <a:endParaRPr lang="en-US"/>
+          </a:p>
+        </p:txBody>
+      </p:sp>
+    </p:spTree>
+    <p:extLst>
+      <p:ext uri="{BB962C8B-B14F-4D97-AF65-F5344CB8AC3E}">
+        <p14:creationId xmlns:p14="http://schemas.microsoft.com/office/powerpoint/2010/main" val="2782782934"/>
+      </p:ext>
+    </p:extLst>
+  </p:cSld>
+  <p:clrMapOvr>
+    <a:masterClrMapping/>
+  </p:clrMapOvr>
+</p:sld>
+</file>
+
+<file path=ppt/slides/slide11.xml><?xml version="1.0" encoding="utf-8"?>
+<p:sld xmlns:a="http://schemas.openxmlformats.org/drawingml/2006/main" xmlns:r="http://schemas.openxmlformats.org/officeDocument/2006/relationships" xmlns:p="http://schemas.openxmlformats.org/presentationml/2006/main">
+  <p:cSld>
+    <p:spTree>
+      <p:nvGrpSpPr>
+        <p:cNvPr id="1" name=""/>
+        <p:cNvGrpSpPr/>
+        <p:nvPr/>
+      </p:nvGrpSpPr>
+      <p:grpSpPr>
+        <a:xfrm>
+          <a:off x="0" y="0"/>
+          <a:ext cx="0" cy="0"/>
+          <a:chOff x="0" y="0"/>
+          <a:chExt cx="0" cy="0"/>
+        </a:xfrm>
+      </p:grpSpPr>
+      <p:sp>
+        <p:nvSpPr>
+          <p:cNvPr id="2" name="Title 1"/>
+          <p:cNvSpPr>
+            <a:spLocks noGrp="1"/>
+          </p:cNvSpPr>
+          <p:nvPr>
+            <p:ph type="title"/>
+          </p:nvPr>
+        </p:nvSpPr>
+        <p:spPr/>
+        <p:txBody>
+          <a:bodyPr/>
+          <a:lstStyle/>
+          <a:p>
+            <a:endParaRPr lang="en-US"/>
+          </a:p>
+        </p:txBody>
+      </p:sp>
+      <p:sp>
+        <p:nvSpPr>
+          <p:cNvPr id="3" name="Content Placeholder 2"/>
+          <p:cNvSpPr>
+            <a:spLocks noGrp="1"/>
+          </p:cNvSpPr>
+          <p:nvPr>
+            <p:ph idx="1"/>
+          </p:nvPr>
+        </p:nvSpPr>
+        <p:spPr/>
+        <p:txBody>
+          <a:bodyPr/>
+          <a:lstStyle/>
+          <a:p>
+            <a:endParaRPr lang="en-US"/>
+          </a:p>
+        </p:txBody>
+      </p:sp>
+    </p:spTree>
+    <p:extLst>
+      <p:ext uri="{BB962C8B-B14F-4D97-AF65-F5344CB8AC3E}">
+        <p14:creationId xmlns:p14="http://schemas.microsoft.com/office/powerpoint/2010/main" val="94337934"/>
+      </p:ext>
+    </p:extLst>
+  </p:cSld>
+  <p:clrMapOvr>
+    <a:masterClrMapping/>
+  </p:clrMapOvr>
+</p:sld>
+</file>
+
+<file path=ppt/slides/slide2.xml><?xml version="1.0" encoding="utf-8"?>
+<p:sld xmlns:a="http://schemas.openxmlformats.org/drawingml/2006/main" xmlns:r="http://schemas.openxmlformats.org/officeDocument/2006/relationships" xmlns:p="http://schemas.openxmlformats.org/presentationml/2006/main">
+  <p:cSld>
+    <p:spTree>
+      <p:nvGrpSpPr>
+        <p:cNvPr id="1" name=""/>
+        <p:cNvGrpSpPr/>
+        <p:nvPr/>
+      </p:nvGrpSpPr>
+      <p:grpSpPr>
+        <a:xfrm>
+          <a:off x="0" y="0"/>
+          <a:ext cx="0" cy="0"/>
+          <a:chOff x="0" y="0"/>
+          <a:chExt cx="0" cy="0"/>
+        </a:xfrm>
+      </p:grpSpPr>
+      <p:sp>
+        <p:nvSpPr>
+          <p:cNvPr id="2" name="Title 1"/>
+          <p:cNvSpPr>
+            <a:spLocks noGrp="1"/>
+          </p:cNvSpPr>
+          <p:nvPr>
+            <p:ph type="title"/>
+          </p:nvPr>
+        </p:nvSpPr>
+        <p:spPr/>
+        <p:txBody>
+          <a:bodyPr/>
+          <a:lstStyle/>
+          <a:p>
+            <a:r>
+              <a:rPr lang="en-US" dirty="0" err="1">
+                <a:effectLst/>
+              </a:rPr>
+              <a:t>Noster</a:t>
+            </a:r>
+            <a:r>
+              <a:rPr lang="en-US" dirty="0">
+                <a:effectLst/>
+              </a:rPr>
+              <a:t> </a:t>
+            </a:r>
+            <a:r>
+              <a:rPr lang="en-US" dirty="0" err="1">
+                <a:effectLst/>
+              </a:rPr>
+              <a:t>poēta</a:t>
+            </a:r>
+            <a:r>
+              <a:rPr lang="en-US" dirty="0">
+                <a:effectLst/>
+              </a:rPr>
+              <a:t> , nisi </a:t>
+            </a:r>
+            <a:r>
+              <a:rPr lang="en-US" dirty="0" err="1">
+                <a:effectLst/>
+              </a:rPr>
+              <a:t>cīvis</a:t>
+            </a:r>
+            <a:r>
+              <a:rPr lang="en-US" dirty="0">
+                <a:effectLst/>
+              </a:rPr>
+              <a:t> </a:t>
+            </a:r>
+            <a:r>
+              <a:rPr lang="en-US" dirty="0" err="1">
+                <a:effectLst/>
+              </a:rPr>
+              <a:t>Rōmānus</a:t>
+            </a:r>
+            <a:r>
+              <a:rPr lang="en-US" dirty="0">
+                <a:effectLst/>
+              </a:rPr>
+              <a:t> </a:t>
+            </a:r>
+            <a:r>
+              <a:rPr lang="en-US" dirty="0" err="1">
+                <a:effectLst/>
+              </a:rPr>
+              <a:t>esset</a:t>
+            </a:r>
+            <a:r>
+              <a:rPr lang="en-US" dirty="0">
+                <a:effectLst/>
+              </a:rPr>
+              <a:t> , ā </a:t>
+            </a:r>
+            <a:br>
+              <a:rPr lang="en-US" dirty="0">
+                <a:effectLst/>
+              </a:rPr>
+            </a:br>
+            <a:r>
+              <a:rPr lang="en-US" dirty="0" err="1">
+                <a:effectLst/>
+              </a:rPr>
+              <a:t>populō</a:t>
+            </a:r>
+            <a:r>
+              <a:rPr lang="en-US" dirty="0">
+                <a:effectLst/>
+              </a:rPr>
+              <a:t> </a:t>
+            </a:r>
+            <a:r>
+              <a:rPr lang="en-US" dirty="0" err="1">
+                <a:effectLst/>
+              </a:rPr>
+              <a:t>nunc</a:t>
+            </a:r>
+            <a:r>
+              <a:rPr lang="en-US" dirty="0">
+                <a:effectLst/>
+              </a:rPr>
+              <a:t> </a:t>
+            </a:r>
+            <a:r>
+              <a:rPr lang="en-US" dirty="0" err="1">
+                <a:effectLst/>
+              </a:rPr>
+              <a:t>cīvitāte</a:t>
+            </a:r>
+            <a:r>
+              <a:rPr lang="en-US" dirty="0">
+                <a:effectLst/>
+              </a:rPr>
+              <a:t> </a:t>
+            </a:r>
+            <a:r>
+              <a:rPr lang="en-US" dirty="0" err="1">
+                <a:effectLst/>
+              </a:rPr>
+              <a:t>dōnārētur</a:t>
+            </a:r>
+            <a:r>
+              <a:rPr lang="en-US" dirty="0">
+                <a:effectLst/>
+              </a:rPr>
+              <a:t> .</a:t>
+            </a:r>
+            <a:endParaRPr lang="en-US" dirty="0"/>
+          </a:p>
+        </p:txBody>
+      </p:sp>
+      <p:pic>
+        <p:nvPicPr>
+          <p:cNvPr id="6" name="Content Placeholder 5"/>
+          <p:cNvPicPr>
+            <a:picLocks noGrp="1" noChangeAspect="1"/>
+          </p:cNvPicPr>
+          <p:nvPr>
+            <p:ph idx="1"/>
+          </p:nvPr>
+        </p:nvPicPr>
+        <p:blipFill>
+          <a:blip r:embed="rId3">
+            <a:clrChange>
+              <a:clrFrom>
+                <a:srgbClr val="F2F2F2"/>
+              </a:clrFrom>
+              <a:clrTo>
+                <a:srgbClr val="F2F2F2">
+                  <a:alpha val="0"/>
+                </a:srgbClr>
+              </a:clrTo>
+            </a:clrChange>
+            <a:extLst>
+              <a:ext uri="{28A0092B-C50C-407E-A947-70E740481C1C}">
+                <a14:useLocalDpi xmlns:a14="http://schemas.microsoft.com/office/drawing/2010/main" val="0"/>
+              </a:ext>
+            </a:extLst>
+          </a:blip>
+          <a:stretch>
+            <a:fillRect/>
+          </a:stretch>
+        </p:blipFill>
+        <p:spPr>
+          <a:xfrm>
+            <a:off x="1543236" y="1713053"/>
+            <a:ext cx="8627054" cy="4074289"/>
+          </a:xfrm>
+        </p:spPr>
+      </p:pic>
+    </p:spTree>
+    <p:extLst>
+      <p:ext uri="{BB962C8B-B14F-4D97-AF65-F5344CB8AC3E}">
+        <p14:creationId xmlns:p14="http://schemas.microsoft.com/office/powerpoint/2010/main" val="4071930204"/>
+      </p:ext>
+    </p:extLst>
+  </p:cSld>
+  <p:clrMapOvr>
+    <a:masterClrMapping/>
+  </p:clrMapOvr>
+</p:sld>
+</file>
+
+<file path=ppt/slides/slide3.xml><?xml version="1.0" encoding="utf-8"?>
+<p:sld xmlns:a="http://schemas.openxmlformats.org/drawingml/2006/main" xmlns:r="http://schemas.openxmlformats.org/officeDocument/2006/relationships" xmlns:p="http://schemas.openxmlformats.org/presentationml/2006/main">
+  <p:cSld>
+    <p:spTree>
+      <p:nvGrpSpPr>
+        <p:cNvPr id="1" name=""/>
+        <p:cNvGrpSpPr/>
+        <p:nvPr/>
+      </p:nvGrpSpPr>
+      <p:grpSpPr>
+        <a:xfrm>
+          <a:off x="0" y="0"/>
+          <a:ext cx="0" cy="0"/>
+          <a:chOff x="0" y="0"/>
+          <a:chExt cx="0" cy="0"/>
+        </a:xfrm>
+      </p:grpSpPr>
+      <p:sp>
+        <p:nvSpPr>
+          <p:cNvPr id="2" name="Title 1"/>
+          <p:cNvSpPr>
+            <a:spLocks noGrp="1"/>
+          </p:cNvSpPr>
+          <p:nvPr>
+            <p:ph type="title"/>
+          </p:nvPr>
+        </p:nvSpPr>
+        <p:spPr/>
+        <p:txBody>
+          <a:bodyPr/>
+          <a:lstStyle/>
+          <a:p>
+            <a:r>
+              <a:rPr lang="en-US" dirty="0" err="1">
+                <a:effectLst/>
+              </a:rPr>
+              <a:t>Noster</a:t>
+            </a:r>
+            <a:r>
+              <a:rPr lang="en-US" dirty="0">
+                <a:effectLst/>
+              </a:rPr>
+              <a:t> </a:t>
+            </a:r>
+            <a:r>
+              <a:rPr lang="en-US" dirty="0" err="1">
+                <a:effectLst/>
+              </a:rPr>
+              <a:t>poēta</a:t>
+            </a:r>
+            <a:r>
+              <a:rPr lang="en-US" dirty="0">
+                <a:effectLst/>
+              </a:rPr>
+              <a:t> , nisi </a:t>
+            </a:r>
+            <a:r>
+              <a:rPr lang="en-US" dirty="0" err="1">
+                <a:effectLst/>
+              </a:rPr>
+              <a:t>cīvis</a:t>
+            </a:r>
+            <a:r>
+              <a:rPr lang="en-US" dirty="0">
+                <a:effectLst/>
+              </a:rPr>
+              <a:t> </a:t>
+            </a:r>
+            <a:r>
+              <a:rPr lang="en-US" dirty="0" err="1">
+                <a:effectLst/>
+              </a:rPr>
+              <a:t>Rōmānus</a:t>
+            </a:r>
+            <a:r>
+              <a:rPr lang="en-US" dirty="0">
+                <a:effectLst/>
+              </a:rPr>
+              <a:t> </a:t>
+            </a:r>
+            <a:r>
+              <a:rPr lang="en-US" dirty="0" err="1">
+                <a:effectLst/>
+              </a:rPr>
+              <a:t>esset</a:t>
+            </a:r>
+            <a:r>
+              <a:rPr lang="en-US" dirty="0">
+                <a:effectLst/>
+              </a:rPr>
+              <a:t> , ā </a:t>
+            </a:r>
+            <a:br>
+              <a:rPr lang="en-US" dirty="0">
+                <a:effectLst/>
+              </a:rPr>
+            </a:br>
+            <a:r>
+              <a:rPr lang="en-US" dirty="0" err="1">
+                <a:effectLst/>
+              </a:rPr>
+              <a:t>populō</a:t>
+            </a:r>
+            <a:r>
+              <a:rPr lang="en-US" dirty="0">
+                <a:effectLst/>
+              </a:rPr>
+              <a:t> </a:t>
+            </a:r>
+            <a:r>
+              <a:rPr lang="en-US" dirty="0" err="1">
+                <a:effectLst/>
+              </a:rPr>
+              <a:t>nunc</a:t>
+            </a:r>
+            <a:r>
+              <a:rPr lang="en-US" dirty="0">
+                <a:effectLst/>
+              </a:rPr>
+              <a:t> </a:t>
+            </a:r>
+            <a:r>
+              <a:rPr lang="en-US" dirty="0" err="1">
+                <a:effectLst/>
+              </a:rPr>
+              <a:t>cīvitāte</a:t>
+            </a:r>
+            <a:r>
+              <a:rPr lang="en-US" dirty="0">
+                <a:effectLst/>
+              </a:rPr>
+              <a:t> </a:t>
+            </a:r>
+            <a:r>
+              <a:rPr lang="en-US" dirty="0" err="1">
+                <a:effectLst/>
+              </a:rPr>
+              <a:t>dōnārētur</a:t>
+            </a:r>
+            <a:r>
+              <a:rPr lang="en-US" dirty="0">
+                <a:effectLst/>
+              </a:rPr>
+              <a:t> .</a:t>
+            </a:r>
+            <a:endParaRPr lang="en-US" dirty="0"/>
+          </a:p>
+        </p:txBody>
+      </p:sp>
+      <p:pic>
+        <p:nvPicPr>
+          <p:cNvPr id="9" name="Content Placeholder 8"/>
+          <p:cNvPicPr>
+            <a:picLocks noGrp="1" noChangeAspect="1"/>
+          </p:cNvPicPr>
+          <p:nvPr>
+            <p:ph idx="1"/>
+          </p:nvPr>
+        </p:nvPicPr>
+        <p:blipFill>
+          <a:blip r:embed="rId3">
+            <a:extLst>
+              <a:ext uri="{28A0092B-C50C-407E-A947-70E740481C1C}">
+                <a14:useLocalDpi xmlns:a14="http://schemas.microsoft.com/office/drawing/2010/main" val="0"/>
+              </a:ext>
+            </a:extLst>
+          </a:blip>
+          <a:stretch>
+            <a:fillRect/>
+          </a:stretch>
+        </p:blipFill>
+        <p:spPr>
+          <a:xfrm>
+            <a:off x="2546431" y="1500738"/>
+            <a:ext cx="7442522" cy="4953425"/>
+          </a:xfrm>
+        </p:spPr>
+      </p:pic>
+    </p:spTree>
+    <p:extLst>
+      <p:ext uri="{BB962C8B-B14F-4D97-AF65-F5344CB8AC3E}">
+        <p14:creationId xmlns:p14="http://schemas.microsoft.com/office/powerpoint/2010/main" val="672494262"/>
+      </p:ext>
+    </p:extLst>
+  </p:cSld>
+  <p:clrMapOvr>
+    <a:masterClrMapping/>
+  </p:clrMapOvr>
+</p:sld>
+</file>
+
+<file path=ppt/slides/slide4.xml><?xml version="1.0" encoding="utf-8"?>
+<p:sld xmlns:a="http://schemas.openxmlformats.org/drawingml/2006/main" xmlns:r="http://schemas.openxmlformats.org/officeDocument/2006/relationships" xmlns:p="http://schemas.openxmlformats.org/presentationml/2006/main">
+  <p:cSld>
+    <p:spTree>
+      <p:nvGrpSpPr>
+        <p:cNvPr id="1" name=""/>
+        <p:cNvGrpSpPr/>
+        <p:nvPr/>
+      </p:nvGrpSpPr>
+      <p:grpSpPr>
+        <a:xfrm>
+          <a:off x="0" y="0"/>
+          <a:ext cx="0" cy="0"/>
+          <a:chOff x="0" y="0"/>
+          <a:chExt cx="0" cy="0"/>
+        </a:xfrm>
+      </p:grpSpPr>
+      <p:sp>
+        <p:nvSpPr>
+          <p:cNvPr id="2" name="Title 1"/>
+          <p:cNvSpPr>
+            <a:spLocks noGrp="1"/>
+          </p:cNvSpPr>
+          <p:nvPr>
+            <p:ph type="title"/>
+          </p:nvPr>
+        </p:nvSpPr>
+        <p:spPr/>
+        <p:txBody>
+          <a:bodyPr/>
+          <a:lstStyle/>
+          <a:p>
+            <a:r>
+              <a:rPr lang="en-US" dirty="0" err="1">
+                <a:effectLst/>
+              </a:rPr>
+              <a:t>Noster</a:t>
+            </a:r>
+            <a:r>
+              <a:rPr lang="en-US" dirty="0">
+                <a:effectLst/>
+              </a:rPr>
+              <a:t> </a:t>
+            </a:r>
+            <a:r>
+              <a:rPr lang="en-US" dirty="0" err="1">
+                <a:effectLst/>
+              </a:rPr>
+              <a:t>poēta</a:t>
+            </a:r>
+            <a:r>
+              <a:rPr lang="en-US" dirty="0">
+                <a:effectLst/>
+              </a:rPr>
+              <a:t> , nisi </a:t>
+            </a:r>
+            <a:r>
+              <a:rPr lang="en-US" dirty="0" err="1">
+                <a:effectLst/>
+              </a:rPr>
+              <a:t>cīvis</a:t>
+            </a:r>
+            <a:r>
+              <a:rPr lang="en-US" dirty="0">
+                <a:effectLst/>
+              </a:rPr>
+              <a:t> </a:t>
+            </a:r>
+            <a:r>
+              <a:rPr lang="en-US" dirty="0" err="1">
+                <a:effectLst/>
+              </a:rPr>
+              <a:t>Rōmānus</a:t>
+            </a:r>
+            <a:r>
+              <a:rPr lang="en-US" dirty="0">
+                <a:effectLst/>
+              </a:rPr>
+              <a:t> </a:t>
+            </a:r>
+            <a:r>
+              <a:rPr lang="en-US" dirty="0" err="1">
+                <a:effectLst/>
+              </a:rPr>
+              <a:t>esset</a:t>
+            </a:r>
+            <a:r>
+              <a:rPr lang="en-US" dirty="0">
+                <a:effectLst/>
+              </a:rPr>
+              <a:t> , ā </a:t>
+            </a:r>
+            <a:br>
+              <a:rPr lang="en-US" dirty="0">
+                <a:effectLst/>
+              </a:rPr>
+            </a:br>
+            <a:r>
+              <a:rPr lang="en-US" dirty="0" err="1">
+                <a:effectLst/>
+              </a:rPr>
+              <a:t>populō</a:t>
+            </a:r>
+            <a:r>
+              <a:rPr lang="en-US" dirty="0">
+                <a:effectLst/>
+              </a:rPr>
+              <a:t> </a:t>
+            </a:r>
+            <a:r>
+              <a:rPr lang="en-US" dirty="0" err="1">
+                <a:effectLst/>
+              </a:rPr>
+              <a:t>nunc</a:t>
+            </a:r>
+            <a:r>
+              <a:rPr lang="en-US" dirty="0">
+                <a:effectLst/>
+              </a:rPr>
+              <a:t> </a:t>
+            </a:r>
+            <a:r>
+              <a:rPr lang="en-US" dirty="0" err="1">
+                <a:effectLst/>
+              </a:rPr>
+              <a:t>cīvitāte</a:t>
+            </a:r>
+            <a:r>
+              <a:rPr lang="en-US" dirty="0">
+                <a:effectLst/>
+              </a:rPr>
+              <a:t> </a:t>
+            </a:r>
+            <a:r>
+              <a:rPr lang="en-US" dirty="0" err="1">
+                <a:effectLst/>
+              </a:rPr>
+              <a:t>dōnārētur</a:t>
+            </a:r>
+            <a:r>
+              <a:rPr lang="en-US" dirty="0">
+                <a:effectLst/>
+              </a:rPr>
+              <a:t> .</a:t>
+            </a:r>
+            <a:endParaRPr lang="en-US" dirty="0"/>
+          </a:p>
+        </p:txBody>
+      </p:sp>
+      <p:pic>
+        <p:nvPicPr>
+          <p:cNvPr id="4" name="Content Placeholder 3"/>
+          <p:cNvPicPr>
+            <a:picLocks noGrp="1" noChangeAspect="1"/>
+          </p:cNvPicPr>
+          <p:nvPr>
+            <p:ph idx="1"/>
+          </p:nvPr>
+        </p:nvPicPr>
+        <p:blipFill>
+          <a:blip r:embed="rId3">
+            <a:clrChange>
+              <a:clrFrom>
+                <a:srgbClr val="FFFFFF"/>
+              </a:clrFrom>
+              <a:clrTo>
+                <a:srgbClr val="FFFFFF">
+                  <a:alpha val="0"/>
+                </a:srgbClr>
+              </a:clrTo>
+            </a:clrChange>
+            <a:extLst>
+              <a:ext uri="{28A0092B-C50C-407E-A947-70E740481C1C}">
+                <a14:useLocalDpi xmlns:a14="http://schemas.microsoft.com/office/drawing/2010/main" val="0"/>
+              </a:ext>
+            </a:extLst>
+          </a:blip>
+          <a:stretch>
+            <a:fillRect/>
+          </a:stretch>
+        </p:blipFill>
+        <p:spPr>
+          <a:xfrm>
+            <a:off x="1139887" y="1724629"/>
+            <a:ext cx="9497248" cy="4098044"/>
+          </a:xfrm>
+        </p:spPr>
+      </p:pic>
+    </p:spTree>
+    <p:extLst>
+      <p:ext uri="{BB962C8B-B14F-4D97-AF65-F5344CB8AC3E}">
+        <p14:creationId xmlns:p14="http://schemas.microsoft.com/office/powerpoint/2010/main" val="3225240593"/>
+      </p:ext>
+    </p:extLst>
+  </p:cSld>
+  <p:clrMapOvr>
+    <a:masterClrMapping/>
+  </p:clrMapOvr>
+</p:sld>
+</file>
+
+<file path=ppt/slides/slide5.xml><?xml version="1.0" encoding="utf-8"?>
+<p:sld xmlns:a="http://schemas.openxmlformats.org/drawingml/2006/main" xmlns:r="http://schemas.openxmlformats.org/officeDocument/2006/relationships" xmlns:p="http://schemas.openxmlformats.org/presentationml/2006/main">
+  <p:cSld>
+    <p:spTree>
+      <p:nvGrpSpPr>
+        <p:cNvPr id="1" name=""/>
+        <p:cNvGrpSpPr/>
+        <p:nvPr/>
+      </p:nvGrpSpPr>
+      <p:grpSpPr>
+        <a:xfrm>
+          <a:off x="0" y="0"/>
+          <a:ext cx="0" cy="0"/>
+          <a:chOff x="0" y="0"/>
+          <a:chExt cx="0" cy="0"/>
+        </a:xfrm>
+      </p:grpSpPr>
+      <p:sp>
+        <p:nvSpPr>
+          <p:cNvPr id="2" name="Title 1"/>
+          <p:cNvSpPr>
+            <a:spLocks noGrp="1"/>
+          </p:cNvSpPr>
+          <p:nvPr>
+            <p:ph type="title"/>
+          </p:nvPr>
+        </p:nvSpPr>
+        <p:spPr/>
+        <p:txBody>
+          <a:bodyPr/>
+          <a:lstStyle/>
+          <a:p>
+            <a:r>
+              <a:rPr lang="en-US" dirty="0" err="1">
+                <a:effectLst/>
+              </a:rPr>
+              <a:t>Noster</a:t>
+            </a:r>
+            <a:r>
+              <a:rPr lang="en-US" dirty="0">
+                <a:effectLst/>
+              </a:rPr>
+              <a:t> </a:t>
+            </a:r>
+            <a:r>
+              <a:rPr lang="en-US" dirty="0" err="1">
+                <a:effectLst/>
+              </a:rPr>
+              <a:t>poēta</a:t>
+            </a:r>
+            <a:r>
+              <a:rPr lang="en-US" dirty="0">
+                <a:effectLst/>
+              </a:rPr>
+              <a:t> , nisi </a:t>
+            </a:r>
+            <a:r>
+              <a:rPr lang="en-US" dirty="0" err="1">
+                <a:effectLst/>
+              </a:rPr>
+              <a:t>cīvis</a:t>
+            </a:r>
+            <a:r>
+              <a:rPr lang="en-US" dirty="0">
+                <a:effectLst/>
+              </a:rPr>
+              <a:t> </a:t>
+            </a:r>
+            <a:r>
+              <a:rPr lang="en-US" dirty="0" err="1">
+                <a:effectLst/>
+              </a:rPr>
+              <a:t>Rōmānus</a:t>
+            </a:r>
+            <a:r>
+              <a:rPr lang="en-US" dirty="0">
+                <a:effectLst/>
+              </a:rPr>
+              <a:t> </a:t>
+            </a:r>
+            <a:r>
+              <a:rPr lang="en-US" dirty="0" err="1">
+                <a:effectLst/>
+              </a:rPr>
+              <a:t>esset</a:t>
+            </a:r>
+            <a:r>
+              <a:rPr lang="en-US" dirty="0">
+                <a:effectLst/>
+              </a:rPr>
+              <a:t> , ā </a:t>
+            </a:r>
+            <a:br>
+              <a:rPr lang="en-US" dirty="0">
+                <a:effectLst/>
+              </a:rPr>
+            </a:br>
+            <a:r>
+              <a:rPr lang="en-US" dirty="0" err="1">
+                <a:effectLst/>
+              </a:rPr>
+              <a:t>populō</a:t>
+            </a:r>
+            <a:r>
+              <a:rPr lang="en-US" dirty="0">
+                <a:effectLst/>
+              </a:rPr>
+              <a:t> </a:t>
+            </a:r>
+            <a:r>
+              <a:rPr lang="en-US" dirty="0" err="1">
+                <a:effectLst/>
+              </a:rPr>
+              <a:t>nunc</a:t>
+            </a:r>
+            <a:r>
+              <a:rPr lang="en-US" dirty="0">
+                <a:effectLst/>
+              </a:rPr>
+              <a:t> </a:t>
+            </a:r>
+            <a:r>
+              <a:rPr lang="en-US" dirty="0" err="1">
+                <a:effectLst/>
+              </a:rPr>
+              <a:t>cīvitāte</a:t>
+            </a:r>
+            <a:r>
+              <a:rPr lang="en-US" dirty="0">
+                <a:effectLst/>
+              </a:rPr>
+              <a:t> </a:t>
+            </a:r>
+            <a:r>
+              <a:rPr lang="en-US" dirty="0" err="1">
+                <a:effectLst/>
+              </a:rPr>
+              <a:t>dōnārētur</a:t>
+            </a:r>
+            <a:r>
+              <a:rPr lang="en-US" dirty="0">
+                <a:effectLst/>
+              </a:rPr>
+              <a:t> .</a:t>
+            </a:r>
+            <a:endParaRPr lang="en-US" dirty="0"/>
+          </a:p>
+        </p:txBody>
+      </p:sp>
+      <p:sp>
+        <p:nvSpPr>
+          <p:cNvPr id="3" name="Content Placeholder 2"/>
+          <p:cNvSpPr>
+            <a:spLocks noGrp="1"/>
+          </p:cNvSpPr>
+          <p:nvPr>
+            <p:ph idx="1"/>
+          </p:nvPr>
+        </p:nvSpPr>
+        <p:spPr/>
+        <p:txBody>
+          <a:bodyPr/>
+          <a:lstStyle/>
+          <a:p>
+            <a:r>
+              <a:rPr lang="en-US" dirty="0"/>
+              <a:t>&lt;word id="</a:t>
+            </a:r>
+            <a:r>
+              <a:rPr lang="en-US" dirty="0">
+                <a:solidFill>
+                  <a:schemeClr val="tx1"/>
+                </a:solidFill>
+              </a:rPr>
+              <a:t>5</a:t>
+            </a:r>
+            <a:r>
+              <a:rPr lang="en-US" dirty="0"/>
+              <a:t>" form="</a:t>
+            </a:r>
+            <a:r>
+              <a:rPr lang="en-US" dirty="0" err="1"/>
+              <a:t>cīvis</a:t>
+            </a:r>
+            <a:r>
+              <a:rPr lang="en-US" dirty="0"/>
+              <a:t>" lemma="</a:t>
+            </a:r>
+            <a:r>
+              <a:rPr lang="en-US" dirty="0" err="1">
+                <a:solidFill>
+                  <a:srgbClr val="FF0000"/>
+                </a:solidFill>
+              </a:rPr>
+              <a:t>cīvis</a:t>
+            </a:r>
+            <a:r>
+              <a:rPr lang="en-US" dirty="0"/>
+              <a:t>" </a:t>
+            </a:r>
+            <a:r>
+              <a:rPr lang="en-US" dirty="0" err="1"/>
+              <a:t>postag</a:t>
+            </a:r>
+            <a:r>
+              <a:rPr lang="en-US" dirty="0"/>
+              <a:t>="</a:t>
+            </a:r>
+            <a:r>
+              <a:rPr lang="en-US" dirty="0">
+                <a:solidFill>
+                  <a:srgbClr val="FF0000"/>
+                </a:solidFill>
+              </a:rPr>
+              <a:t>n-s---</a:t>
+            </a:r>
+            <a:r>
+              <a:rPr lang="en-US" dirty="0" err="1">
+                <a:solidFill>
+                  <a:srgbClr val="FF0000"/>
+                </a:solidFill>
+              </a:rPr>
+              <a:t>mn</a:t>
+            </a:r>
+            <a:r>
+              <a:rPr lang="en-US" dirty="0">
+                <a:solidFill>
+                  <a:srgbClr val="FF0000"/>
+                </a:solidFill>
+              </a:rPr>
+              <a:t>-</a:t>
+            </a:r>
+            <a:r>
+              <a:rPr lang="en-US" dirty="0"/>
+              <a:t>" relation="</a:t>
+            </a:r>
+            <a:r>
+              <a:rPr lang="en-US" dirty="0" err="1">
+                <a:solidFill>
+                  <a:srgbClr val="FF0000"/>
+                </a:solidFill>
+              </a:rPr>
+              <a:t>Pnom</a:t>
+            </a:r>
+            <a:r>
+              <a:rPr lang="en-US" dirty="0"/>
+              <a:t>" head="</a:t>
+            </a:r>
+            <a:r>
+              <a:rPr lang="en-US" dirty="0">
+                <a:solidFill>
+                  <a:srgbClr val="FF0000"/>
+                </a:solidFill>
+              </a:rPr>
+              <a:t>7</a:t>
+            </a:r>
+            <a:r>
+              <a:rPr lang="en-US" dirty="0"/>
+              <a:t>"/&gt;</a:t>
+            </a:r>
+          </a:p>
+          <a:p>
+            <a:r>
+              <a:rPr lang="en-US" dirty="0"/>
+              <a:t>      &lt;word id="6" form="</a:t>
+            </a:r>
+            <a:r>
+              <a:rPr lang="en-US" dirty="0" err="1">
+                <a:solidFill>
+                  <a:schemeClr val="tx1"/>
+                </a:solidFill>
+              </a:rPr>
+              <a:t>Rōmānus</a:t>
+            </a:r>
+            <a:r>
+              <a:rPr lang="en-US" dirty="0"/>
+              <a:t>" lemma="</a:t>
+            </a:r>
+            <a:r>
+              <a:rPr lang="en-US" dirty="0" err="1">
+                <a:solidFill>
+                  <a:srgbClr val="FF0000"/>
+                </a:solidFill>
+              </a:rPr>
+              <a:t>Rōmānus</a:t>
+            </a:r>
+            <a:r>
+              <a:rPr lang="en-US" dirty="0"/>
+              <a:t>" </a:t>
+            </a:r>
+            <a:r>
+              <a:rPr lang="en-US" dirty="0" err="1"/>
+              <a:t>postag</a:t>
+            </a:r>
+            <a:r>
+              <a:rPr lang="en-US" dirty="0"/>
+              <a:t>="</a:t>
+            </a:r>
+            <a:r>
+              <a:rPr lang="en-US" dirty="0">
+                <a:solidFill>
+                  <a:srgbClr val="FF0000"/>
+                </a:solidFill>
+              </a:rPr>
+              <a:t>a-s---</a:t>
+            </a:r>
+            <a:r>
+              <a:rPr lang="en-US" dirty="0" err="1">
+                <a:solidFill>
+                  <a:srgbClr val="FF0000"/>
+                </a:solidFill>
+              </a:rPr>
+              <a:t>mn</a:t>
+            </a:r>
+            <a:r>
+              <a:rPr lang="en-US" dirty="0">
+                <a:solidFill>
+                  <a:srgbClr val="FF0000"/>
+                </a:solidFill>
+              </a:rPr>
+              <a:t>_</a:t>
+            </a:r>
+            <a:r>
+              <a:rPr lang="en-US" dirty="0"/>
+              <a:t>" relation="</a:t>
+            </a:r>
+            <a:r>
+              <a:rPr lang="en-US" dirty="0" err="1">
+                <a:solidFill>
+                  <a:srgbClr val="FF0000"/>
+                </a:solidFill>
+              </a:rPr>
+              <a:t>Atr</a:t>
+            </a:r>
+            <a:r>
+              <a:rPr lang="en-US" dirty="0"/>
+              <a:t>" head="</a:t>
+            </a:r>
+            <a:r>
+              <a:rPr lang="en-US" dirty="0">
+                <a:solidFill>
+                  <a:srgbClr val="FF0000"/>
+                </a:solidFill>
+              </a:rPr>
+              <a:t>5</a:t>
+            </a:r>
+            <a:r>
+              <a:rPr lang="en-US" dirty="0"/>
+              <a:t>"/&gt;</a:t>
+            </a:r>
+          </a:p>
+          <a:p>
+            <a:r>
+              <a:rPr lang="en-US" dirty="0"/>
+              <a:t>      &lt;word id="7" form="</a:t>
+            </a:r>
+            <a:r>
+              <a:rPr lang="en-US" dirty="0" err="1"/>
+              <a:t>esset</a:t>
+            </a:r>
+            <a:r>
+              <a:rPr lang="en-US" dirty="0"/>
+              <a:t>" lemma="</a:t>
+            </a:r>
+            <a:r>
+              <a:rPr lang="en-US" dirty="0">
+                <a:solidFill>
+                  <a:srgbClr val="FF0000"/>
+                </a:solidFill>
+              </a:rPr>
+              <a:t>sum</a:t>
+            </a:r>
+            <a:r>
+              <a:rPr lang="en-US" dirty="0"/>
+              <a:t>" </a:t>
+            </a:r>
+            <a:r>
+              <a:rPr lang="en-US" dirty="0" err="1"/>
+              <a:t>postag</a:t>
+            </a:r>
+            <a:r>
+              <a:rPr lang="en-US" dirty="0"/>
+              <a:t>="</a:t>
+            </a:r>
+            <a:r>
+              <a:rPr lang="en-US" dirty="0">
+                <a:solidFill>
+                  <a:srgbClr val="FF0000"/>
+                </a:solidFill>
+              </a:rPr>
+              <a:t>v3sisa---</a:t>
+            </a:r>
+            <a:r>
+              <a:rPr lang="en-US" dirty="0"/>
+              <a:t>" relation="</a:t>
+            </a:r>
+            <a:r>
+              <a:rPr lang="en-US" dirty="0" err="1">
+                <a:solidFill>
+                  <a:srgbClr val="FF0000"/>
+                </a:solidFill>
+              </a:rPr>
+              <a:t>CondCl</a:t>
+            </a:r>
+            <a:r>
+              <a:rPr lang="en-US" dirty="0"/>
+              <a:t>" head="</a:t>
+            </a:r>
+            <a:r>
+              <a:rPr lang="en-US" dirty="0">
+                <a:solidFill>
+                  <a:srgbClr val="FF0000"/>
+                </a:solidFill>
+              </a:rPr>
+              <a:t>4</a:t>
+            </a:r>
+            <a:r>
+              <a:rPr lang="en-US" dirty="0"/>
+              <a:t>"/&gt;</a:t>
+            </a:r>
+          </a:p>
+        </p:txBody>
+      </p:sp>
+    </p:spTree>
+    <p:extLst>
+      <p:ext uri="{BB962C8B-B14F-4D97-AF65-F5344CB8AC3E}">
+        <p14:creationId xmlns:p14="http://schemas.microsoft.com/office/powerpoint/2010/main" val="3074557693"/>
+      </p:ext>
+    </p:extLst>
+  </p:cSld>
+  <p:clrMapOvr>
+    <a:masterClrMapping/>
+  </p:clrMapOvr>
+</p:sld>
+</file>
+
+<file path=ppt/slides/slide6.xml><?xml version="1.0" encoding="utf-8"?>
+<p:sld xmlns:a="http://schemas.openxmlformats.org/drawingml/2006/main" xmlns:r="http://schemas.openxmlformats.org/officeDocument/2006/relationships" xmlns:p="http://schemas.openxmlformats.org/presentationml/2006/main">
+  <p:cSld>
+    <p:spTree>
+      <p:nvGrpSpPr>
+        <p:cNvPr id="1" name=""/>
+        <p:cNvGrpSpPr/>
+        <p:nvPr/>
+      </p:nvGrpSpPr>
+      <p:grpSpPr>
+        <a:xfrm>
+          <a:off x="0" y="0"/>
+          <a:ext cx="0" cy="0"/>
+          <a:chOff x="0" y="0"/>
+          <a:chExt cx="0" cy="0"/>
+        </a:xfrm>
+      </p:grpSpPr>
+      <p:sp>
+        <p:nvSpPr>
+          <p:cNvPr id="2" name="Title 1"/>
+          <p:cNvSpPr>
+            <a:spLocks noGrp="1"/>
+          </p:cNvSpPr>
+          <p:nvPr>
+            <p:ph type="title"/>
+          </p:nvPr>
+        </p:nvSpPr>
+        <p:spPr/>
+        <p:txBody>
+          <a:bodyPr/>
+          <a:lstStyle/>
+          <a:p>
+            <a:endParaRPr lang="en-US"/>
+          </a:p>
+        </p:txBody>
+      </p:sp>
+      <p:sp>
+        <p:nvSpPr>
+          <p:cNvPr id="3" name="Content Placeholder 2"/>
+          <p:cNvSpPr>
+            <a:spLocks noGrp="1"/>
+          </p:cNvSpPr>
+          <p:nvPr>
+            <p:ph idx="1"/>
+          </p:nvPr>
+        </p:nvSpPr>
+        <p:spPr/>
+        <p:txBody>
+          <a:bodyPr/>
+          <a:lstStyle/>
+          <a:p>
+            <a:endParaRPr lang="en-US"/>
+          </a:p>
+        </p:txBody>
+      </p:sp>
+    </p:spTree>
+    <p:extLst>
+      <p:ext uri="{BB962C8B-B14F-4D97-AF65-F5344CB8AC3E}">
+        <p14:creationId xmlns:p14="http://schemas.microsoft.com/office/powerpoint/2010/main" val="10401693"/>
+      </p:ext>
+    </p:extLst>
+  </p:cSld>
+  <p:clrMapOvr>
+    <a:masterClrMapping/>
+  </p:clrMapOvr>
+</p:sld>
+</file>
+
+<file path=ppt/slides/slide7.xml><?xml version="1.0" encoding="utf-8"?>
+<p:sld xmlns:a="http://schemas.openxmlformats.org/drawingml/2006/main" xmlns:r="http://schemas.openxmlformats.org/officeDocument/2006/relationships" xmlns:p="http://schemas.openxmlformats.org/presentationml/2006/main">
+  <p:cSld>
+    <p:spTree>
+      <p:nvGrpSpPr>
+        <p:cNvPr id="1" name=""/>
+        <p:cNvGrpSpPr/>
+        <p:nvPr/>
+      </p:nvGrpSpPr>
+      <p:grpSpPr>
+        <a:xfrm>
+          <a:off x="0" y="0"/>
+          <a:ext cx="0" cy="0"/>
+          <a:chOff x="0" y="0"/>
+          <a:chExt cx="0" cy="0"/>
+        </a:xfrm>
+      </p:grpSpPr>
+      <p:sp>
+        <p:nvSpPr>
+          <p:cNvPr id="2" name="Title 1"/>
+          <p:cNvSpPr>
+            <a:spLocks noGrp="1"/>
+          </p:cNvSpPr>
+          <p:nvPr>
+            <p:ph type="title"/>
+          </p:nvPr>
+        </p:nvSpPr>
+        <p:spPr/>
+        <p:txBody>
+          <a:bodyPr/>
+          <a:lstStyle/>
+          <a:p>
+            <a:r>
               <a:rPr lang="en-US" dirty="0" smtClean="0"/>
               <a:t>Usefulness of data?</a:t>
             </a:r>
@@ -4763,7 +6609,7 @@
 </p:sld>
 </file>
 
-<file path=ppt/slides/slide2.xml><?xml version="1.0" encoding="utf-8"?>
+<file path=ppt/slides/slide8.xml><?xml version="1.0" encoding="utf-8"?>
 <p:sld xmlns:a="http://schemas.openxmlformats.org/drawingml/2006/main" xmlns:r="http://schemas.openxmlformats.org/officeDocument/2006/relationships" xmlns:p="http://schemas.openxmlformats.org/presentationml/2006/main">
   <p:cSld>
     <p:spTree>
@@ -4851,7 +6697,7 @@
 </p:sld>
 </file>
 
-<file path=ppt/slides/slide3.xml><?xml version="1.0" encoding="utf-8"?>
+<file path=ppt/slides/slide9.xml><?xml version="1.0" encoding="utf-8"?>
 <p:sld xmlns:a="http://schemas.openxmlformats.org/drawingml/2006/main" xmlns:r="http://schemas.openxmlformats.org/officeDocument/2006/relationships" xmlns:p="http://schemas.openxmlformats.org/presentationml/2006/main">
   <p:cSld>
     <p:spTree>
@@ -4910,142 +6756,6 @@
     <p:extLst>
       <p:ext uri="{BB962C8B-B14F-4D97-AF65-F5344CB8AC3E}">
         <p14:creationId xmlns:p14="http://schemas.microsoft.com/office/powerpoint/2010/main" val="2313706660"/>
-      </p:ext>
-    </p:extLst>
-  </p:cSld>
-  <p:clrMapOvr>
-    <a:masterClrMapping/>
-  </p:clrMapOvr>
-</p:sld>
-</file>
-
-<file path=ppt/slides/slide4.xml><?xml version="1.0" encoding="utf-8"?>
-<p:sld xmlns:a="http://schemas.openxmlformats.org/drawingml/2006/main" xmlns:r="http://schemas.openxmlformats.org/officeDocument/2006/relationships" xmlns:p="http://schemas.openxmlformats.org/presentationml/2006/main">
-  <p:cSld>
-    <p:spTree>
-      <p:nvGrpSpPr>
-        <p:cNvPr id="1" name=""/>
-        <p:cNvGrpSpPr/>
-        <p:nvPr/>
-      </p:nvGrpSpPr>
-      <p:grpSpPr>
-        <a:xfrm>
-          <a:off x="0" y="0"/>
-          <a:ext cx="0" cy="0"/>
-          <a:chOff x="0" y="0"/>
-          <a:chExt cx="0" cy="0"/>
-        </a:xfrm>
-      </p:grpSpPr>
-      <p:sp>
-        <p:nvSpPr>
-          <p:cNvPr id="2" name="Title 1"/>
-          <p:cNvSpPr>
-            <a:spLocks noGrp="1"/>
-          </p:cNvSpPr>
-          <p:nvPr>
-            <p:ph type="title"/>
-          </p:nvPr>
-        </p:nvSpPr>
-        <p:spPr/>
-        <p:txBody>
-          <a:bodyPr/>
-          <a:lstStyle/>
-          <a:p>
-            <a:endParaRPr lang="en-US"/>
-          </a:p>
-        </p:txBody>
-      </p:sp>
-      <p:sp>
-        <p:nvSpPr>
-          <p:cNvPr id="3" name="Content Placeholder 2"/>
-          <p:cNvSpPr>
-            <a:spLocks noGrp="1"/>
-          </p:cNvSpPr>
-          <p:nvPr>
-            <p:ph idx="1"/>
-          </p:nvPr>
-        </p:nvSpPr>
-        <p:spPr/>
-        <p:txBody>
-          <a:bodyPr/>
-          <a:lstStyle/>
-          <a:p>
-            <a:endParaRPr lang="en-US"/>
-          </a:p>
-        </p:txBody>
-      </p:sp>
-    </p:spTree>
-    <p:extLst>
-      <p:ext uri="{BB962C8B-B14F-4D97-AF65-F5344CB8AC3E}">
-        <p14:creationId xmlns:p14="http://schemas.microsoft.com/office/powerpoint/2010/main" val="2782782934"/>
-      </p:ext>
-    </p:extLst>
-  </p:cSld>
-  <p:clrMapOvr>
-    <a:masterClrMapping/>
-  </p:clrMapOvr>
-</p:sld>
-</file>
-
-<file path=ppt/slides/slide5.xml><?xml version="1.0" encoding="utf-8"?>
-<p:sld xmlns:a="http://schemas.openxmlformats.org/drawingml/2006/main" xmlns:r="http://schemas.openxmlformats.org/officeDocument/2006/relationships" xmlns:p="http://schemas.openxmlformats.org/presentationml/2006/main">
-  <p:cSld>
-    <p:spTree>
-      <p:nvGrpSpPr>
-        <p:cNvPr id="1" name=""/>
-        <p:cNvGrpSpPr/>
-        <p:nvPr/>
-      </p:nvGrpSpPr>
-      <p:grpSpPr>
-        <a:xfrm>
-          <a:off x="0" y="0"/>
-          <a:ext cx="0" cy="0"/>
-          <a:chOff x="0" y="0"/>
-          <a:chExt cx="0" cy="0"/>
-        </a:xfrm>
-      </p:grpSpPr>
-      <p:sp>
-        <p:nvSpPr>
-          <p:cNvPr id="2" name="Title 1"/>
-          <p:cNvSpPr>
-            <a:spLocks noGrp="1"/>
-          </p:cNvSpPr>
-          <p:nvPr>
-            <p:ph type="title"/>
-          </p:nvPr>
-        </p:nvSpPr>
-        <p:spPr/>
-        <p:txBody>
-          <a:bodyPr/>
-          <a:lstStyle/>
-          <a:p>
-            <a:endParaRPr lang="en-US"/>
-          </a:p>
-        </p:txBody>
-      </p:sp>
-      <p:sp>
-        <p:nvSpPr>
-          <p:cNvPr id="3" name="Content Placeholder 2"/>
-          <p:cNvSpPr>
-            <a:spLocks noGrp="1"/>
-          </p:cNvSpPr>
-          <p:nvPr>
-            <p:ph idx="1"/>
-          </p:nvPr>
-        </p:nvSpPr>
-        <p:spPr/>
-        <p:txBody>
-          <a:bodyPr/>
-          <a:lstStyle/>
-          <a:p>
-            <a:endParaRPr lang="en-US"/>
-          </a:p>
-        </p:txBody>
-      </p:sp>
-    </p:spTree>
-    <p:extLst>
-      <p:ext uri="{BB962C8B-B14F-4D97-AF65-F5344CB8AC3E}">
-        <p14:creationId xmlns:p14="http://schemas.microsoft.com/office/powerpoint/2010/main" val="94337934"/>
       </p:ext>
     </p:extLst>
   </p:cSld>

--- a/Presentations/CAMWS_2016/Gorman_camws_2016.pptx
+++ b/Presentations/CAMWS_2016/Gorman_camws_2016.pptx
@@ -5,7 +5,7 @@
     <p:sldMasterId id="2147483660" r:id="rId1"/>
   </p:sldMasterIdLst>
   <p:notesMasterIdLst>
-    <p:notesMasterId r:id="rId13"/>
+    <p:notesMasterId r:id="rId27"/>
   </p:notesMasterIdLst>
   <p:sldIdLst>
     <p:sldId id="263" r:id="rId2"/>
@@ -14,11 +14,25 @@
     <p:sldId id="265" r:id="rId5"/>
     <p:sldId id="268" r:id="rId6"/>
     <p:sldId id="266" r:id="rId7"/>
-    <p:sldId id="258" r:id="rId8"/>
-    <p:sldId id="259" r:id="rId9"/>
-    <p:sldId id="260" r:id="rId10"/>
-    <p:sldId id="261" r:id="rId11"/>
-    <p:sldId id="262" r:id="rId12"/>
+    <p:sldId id="269" r:id="rId8"/>
+    <p:sldId id="270" r:id="rId9"/>
+    <p:sldId id="271" r:id="rId10"/>
+    <p:sldId id="272" r:id="rId11"/>
+    <p:sldId id="273" r:id="rId12"/>
+    <p:sldId id="274" r:id="rId13"/>
+    <p:sldId id="275" r:id="rId14"/>
+    <p:sldId id="276" r:id="rId15"/>
+    <p:sldId id="279" r:id="rId16"/>
+    <p:sldId id="277" r:id="rId17"/>
+    <p:sldId id="280" r:id="rId18"/>
+    <p:sldId id="281" r:id="rId19"/>
+    <p:sldId id="282" r:id="rId20"/>
+    <p:sldId id="278" r:id="rId21"/>
+    <p:sldId id="258" r:id="rId22"/>
+    <p:sldId id="259" r:id="rId23"/>
+    <p:sldId id="260" r:id="rId24"/>
+    <p:sldId id="261" r:id="rId25"/>
+    <p:sldId id="262" r:id="rId26"/>
   </p:sldIdLst>
   <p:sldSz cx="12192000" cy="6858000"/>
   <p:notesSz cx="6858000" cy="9144000"/>
@@ -210,7 +224,7 @@
           <a:p>
             <a:fld id="{B126904A-A4F5-408B-B318-7ABD31E5B746}" type="datetimeFigureOut">
               <a:rPr lang="en-US" smtClean="0"/>
-              <a:t>3/16/2016</a:t>
+              <a:t>3/17/2016</a:t>
             </a:fld>
             <a:endParaRPr lang="en-US"/>
           </a:p>
@@ -524,11 +538,283 @@
           <a:p>
             <a:r>
               <a:rPr lang="en-US" dirty="0" smtClean="0"/>
-              <a:t>Students</a:t>
+              <a:t>Dependency Tree of demo sentence.</a:t>
+            </a:r>
+            <a:endParaRPr lang="en-US" dirty="0"/>
+          </a:p>
+        </p:txBody>
+      </p:sp>
+      <p:sp>
+        <p:nvSpPr>
+          <p:cNvPr id="4" name="Slide Number Placeholder 3"/>
+          <p:cNvSpPr>
+            <a:spLocks noGrp="1"/>
+          </p:cNvSpPr>
+          <p:nvPr>
+            <p:ph type="sldNum" sz="quarter" idx="10"/>
+          </p:nvPr>
+        </p:nvSpPr>
+        <p:spPr/>
+        <p:txBody>
+          <a:bodyPr/>
+          <a:lstStyle/>
+          <a:p>
+            <a:fld id="{B3E9124A-7BF9-46DF-BFFC-8F8BB6FC65EB}" type="slidenum">
+              <a:rPr lang="en-US" smtClean="0"/>
+              <a:t>1</a:t>
+            </a:fld>
+            <a:endParaRPr lang="en-US"/>
+          </a:p>
+        </p:txBody>
+      </p:sp>
+    </p:spTree>
+    <p:extLst>
+      <p:ext uri="{BB962C8B-B14F-4D97-AF65-F5344CB8AC3E}">
+        <p14:creationId xmlns:p14="http://schemas.microsoft.com/office/powerpoint/2010/main" val="116762408"/>
+      </p:ext>
+    </p:extLst>
+  </p:cSld>
+  <p:clrMapOvr>
+    <a:masterClrMapping/>
+  </p:clrMapOvr>
+</p:notes>
+</file>
+
+<file path=ppt/notesSlides/notesSlide10.xml><?xml version="1.0" encoding="utf-8"?>
+<p:notes xmlns:a="http://schemas.openxmlformats.org/drawingml/2006/main" xmlns:r="http://schemas.openxmlformats.org/officeDocument/2006/relationships" xmlns:p="http://schemas.openxmlformats.org/presentationml/2006/main">
+  <p:cSld>
+    <p:spTree>
+      <p:nvGrpSpPr>
+        <p:cNvPr id="1" name=""/>
+        <p:cNvGrpSpPr/>
+        <p:nvPr/>
+      </p:nvGrpSpPr>
+      <p:grpSpPr>
+        <a:xfrm>
+          <a:off x="0" y="0"/>
+          <a:ext cx="0" cy="0"/>
+          <a:chOff x="0" y="0"/>
+          <a:chExt cx="0" cy="0"/>
+        </a:xfrm>
+      </p:grpSpPr>
+      <p:sp>
+        <p:nvSpPr>
+          <p:cNvPr id="2" name="Slide Image Placeholder 1"/>
+          <p:cNvSpPr>
+            <a:spLocks noGrp="1" noRot="1" noChangeAspect="1"/>
+          </p:cNvSpPr>
+          <p:nvPr>
+            <p:ph type="sldImg"/>
+          </p:nvPr>
+        </p:nvSpPr>
+        <p:spPr/>
+      </p:sp>
+      <p:sp>
+        <p:nvSpPr>
+          <p:cNvPr id="3" name="Notes Placeholder 2"/>
+          <p:cNvSpPr>
+            <a:spLocks noGrp="1"/>
+          </p:cNvSpPr>
+          <p:nvPr>
+            <p:ph type="body" idx="1"/>
+          </p:nvPr>
+        </p:nvSpPr>
+        <p:spPr/>
+        <p:txBody>
+          <a:bodyPr/>
+          <a:lstStyle/>
+          <a:p>
+            <a:r>
+              <a:rPr lang="en-US" dirty="0" smtClean="0"/>
+              <a:t>Report summarizing</a:t>
             </a:r>
             <a:r>
               <a:rPr lang="en-US" baseline="0" dirty="0" smtClean="0"/>
-              <a:t> are asked to correctly identify every form</a:t>
+              <a:t> individual students</a:t>
+            </a:r>
+            <a:endParaRPr lang="en-US" dirty="0"/>
+          </a:p>
+        </p:txBody>
+      </p:sp>
+      <p:sp>
+        <p:nvSpPr>
+          <p:cNvPr id="4" name="Slide Number Placeholder 3"/>
+          <p:cNvSpPr>
+            <a:spLocks noGrp="1"/>
+          </p:cNvSpPr>
+          <p:nvPr>
+            <p:ph type="sldNum" sz="quarter" idx="10"/>
+          </p:nvPr>
+        </p:nvSpPr>
+        <p:spPr/>
+        <p:txBody>
+          <a:bodyPr/>
+          <a:lstStyle/>
+          <a:p>
+            <a:fld id="{B3E9124A-7BF9-46DF-BFFC-8F8BB6FC65EB}" type="slidenum">
+              <a:rPr lang="en-US" smtClean="0"/>
+              <a:t>10</a:t>
+            </a:fld>
+            <a:endParaRPr lang="en-US"/>
+          </a:p>
+        </p:txBody>
+      </p:sp>
+    </p:spTree>
+    <p:extLst>
+      <p:ext uri="{BB962C8B-B14F-4D97-AF65-F5344CB8AC3E}">
+        <p14:creationId xmlns:p14="http://schemas.microsoft.com/office/powerpoint/2010/main" val="2970749642"/>
+      </p:ext>
+    </p:extLst>
+  </p:cSld>
+  <p:clrMapOvr>
+    <a:masterClrMapping/>
+  </p:clrMapOvr>
+</p:notes>
+</file>
+
+<file path=ppt/notesSlides/notesSlide11.xml><?xml version="1.0" encoding="utf-8"?>
+<p:notes xmlns:a="http://schemas.openxmlformats.org/drawingml/2006/main" xmlns:r="http://schemas.openxmlformats.org/officeDocument/2006/relationships" xmlns:p="http://schemas.openxmlformats.org/presentationml/2006/main">
+  <p:cSld>
+    <p:spTree>
+      <p:nvGrpSpPr>
+        <p:cNvPr id="1" name=""/>
+        <p:cNvGrpSpPr/>
+        <p:nvPr/>
+      </p:nvGrpSpPr>
+      <p:grpSpPr>
+        <a:xfrm>
+          <a:off x="0" y="0"/>
+          <a:ext cx="0" cy="0"/>
+          <a:chOff x="0" y="0"/>
+          <a:chExt cx="0" cy="0"/>
+        </a:xfrm>
+      </p:grpSpPr>
+      <p:sp>
+        <p:nvSpPr>
+          <p:cNvPr id="2" name="Slide Image Placeholder 1"/>
+          <p:cNvSpPr>
+            <a:spLocks noGrp="1" noRot="1" noChangeAspect="1"/>
+          </p:cNvSpPr>
+          <p:nvPr>
+            <p:ph type="sldImg"/>
+          </p:nvPr>
+        </p:nvSpPr>
+        <p:spPr/>
+      </p:sp>
+      <p:sp>
+        <p:nvSpPr>
+          <p:cNvPr id="3" name="Notes Placeholder 2"/>
+          <p:cNvSpPr>
+            <a:spLocks noGrp="1"/>
+          </p:cNvSpPr>
+          <p:nvPr>
+            <p:ph type="body" idx="1"/>
+          </p:nvPr>
+        </p:nvSpPr>
+        <p:spPr/>
+        <p:txBody>
+          <a:bodyPr/>
+          <a:lstStyle/>
+          <a:p>
+            <a:r>
+              <a:rPr lang="en-US" dirty="0" smtClean="0"/>
+              <a:t>Data points for one set of homework</a:t>
+            </a:r>
+            <a:r>
+              <a:rPr lang="en-US" baseline="0" dirty="0" smtClean="0"/>
+              <a:t> assignments is robust</a:t>
+            </a:r>
+            <a:endParaRPr lang="en-US" dirty="0"/>
+          </a:p>
+        </p:txBody>
+      </p:sp>
+      <p:sp>
+        <p:nvSpPr>
+          <p:cNvPr id="4" name="Slide Number Placeholder 3"/>
+          <p:cNvSpPr>
+            <a:spLocks noGrp="1"/>
+          </p:cNvSpPr>
+          <p:nvPr>
+            <p:ph type="sldNum" sz="quarter" idx="10"/>
+          </p:nvPr>
+        </p:nvSpPr>
+        <p:spPr/>
+        <p:txBody>
+          <a:bodyPr/>
+          <a:lstStyle/>
+          <a:p>
+            <a:fld id="{B3E9124A-7BF9-46DF-BFFC-8F8BB6FC65EB}" type="slidenum">
+              <a:rPr lang="en-US" smtClean="0"/>
+              <a:t>11</a:t>
+            </a:fld>
+            <a:endParaRPr lang="en-US"/>
+          </a:p>
+        </p:txBody>
+      </p:sp>
+    </p:spTree>
+    <p:extLst>
+      <p:ext uri="{BB962C8B-B14F-4D97-AF65-F5344CB8AC3E}">
+        <p14:creationId xmlns:p14="http://schemas.microsoft.com/office/powerpoint/2010/main" val="637699976"/>
+      </p:ext>
+    </p:extLst>
+  </p:cSld>
+  <p:clrMapOvr>
+    <a:masterClrMapping/>
+  </p:clrMapOvr>
+</p:notes>
+</file>
+
+<file path=ppt/notesSlides/notesSlide12.xml><?xml version="1.0" encoding="utf-8"?>
+<p:notes xmlns:a="http://schemas.openxmlformats.org/drawingml/2006/main" xmlns:r="http://schemas.openxmlformats.org/officeDocument/2006/relationships" xmlns:p="http://schemas.openxmlformats.org/presentationml/2006/main">
+  <p:cSld>
+    <p:spTree>
+      <p:nvGrpSpPr>
+        <p:cNvPr id="1" name=""/>
+        <p:cNvGrpSpPr/>
+        <p:nvPr/>
+      </p:nvGrpSpPr>
+      <p:grpSpPr>
+        <a:xfrm>
+          <a:off x="0" y="0"/>
+          <a:ext cx="0" cy="0"/>
+          <a:chOff x="0" y="0"/>
+          <a:chExt cx="0" cy="0"/>
+        </a:xfrm>
+      </p:grpSpPr>
+      <p:sp>
+        <p:nvSpPr>
+          <p:cNvPr id="2" name="Slide Image Placeholder 1"/>
+          <p:cNvSpPr>
+            <a:spLocks noGrp="1" noRot="1" noChangeAspect="1"/>
+          </p:cNvSpPr>
+          <p:nvPr>
+            <p:ph type="sldImg"/>
+          </p:nvPr>
+        </p:nvSpPr>
+        <p:spPr/>
+      </p:sp>
+      <p:sp>
+        <p:nvSpPr>
+          <p:cNvPr id="3" name="Notes Placeholder 2"/>
+          <p:cNvSpPr>
+            <a:spLocks noGrp="1"/>
+          </p:cNvSpPr>
+          <p:nvPr>
+            <p:ph type="body" idx="1"/>
+          </p:nvPr>
+        </p:nvSpPr>
+        <p:spPr/>
+        <p:txBody>
+          <a:bodyPr/>
+          <a:lstStyle/>
+          <a:p>
+            <a:r>
+              <a:rPr lang="en-US" dirty="0" smtClean="0"/>
+              <a:t>Data can be broken</a:t>
+            </a:r>
+            <a:r>
+              <a:rPr lang="en-US" baseline="0" dirty="0" smtClean="0"/>
+              <a:t> down in various ways</a:t>
             </a:r>
           </a:p>
           <a:p>
@@ -538,7 +824,7 @@
             </a:pPr>
             <a:r>
               <a:rPr lang="en-US" baseline="0" dirty="0" smtClean="0"/>
-              <a:t>Lemma</a:t>
+              <a:t>Sample of data calculated by type of grammatical Relationship</a:t>
             </a:r>
           </a:p>
           <a:p>
@@ -546,10 +832,6 @@
               <a:buFont typeface="Arial" panose="020B0604020202020204" pitchFamily="34" charset="0"/>
               <a:buChar char="•"/>
             </a:pPr>
-            <a:r>
-              <a:rPr lang="en-US" baseline="0" dirty="0" smtClean="0"/>
-              <a:t>All relevant morphological information</a:t>
-            </a:r>
             <a:endParaRPr lang="en-US" dirty="0"/>
           </a:p>
         </p:txBody>
@@ -571,7 +853,7 @@
           <a:p>
             <a:fld id="{B3E9124A-7BF9-46DF-BFFC-8F8BB6FC65EB}" type="slidenum">
               <a:rPr lang="en-US" smtClean="0"/>
-              <a:t>2</a:t>
+              <a:t>12</a:t>
             </a:fld>
             <a:endParaRPr lang="en-US"/>
           </a:p>
@@ -580,7 +862,896 @@
     </p:spTree>
     <p:extLst>
       <p:ext uri="{BB962C8B-B14F-4D97-AF65-F5344CB8AC3E}">
-        <p14:creationId xmlns:p14="http://schemas.microsoft.com/office/powerpoint/2010/main" val="1394287972"/>
+        <p14:creationId xmlns:p14="http://schemas.microsoft.com/office/powerpoint/2010/main" val="1019707523"/>
+      </p:ext>
+    </p:extLst>
+  </p:cSld>
+  <p:clrMapOvr>
+    <a:masterClrMapping/>
+  </p:clrMapOvr>
+</p:notes>
+</file>
+
+<file path=ppt/notesSlides/notesSlide13.xml><?xml version="1.0" encoding="utf-8"?>
+<p:notes xmlns:a="http://schemas.openxmlformats.org/drawingml/2006/main" xmlns:r="http://schemas.openxmlformats.org/officeDocument/2006/relationships" xmlns:p="http://schemas.openxmlformats.org/presentationml/2006/main">
+  <p:cSld>
+    <p:spTree>
+      <p:nvGrpSpPr>
+        <p:cNvPr id="1" name=""/>
+        <p:cNvGrpSpPr/>
+        <p:nvPr/>
+      </p:nvGrpSpPr>
+      <p:grpSpPr>
+        <a:xfrm>
+          <a:off x="0" y="0"/>
+          <a:ext cx="0" cy="0"/>
+          <a:chOff x="0" y="0"/>
+          <a:chExt cx="0" cy="0"/>
+        </a:xfrm>
+      </p:grpSpPr>
+      <p:sp>
+        <p:nvSpPr>
+          <p:cNvPr id="2" name="Slide Image Placeholder 1"/>
+          <p:cNvSpPr>
+            <a:spLocks noGrp="1" noRot="1" noChangeAspect="1"/>
+          </p:cNvSpPr>
+          <p:nvPr>
+            <p:ph type="sldImg"/>
+          </p:nvPr>
+        </p:nvSpPr>
+        <p:spPr/>
+      </p:sp>
+      <p:sp>
+        <p:nvSpPr>
+          <p:cNvPr id="3" name="Notes Placeholder 2"/>
+          <p:cNvSpPr>
+            <a:spLocks noGrp="1"/>
+          </p:cNvSpPr>
+          <p:nvPr>
+            <p:ph type="body" idx="1"/>
+          </p:nvPr>
+        </p:nvSpPr>
+        <p:spPr/>
+        <p:txBody>
+          <a:bodyPr/>
+          <a:lstStyle/>
+          <a:p>
+            <a:r>
+              <a:rPr lang="en-US" dirty="0" smtClean="0"/>
+              <a:t>Obvious:</a:t>
+            </a:r>
+            <a:r>
+              <a:rPr lang="en-US" baseline="0" dirty="0" smtClean="0"/>
+              <a:t> </a:t>
+            </a:r>
+          </a:p>
+          <a:p>
+            <a:pPr marL="171450" indent="-171450">
+              <a:buFont typeface="Arial" panose="020B0604020202020204" pitchFamily="34" charset="0"/>
+              <a:buChar char="•"/>
+            </a:pPr>
+            <a:r>
+              <a:rPr lang="en-US" baseline="0" dirty="0" smtClean="0"/>
+              <a:t>students can’t tell subjects from </a:t>
+            </a:r>
+            <a:r>
+              <a:rPr lang="en-US" baseline="0" dirty="0" err="1" smtClean="0"/>
+              <a:t>pnoms</a:t>
+            </a:r>
+            <a:r>
+              <a:rPr lang="en-US" baseline="0" dirty="0" smtClean="0"/>
+              <a:t> in the wild</a:t>
+            </a:r>
+          </a:p>
+          <a:p>
+            <a:pPr marL="171450" indent="-171450">
+              <a:buFont typeface="Arial" panose="020B0604020202020204" pitchFamily="34" charset="0"/>
+              <a:buChar char="•"/>
+            </a:pPr>
+            <a:r>
+              <a:rPr lang="en-US" baseline="0" dirty="0" smtClean="0"/>
+              <a:t>Nor perfect participles from nouns derived from same</a:t>
+            </a:r>
+          </a:p>
+          <a:p>
+            <a:pPr marL="171450" indent="-171450">
+              <a:buFont typeface="Arial" panose="020B0604020202020204" pitchFamily="34" charset="0"/>
+              <a:buChar char="•"/>
+            </a:pPr>
+            <a:r>
+              <a:rPr lang="en-US" baseline="0" dirty="0" smtClean="0"/>
+              <a:t>Students confused  by pronoun / adjective alternation of demonstratives</a:t>
+            </a:r>
+            <a:br>
+              <a:rPr lang="en-US" baseline="0" dirty="0" smtClean="0"/>
+            </a:br>
+            <a:endParaRPr lang="en-US" baseline="0" dirty="0" smtClean="0"/>
+          </a:p>
+          <a:p>
+            <a:pPr marL="0" indent="0">
+              <a:buFont typeface="Arial" panose="020B0604020202020204" pitchFamily="34" charset="0"/>
+              <a:buNone/>
+            </a:pPr>
+            <a:r>
+              <a:rPr lang="en-US" baseline="0" dirty="0" smtClean="0"/>
+              <a:t>Not so obvious:</a:t>
+            </a:r>
+          </a:p>
+          <a:p>
+            <a:pPr marL="171450" indent="-171450">
+              <a:buFont typeface="Arial" panose="020B0604020202020204" pitchFamily="34" charset="0"/>
+              <a:buChar char="•"/>
+            </a:pPr>
+            <a:r>
+              <a:rPr lang="en-US" baseline="0" dirty="0" smtClean="0"/>
+              <a:t>More obscure is how to handle data pertaining to shape of tree (structure of sentence)?</a:t>
+            </a:r>
+          </a:p>
+          <a:p>
+            <a:pPr marL="171450" indent="-171450">
+              <a:buFont typeface="Arial" panose="020B0604020202020204" pitchFamily="34" charset="0"/>
+              <a:buChar char="•"/>
+            </a:pPr>
+            <a:r>
+              <a:rPr lang="en-US" baseline="0" dirty="0" smtClean="0"/>
+              <a:t>Desideratum is to be able to generalize performance data</a:t>
+            </a:r>
+          </a:p>
+          <a:p>
+            <a:pPr marL="628650" lvl="1" indent="-171450">
+              <a:buFont typeface="Arial" panose="020B0604020202020204" pitchFamily="34" charset="0"/>
+              <a:buChar char="•"/>
+            </a:pPr>
+            <a:r>
+              <a:rPr lang="en-US" baseline="0" dirty="0" smtClean="0"/>
+              <a:t>Easy for morphological data</a:t>
+            </a:r>
+          </a:p>
+          <a:p>
+            <a:pPr marL="171450" lvl="0" indent="-171450">
+              <a:buFont typeface="Arial" panose="020B0604020202020204" pitchFamily="34" charset="0"/>
+              <a:buChar char="•"/>
+            </a:pPr>
+            <a:r>
+              <a:rPr lang="en-US" baseline="0" dirty="0" smtClean="0"/>
+              <a:t>Difficult for grammatical relationship (since terminology various)</a:t>
+            </a:r>
+          </a:p>
+          <a:p>
+            <a:pPr marL="171450" lvl="0" indent="-171450">
+              <a:buFont typeface="Arial" panose="020B0604020202020204" pitchFamily="34" charset="0"/>
+              <a:buChar char="•"/>
+            </a:pPr>
+            <a:r>
+              <a:rPr lang="en-US" baseline="0" dirty="0" smtClean="0"/>
+              <a:t>Most difficult for “head” data: these are sets of numbers with no inherent grammatical reference or significance</a:t>
+            </a:r>
+            <a:endParaRPr lang="en-US" dirty="0"/>
+          </a:p>
+        </p:txBody>
+      </p:sp>
+      <p:sp>
+        <p:nvSpPr>
+          <p:cNvPr id="4" name="Slide Number Placeholder 3"/>
+          <p:cNvSpPr>
+            <a:spLocks noGrp="1"/>
+          </p:cNvSpPr>
+          <p:nvPr>
+            <p:ph type="sldNum" sz="quarter" idx="10"/>
+          </p:nvPr>
+        </p:nvSpPr>
+        <p:spPr/>
+        <p:txBody>
+          <a:bodyPr/>
+          <a:lstStyle/>
+          <a:p>
+            <a:fld id="{B3E9124A-7BF9-46DF-BFFC-8F8BB6FC65EB}" type="slidenum">
+              <a:rPr lang="en-US" smtClean="0"/>
+              <a:t>13</a:t>
+            </a:fld>
+            <a:endParaRPr lang="en-US"/>
+          </a:p>
+        </p:txBody>
+      </p:sp>
+    </p:spTree>
+    <p:extLst>
+      <p:ext uri="{BB962C8B-B14F-4D97-AF65-F5344CB8AC3E}">
+        <p14:creationId xmlns:p14="http://schemas.microsoft.com/office/powerpoint/2010/main" val="3957604559"/>
+      </p:ext>
+    </p:extLst>
+  </p:cSld>
+  <p:clrMapOvr>
+    <a:masterClrMapping/>
+  </p:clrMapOvr>
+</p:notes>
+</file>
+
+<file path=ppt/notesSlides/notesSlide14.xml><?xml version="1.0" encoding="utf-8"?>
+<p:notes xmlns:a="http://schemas.openxmlformats.org/drawingml/2006/main" xmlns:r="http://schemas.openxmlformats.org/officeDocument/2006/relationships" xmlns:p="http://schemas.openxmlformats.org/presentationml/2006/main">
+  <p:cSld>
+    <p:spTree>
+      <p:nvGrpSpPr>
+        <p:cNvPr id="1" name=""/>
+        <p:cNvGrpSpPr/>
+        <p:nvPr/>
+      </p:nvGrpSpPr>
+      <p:grpSpPr>
+        <a:xfrm>
+          <a:off x="0" y="0"/>
+          <a:ext cx="0" cy="0"/>
+          <a:chOff x="0" y="0"/>
+          <a:chExt cx="0" cy="0"/>
+        </a:xfrm>
+      </p:grpSpPr>
+      <p:sp>
+        <p:nvSpPr>
+          <p:cNvPr id="2" name="Slide Image Placeholder 1"/>
+          <p:cNvSpPr>
+            <a:spLocks noGrp="1" noRot="1" noChangeAspect="1"/>
+          </p:cNvSpPr>
+          <p:nvPr>
+            <p:ph type="sldImg"/>
+          </p:nvPr>
+        </p:nvSpPr>
+        <p:spPr/>
+      </p:sp>
+      <p:sp>
+        <p:nvSpPr>
+          <p:cNvPr id="3" name="Notes Placeholder 2"/>
+          <p:cNvSpPr>
+            <a:spLocks noGrp="1"/>
+          </p:cNvSpPr>
+          <p:nvPr>
+            <p:ph type="body" idx="1"/>
+          </p:nvPr>
+        </p:nvSpPr>
+        <p:spPr/>
+        <p:txBody>
+          <a:bodyPr/>
+          <a:lstStyle/>
+          <a:p>
+            <a:pPr marL="0" indent="0">
+              <a:buFont typeface="Arial" panose="020B0604020202020204" pitchFamily="34" charset="0"/>
+              <a:buNone/>
+            </a:pPr>
+            <a:r>
+              <a:rPr lang="en-US" dirty="0" smtClean="0"/>
+              <a:t>Is there sufficient variety among trees to make their structures</a:t>
+            </a:r>
+            <a:r>
+              <a:rPr lang="en-US" baseline="0" dirty="0" smtClean="0"/>
+              <a:t> useful for classification etc.?</a:t>
+            </a:r>
+          </a:p>
+          <a:p>
+            <a:pPr marL="0" indent="0">
+              <a:buFont typeface="Arial" panose="020B0604020202020204" pitchFamily="34" charset="0"/>
+              <a:buNone/>
+            </a:pPr>
+            <a:r>
+              <a:rPr lang="en-US" baseline="0" dirty="0" smtClean="0"/>
+              <a:t>At first we might doubt:</a:t>
+            </a:r>
+          </a:p>
+          <a:p>
+            <a:pPr marL="171450" indent="-171450">
+              <a:buFont typeface="Arial" panose="020B0604020202020204" pitchFamily="34" charset="0"/>
+              <a:buChar char="•"/>
+            </a:pPr>
+            <a:r>
+              <a:rPr lang="en-US" baseline="0" dirty="0" smtClean="0"/>
+              <a:t>Only two possible shapes for a tree with four vertices.</a:t>
+            </a:r>
+            <a:br>
+              <a:rPr lang="en-US" baseline="0" dirty="0" smtClean="0"/>
+            </a:br>
+            <a:endParaRPr lang="en-US" baseline="0" dirty="0" smtClean="0"/>
+          </a:p>
+          <a:p>
+            <a:endParaRPr lang="en-US" dirty="0"/>
+          </a:p>
+        </p:txBody>
+      </p:sp>
+      <p:sp>
+        <p:nvSpPr>
+          <p:cNvPr id="4" name="Slide Number Placeholder 3"/>
+          <p:cNvSpPr>
+            <a:spLocks noGrp="1"/>
+          </p:cNvSpPr>
+          <p:nvPr>
+            <p:ph type="sldNum" sz="quarter" idx="10"/>
+          </p:nvPr>
+        </p:nvSpPr>
+        <p:spPr/>
+        <p:txBody>
+          <a:bodyPr/>
+          <a:lstStyle/>
+          <a:p>
+            <a:fld id="{B3E9124A-7BF9-46DF-BFFC-8F8BB6FC65EB}" type="slidenum">
+              <a:rPr lang="en-US" smtClean="0"/>
+              <a:t>14</a:t>
+            </a:fld>
+            <a:endParaRPr lang="en-US"/>
+          </a:p>
+        </p:txBody>
+      </p:sp>
+    </p:spTree>
+    <p:extLst>
+      <p:ext uri="{BB962C8B-B14F-4D97-AF65-F5344CB8AC3E}">
+        <p14:creationId xmlns:p14="http://schemas.microsoft.com/office/powerpoint/2010/main" val="2682683465"/>
+      </p:ext>
+    </p:extLst>
+  </p:cSld>
+  <p:clrMapOvr>
+    <a:masterClrMapping/>
+  </p:clrMapOvr>
+</p:notes>
+</file>
+
+<file path=ppt/notesSlides/notesSlide15.xml><?xml version="1.0" encoding="utf-8"?>
+<p:notes xmlns:a="http://schemas.openxmlformats.org/drawingml/2006/main" xmlns:r="http://schemas.openxmlformats.org/officeDocument/2006/relationships" xmlns:p="http://schemas.openxmlformats.org/presentationml/2006/main">
+  <p:cSld>
+    <p:spTree>
+      <p:nvGrpSpPr>
+        <p:cNvPr id="1" name=""/>
+        <p:cNvGrpSpPr/>
+        <p:nvPr/>
+      </p:nvGrpSpPr>
+      <p:grpSpPr>
+        <a:xfrm>
+          <a:off x="0" y="0"/>
+          <a:ext cx="0" cy="0"/>
+          <a:chOff x="0" y="0"/>
+          <a:chExt cx="0" cy="0"/>
+        </a:xfrm>
+      </p:grpSpPr>
+      <p:sp>
+        <p:nvSpPr>
+          <p:cNvPr id="2" name="Slide Image Placeholder 1"/>
+          <p:cNvSpPr>
+            <a:spLocks noGrp="1" noRot="1" noChangeAspect="1"/>
+          </p:cNvSpPr>
+          <p:nvPr>
+            <p:ph type="sldImg"/>
+          </p:nvPr>
+        </p:nvSpPr>
+        <p:spPr/>
+      </p:sp>
+      <p:sp>
+        <p:nvSpPr>
+          <p:cNvPr id="3" name="Notes Placeholder 2"/>
+          <p:cNvSpPr>
+            <a:spLocks noGrp="1"/>
+          </p:cNvSpPr>
+          <p:nvPr>
+            <p:ph type="body" idx="1"/>
+          </p:nvPr>
+        </p:nvSpPr>
+        <p:spPr/>
+        <p:txBody>
+          <a:bodyPr/>
+          <a:lstStyle/>
+          <a:p>
+            <a:r>
+              <a:rPr lang="en-US" dirty="0" smtClean="0"/>
+              <a:t>Dependency trees have added characteristic: they are labeled;</a:t>
+            </a:r>
+          </a:p>
+          <a:p>
+            <a:pPr marL="171450" indent="-171450">
+              <a:buFont typeface="Arial" panose="020B0604020202020204" pitchFamily="34" charset="0"/>
+              <a:buChar char="•"/>
+            </a:pPr>
+            <a:r>
+              <a:rPr lang="en-US" dirty="0" smtClean="0"/>
+              <a:t>Not</a:t>
+            </a:r>
+            <a:r>
+              <a:rPr lang="en-US" baseline="0" dirty="0" smtClean="0"/>
+              <a:t> with respect to syntax relations</a:t>
+            </a:r>
+          </a:p>
+          <a:p>
+            <a:pPr marL="171450" indent="-171450">
+              <a:buFont typeface="Arial" panose="020B0604020202020204" pitchFamily="34" charset="0"/>
+              <a:buChar char="•"/>
+            </a:pPr>
+            <a:r>
+              <a:rPr lang="en-US" baseline="0" dirty="0" smtClean="0"/>
+              <a:t>Rather, each vertex represents an element that is unique in respect to its linear order in a sentence</a:t>
+            </a:r>
+            <a:endParaRPr lang="en-US" dirty="0"/>
+          </a:p>
+        </p:txBody>
+      </p:sp>
+      <p:sp>
+        <p:nvSpPr>
+          <p:cNvPr id="4" name="Slide Number Placeholder 3"/>
+          <p:cNvSpPr>
+            <a:spLocks noGrp="1"/>
+          </p:cNvSpPr>
+          <p:nvPr>
+            <p:ph type="sldNum" sz="quarter" idx="10"/>
+          </p:nvPr>
+        </p:nvSpPr>
+        <p:spPr/>
+        <p:txBody>
+          <a:bodyPr/>
+          <a:lstStyle/>
+          <a:p>
+            <a:fld id="{B3E9124A-7BF9-46DF-BFFC-8F8BB6FC65EB}" type="slidenum">
+              <a:rPr lang="en-US" smtClean="0"/>
+              <a:t>15</a:t>
+            </a:fld>
+            <a:endParaRPr lang="en-US"/>
+          </a:p>
+        </p:txBody>
+      </p:sp>
+    </p:spTree>
+    <p:extLst>
+      <p:ext uri="{BB962C8B-B14F-4D97-AF65-F5344CB8AC3E}">
+        <p14:creationId xmlns:p14="http://schemas.microsoft.com/office/powerpoint/2010/main" val="3430922656"/>
+      </p:ext>
+    </p:extLst>
+  </p:cSld>
+  <p:clrMapOvr>
+    <a:masterClrMapping/>
+  </p:clrMapOvr>
+</p:notes>
+</file>
+
+<file path=ppt/notesSlides/notesSlide16.xml><?xml version="1.0" encoding="utf-8"?>
+<p:notes xmlns:a="http://schemas.openxmlformats.org/drawingml/2006/main" xmlns:r="http://schemas.openxmlformats.org/officeDocument/2006/relationships" xmlns:p="http://schemas.openxmlformats.org/presentationml/2006/main">
+  <p:cSld>
+    <p:spTree>
+      <p:nvGrpSpPr>
+        <p:cNvPr id="1" name=""/>
+        <p:cNvGrpSpPr/>
+        <p:nvPr/>
+      </p:nvGrpSpPr>
+      <p:grpSpPr>
+        <a:xfrm>
+          <a:off x="0" y="0"/>
+          <a:ext cx="0" cy="0"/>
+          <a:chOff x="0" y="0"/>
+          <a:chExt cx="0" cy="0"/>
+        </a:xfrm>
+      </p:grpSpPr>
+      <p:sp>
+        <p:nvSpPr>
+          <p:cNvPr id="2" name="Slide Image Placeholder 1"/>
+          <p:cNvSpPr>
+            <a:spLocks noGrp="1" noRot="1" noChangeAspect="1"/>
+          </p:cNvSpPr>
+          <p:nvPr>
+            <p:ph type="sldImg"/>
+          </p:nvPr>
+        </p:nvSpPr>
+        <p:spPr/>
+      </p:sp>
+      <p:sp>
+        <p:nvSpPr>
+          <p:cNvPr id="3" name="Notes Placeholder 2"/>
+          <p:cNvSpPr>
+            <a:spLocks noGrp="1"/>
+          </p:cNvSpPr>
+          <p:nvPr>
+            <p:ph type="body" idx="1"/>
+          </p:nvPr>
+        </p:nvSpPr>
+        <p:spPr/>
+        <p:txBody>
+          <a:bodyPr/>
+          <a:lstStyle/>
+          <a:p>
+            <a:r>
+              <a:rPr lang="en-US" dirty="0" smtClean="0"/>
+              <a:t>Dependency trees are not only labeled, they are rooted.</a:t>
+            </a:r>
+            <a:endParaRPr lang="en-US" dirty="0"/>
+          </a:p>
+        </p:txBody>
+      </p:sp>
+      <p:sp>
+        <p:nvSpPr>
+          <p:cNvPr id="4" name="Slide Number Placeholder 3"/>
+          <p:cNvSpPr>
+            <a:spLocks noGrp="1"/>
+          </p:cNvSpPr>
+          <p:nvPr>
+            <p:ph type="sldNum" sz="quarter" idx="10"/>
+          </p:nvPr>
+        </p:nvSpPr>
+        <p:spPr/>
+        <p:txBody>
+          <a:bodyPr/>
+          <a:lstStyle/>
+          <a:p>
+            <a:fld id="{B3E9124A-7BF9-46DF-BFFC-8F8BB6FC65EB}" type="slidenum">
+              <a:rPr lang="en-US" smtClean="0"/>
+              <a:t>16</a:t>
+            </a:fld>
+            <a:endParaRPr lang="en-US"/>
+          </a:p>
+        </p:txBody>
+      </p:sp>
+    </p:spTree>
+    <p:extLst>
+      <p:ext uri="{BB962C8B-B14F-4D97-AF65-F5344CB8AC3E}">
+        <p14:creationId xmlns:p14="http://schemas.microsoft.com/office/powerpoint/2010/main" val="979948256"/>
+      </p:ext>
+    </p:extLst>
+  </p:cSld>
+  <p:clrMapOvr>
+    <a:masterClrMapping/>
+  </p:clrMapOvr>
+</p:notes>
+</file>
+
+<file path=ppt/notesSlides/notesSlide17.xml><?xml version="1.0" encoding="utf-8"?>
+<p:notes xmlns:a="http://schemas.openxmlformats.org/drawingml/2006/main" xmlns:r="http://schemas.openxmlformats.org/officeDocument/2006/relationships" xmlns:p="http://schemas.openxmlformats.org/presentationml/2006/main">
+  <p:cSld>
+    <p:spTree>
+      <p:nvGrpSpPr>
+        <p:cNvPr id="1" name=""/>
+        <p:cNvGrpSpPr/>
+        <p:nvPr/>
+      </p:nvGrpSpPr>
+      <p:grpSpPr>
+        <a:xfrm>
+          <a:off x="0" y="0"/>
+          <a:ext cx="0" cy="0"/>
+          <a:chOff x="0" y="0"/>
+          <a:chExt cx="0" cy="0"/>
+        </a:xfrm>
+      </p:grpSpPr>
+      <p:sp>
+        <p:nvSpPr>
+          <p:cNvPr id="2" name="Slide Image Placeholder 1"/>
+          <p:cNvSpPr>
+            <a:spLocks noGrp="1" noRot="1" noChangeAspect="1"/>
+          </p:cNvSpPr>
+          <p:nvPr>
+            <p:ph type="sldImg"/>
+          </p:nvPr>
+        </p:nvSpPr>
+        <p:spPr/>
+      </p:sp>
+      <p:sp>
+        <p:nvSpPr>
+          <p:cNvPr id="3" name="Notes Placeholder 2"/>
+          <p:cNvSpPr>
+            <a:spLocks noGrp="1"/>
+          </p:cNvSpPr>
+          <p:nvPr>
+            <p:ph type="body" idx="1"/>
+          </p:nvPr>
+        </p:nvSpPr>
+        <p:spPr/>
+        <p:txBody>
+          <a:bodyPr/>
+          <a:lstStyle/>
+          <a:p>
+            <a:r>
+              <a:rPr lang="en-US" dirty="0" smtClean="0"/>
+              <a:t>A sentence with 10 words may be represented by any one of a billion</a:t>
+            </a:r>
+            <a:r>
+              <a:rPr lang="en-US" baseline="0" dirty="0" smtClean="0"/>
+              <a:t> trees!</a:t>
+            </a:r>
+          </a:p>
+          <a:p>
+            <a:r>
+              <a:rPr lang="en-US" baseline="0" dirty="0" smtClean="0"/>
+              <a:t>Point: if we find patterns of similar structures given this possible variety, we may suspect that the patterns </a:t>
+            </a:r>
+            <a:r>
+              <a:rPr lang="en-US" baseline="0" smtClean="0"/>
+              <a:t>are significant.</a:t>
+            </a:r>
+            <a:endParaRPr lang="en-US"/>
+          </a:p>
+        </p:txBody>
+      </p:sp>
+      <p:sp>
+        <p:nvSpPr>
+          <p:cNvPr id="4" name="Slide Number Placeholder 3"/>
+          <p:cNvSpPr>
+            <a:spLocks noGrp="1"/>
+          </p:cNvSpPr>
+          <p:nvPr>
+            <p:ph type="sldNum" sz="quarter" idx="10"/>
+          </p:nvPr>
+        </p:nvSpPr>
+        <p:spPr/>
+        <p:txBody>
+          <a:bodyPr/>
+          <a:lstStyle/>
+          <a:p>
+            <a:fld id="{B3E9124A-7BF9-46DF-BFFC-8F8BB6FC65EB}" type="slidenum">
+              <a:rPr lang="en-US" smtClean="0"/>
+              <a:t>18</a:t>
+            </a:fld>
+            <a:endParaRPr lang="en-US"/>
+          </a:p>
+        </p:txBody>
+      </p:sp>
+    </p:spTree>
+    <p:extLst>
+      <p:ext uri="{BB962C8B-B14F-4D97-AF65-F5344CB8AC3E}">
+        <p14:creationId xmlns:p14="http://schemas.microsoft.com/office/powerpoint/2010/main" val="272665971"/>
+      </p:ext>
+    </p:extLst>
+  </p:cSld>
+  <p:clrMapOvr>
+    <a:masterClrMapping/>
+  </p:clrMapOvr>
+</p:notes>
+</file>
+
+<file path=ppt/notesSlides/notesSlide18.xml><?xml version="1.0" encoding="utf-8"?>
+<p:notes xmlns:a="http://schemas.openxmlformats.org/drawingml/2006/main" xmlns:r="http://schemas.openxmlformats.org/officeDocument/2006/relationships" xmlns:p="http://schemas.openxmlformats.org/presentationml/2006/main">
+  <p:cSld>
+    <p:spTree>
+      <p:nvGrpSpPr>
+        <p:cNvPr id="1" name=""/>
+        <p:cNvGrpSpPr/>
+        <p:nvPr/>
+      </p:nvGrpSpPr>
+      <p:grpSpPr>
+        <a:xfrm>
+          <a:off x="0" y="0"/>
+          <a:ext cx="0" cy="0"/>
+          <a:chOff x="0" y="0"/>
+          <a:chExt cx="0" cy="0"/>
+        </a:xfrm>
+      </p:grpSpPr>
+      <p:sp>
+        <p:nvSpPr>
+          <p:cNvPr id="2" name="Slide Image Placeholder 1"/>
+          <p:cNvSpPr>
+            <a:spLocks noGrp="1" noRot="1" noChangeAspect="1"/>
+          </p:cNvSpPr>
+          <p:nvPr>
+            <p:ph type="sldImg"/>
+          </p:nvPr>
+        </p:nvSpPr>
+        <p:spPr/>
+      </p:sp>
+      <p:sp>
+        <p:nvSpPr>
+          <p:cNvPr id="3" name="Notes Placeholder 2"/>
+          <p:cNvSpPr>
+            <a:spLocks noGrp="1"/>
+          </p:cNvSpPr>
+          <p:nvPr>
+            <p:ph type="body" idx="1"/>
+          </p:nvPr>
+        </p:nvSpPr>
+        <p:spPr/>
+        <p:txBody>
+          <a:bodyPr/>
+          <a:lstStyle/>
+          <a:p>
+            <a:r>
+              <a:rPr lang="en-US" dirty="0" smtClean="0"/>
+              <a:t>Data so far is interesting and</a:t>
+            </a:r>
+            <a:r>
+              <a:rPr lang="en-US" baseline="0" dirty="0" smtClean="0"/>
+              <a:t> its collection usefully automated.</a:t>
+            </a:r>
+          </a:p>
+          <a:p>
+            <a:r>
+              <a:rPr lang="en-US" dirty="0" smtClean="0"/>
+              <a:t>It is utterly traditional</a:t>
+            </a:r>
+          </a:p>
+          <a:p>
+            <a:r>
+              <a:rPr lang="en-US" dirty="0" smtClean="0"/>
+              <a:t>It is not very “</a:t>
+            </a:r>
+            <a:r>
+              <a:rPr lang="en-US" dirty="0" err="1" smtClean="0"/>
+              <a:t>treeish</a:t>
+            </a:r>
+            <a:r>
+              <a:rPr lang="en-US" dirty="0" smtClean="0"/>
+              <a:t>.”</a:t>
+            </a:r>
+          </a:p>
+          <a:p>
+            <a:r>
+              <a:rPr lang="en-US" dirty="0" smtClean="0"/>
+              <a:t>The “head” assigned by a student to a word is somewhat different</a:t>
+            </a:r>
+          </a:p>
+          <a:p>
+            <a:pPr marL="171450" indent="-171450">
+              <a:buFont typeface="Arial" panose="020B0604020202020204" pitchFamily="34" charset="0"/>
+              <a:buChar char="•"/>
+            </a:pPr>
+            <a:r>
+              <a:rPr lang="en-US" dirty="0" smtClean="0"/>
+              <a:t>it</a:t>
+            </a:r>
+            <a:r>
+              <a:rPr lang="en-US" baseline="0" dirty="0" smtClean="0"/>
+              <a:t> can also be put in traditional terms: a given adjective is and attribute of a given noun, for example</a:t>
+            </a:r>
+          </a:p>
+          <a:p>
+            <a:pPr marL="171450" indent="-171450">
+              <a:buFont typeface="Arial" panose="020B0604020202020204" pitchFamily="34" charset="0"/>
+              <a:buChar char="•"/>
+            </a:pPr>
+            <a:r>
+              <a:rPr lang="en-US" baseline="0" dirty="0" smtClean="0"/>
+              <a:t>But it is also quite different than the other data examined so far</a:t>
+            </a:r>
+          </a:p>
+          <a:p>
+            <a:pPr marL="628650" lvl="1" indent="-171450">
+              <a:buFont typeface="Arial" panose="020B0604020202020204" pitchFamily="34" charset="0"/>
+              <a:buChar char="•"/>
+            </a:pPr>
+            <a:r>
+              <a:rPr lang="en-US" baseline="0" dirty="0" smtClean="0"/>
+              <a:t>We understand what it means when a student mislabels a Relationship: SBJ for </a:t>
+            </a:r>
+            <a:r>
+              <a:rPr lang="en-US" baseline="0" dirty="0" err="1" smtClean="0"/>
+              <a:t>Poss</a:t>
+            </a:r>
+            <a:endParaRPr lang="en-US" baseline="0" dirty="0" smtClean="0"/>
+          </a:p>
+          <a:p>
+            <a:pPr marL="628650" lvl="1" indent="-171450">
+              <a:buFont typeface="Arial" panose="020B0604020202020204" pitchFamily="34" charset="0"/>
+              <a:buChar char="•"/>
+            </a:pPr>
+            <a:r>
+              <a:rPr lang="en-US" baseline="0" dirty="0" smtClean="0"/>
+              <a:t>But evaluating head data presents difficulties</a:t>
+            </a:r>
+          </a:p>
+          <a:p>
+            <a:pPr marL="628650" lvl="1" indent="-171450">
+              <a:buFont typeface="Arial" panose="020B0604020202020204" pitchFamily="34" charset="0"/>
+              <a:buChar char="•"/>
+            </a:pPr>
+            <a:r>
+              <a:rPr lang="en-US" baseline="0" dirty="0" smtClean="0"/>
+              <a:t>It cannot be interpreted without looking at the tree as a whole: it is the more </a:t>
+            </a:r>
+            <a:r>
+              <a:rPr lang="en-US" baseline="0" dirty="0" err="1" smtClean="0"/>
+              <a:t>treeish</a:t>
+            </a:r>
+            <a:r>
+              <a:rPr lang="en-US" baseline="0" dirty="0" smtClean="0"/>
+              <a:t> part of the data</a:t>
+            </a:r>
+          </a:p>
+          <a:p>
+            <a:endParaRPr lang="en-US" dirty="0"/>
+          </a:p>
+        </p:txBody>
+      </p:sp>
+      <p:sp>
+        <p:nvSpPr>
+          <p:cNvPr id="4" name="Slide Number Placeholder 3"/>
+          <p:cNvSpPr>
+            <a:spLocks noGrp="1"/>
+          </p:cNvSpPr>
+          <p:nvPr>
+            <p:ph type="sldNum" sz="quarter" idx="10"/>
+          </p:nvPr>
+        </p:nvSpPr>
+        <p:spPr/>
+        <p:txBody>
+          <a:bodyPr/>
+          <a:lstStyle/>
+          <a:p>
+            <a:fld id="{B3E9124A-7BF9-46DF-BFFC-8F8BB6FC65EB}" type="slidenum">
+              <a:rPr lang="en-US" smtClean="0"/>
+              <a:t>21</a:t>
+            </a:fld>
+            <a:endParaRPr lang="en-US"/>
+          </a:p>
+        </p:txBody>
+      </p:sp>
+    </p:spTree>
+    <p:extLst>
+      <p:ext uri="{BB962C8B-B14F-4D97-AF65-F5344CB8AC3E}">
+        <p14:creationId xmlns:p14="http://schemas.microsoft.com/office/powerpoint/2010/main" val="57256476"/>
+      </p:ext>
+    </p:extLst>
+  </p:cSld>
+  <p:clrMapOvr>
+    <a:masterClrMapping/>
+  </p:clrMapOvr>
+</p:notes>
+</file>
+
+<file path=ppt/notesSlides/notesSlide19.xml><?xml version="1.0" encoding="utf-8"?>
+<p:notes xmlns:a="http://schemas.openxmlformats.org/drawingml/2006/main" xmlns:r="http://schemas.openxmlformats.org/officeDocument/2006/relationships" xmlns:p="http://schemas.openxmlformats.org/presentationml/2006/main">
+  <p:cSld>
+    <p:spTree>
+      <p:nvGrpSpPr>
+        <p:cNvPr id="1" name=""/>
+        <p:cNvGrpSpPr/>
+        <p:nvPr/>
+      </p:nvGrpSpPr>
+      <p:grpSpPr>
+        <a:xfrm>
+          <a:off x="0" y="0"/>
+          <a:ext cx="0" cy="0"/>
+          <a:chOff x="0" y="0"/>
+          <a:chExt cx="0" cy="0"/>
+        </a:xfrm>
+      </p:grpSpPr>
+      <p:sp>
+        <p:nvSpPr>
+          <p:cNvPr id="2" name="Slide Image Placeholder 1"/>
+          <p:cNvSpPr>
+            <a:spLocks noGrp="1" noRot="1" noChangeAspect="1"/>
+          </p:cNvSpPr>
+          <p:nvPr>
+            <p:ph type="sldImg"/>
+          </p:nvPr>
+        </p:nvSpPr>
+        <p:spPr/>
+      </p:sp>
+      <p:sp>
+        <p:nvSpPr>
+          <p:cNvPr id="3" name="Notes Placeholder 2"/>
+          <p:cNvSpPr>
+            <a:spLocks noGrp="1"/>
+          </p:cNvSpPr>
+          <p:nvPr>
+            <p:ph type="body" idx="1"/>
+          </p:nvPr>
+        </p:nvSpPr>
+        <p:spPr/>
+        <p:txBody>
+          <a:bodyPr/>
+          <a:lstStyle/>
+          <a:p>
+            <a:endParaRPr lang="en-US"/>
+          </a:p>
+        </p:txBody>
+      </p:sp>
+      <p:sp>
+        <p:nvSpPr>
+          <p:cNvPr id="4" name="Slide Number Placeholder 3"/>
+          <p:cNvSpPr>
+            <a:spLocks noGrp="1"/>
+          </p:cNvSpPr>
+          <p:nvPr>
+            <p:ph type="sldNum" sz="quarter" idx="10"/>
+          </p:nvPr>
+        </p:nvSpPr>
+        <p:spPr/>
+        <p:txBody>
+          <a:bodyPr/>
+          <a:lstStyle/>
+          <a:p>
+            <a:fld id="{B3E9124A-7BF9-46DF-BFFC-8F8BB6FC65EB}" type="slidenum">
+              <a:rPr lang="en-US" smtClean="0"/>
+              <a:t>22</a:t>
+            </a:fld>
+            <a:endParaRPr lang="en-US"/>
+          </a:p>
+        </p:txBody>
+      </p:sp>
+    </p:spTree>
+    <p:extLst>
+      <p:ext uri="{BB962C8B-B14F-4D97-AF65-F5344CB8AC3E}">
+        <p14:creationId xmlns:p14="http://schemas.microsoft.com/office/powerpoint/2010/main" val="3964134144"/>
       </p:ext>
     </p:extLst>
   </p:cSld>
@@ -636,11 +1807,11 @@
           <a:p>
             <a:r>
               <a:rPr lang="en-US" dirty="0" smtClean="0"/>
-              <a:t>Students are also asked</a:t>
+              <a:t>Students</a:t>
             </a:r>
             <a:r>
               <a:rPr lang="en-US" baseline="0" dirty="0" smtClean="0"/>
-              <a:t> to specify the dependency relationship</a:t>
+              <a:t> are asked to correctly identify every form</a:t>
             </a:r>
           </a:p>
           <a:p>
@@ -650,7 +1821,7 @@
             </a:pPr>
             <a:r>
               <a:rPr lang="en-US" baseline="0" dirty="0" smtClean="0"/>
-              <a:t>The list can be customized to meet classroom needs</a:t>
+              <a:t>Lemma</a:t>
             </a:r>
           </a:p>
           <a:p>
@@ -660,7 +1831,7 @@
             </a:pPr>
             <a:r>
               <a:rPr lang="en-US" baseline="0" dirty="0" smtClean="0"/>
-              <a:t>Here is list of clauses known to the students</a:t>
+              <a:t>All relevant morphological information</a:t>
             </a:r>
             <a:endParaRPr lang="en-US" dirty="0"/>
           </a:p>
@@ -683,7 +1854,7 @@
           <a:p>
             <a:fld id="{B3E9124A-7BF9-46DF-BFFC-8F8BB6FC65EB}" type="slidenum">
               <a:rPr lang="en-US" smtClean="0"/>
-              <a:t>3</a:t>
+              <a:t>2</a:t>
             </a:fld>
             <a:endParaRPr lang="en-US"/>
           </a:p>
@@ -692,7 +1863,7 @@
     </p:spTree>
     <p:extLst>
       <p:ext uri="{BB962C8B-B14F-4D97-AF65-F5344CB8AC3E}">
-        <p14:creationId xmlns:p14="http://schemas.microsoft.com/office/powerpoint/2010/main" val="3569651408"/>
+        <p14:creationId xmlns:p14="http://schemas.microsoft.com/office/powerpoint/2010/main" val="1394287972"/>
       </p:ext>
     </p:extLst>
   </p:cSld>
@@ -748,7 +1919,31 @@
           <a:p>
             <a:r>
               <a:rPr lang="en-US" dirty="0" smtClean="0"/>
-              <a:t>Underlying XML</a:t>
+              <a:t>Students are also asked</a:t>
+            </a:r>
+            <a:r>
+              <a:rPr lang="en-US" baseline="0" dirty="0" smtClean="0"/>
+              <a:t> to specify the dependency relationship</a:t>
+            </a:r>
+          </a:p>
+          <a:p>
+            <a:pPr marL="171450" indent="-171450">
+              <a:buFont typeface="Arial" panose="020B0604020202020204" pitchFamily="34" charset="0"/>
+              <a:buChar char="•"/>
+            </a:pPr>
+            <a:r>
+              <a:rPr lang="en-US" baseline="0" dirty="0" smtClean="0"/>
+              <a:t>The list can be customized to meet classroom needs</a:t>
+            </a:r>
+          </a:p>
+          <a:p>
+            <a:pPr marL="171450" indent="-171450">
+              <a:buFont typeface="Arial" panose="020B0604020202020204" pitchFamily="34" charset="0"/>
+              <a:buChar char="•"/>
+            </a:pPr>
+            <a:r>
+              <a:rPr lang="en-US" baseline="0" dirty="0" smtClean="0"/>
+              <a:t>Here is list of clauses known to the students</a:t>
             </a:r>
             <a:endParaRPr lang="en-US" dirty="0"/>
           </a:p>
@@ -771,7 +1966,7 @@
           <a:p>
             <a:fld id="{B3E9124A-7BF9-46DF-BFFC-8F8BB6FC65EB}" type="slidenum">
               <a:rPr lang="en-US" smtClean="0"/>
-              <a:t>4</a:t>
+              <a:t>3</a:t>
             </a:fld>
             <a:endParaRPr lang="en-US"/>
           </a:p>
@@ -780,7 +1975,7 @@
     </p:spTree>
     <p:extLst>
       <p:ext uri="{BB962C8B-B14F-4D97-AF65-F5344CB8AC3E}">
-        <p14:creationId xmlns:p14="http://schemas.microsoft.com/office/powerpoint/2010/main" val="1474261016"/>
+        <p14:creationId xmlns:p14="http://schemas.microsoft.com/office/powerpoint/2010/main" val="3569651408"/>
       </p:ext>
     </p:extLst>
   </p:cSld>
@@ -859,7 +2054,7 @@
           <a:p>
             <a:fld id="{B3E9124A-7BF9-46DF-BFFC-8F8BB6FC65EB}" type="slidenum">
               <a:rPr lang="en-US" smtClean="0"/>
-              <a:t>5</a:t>
+              <a:t>4</a:t>
             </a:fld>
             <a:endParaRPr lang="en-US"/>
           </a:p>
@@ -868,7 +2063,7 @@
     </p:spTree>
     <p:extLst>
       <p:ext uri="{BB962C8B-B14F-4D97-AF65-F5344CB8AC3E}">
-        <p14:creationId xmlns:p14="http://schemas.microsoft.com/office/powerpoint/2010/main" val="2734403786"/>
+        <p14:creationId xmlns:p14="http://schemas.microsoft.com/office/powerpoint/2010/main" val="1474261016"/>
       </p:ext>
     </p:extLst>
   </p:cSld>
@@ -924,107 +2119,16 @@
           <a:p>
             <a:r>
               <a:rPr lang="en-US" dirty="0" smtClean="0"/>
-              <a:t>Data so far is interesting and</a:t>
-            </a:r>
-            <a:r>
-              <a:rPr lang="en-US" baseline="0" dirty="0" smtClean="0"/>
-              <a:t> its collection usefully automated.</a:t>
-            </a:r>
-          </a:p>
-          <a:p>
+              <a:t>Data points = lemma, </a:t>
+            </a:r>
+            <a:r>
+              <a:rPr lang="en-US" dirty="0" err="1" smtClean="0"/>
+              <a:t>postag</a:t>
+            </a:r>
             <a:r>
               <a:rPr lang="en-US" dirty="0" smtClean="0"/>
-              <a:t>It is utterly traditional</a:t>
-            </a:r>
-          </a:p>
-          <a:p>
-            <a:r>
-              <a:rPr lang="en-US" dirty="0" smtClean="0"/>
-              <a:t>It is not very “</a:t>
-            </a:r>
-            <a:r>
-              <a:rPr lang="en-US" dirty="0" err="1" smtClean="0"/>
-              <a:t>treeish</a:t>
-            </a:r>
-            <a:r>
-              <a:rPr lang="en-US" dirty="0" smtClean="0"/>
-              <a:t>.”</a:t>
-            </a:r>
-          </a:p>
-          <a:p>
-            <a:r>
-              <a:rPr lang="en-US" dirty="0" smtClean="0"/>
-              <a:t>The “head” assigned by a student to a word is somewhat different</a:t>
-            </a:r>
-          </a:p>
-          <a:p>
-            <a:pPr marL="171450" indent="-171450">
-              <a:buFont typeface="Arial" panose="020B0604020202020204" pitchFamily="34" charset="0"/>
-              <a:buChar char="•"/>
-            </a:pPr>
-            <a:r>
-              <a:rPr lang="en-US" dirty="0" smtClean="0"/>
-              <a:t>it</a:t>
-            </a:r>
-            <a:r>
-              <a:rPr lang="en-US" baseline="0" dirty="0" smtClean="0"/>
-              <a:t> can also be put in traditional terms: a given adjective is and attribute of a given noun, for example</a:t>
-            </a:r>
-          </a:p>
-          <a:p>
-            <a:pPr marL="171450" indent="-171450">
-              <a:buFont typeface="Arial" panose="020B0604020202020204" pitchFamily="34" charset="0"/>
-              <a:buChar char="•"/>
-            </a:pPr>
-            <a:r>
-              <a:rPr lang="en-US" baseline="0" dirty="0" smtClean="0"/>
-              <a:t>But it is also quite different than the other data examined so far</a:t>
-            </a:r>
-          </a:p>
-          <a:p>
-            <a:pPr marL="628650" lvl="1" indent="-171450">
-              <a:buFont typeface="Arial" panose="020B0604020202020204" pitchFamily="34" charset="0"/>
-              <a:buChar char="•"/>
-            </a:pPr>
-            <a:r>
-              <a:rPr lang="en-US" baseline="0" dirty="0" smtClean="0"/>
-              <a:t>We understand what it means when a student mislabels a Relationship: SBJ for </a:t>
-            </a:r>
-            <a:r>
-              <a:rPr lang="en-US" baseline="0" dirty="0" err="1" smtClean="0"/>
-              <a:t>Poss</a:t>
-            </a:r>
-            <a:endParaRPr lang="en-US" baseline="0" dirty="0" smtClean="0"/>
-          </a:p>
-          <a:p>
-            <a:pPr marL="628650" lvl="1" indent="-171450">
-              <a:buFont typeface="Arial" panose="020B0604020202020204" pitchFamily="34" charset="0"/>
-              <a:buChar char="•"/>
-            </a:pPr>
-            <a:r>
-              <a:rPr lang="en-US" baseline="0" dirty="0" smtClean="0"/>
-              <a:t>But evaluating head data presents difficulties</a:t>
-            </a:r>
-          </a:p>
-          <a:p>
-            <a:pPr marL="628650" lvl="1" indent="-171450">
-              <a:buFont typeface="Arial" panose="020B0604020202020204" pitchFamily="34" charset="0"/>
-              <a:buChar char="•"/>
-            </a:pPr>
-            <a:r>
-              <a:rPr lang="en-US" baseline="0" dirty="0" smtClean="0"/>
-              <a:t>It cannot be interpreted without looking at the tree as a whole: it is the more </a:t>
-            </a:r>
-            <a:r>
-              <a:rPr lang="en-US" baseline="0" dirty="0" err="1" smtClean="0"/>
-              <a:t>treeish</a:t>
-            </a:r>
-            <a:r>
-              <a:rPr lang="en-US" baseline="0" dirty="0" smtClean="0"/>
-              <a:t> part of the data</a:t>
-            </a:r>
-          </a:p>
-          <a:p>
+              <a:t>, relation, and head.</a:t>
+            </a:r>
             <a:endParaRPr lang="en-US" dirty="0"/>
           </a:p>
         </p:txBody>
@@ -1046,7 +2150,7 @@
           <a:p>
             <a:fld id="{B3E9124A-7BF9-46DF-BFFC-8F8BB6FC65EB}" type="slidenum">
               <a:rPr lang="en-US" smtClean="0"/>
-              <a:t>7</a:t>
+              <a:t>5</a:t>
             </a:fld>
             <a:endParaRPr lang="en-US"/>
           </a:p>
@@ -1055,7 +2159,7 @@
     </p:spTree>
     <p:extLst>
       <p:ext uri="{BB962C8B-B14F-4D97-AF65-F5344CB8AC3E}">
-        <p14:creationId xmlns:p14="http://schemas.microsoft.com/office/powerpoint/2010/main" val="57256476"/>
+        <p14:creationId xmlns:p14="http://schemas.microsoft.com/office/powerpoint/2010/main" val="2734403786"/>
       </p:ext>
     </p:extLst>
   </p:cSld>
@@ -1109,7 +2213,195 @@
           <a:bodyPr/>
           <a:lstStyle/>
           <a:p>
+            <a:r>
+              <a:rPr lang="en-US" dirty="0" smtClean="0"/>
+              <a:t>Arethusa provides a matrix</a:t>
+            </a:r>
+            <a:r>
+              <a:rPr lang="en-US" baseline="0" dirty="0" smtClean="0"/>
+              <a:t> of correct and incorrect answers</a:t>
+            </a:r>
+            <a:endParaRPr lang="en-US" dirty="0"/>
+          </a:p>
+        </p:txBody>
+      </p:sp>
+      <p:sp>
+        <p:nvSpPr>
+          <p:cNvPr id="4" name="Slide Number Placeholder 3"/>
+          <p:cNvSpPr>
+            <a:spLocks noGrp="1"/>
+          </p:cNvSpPr>
+          <p:nvPr>
+            <p:ph type="sldNum" sz="quarter" idx="10"/>
+          </p:nvPr>
+        </p:nvSpPr>
+        <p:spPr/>
+        <p:txBody>
+          <a:bodyPr/>
+          <a:lstStyle/>
+          <a:p>
+            <a:fld id="{B3E9124A-7BF9-46DF-BFFC-8F8BB6FC65EB}" type="slidenum">
+              <a:rPr lang="en-US" smtClean="0"/>
+              <a:t>6</a:t>
+            </a:fld>
             <a:endParaRPr lang="en-US"/>
+          </a:p>
+        </p:txBody>
+      </p:sp>
+    </p:spTree>
+    <p:extLst>
+      <p:ext uri="{BB962C8B-B14F-4D97-AF65-F5344CB8AC3E}">
+        <p14:creationId xmlns:p14="http://schemas.microsoft.com/office/powerpoint/2010/main" val="2455730356"/>
+      </p:ext>
+    </p:extLst>
+  </p:cSld>
+  <p:clrMapOvr>
+    <a:masterClrMapping/>
+  </p:clrMapOvr>
+</p:notes>
+</file>
+
+<file path=ppt/notesSlides/notesSlide7.xml><?xml version="1.0" encoding="utf-8"?>
+<p:notes xmlns:a="http://schemas.openxmlformats.org/drawingml/2006/main" xmlns:r="http://schemas.openxmlformats.org/officeDocument/2006/relationships" xmlns:p="http://schemas.openxmlformats.org/presentationml/2006/main">
+  <p:cSld>
+    <p:spTree>
+      <p:nvGrpSpPr>
+        <p:cNvPr id="1" name=""/>
+        <p:cNvGrpSpPr/>
+        <p:nvPr/>
+      </p:nvGrpSpPr>
+      <p:grpSpPr>
+        <a:xfrm>
+          <a:off x="0" y="0"/>
+          <a:ext cx="0" cy="0"/>
+          <a:chOff x="0" y="0"/>
+          <a:chExt cx="0" cy="0"/>
+        </a:xfrm>
+      </p:grpSpPr>
+      <p:sp>
+        <p:nvSpPr>
+          <p:cNvPr id="2" name="Slide Image Placeholder 1"/>
+          <p:cNvSpPr>
+            <a:spLocks noGrp="1" noRot="1" noChangeAspect="1"/>
+          </p:cNvSpPr>
+          <p:nvPr>
+            <p:ph type="sldImg"/>
+          </p:nvPr>
+        </p:nvSpPr>
+        <p:spPr/>
+      </p:sp>
+      <p:sp>
+        <p:nvSpPr>
+          <p:cNvPr id="3" name="Notes Placeholder 2"/>
+          <p:cNvSpPr>
+            <a:spLocks noGrp="1"/>
+          </p:cNvSpPr>
+          <p:nvPr>
+            <p:ph type="body" idx="1"/>
+          </p:nvPr>
+        </p:nvSpPr>
+        <p:spPr/>
+        <p:txBody>
+          <a:bodyPr/>
+          <a:lstStyle/>
+          <a:p>
+            <a:r>
+              <a:rPr lang="en-US" dirty="0" smtClean="0"/>
+              <a:t>Close</a:t>
+            </a:r>
+            <a:r>
+              <a:rPr lang="en-US" baseline="0" dirty="0" smtClean="0"/>
+              <a:t> up of matrix line</a:t>
+            </a:r>
+            <a:endParaRPr lang="en-US" dirty="0"/>
+          </a:p>
+        </p:txBody>
+      </p:sp>
+      <p:sp>
+        <p:nvSpPr>
+          <p:cNvPr id="4" name="Slide Number Placeholder 3"/>
+          <p:cNvSpPr>
+            <a:spLocks noGrp="1"/>
+          </p:cNvSpPr>
+          <p:nvPr>
+            <p:ph type="sldNum" sz="quarter" idx="10"/>
+          </p:nvPr>
+        </p:nvSpPr>
+        <p:spPr/>
+        <p:txBody>
+          <a:bodyPr/>
+          <a:lstStyle/>
+          <a:p>
+            <a:fld id="{B3E9124A-7BF9-46DF-BFFC-8F8BB6FC65EB}" type="slidenum">
+              <a:rPr lang="en-US" smtClean="0"/>
+              <a:t>7</a:t>
+            </a:fld>
+            <a:endParaRPr lang="en-US"/>
+          </a:p>
+        </p:txBody>
+      </p:sp>
+    </p:spTree>
+    <p:extLst>
+      <p:ext uri="{BB962C8B-B14F-4D97-AF65-F5344CB8AC3E}">
+        <p14:creationId xmlns:p14="http://schemas.microsoft.com/office/powerpoint/2010/main" val="2129186705"/>
+      </p:ext>
+    </p:extLst>
+  </p:cSld>
+  <p:clrMapOvr>
+    <a:masterClrMapping/>
+  </p:clrMapOvr>
+</p:notes>
+</file>
+
+<file path=ppt/notesSlides/notesSlide8.xml><?xml version="1.0" encoding="utf-8"?>
+<p:notes xmlns:a="http://schemas.openxmlformats.org/drawingml/2006/main" xmlns:r="http://schemas.openxmlformats.org/officeDocument/2006/relationships" xmlns:p="http://schemas.openxmlformats.org/presentationml/2006/main">
+  <p:cSld>
+    <p:spTree>
+      <p:nvGrpSpPr>
+        <p:cNvPr id="1" name=""/>
+        <p:cNvGrpSpPr/>
+        <p:nvPr/>
+      </p:nvGrpSpPr>
+      <p:grpSpPr>
+        <a:xfrm>
+          <a:off x="0" y="0"/>
+          <a:ext cx="0" cy="0"/>
+          <a:chOff x="0" y="0"/>
+          <a:chExt cx="0" cy="0"/>
+        </a:xfrm>
+      </p:grpSpPr>
+      <p:sp>
+        <p:nvSpPr>
+          <p:cNvPr id="2" name="Slide Image Placeholder 1"/>
+          <p:cNvSpPr>
+            <a:spLocks noGrp="1" noRot="1" noChangeAspect="1"/>
+          </p:cNvSpPr>
+          <p:nvPr>
+            <p:ph type="sldImg"/>
+          </p:nvPr>
+        </p:nvSpPr>
+        <p:spPr/>
+      </p:sp>
+      <p:sp>
+        <p:nvSpPr>
+          <p:cNvPr id="3" name="Notes Placeholder 2"/>
+          <p:cNvSpPr>
+            <a:spLocks noGrp="1"/>
+          </p:cNvSpPr>
+          <p:nvPr>
+            <p:ph type="body" idx="1"/>
+          </p:nvPr>
+        </p:nvSpPr>
+        <p:spPr/>
+        <p:txBody>
+          <a:bodyPr/>
+          <a:lstStyle/>
+          <a:p>
+            <a:r>
+              <a:rPr lang="en-US" dirty="0" smtClean="0"/>
+              <a:t>Aggregate data for all students</a:t>
+            </a:r>
+            <a:endParaRPr lang="en-US" dirty="0"/>
           </a:p>
         </p:txBody>
       </p:sp>
@@ -1139,7 +2431,99 @@
     </p:spTree>
     <p:extLst>
       <p:ext uri="{BB962C8B-B14F-4D97-AF65-F5344CB8AC3E}">
-        <p14:creationId xmlns:p14="http://schemas.microsoft.com/office/powerpoint/2010/main" val="3964134144"/>
+        <p14:creationId xmlns:p14="http://schemas.microsoft.com/office/powerpoint/2010/main" val="1602414268"/>
+      </p:ext>
+    </p:extLst>
+  </p:cSld>
+  <p:clrMapOvr>
+    <a:masterClrMapping/>
+  </p:clrMapOvr>
+</p:notes>
+</file>
+
+<file path=ppt/notesSlides/notesSlide9.xml><?xml version="1.0" encoding="utf-8"?>
+<p:notes xmlns:a="http://schemas.openxmlformats.org/drawingml/2006/main" xmlns:r="http://schemas.openxmlformats.org/officeDocument/2006/relationships" xmlns:p="http://schemas.openxmlformats.org/presentationml/2006/main">
+  <p:cSld>
+    <p:spTree>
+      <p:nvGrpSpPr>
+        <p:cNvPr id="1" name=""/>
+        <p:cNvGrpSpPr/>
+        <p:nvPr/>
+      </p:nvGrpSpPr>
+      <p:grpSpPr>
+        <a:xfrm>
+          <a:off x="0" y="0"/>
+          <a:ext cx="0" cy="0"/>
+          <a:chOff x="0" y="0"/>
+          <a:chExt cx="0" cy="0"/>
+        </a:xfrm>
+      </p:grpSpPr>
+      <p:sp>
+        <p:nvSpPr>
+          <p:cNvPr id="2" name="Slide Image Placeholder 1"/>
+          <p:cNvSpPr>
+            <a:spLocks noGrp="1" noRot="1" noChangeAspect="1"/>
+          </p:cNvSpPr>
+          <p:nvPr>
+            <p:ph type="sldImg"/>
+          </p:nvPr>
+        </p:nvSpPr>
+        <p:spPr/>
+      </p:sp>
+      <p:sp>
+        <p:nvSpPr>
+          <p:cNvPr id="3" name="Notes Placeholder 2"/>
+          <p:cNvSpPr>
+            <a:spLocks noGrp="1"/>
+          </p:cNvSpPr>
+          <p:nvPr>
+            <p:ph type="body" idx="1"/>
+          </p:nvPr>
+        </p:nvSpPr>
+        <p:spPr/>
+        <p:txBody>
+          <a:bodyPr/>
+          <a:lstStyle/>
+          <a:p>
+            <a:r>
+              <a:rPr lang="en-US" dirty="0" smtClean="0"/>
+              <a:t>More aggregate</a:t>
+            </a:r>
+            <a:r>
+              <a:rPr lang="en-US" baseline="0" dirty="0" smtClean="0"/>
+              <a:t> data</a:t>
+            </a:r>
+            <a:endParaRPr lang="en-US" dirty="0"/>
+          </a:p>
+        </p:txBody>
+      </p:sp>
+      <p:sp>
+        <p:nvSpPr>
+          <p:cNvPr id="4" name="Slide Number Placeholder 3"/>
+          <p:cNvSpPr>
+            <a:spLocks noGrp="1"/>
+          </p:cNvSpPr>
+          <p:nvPr>
+            <p:ph type="sldNum" sz="quarter" idx="10"/>
+          </p:nvPr>
+        </p:nvSpPr>
+        <p:spPr/>
+        <p:txBody>
+          <a:bodyPr/>
+          <a:lstStyle/>
+          <a:p>
+            <a:fld id="{B3E9124A-7BF9-46DF-BFFC-8F8BB6FC65EB}" type="slidenum">
+              <a:rPr lang="en-US" smtClean="0"/>
+              <a:t>9</a:t>
+            </a:fld>
+            <a:endParaRPr lang="en-US"/>
+          </a:p>
+        </p:txBody>
+      </p:sp>
+    </p:spTree>
+    <p:extLst>
+      <p:ext uri="{BB962C8B-B14F-4D97-AF65-F5344CB8AC3E}">
+        <p14:creationId xmlns:p14="http://schemas.microsoft.com/office/powerpoint/2010/main" val="1365170980"/>
       </p:ext>
     </p:extLst>
   </p:cSld>
@@ -1350,7 +2734,7 @@
                 </a:solidFill>
               </a:rPr>
               <a:pPr/>
-              <a:t>3/16/2016</a:t>
+              <a:t>3/17/2016</a:t>
             </a:fld>
             <a:endParaRPr lang="en-US">
               <a:solidFill>
@@ -1564,7 +2948,7 @@
                 </a:solidFill>
               </a:rPr>
               <a:pPr/>
-              <a:t>3/16/2016</a:t>
+              <a:t>3/17/2016</a:t>
             </a:fld>
             <a:endParaRPr lang="en-US">
               <a:solidFill>
@@ -1781,7 +3165,7 @@
                 </a:solidFill>
               </a:rPr>
               <a:pPr/>
-              <a:t>3/16/2016</a:t>
+              <a:t>3/17/2016</a:t>
             </a:fld>
             <a:endParaRPr lang="en-US">
               <a:solidFill>
@@ -2064,7 +3448,7 @@
                 </a:solidFill>
               </a:rPr>
               <a:pPr/>
-              <a:t>3/16/2016</a:t>
+              <a:t>3/17/2016</a:t>
             </a:fld>
             <a:endParaRPr lang="en-US">
               <a:solidFill>
@@ -2375,7 +3759,7 @@
                 </a:solidFill>
               </a:rPr>
               <a:pPr/>
-              <a:t>3/16/2016</a:t>
+              <a:t>3/17/2016</a:t>
             </a:fld>
             <a:endParaRPr lang="en-US">
               <a:solidFill>
@@ -2822,7 +4206,7 @@
                 </a:solidFill>
               </a:rPr>
               <a:pPr/>
-              <a:t>3/16/2016</a:t>
+              <a:t>3/17/2016</a:t>
             </a:fld>
             <a:endParaRPr lang="en-US">
               <a:solidFill>
@@ -3230,7 +4614,7 @@
                 </a:solidFill>
               </a:rPr>
               <a:pPr/>
-              <a:t>3/16/2016</a:t>
+              <a:t>3/17/2016</a:t>
             </a:fld>
             <a:endParaRPr lang="en-US">
               <a:solidFill>
@@ -3499,7 +4883,7 @@
                 </a:solidFill>
               </a:rPr>
               <a:pPr/>
-              <a:t>3/16/2016</a:t>
+              <a:t>3/17/2016</a:t>
             </a:fld>
             <a:endParaRPr lang="en-US">
               <a:solidFill>
@@ -3631,7 +5015,7 @@
                 </a:solidFill>
               </a:rPr>
               <a:pPr/>
-              <a:t>3/16/2016</a:t>
+              <a:t>3/17/2016</a:t>
             </a:fld>
             <a:endParaRPr lang="en-US">
               <a:solidFill>
@@ -3961,7 +5345,7 @@
                 </a:solidFill>
               </a:rPr>
               <a:pPr/>
-              <a:t>3/16/2016</a:t>
+              <a:t>3/17/2016</a:t>
             </a:fld>
             <a:endParaRPr lang="en-US">
               <a:solidFill>
@@ -4272,7 +5656,7 @@
                 </a:solidFill>
               </a:rPr>
               <a:pPr/>
-              <a:t>3/16/2016</a:t>
+              <a:t>3/17/2016</a:t>
             </a:fld>
             <a:endParaRPr lang="en-US">
               <a:solidFill>
@@ -4524,7 +5908,7 @@
                 </a:solidFill>
               </a:rPr>
               <a:pPr/>
-              <a:t>3/16/2016</a:t>
+              <a:t>3/17/2016</a:t>
             </a:fld>
             <a:endParaRPr lang="en-US">
               <a:solidFill>
@@ -5226,7 +6610,7 @@
           </p:nvPr>
         </p:nvPicPr>
         <p:blipFill>
-          <a:blip r:embed="rId2">
+          <a:blip r:embed="rId3">
             <a:clrChange>
               <a:clrFrom>
                 <a:srgbClr val="F2F2F2"/>
@@ -5303,29 +6687,39 @@
           </a:p>
         </p:txBody>
       </p:sp>
-      <p:sp>
-        <p:nvSpPr>
-          <p:cNvPr id="3" name="Content Placeholder 2"/>
-          <p:cNvSpPr>
-            <a:spLocks noGrp="1"/>
-          </p:cNvSpPr>
+      <p:pic>
+        <p:nvPicPr>
+          <p:cNvPr id="4" name="Content Placeholder 3"/>
+          <p:cNvPicPr>
+            <a:picLocks noGrp="1" noChangeAspect="1"/>
+          </p:cNvPicPr>
           <p:nvPr>
             <p:ph idx="1"/>
           </p:nvPr>
-        </p:nvSpPr>
-        <p:spPr/>
-        <p:txBody>
-          <a:bodyPr/>
-          <a:lstStyle/>
-          <a:p>
-            <a:endParaRPr lang="en-US"/>
-          </a:p>
-        </p:txBody>
-      </p:sp>
+        </p:nvPicPr>
+        <p:blipFill>
+          <a:blip r:embed="rId3">
+            <a:extLst>
+              <a:ext uri="{28A0092B-C50C-407E-A947-70E740481C1C}">
+                <a14:useLocalDpi xmlns:a14="http://schemas.microsoft.com/office/drawing/2010/main" val="0"/>
+              </a:ext>
+            </a:extLst>
+          </a:blip>
+          <a:stretch>
+            <a:fillRect/>
+          </a:stretch>
+        </p:blipFill>
+        <p:spPr>
+          <a:xfrm>
+            <a:off x="609600" y="2528652"/>
+            <a:ext cx="10972800" cy="2669059"/>
+          </a:xfrm>
+        </p:spPr>
+      </p:pic>
     </p:spTree>
     <p:extLst>
       <p:ext uri="{BB962C8B-B14F-4D97-AF65-F5344CB8AC3E}">
-        <p14:creationId xmlns:p14="http://schemas.microsoft.com/office/powerpoint/2010/main" val="2782782934"/>
+        <p14:creationId xmlns:p14="http://schemas.microsoft.com/office/powerpoint/2010/main" val="997997038"/>
       </p:ext>
     </p:extLst>
   </p:cSld>
@@ -5367,39 +6761,2408 @@
           <a:bodyPr/>
           <a:lstStyle/>
           <a:p>
-            <a:endParaRPr lang="en-US"/>
+            <a:r>
+              <a:rPr lang="en-US" dirty="0" smtClean="0"/>
+              <a:t>208 words x 5 features x 24 students =</a:t>
+            </a:r>
+            <a:br>
+              <a:rPr lang="en-US" dirty="0" smtClean="0"/>
+            </a:br>
+            <a:r>
+              <a:rPr lang="en-US" dirty="0" smtClean="0"/>
+              <a:t>24, 960</a:t>
+            </a:r>
+            <a:endParaRPr lang="en-US" dirty="0"/>
           </a:p>
         </p:txBody>
       </p:sp>
-      <p:sp>
-        <p:nvSpPr>
-          <p:cNvPr id="3" name="Content Placeholder 2"/>
-          <p:cNvSpPr>
-            <a:spLocks noGrp="1"/>
-          </p:cNvSpPr>
+      <p:graphicFrame>
+        <p:nvGraphicFramePr>
+          <p:cNvPr id="4" name="Content Placeholder 3"/>
+          <p:cNvGraphicFramePr>
+            <a:graphicFrameLocks noGrp="1"/>
+          </p:cNvGraphicFramePr>
           <p:nvPr>
             <p:ph idx="1"/>
-          </p:nvPr>
-        </p:nvSpPr>
-        <p:spPr/>
-        <p:txBody>
-          <a:bodyPr/>
-          <a:lstStyle/>
-          <a:p>
-            <a:endParaRPr lang="en-US"/>
-          </a:p>
-        </p:txBody>
-      </p:sp>
+            <p:extLst>
+              <p:ext uri="{D42A27DB-BD31-4B8C-83A1-F6EECF244321}">
+                <p14:modId xmlns:p14="http://schemas.microsoft.com/office/powerpoint/2010/main" val="4138278290"/>
+              </p:ext>
+            </p:extLst>
+          </p:nvPr>
+        </p:nvGraphicFramePr>
+        <p:xfrm>
+          <a:off x="1805648" y="2997843"/>
+          <a:ext cx="8163690" cy="1753560"/>
+        </p:xfrm>
+        <a:graphic>
+          <a:graphicData uri="http://schemas.openxmlformats.org/drawingml/2006/table">
+            <a:tbl>
+              <a:tblPr>
+                <a:tableStyleId>{793D81CF-94F2-401A-BA57-92F5A7B2D0C5}</a:tableStyleId>
+              </a:tblPr>
+              <a:tblGrid>
+                <a:gridCol w="1498600"/>
+                <a:gridCol w="1333018"/>
+                <a:gridCol w="1333018"/>
+                <a:gridCol w="1333018"/>
+                <a:gridCol w="1333018"/>
+                <a:gridCol w="1333018"/>
+              </a:tblGrid>
+              <a:tr h="459425">
+                <a:tc>
+                  <a:txBody>
+                    <a:bodyPr/>
+                    <a:lstStyle/>
+                    <a:p>
+                      <a:pPr algn="l" fontAlgn="b"/>
+                      <a:endParaRPr lang="en-US" sz="2400" b="0" i="0" u="none" strike="noStrike" dirty="0">
+                        <a:solidFill>
+                          <a:srgbClr val="000000"/>
+                        </a:solidFill>
+                        <a:effectLst/>
+                        <a:latin typeface="Calibri" panose="020F0502020204030204" pitchFamily="34" charset="0"/>
+                      </a:endParaRPr>
+                    </a:p>
+                  </a:txBody>
+                  <a:tcPr marL="9525" marR="9525" marT="9525" marB="0" anchor="b"/>
+                </a:tc>
+                <a:tc>
+                  <a:txBody>
+                    <a:bodyPr/>
+                    <a:lstStyle/>
+                    <a:p>
+                      <a:pPr algn="l" fontAlgn="b"/>
+                      <a:r>
+                        <a:rPr lang="en-US" sz="2400" u="none" strike="noStrike" dirty="0">
+                          <a:effectLst/>
+                        </a:rPr>
+                        <a:t>Word</a:t>
+                      </a:r>
+                      <a:endParaRPr lang="en-US" sz="2400" b="0" i="0" u="none" strike="noStrike" dirty="0">
+                        <a:solidFill>
+                          <a:srgbClr val="000000"/>
+                        </a:solidFill>
+                        <a:effectLst/>
+                        <a:latin typeface="Calibri" panose="020F0502020204030204" pitchFamily="34" charset="0"/>
+                      </a:endParaRPr>
+                    </a:p>
+                  </a:txBody>
+                  <a:tcPr marL="9525" marR="9525" marT="9525" marB="0" anchor="b"/>
+                </a:tc>
+                <a:tc>
+                  <a:txBody>
+                    <a:bodyPr/>
+                    <a:lstStyle/>
+                    <a:p>
+                      <a:pPr algn="l" fontAlgn="b"/>
+                      <a:r>
+                        <a:rPr lang="en-US" sz="2400" u="none" strike="noStrike" dirty="0">
+                          <a:effectLst/>
+                        </a:rPr>
+                        <a:t>Head</a:t>
+                      </a:r>
+                      <a:endParaRPr lang="en-US" sz="2400" b="0" i="0" u="none" strike="noStrike" dirty="0">
+                        <a:solidFill>
+                          <a:srgbClr val="000000"/>
+                        </a:solidFill>
+                        <a:effectLst/>
+                        <a:latin typeface="Calibri" panose="020F0502020204030204" pitchFamily="34" charset="0"/>
+                      </a:endParaRPr>
+                    </a:p>
+                  </a:txBody>
+                  <a:tcPr marL="9525" marR="9525" marT="9525" marB="0" anchor="b"/>
+                </a:tc>
+                <a:tc>
+                  <a:txBody>
+                    <a:bodyPr/>
+                    <a:lstStyle/>
+                    <a:p>
+                      <a:pPr algn="l" fontAlgn="b"/>
+                      <a:r>
+                        <a:rPr lang="en-US" sz="2400" u="none" strike="noStrike">
+                          <a:effectLst/>
+                        </a:rPr>
+                        <a:t>Relation</a:t>
+                      </a:r>
+                      <a:endParaRPr lang="en-US" sz="2400" b="0" i="0" u="none" strike="noStrike">
+                        <a:solidFill>
+                          <a:srgbClr val="000000"/>
+                        </a:solidFill>
+                        <a:effectLst/>
+                        <a:latin typeface="Calibri" panose="020F0502020204030204" pitchFamily="34" charset="0"/>
+                      </a:endParaRPr>
+                    </a:p>
+                  </a:txBody>
+                  <a:tcPr marL="9525" marR="9525" marT="9525" marB="0" anchor="b"/>
+                </a:tc>
+                <a:tc>
+                  <a:txBody>
+                    <a:bodyPr/>
+                    <a:lstStyle/>
+                    <a:p>
+                      <a:pPr algn="l" fontAlgn="b"/>
+                      <a:r>
+                        <a:rPr lang="en-US" sz="2400" u="none" strike="noStrike">
+                          <a:effectLst/>
+                        </a:rPr>
+                        <a:t>Lemma</a:t>
+                      </a:r>
+                      <a:endParaRPr lang="en-US" sz="2400" b="0" i="0" u="none" strike="noStrike">
+                        <a:solidFill>
+                          <a:srgbClr val="000000"/>
+                        </a:solidFill>
+                        <a:effectLst/>
+                        <a:latin typeface="Calibri" panose="020F0502020204030204" pitchFamily="34" charset="0"/>
+                      </a:endParaRPr>
+                    </a:p>
+                  </a:txBody>
+                  <a:tcPr marL="9525" marR="9525" marT="9525" marB="0" anchor="b"/>
+                </a:tc>
+                <a:tc>
+                  <a:txBody>
+                    <a:bodyPr/>
+                    <a:lstStyle/>
+                    <a:p>
+                      <a:pPr algn="l" fontAlgn="b"/>
+                      <a:r>
+                        <a:rPr lang="en-US" sz="2400" u="none" strike="noStrike" dirty="0" smtClean="0">
+                          <a:effectLst/>
+                        </a:rPr>
+                        <a:t>Morph</a:t>
+                      </a:r>
+                      <a:endParaRPr lang="en-US" sz="2400" b="0" i="0" u="none" strike="noStrike" dirty="0">
+                        <a:solidFill>
+                          <a:srgbClr val="000000"/>
+                        </a:solidFill>
+                        <a:effectLst/>
+                        <a:latin typeface="Calibri" panose="020F0502020204030204" pitchFamily="34" charset="0"/>
+                      </a:endParaRPr>
+                    </a:p>
+                  </a:txBody>
+                  <a:tcPr marL="9525" marR="9525" marT="9525" marB="0" anchor="b"/>
+                </a:tc>
+              </a:tr>
+              <a:tr h="253826">
+                <a:tc>
+                  <a:txBody>
+                    <a:bodyPr/>
+                    <a:lstStyle/>
+                    <a:p>
+                      <a:pPr algn="l" fontAlgn="b"/>
+                      <a:r>
+                        <a:rPr lang="en-US" sz="2400" u="none" strike="noStrike">
+                          <a:effectLst/>
+                        </a:rPr>
+                        <a:t>Mean</a:t>
+                      </a:r>
+                      <a:endParaRPr lang="en-US" sz="2400" b="0" i="0" u="none" strike="noStrike">
+                        <a:solidFill>
+                          <a:srgbClr val="000000"/>
+                        </a:solidFill>
+                        <a:effectLst/>
+                        <a:latin typeface="Calibri" panose="020F0502020204030204" pitchFamily="34" charset="0"/>
+                      </a:endParaRPr>
+                    </a:p>
+                  </a:txBody>
+                  <a:tcPr marL="9525" marR="9525" marT="9525" marB="0" anchor="b"/>
+                </a:tc>
+                <a:tc>
+                  <a:txBody>
+                    <a:bodyPr/>
+                    <a:lstStyle/>
+                    <a:p>
+                      <a:pPr algn="r" fontAlgn="b"/>
+                      <a:r>
+                        <a:rPr lang="en-US" sz="2400" u="none" strike="noStrike">
+                          <a:effectLst/>
+                        </a:rPr>
+                        <a:t>50.26%</a:t>
+                      </a:r>
+                      <a:endParaRPr lang="en-US" sz="2400" b="0" i="0" u="none" strike="noStrike">
+                        <a:solidFill>
+                          <a:srgbClr val="000000"/>
+                        </a:solidFill>
+                        <a:effectLst/>
+                        <a:latin typeface="Calibri" panose="020F0502020204030204" pitchFamily="34" charset="0"/>
+                      </a:endParaRPr>
+                    </a:p>
+                  </a:txBody>
+                  <a:tcPr marL="9525" marR="9525" marT="9525" marB="0" anchor="b"/>
+                </a:tc>
+                <a:tc>
+                  <a:txBody>
+                    <a:bodyPr/>
+                    <a:lstStyle/>
+                    <a:p>
+                      <a:pPr algn="r" fontAlgn="b"/>
+                      <a:r>
+                        <a:rPr lang="en-US" sz="2400" u="none" strike="noStrike" dirty="0">
+                          <a:effectLst/>
+                        </a:rPr>
+                        <a:t>72.86%</a:t>
+                      </a:r>
+                      <a:endParaRPr lang="en-US" sz="2400" b="0" i="0" u="none" strike="noStrike" dirty="0">
+                        <a:solidFill>
+                          <a:srgbClr val="000000"/>
+                        </a:solidFill>
+                        <a:effectLst/>
+                        <a:latin typeface="Calibri" panose="020F0502020204030204" pitchFamily="34" charset="0"/>
+                      </a:endParaRPr>
+                    </a:p>
+                  </a:txBody>
+                  <a:tcPr marL="9525" marR="9525" marT="9525" marB="0" anchor="b"/>
+                </a:tc>
+                <a:tc>
+                  <a:txBody>
+                    <a:bodyPr/>
+                    <a:lstStyle/>
+                    <a:p>
+                      <a:pPr algn="r" fontAlgn="b"/>
+                      <a:r>
+                        <a:rPr lang="en-US" sz="2400" u="none" strike="noStrike" dirty="0">
+                          <a:effectLst/>
+                        </a:rPr>
+                        <a:t>71.26%</a:t>
+                      </a:r>
+                      <a:endParaRPr lang="en-US" sz="2400" b="0" i="0" u="none" strike="noStrike" dirty="0">
+                        <a:solidFill>
+                          <a:srgbClr val="000000"/>
+                        </a:solidFill>
+                        <a:effectLst/>
+                        <a:latin typeface="Calibri" panose="020F0502020204030204" pitchFamily="34" charset="0"/>
+                      </a:endParaRPr>
+                    </a:p>
+                  </a:txBody>
+                  <a:tcPr marL="9525" marR="9525" marT="9525" marB="0" anchor="b"/>
+                </a:tc>
+                <a:tc>
+                  <a:txBody>
+                    <a:bodyPr/>
+                    <a:lstStyle/>
+                    <a:p>
+                      <a:pPr algn="r" fontAlgn="b"/>
+                      <a:r>
+                        <a:rPr lang="en-US" sz="2400" u="none" strike="noStrike">
+                          <a:effectLst/>
+                        </a:rPr>
+                        <a:t>83.28%</a:t>
+                      </a:r>
+                      <a:endParaRPr lang="en-US" sz="2400" b="0" i="0" u="none" strike="noStrike">
+                        <a:solidFill>
+                          <a:srgbClr val="000000"/>
+                        </a:solidFill>
+                        <a:effectLst/>
+                        <a:latin typeface="Calibri" panose="020F0502020204030204" pitchFamily="34" charset="0"/>
+                      </a:endParaRPr>
+                    </a:p>
+                  </a:txBody>
+                  <a:tcPr marL="9525" marR="9525" marT="9525" marB="0" anchor="b"/>
+                </a:tc>
+                <a:tc>
+                  <a:txBody>
+                    <a:bodyPr/>
+                    <a:lstStyle/>
+                    <a:p>
+                      <a:pPr algn="r" fontAlgn="b"/>
+                      <a:r>
+                        <a:rPr lang="en-US" sz="2400" u="none" strike="noStrike">
+                          <a:effectLst/>
+                        </a:rPr>
+                        <a:t>73.74%</a:t>
+                      </a:r>
+                      <a:endParaRPr lang="en-US" sz="2400" b="0" i="0" u="none" strike="noStrike">
+                        <a:solidFill>
+                          <a:srgbClr val="000000"/>
+                        </a:solidFill>
+                        <a:effectLst/>
+                        <a:latin typeface="Calibri" panose="020F0502020204030204" pitchFamily="34" charset="0"/>
+                      </a:endParaRPr>
+                    </a:p>
+                  </a:txBody>
+                  <a:tcPr marL="9525" marR="9525" marT="9525" marB="0" anchor="b"/>
+                </a:tc>
+              </a:tr>
+              <a:tr h="459425">
+                <a:tc>
+                  <a:txBody>
+                    <a:bodyPr/>
+                    <a:lstStyle/>
+                    <a:p>
+                      <a:pPr algn="l" fontAlgn="b"/>
+                      <a:r>
+                        <a:rPr lang="en-US" sz="2400" u="none" strike="noStrike">
+                          <a:effectLst/>
+                        </a:rPr>
+                        <a:t>Maximum</a:t>
+                      </a:r>
+                      <a:endParaRPr lang="en-US" sz="2400" b="0" i="0" u="none" strike="noStrike">
+                        <a:solidFill>
+                          <a:srgbClr val="000000"/>
+                        </a:solidFill>
+                        <a:effectLst/>
+                        <a:latin typeface="Calibri" panose="020F0502020204030204" pitchFamily="34" charset="0"/>
+                      </a:endParaRPr>
+                    </a:p>
+                  </a:txBody>
+                  <a:tcPr marL="9525" marR="9525" marT="9525" marB="0" anchor="b"/>
+                </a:tc>
+                <a:tc>
+                  <a:txBody>
+                    <a:bodyPr/>
+                    <a:lstStyle/>
+                    <a:p>
+                      <a:pPr algn="r" fontAlgn="b"/>
+                      <a:r>
+                        <a:rPr lang="en-US" sz="2400" u="none" strike="noStrike">
+                          <a:effectLst/>
+                        </a:rPr>
+                        <a:t>78.85%</a:t>
+                      </a:r>
+                      <a:endParaRPr lang="en-US" sz="2400" b="0" i="0" u="none" strike="noStrike">
+                        <a:solidFill>
+                          <a:srgbClr val="000000"/>
+                        </a:solidFill>
+                        <a:effectLst/>
+                        <a:latin typeface="Calibri" panose="020F0502020204030204" pitchFamily="34" charset="0"/>
+                      </a:endParaRPr>
+                    </a:p>
+                  </a:txBody>
+                  <a:tcPr marL="9525" marR="9525" marT="9525" marB="0" anchor="b"/>
+                </a:tc>
+                <a:tc>
+                  <a:txBody>
+                    <a:bodyPr/>
+                    <a:lstStyle/>
+                    <a:p>
+                      <a:pPr algn="r" fontAlgn="b"/>
+                      <a:r>
+                        <a:rPr lang="en-US" sz="2400" u="none" strike="noStrike">
+                          <a:effectLst/>
+                        </a:rPr>
+                        <a:t>96.15%</a:t>
+                      </a:r>
+                      <a:endParaRPr lang="en-US" sz="2400" b="0" i="0" u="none" strike="noStrike">
+                        <a:solidFill>
+                          <a:srgbClr val="000000"/>
+                        </a:solidFill>
+                        <a:effectLst/>
+                        <a:latin typeface="Calibri" panose="020F0502020204030204" pitchFamily="34" charset="0"/>
+                      </a:endParaRPr>
+                    </a:p>
+                  </a:txBody>
+                  <a:tcPr marL="9525" marR="9525" marT="9525" marB="0" anchor="b"/>
+                </a:tc>
+                <a:tc>
+                  <a:txBody>
+                    <a:bodyPr/>
+                    <a:lstStyle/>
+                    <a:p>
+                      <a:pPr algn="r" fontAlgn="b"/>
+                      <a:r>
+                        <a:rPr lang="en-US" sz="2400" u="none" strike="noStrike" dirty="0">
+                          <a:effectLst/>
+                        </a:rPr>
+                        <a:t>91.35%</a:t>
+                      </a:r>
+                      <a:endParaRPr lang="en-US" sz="2400" b="0" i="0" u="none" strike="noStrike" dirty="0">
+                        <a:solidFill>
+                          <a:srgbClr val="000000"/>
+                        </a:solidFill>
+                        <a:effectLst/>
+                        <a:latin typeface="Calibri" panose="020F0502020204030204" pitchFamily="34" charset="0"/>
+                      </a:endParaRPr>
+                    </a:p>
+                  </a:txBody>
+                  <a:tcPr marL="9525" marR="9525" marT="9525" marB="0" anchor="b"/>
+                </a:tc>
+                <a:tc>
+                  <a:txBody>
+                    <a:bodyPr/>
+                    <a:lstStyle/>
+                    <a:p>
+                      <a:pPr algn="r" fontAlgn="b"/>
+                      <a:r>
+                        <a:rPr lang="en-US" sz="2400" u="none" strike="noStrike" dirty="0">
+                          <a:effectLst/>
+                        </a:rPr>
+                        <a:t>96.63%</a:t>
+                      </a:r>
+                      <a:endParaRPr lang="en-US" sz="2400" b="0" i="0" u="none" strike="noStrike" dirty="0">
+                        <a:solidFill>
+                          <a:srgbClr val="000000"/>
+                        </a:solidFill>
+                        <a:effectLst/>
+                        <a:latin typeface="Calibri" panose="020F0502020204030204" pitchFamily="34" charset="0"/>
+                      </a:endParaRPr>
+                    </a:p>
+                  </a:txBody>
+                  <a:tcPr marL="9525" marR="9525" marT="9525" marB="0" anchor="b"/>
+                </a:tc>
+                <a:tc>
+                  <a:txBody>
+                    <a:bodyPr/>
+                    <a:lstStyle/>
+                    <a:p>
+                      <a:pPr algn="r" fontAlgn="b"/>
+                      <a:r>
+                        <a:rPr lang="en-US" sz="2400" u="none" strike="noStrike" dirty="0">
+                          <a:effectLst/>
+                        </a:rPr>
+                        <a:t>92.79%</a:t>
+                      </a:r>
+                      <a:endParaRPr lang="en-US" sz="2400" b="0" i="0" u="none" strike="noStrike" dirty="0">
+                        <a:solidFill>
+                          <a:srgbClr val="000000"/>
+                        </a:solidFill>
+                        <a:effectLst/>
+                        <a:latin typeface="Calibri" panose="020F0502020204030204" pitchFamily="34" charset="0"/>
+                      </a:endParaRPr>
+                    </a:p>
+                  </a:txBody>
+                  <a:tcPr marL="9525" marR="9525" marT="9525" marB="0" anchor="b"/>
+                </a:tc>
+              </a:tr>
+              <a:tr h="459425">
+                <a:tc>
+                  <a:txBody>
+                    <a:bodyPr/>
+                    <a:lstStyle/>
+                    <a:p>
+                      <a:pPr algn="l" fontAlgn="b"/>
+                      <a:r>
+                        <a:rPr lang="en-US" sz="2400" u="none" strike="noStrike">
+                          <a:effectLst/>
+                        </a:rPr>
+                        <a:t>Minimum</a:t>
+                      </a:r>
+                      <a:endParaRPr lang="en-US" sz="2400" b="0" i="0" u="none" strike="noStrike">
+                        <a:solidFill>
+                          <a:srgbClr val="000000"/>
+                        </a:solidFill>
+                        <a:effectLst/>
+                        <a:latin typeface="Calibri" panose="020F0502020204030204" pitchFamily="34" charset="0"/>
+                      </a:endParaRPr>
+                    </a:p>
+                  </a:txBody>
+                  <a:tcPr marL="9525" marR="9525" marT="9525" marB="0" anchor="b"/>
+                </a:tc>
+                <a:tc>
+                  <a:txBody>
+                    <a:bodyPr/>
+                    <a:lstStyle/>
+                    <a:p>
+                      <a:pPr algn="r" fontAlgn="b"/>
+                      <a:r>
+                        <a:rPr lang="en-US" sz="2400" u="none" strike="noStrike">
+                          <a:effectLst/>
+                        </a:rPr>
+                        <a:t>23.56%</a:t>
+                      </a:r>
+                      <a:endParaRPr lang="en-US" sz="2400" b="0" i="0" u="none" strike="noStrike">
+                        <a:solidFill>
+                          <a:srgbClr val="000000"/>
+                        </a:solidFill>
+                        <a:effectLst/>
+                        <a:latin typeface="Calibri" panose="020F0502020204030204" pitchFamily="34" charset="0"/>
+                      </a:endParaRPr>
+                    </a:p>
+                  </a:txBody>
+                  <a:tcPr marL="9525" marR="9525" marT="9525" marB="0" anchor="b"/>
+                </a:tc>
+                <a:tc>
+                  <a:txBody>
+                    <a:bodyPr/>
+                    <a:lstStyle/>
+                    <a:p>
+                      <a:pPr algn="r" fontAlgn="b"/>
+                      <a:r>
+                        <a:rPr lang="en-US" sz="2400" u="none" strike="noStrike">
+                          <a:effectLst/>
+                        </a:rPr>
+                        <a:t>43.27%</a:t>
+                      </a:r>
+                      <a:endParaRPr lang="en-US" sz="2400" b="0" i="0" u="none" strike="noStrike">
+                        <a:solidFill>
+                          <a:srgbClr val="000000"/>
+                        </a:solidFill>
+                        <a:effectLst/>
+                        <a:latin typeface="Calibri" panose="020F0502020204030204" pitchFamily="34" charset="0"/>
+                      </a:endParaRPr>
+                    </a:p>
+                  </a:txBody>
+                  <a:tcPr marL="9525" marR="9525" marT="9525" marB="0" anchor="b"/>
+                </a:tc>
+                <a:tc>
+                  <a:txBody>
+                    <a:bodyPr/>
+                    <a:lstStyle/>
+                    <a:p>
+                      <a:pPr algn="r" fontAlgn="b"/>
+                      <a:r>
+                        <a:rPr lang="en-US" sz="2400" u="none" strike="noStrike">
+                          <a:effectLst/>
+                        </a:rPr>
+                        <a:t>46.63%</a:t>
+                      </a:r>
+                      <a:endParaRPr lang="en-US" sz="2400" b="0" i="0" u="none" strike="noStrike">
+                        <a:solidFill>
+                          <a:srgbClr val="000000"/>
+                        </a:solidFill>
+                        <a:effectLst/>
+                        <a:latin typeface="Calibri" panose="020F0502020204030204" pitchFamily="34" charset="0"/>
+                      </a:endParaRPr>
+                    </a:p>
+                  </a:txBody>
+                  <a:tcPr marL="9525" marR="9525" marT="9525" marB="0" anchor="b"/>
+                </a:tc>
+                <a:tc>
+                  <a:txBody>
+                    <a:bodyPr/>
+                    <a:lstStyle/>
+                    <a:p>
+                      <a:pPr algn="r" fontAlgn="b"/>
+                      <a:r>
+                        <a:rPr lang="en-US" sz="2400" u="none" strike="noStrike">
+                          <a:effectLst/>
+                        </a:rPr>
+                        <a:t>62.98%</a:t>
+                      </a:r>
+                      <a:endParaRPr lang="en-US" sz="2400" b="0" i="0" u="none" strike="noStrike">
+                        <a:solidFill>
+                          <a:srgbClr val="000000"/>
+                        </a:solidFill>
+                        <a:effectLst/>
+                        <a:latin typeface="Calibri" panose="020F0502020204030204" pitchFamily="34" charset="0"/>
+                      </a:endParaRPr>
+                    </a:p>
+                  </a:txBody>
+                  <a:tcPr marL="9525" marR="9525" marT="9525" marB="0" anchor="b"/>
+                </a:tc>
+                <a:tc>
+                  <a:txBody>
+                    <a:bodyPr/>
+                    <a:lstStyle/>
+                    <a:p>
+                      <a:pPr algn="r" fontAlgn="b"/>
+                      <a:r>
+                        <a:rPr lang="en-US" sz="2400" u="none" strike="noStrike" dirty="0">
+                          <a:effectLst/>
+                        </a:rPr>
+                        <a:t>46.15%</a:t>
+                      </a:r>
+                      <a:endParaRPr lang="en-US" sz="2400" b="0" i="0" u="none" strike="noStrike" dirty="0">
+                        <a:solidFill>
+                          <a:srgbClr val="000000"/>
+                        </a:solidFill>
+                        <a:effectLst/>
+                        <a:latin typeface="Calibri" panose="020F0502020204030204" pitchFamily="34" charset="0"/>
+                      </a:endParaRPr>
+                    </a:p>
+                  </a:txBody>
+                  <a:tcPr marL="9525" marR="9525" marT="9525" marB="0" anchor="b"/>
+                </a:tc>
+              </a:tr>
+            </a:tbl>
+          </a:graphicData>
+        </a:graphic>
+      </p:graphicFrame>
     </p:spTree>
     <p:extLst>
       <p:ext uri="{BB962C8B-B14F-4D97-AF65-F5344CB8AC3E}">
-        <p14:creationId xmlns:p14="http://schemas.microsoft.com/office/powerpoint/2010/main" val="94337934"/>
+        <p14:creationId xmlns:p14="http://schemas.microsoft.com/office/powerpoint/2010/main" val="3159790553"/>
       </p:ext>
     </p:extLst>
   </p:cSld>
   <p:clrMapOvr>
     <a:masterClrMapping/>
   </p:clrMapOvr>
+</p:sld>
+</file>
+
+<file path=ppt/slides/slide12.xml><?xml version="1.0" encoding="utf-8"?>
+<p:sld xmlns:a="http://schemas.openxmlformats.org/drawingml/2006/main" xmlns:r="http://schemas.openxmlformats.org/officeDocument/2006/relationships" xmlns:p="http://schemas.openxmlformats.org/presentationml/2006/main">
+  <p:cSld>
+    <p:spTree>
+      <p:nvGrpSpPr>
+        <p:cNvPr id="1" name=""/>
+        <p:cNvGrpSpPr/>
+        <p:nvPr/>
+      </p:nvGrpSpPr>
+      <p:grpSpPr>
+        <a:xfrm>
+          <a:off x="0" y="0"/>
+          <a:ext cx="0" cy="0"/>
+          <a:chOff x="0" y="0"/>
+          <a:chExt cx="0" cy="0"/>
+        </a:xfrm>
+      </p:grpSpPr>
+      <p:sp>
+        <p:nvSpPr>
+          <p:cNvPr id="2" name="Title 1"/>
+          <p:cNvSpPr>
+            <a:spLocks noGrp="1"/>
+          </p:cNvSpPr>
+          <p:nvPr>
+            <p:ph type="title"/>
+          </p:nvPr>
+        </p:nvSpPr>
+        <p:spPr/>
+        <p:txBody>
+          <a:bodyPr/>
+          <a:lstStyle/>
+          <a:p>
+            <a:endParaRPr lang="en-US" dirty="0"/>
+          </a:p>
+        </p:txBody>
+      </p:sp>
+      <p:graphicFrame>
+        <p:nvGraphicFramePr>
+          <p:cNvPr id="4" name="Content Placeholder 3"/>
+          <p:cNvGraphicFramePr>
+            <a:graphicFrameLocks noGrp="1"/>
+          </p:cNvGraphicFramePr>
+          <p:nvPr>
+            <p:ph idx="1"/>
+            <p:extLst>
+              <p:ext uri="{D42A27DB-BD31-4B8C-83A1-F6EECF244321}">
+                <p14:modId xmlns:p14="http://schemas.microsoft.com/office/powerpoint/2010/main" val="3317947570"/>
+              </p:ext>
+            </p:extLst>
+          </p:nvPr>
+        </p:nvGraphicFramePr>
+        <p:xfrm>
+          <a:off x="3680750" y="1423686"/>
+          <a:ext cx="3460831" cy="4520301"/>
+        </p:xfrm>
+        <a:graphic>
+          <a:graphicData uri="http://schemas.openxmlformats.org/drawingml/2006/table">
+            <a:tbl>
+              <a:tblPr>
+                <a:tableStyleId>{793D81CF-94F2-401A-BA57-92F5A7B2D0C5}</a:tableStyleId>
+              </a:tblPr>
+              <a:tblGrid>
+                <a:gridCol w="2077656"/>
+                <a:gridCol w="1383175"/>
+              </a:tblGrid>
+              <a:tr h="637452">
+                <a:tc>
+                  <a:txBody>
+                    <a:bodyPr/>
+                    <a:lstStyle/>
+                    <a:p>
+                      <a:pPr algn="l" fontAlgn="b"/>
+                      <a:r>
+                        <a:rPr lang="en-US" sz="2800" u="none" strike="noStrike" dirty="0">
+                          <a:effectLst/>
+                        </a:rPr>
+                        <a:t>Adverbial</a:t>
+                      </a:r>
+                      <a:endParaRPr lang="en-US" sz="2800" b="0" i="0" u="none" strike="noStrike" dirty="0">
+                        <a:solidFill>
+                          <a:srgbClr val="000000"/>
+                        </a:solidFill>
+                        <a:effectLst/>
+                        <a:latin typeface="Calibri" panose="020F0502020204030204" pitchFamily="34" charset="0"/>
+                      </a:endParaRPr>
+                    </a:p>
+                  </a:txBody>
+                  <a:tcPr marL="9525" marR="9525" marT="9525" marB="0" anchor="b"/>
+                </a:tc>
+                <a:tc>
+                  <a:txBody>
+                    <a:bodyPr/>
+                    <a:lstStyle/>
+                    <a:p>
+                      <a:pPr algn="r" fontAlgn="b"/>
+                      <a:r>
+                        <a:rPr lang="en-US" sz="2800" u="none" strike="noStrike" dirty="0">
+                          <a:effectLst/>
+                        </a:rPr>
+                        <a:t>100.00%</a:t>
+                      </a:r>
+                      <a:endParaRPr lang="en-US" sz="2800" b="0" i="0" u="none" strike="noStrike" dirty="0">
+                        <a:solidFill>
+                          <a:srgbClr val="000000"/>
+                        </a:solidFill>
+                        <a:effectLst/>
+                        <a:latin typeface="Calibri" panose="020F0502020204030204" pitchFamily="34" charset="0"/>
+                      </a:endParaRPr>
+                    </a:p>
+                  </a:txBody>
+                  <a:tcPr marL="9525" marR="9525" marT="9525" marB="0" anchor="b"/>
+                </a:tc>
+              </a:tr>
+              <a:tr h="352184">
+                <a:tc>
+                  <a:txBody>
+                    <a:bodyPr/>
+                    <a:lstStyle/>
+                    <a:p>
+                      <a:pPr algn="l" fontAlgn="b"/>
+                      <a:r>
+                        <a:rPr lang="en-US" sz="2800" u="none" strike="noStrike">
+                          <a:effectLst/>
+                        </a:rPr>
+                        <a:t>attribute</a:t>
+                      </a:r>
+                      <a:endParaRPr lang="en-US" sz="2800" b="0" i="0" u="none" strike="noStrike">
+                        <a:solidFill>
+                          <a:srgbClr val="000000"/>
+                        </a:solidFill>
+                        <a:effectLst/>
+                        <a:latin typeface="Calibri" panose="020F0502020204030204" pitchFamily="34" charset="0"/>
+                      </a:endParaRPr>
+                    </a:p>
+                  </a:txBody>
+                  <a:tcPr marL="9525" marR="9525" marT="9525" marB="0" anchor="b"/>
+                </a:tc>
+                <a:tc>
+                  <a:txBody>
+                    <a:bodyPr/>
+                    <a:lstStyle/>
+                    <a:p>
+                      <a:pPr algn="r" fontAlgn="b"/>
+                      <a:r>
+                        <a:rPr lang="en-US" sz="2800" u="none" strike="noStrike" dirty="0">
+                          <a:effectLst/>
+                        </a:rPr>
+                        <a:t>61.70%</a:t>
+                      </a:r>
+                      <a:endParaRPr lang="en-US" sz="2800" b="0" i="0" u="none" strike="noStrike" dirty="0">
+                        <a:solidFill>
+                          <a:srgbClr val="000000"/>
+                        </a:solidFill>
+                        <a:effectLst/>
+                        <a:latin typeface="Calibri" panose="020F0502020204030204" pitchFamily="34" charset="0"/>
+                      </a:endParaRPr>
+                    </a:p>
+                  </a:txBody>
+                  <a:tcPr marL="9525" marR="9525" marT="9525" marB="0" anchor="b"/>
+                </a:tc>
+              </a:tr>
+              <a:tr h="637452">
+                <a:tc>
+                  <a:txBody>
+                    <a:bodyPr/>
+                    <a:lstStyle/>
+                    <a:p>
+                      <a:pPr algn="l" fontAlgn="b"/>
+                      <a:r>
+                        <a:rPr lang="en-US" sz="2800" u="none" strike="noStrike" dirty="0">
+                          <a:effectLst/>
+                        </a:rPr>
+                        <a:t>Conditional Cl</a:t>
+                      </a:r>
+                      <a:endParaRPr lang="en-US" sz="2800" b="0" i="0" u="none" strike="noStrike" dirty="0">
+                        <a:solidFill>
+                          <a:srgbClr val="000000"/>
+                        </a:solidFill>
+                        <a:effectLst/>
+                        <a:latin typeface="Calibri" panose="020F0502020204030204" pitchFamily="34" charset="0"/>
+                      </a:endParaRPr>
+                    </a:p>
+                  </a:txBody>
+                  <a:tcPr marL="9525" marR="9525" marT="9525" marB="0" anchor="b"/>
+                </a:tc>
+                <a:tc>
+                  <a:txBody>
+                    <a:bodyPr/>
+                    <a:lstStyle/>
+                    <a:p>
+                      <a:pPr algn="r" fontAlgn="b"/>
+                      <a:r>
+                        <a:rPr lang="en-US" sz="2800" u="none" strike="noStrike" dirty="0">
+                          <a:effectLst/>
+                        </a:rPr>
+                        <a:t>80.85%</a:t>
+                      </a:r>
+                      <a:endParaRPr lang="en-US" sz="2800" b="0" i="0" u="none" strike="noStrike" dirty="0">
+                        <a:solidFill>
+                          <a:srgbClr val="000000"/>
+                        </a:solidFill>
+                        <a:effectLst/>
+                        <a:latin typeface="Calibri" panose="020F0502020204030204" pitchFamily="34" charset="0"/>
+                      </a:endParaRPr>
+                    </a:p>
+                  </a:txBody>
+                  <a:tcPr marL="9525" marR="9525" marT="9525" marB="0" anchor="b"/>
+                </a:tc>
+              </a:tr>
+              <a:tr h="352184">
+                <a:tc>
+                  <a:txBody>
+                    <a:bodyPr/>
+                    <a:lstStyle/>
+                    <a:p>
+                      <a:pPr algn="l" fontAlgn="b"/>
+                      <a:r>
+                        <a:rPr lang="en-US" sz="2800" u="none" strike="noStrike">
+                          <a:effectLst/>
+                        </a:rPr>
+                        <a:t>Dir. Obj.</a:t>
+                      </a:r>
+                      <a:endParaRPr lang="en-US" sz="2800" b="0" i="0" u="none" strike="noStrike">
+                        <a:solidFill>
+                          <a:srgbClr val="000000"/>
+                        </a:solidFill>
+                        <a:effectLst/>
+                        <a:latin typeface="Calibri" panose="020F0502020204030204" pitchFamily="34" charset="0"/>
+                      </a:endParaRPr>
+                    </a:p>
+                  </a:txBody>
+                  <a:tcPr marL="9525" marR="9525" marT="9525" marB="0" anchor="b"/>
+                </a:tc>
+                <a:tc>
+                  <a:txBody>
+                    <a:bodyPr/>
+                    <a:lstStyle/>
+                    <a:p>
+                      <a:pPr algn="r" fontAlgn="b"/>
+                      <a:r>
+                        <a:rPr lang="en-US" sz="2800" u="none" strike="noStrike">
+                          <a:effectLst/>
+                        </a:rPr>
+                        <a:t>93.62%</a:t>
+                      </a:r>
+                      <a:endParaRPr lang="en-US" sz="2800" b="0" i="0" u="none" strike="noStrike">
+                        <a:solidFill>
+                          <a:srgbClr val="000000"/>
+                        </a:solidFill>
+                        <a:effectLst/>
+                        <a:latin typeface="Calibri" panose="020F0502020204030204" pitchFamily="34" charset="0"/>
+                      </a:endParaRPr>
+                    </a:p>
+                  </a:txBody>
+                  <a:tcPr marL="9525" marR="9525" marT="9525" marB="0" anchor="b"/>
+                </a:tc>
+              </a:tr>
+              <a:tr h="637452">
+                <a:tc>
+                  <a:txBody>
+                    <a:bodyPr/>
+                    <a:lstStyle/>
+                    <a:p>
+                      <a:pPr algn="l" fontAlgn="b"/>
+                      <a:r>
+                        <a:rPr lang="en-US" sz="2800" u="none" strike="noStrike">
+                          <a:effectLst/>
+                        </a:rPr>
+                        <a:t>Main Verb</a:t>
+                      </a:r>
+                      <a:endParaRPr lang="en-US" sz="2800" b="0" i="0" u="none" strike="noStrike">
+                        <a:solidFill>
+                          <a:srgbClr val="000000"/>
+                        </a:solidFill>
+                        <a:effectLst/>
+                        <a:latin typeface="Calibri" panose="020F0502020204030204" pitchFamily="34" charset="0"/>
+                      </a:endParaRPr>
+                    </a:p>
+                  </a:txBody>
+                  <a:tcPr marL="9525" marR="9525" marT="9525" marB="0" anchor="b"/>
+                </a:tc>
+                <a:tc>
+                  <a:txBody>
+                    <a:bodyPr/>
+                    <a:lstStyle/>
+                    <a:p>
+                      <a:pPr algn="r" fontAlgn="b"/>
+                      <a:r>
+                        <a:rPr lang="en-US" sz="2800" u="none" strike="noStrike">
+                          <a:effectLst/>
+                        </a:rPr>
+                        <a:t>80.85%</a:t>
+                      </a:r>
+                      <a:endParaRPr lang="en-US" sz="2800" b="0" i="0" u="none" strike="noStrike">
+                        <a:solidFill>
+                          <a:srgbClr val="000000"/>
+                        </a:solidFill>
+                        <a:effectLst/>
+                        <a:latin typeface="Calibri" panose="020F0502020204030204" pitchFamily="34" charset="0"/>
+                      </a:endParaRPr>
+                    </a:p>
+                  </a:txBody>
+                  <a:tcPr marL="9525" marR="9525" marT="9525" marB="0" anchor="b"/>
+                </a:tc>
+              </a:tr>
+              <a:tr h="637452">
+                <a:tc>
+                  <a:txBody>
+                    <a:bodyPr/>
+                    <a:lstStyle/>
+                    <a:p>
+                      <a:pPr algn="l" fontAlgn="b"/>
+                      <a:r>
+                        <a:rPr lang="en-US" sz="2800" u="none" strike="noStrike">
+                          <a:effectLst/>
+                        </a:rPr>
+                        <a:t>Pred. Nom.</a:t>
+                      </a:r>
+                      <a:endParaRPr lang="en-US" sz="2800" b="0" i="0" u="none" strike="noStrike">
+                        <a:solidFill>
+                          <a:srgbClr val="000000"/>
+                        </a:solidFill>
+                        <a:effectLst/>
+                        <a:latin typeface="Calibri" panose="020F0502020204030204" pitchFamily="34" charset="0"/>
+                      </a:endParaRPr>
+                    </a:p>
+                  </a:txBody>
+                  <a:tcPr marL="9525" marR="9525" marT="9525" marB="0" anchor="b"/>
+                </a:tc>
+                <a:tc>
+                  <a:txBody>
+                    <a:bodyPr/>
+                    <a:lstStyle/>
+                    <a:p>
+                      <a:pPr algn="r" fontAlgn="b"/>
+                      <a:r>
+                        <a:rPr lang="en-US" sz="2800" u="none" strike="noStrike">
+                          <a:effectLst/>
+                        </a:rPr>
+                        <a:t>53.19%</a:t>
+                      </a:r>
+                      <a:endParaRPr lang="en-US" sz="2800" b="0" i="0" u="none" strike="noStrike">
+                        <a:solidFill>
+                          <a:srgbClr val="000000"/>
+                        </a:solidFill>
+                        <a:effectLst/>
+                        <a:latin typeface="Calibri" panose="020F0502020204030204" pitchFamily="34" charset="0"/>
+                      </a:endParaRPr>
+                    </a:p>
+                  </a:txBody>
+                  <a:tcPr marL="9525" marR="9525" marT="9525" marB="0" anchor="b"/>
+                </a:tc>
+              </a:tr>
+              <a:tr h="352184">
+                <a:tc>
+                  <a:txBody>
+                    <a:bodyPr/>
+                    <a:lstStyle/>
+                    <a:p>
+                      <a:pPr algn="l" fontAlgn="b"/>
+                      <a:r>
+                        <a:rPr lang="en-US" sz="2800" u="none" strike="noStrike">
+                          <a:effectLst/>
+                        </a:rPr>
+                        <a:t>Poss.</a:t>
+                      </a:r>
+                      <a:endParaRPr lang="en-US" sz="2800" b="0" i="0" u="none" strike="noStrike">
+                        <a:solidFill>
+                          <a:srgbClr val="000000"/>
+                        </a:solidFill>
+                        <a:effectLst/>
+                        <a:latin typeface="Calibri" panose="020F0502020204030204" pitchFamily="34" charset="0"/>
+                      </a:endParaRPr>
+                    </a:p>
+                  </a:txBody>
+                  <a:tcPr marL="9525" marR="9525" marT="9525" marB="0" anchor="b"/>
+                </a:tc>
+                <a:tc>
+                  <a:txBody>
+                    <a:bodyPr/>
+                    <a:lstStyle/>
+                    <a:p>
+                      <a:pPr algn="r" fontAlgn="b"/>
+                      <a:r>
+                        <a:rPr lang="en-US" sz="2800" u="none" strike="noStrike">
+                          <a:effectLst/>
+                        </a:rPr>
+                        <a:t>70.21%</a:t>
+                      </a:r>
+                      <a:endParaRPr lang="en-US" sz="2800" b="0" i="0" u="none" strike="noStrike">
+                        <a:solidFill>
+                          <a:srgbClr val="000000"/>
+                        </a:solidFill>
+                        <a:effectLst/>
+                        <a:latin typeface="Calibri" panose="020F0502020204030204" pitchFamily="34" charset="0"/>
+                      </a:endParaRPr>
+                    </a:p>
+                  </a:txBody>
+                  <a:tcPr marL="9525" marR="9525" marT="9525" marB="0" anchor="b"/>
+                </a:tc>
+              </a:tr>
+              <a:tr h="352184">
+                <a:tc>
+                  <a:txBody>
+                    <a:bodyPr/>
+                    <a:lstStyle/>
+                    <a:p>
+                      <a:pPr algn="l" fontAlgn="b"/>
+                      <a:r>
+                        <a:rPr lang="en-US" sz="2800" u="none" strike="noStrike">
+                          <a:effectLst/>
+                        </a:rPr>
+                        <a:t>Subject</a:t>
+                      </a:r>
+                      <a:endParaRPr lang="en-US" sz="2800" b="0" i="0" u="none" strike="noStrike">
+                        <a:solidFill>
+                          <a:srgbClr val="000000"/>
+                        </a:solidFill>
+                        <a:effectLst/>
+                        <a:latin typeface="Calibri" panose="020F0502020204030204" pitchFamily="34" charset="0"/>
+                      </a:endParaRPr>
+                    </a:p>
+                  </a:txBody>
+                  <a:tcPr marL="9525" marR="9525" marT="9525" marB="0" anchor="b"/>
+                </a:tc>
+                <a:tc>
+                  <a:txBody>
+                    <a:bodyPr/>
+                    <a:lstStyle/>
+                    <a:p>
+                      <a:pPr algn="r" fontAlgn="b"/>
+                      <a:r>
+                        <a:rPr lang="en-US" sz="2800" u="none" strike="noStrike" dirty="0">
+                          <a:effectLst/>
+                        </a:rPr>
+                        <a:t>51.06%</a:t>
+                      </a:r>
+                      <a:endParaRPr lang="en-US" sz="2800" b="0" i="0" u="none" strike="noStrike" dirty="0">
+                        <a:solidFill>
+                          <a:srgbClr val="000000"/>
+                        </a:solidFill>
+                        <a:effectLst/>
+                        <a:latin typeface="Calibri" panose="020F0502020204030204" pitchFamily="34" charset="0"/>
+                      </a:endParaRPr>
+                    </a:p>
+                  </a:txBody>
+                  <a:tcPr marL="9525" marR="9525" marT="9525" marB="0" anchor="b"/>
+                </a:tc>
+              </a:tr>
+            </a:tbl>
+          </a:graphicData>
+        </a:graphic>
+      </p:graphicFrame>
+    </p:spTree>
+    <p:extLst>
+      <p:ext uri="{BB962C8B-B14F-4D97-AF65-F5344CB8AC3E}">
+        <p14:creationId xmlns:p14="http://schemas.microsoft.com/office/powerpoint/2010/main" val="2076769962"/>
+      </p:ext>
+    </p:extLst>
+  </p:cSld>
+  <p:clrMapOvr>
+    <a:masterClrMapping/>
+  </p:clrMapOvr>
+</p:sld>
+</file>
+
+<file path=ppt/slides/slide13.xml><?xml version="1.0" encoding="utf-8"?>
+<p:sld xmlns:a="http://schemas.openxmlformats.org/drawingml/2006/main" xmlns:r="http://schemas.openxmlformats.org/officeDocument/2006/relationships" xmlns:p="http://schemas.openxmlformats.org/presentationml/2006/main">
+  <p:cSld>
+    <p:spTree>
+      <p:nvGrpSpPr>
+        <p:cNvPr id="1" name=""/>
+        <p:cNvGrpSpPr/>
+        <p:nvPr/>
+      </p:nvGrpSpPr>
+      <p:grpSpPr>
+        <a:xfrm>
+          <a:off x="0" y="0"/>
+          <a:ext cx="0" cy="0"/>
+          <a:chOff x="0" y="0"/>
+          <a:chExt cx="0" cy="0"/>
+        </a:xfrm>
+      </p:grpSpPr>
+      <p:sp>
+        <p:nvSpPr>
+          <p:cNvPr id="2" name="Title 1"/>
+          <p:cNvSpPr>
+            <a:spLocks noGrp="1"/>
+          </p:cNvSpPr>
+          <p:nvPr>
+            <p:ph type="title"/>
+          </p:nvPr>
+        </p:nvSpPr>
+        <p:spPr/>
+        <p:txBody>
+          <a:bodyPr/>
+          <a:lstStyle/>
+          <a:p>
+            <a:r>
+              <a:rPr lang="en-US" dirty="0" smtClean="0"/>
+              <a:t>Uses?</a:t>
+            </a:r>
+            <a:endParaRPr lang="en-US" dirty="0"/>
+          </a:p>
+        </p:txBody>
+      </p:sp>
+      <p:sp>
+        <p:nvSpPr>
+          <p:cNvPr id="3" name="Content Placeholder 2"/>
+          <p:cNvSpPr>
+            <a:spLocks noGrp="1"/>
+          </p:cNvSpPr>
+          <p:nvPr>
+            <p:ph idx="1"/>
+          </p:nvPr>
+        </p:nvSpPr>
+        <p:spPr/>
+        <p:txBody>
+          <a:bodyPr/>
+          <a:lstStyle/>
+          <a:p>
+            <a:r>
+              <a:rPr lang="en-US" dirty="0" smtClean="0"/>
+              <a:t>Some data immediatel</a:t>
+            </a:r>
+            <a:r>
+              <a:rPr lang="en-US" dirty="0" smtClean="0"/>
+              <a:t>y illuminating</a:t>
+            </a:r>
+          </a:p>
+          <a:p>
+            <a:endParaRPr lang="en-US" dirty="0"/>
+          </a:p>
+          <a:p>
+            <a:r>
+              <a:rPr lang="en-US" dirty="0" smtClean="0"/>
+              <a:t>Some less so!</a:t>
+            </a:r>
+            <a:endParaRPr lang="en-US" dirty="0"/>
+          </a:p>
+        </p:txBody>
+      </p:sp>
+    </p:spTree>
+    <p:extLst>
+      <p:ext uri="{BB962C8B-B14F-4D97-AF65-F5344CB8AC3E}">
+        <p14:creationId xmlns:p14="http://schemas.microsoft.com/office/powerpoint/2010/main" val="2277363026"/>
+      </p:ext>
+    </p:extLst>
+  </p:cSld>
+  <p:clrMapOvr>
+    <a:masterClrMapping/>
+  </p:clrMapOvr>
+</p:sld>
+</file>
+
+<file path=ppt/slides/slide14.xml><?xml version="1.0" encoding="utf-8"?>
+<p:sld xmlns:a="http://schemas.openxmlformats.org/drawingml/2006/main" xmlns:r="http://schemas.openxmlformats.org/officeDocument/2006/relationships" xmlns:p="http://schemas.openxmlformats.org/presentationml/2006/main">
+  <p:cSld>
+    <p:spTree>
+      <p:nvGrpSpPr>
+        <p:cNvPr id="1" name=""/>
+        <p:cNvGrpSpPr/>
+        <p:nvPr/>
+      </p:nvGrpSpPr>
+      <p:grpSpPr>
+        <a:xfrm>
+          <a:off x="0" y="0"/>
+          <a:ext cx="0" cy="0"/>
+          <a:chOff x="0" y="0"/>
+          <a:chExt cx="0" cy="0"/>
+        </a:xfrm>
+      </p:grpSpPr>
+      <p:sp>
+        <p:nvSpPr>
+          <p:cNvPr id="2" name="Title 1"/>
+          <p:cNvSpPr>
+            <a:spLocks noGrp="1"/>
+          </p:cNvSpPr>
+          <p:nvPr>
+            <p:ph type="title"/>
+          </p:nvPr>
+        </p:nvSpPr>
+        <p:spPr/>
+        <p:txBody>
+          <a:bodyPr/>
+          <a:lstStyle/>
+          <a:p>
+            <a:r>
+              <a:rPr lang="en-US" dirty="0" err="1" smtClean="0"/>
+              <a:t>Treeish</a:t>
+            </a:r>
+            <a:r>
+              <a:rPr lang="en-US" dirty="0" smtClean="0"/>
+              <a:t> data:</a:t>
+            </a:r>
+            <a:br>
+              <a:rPr lang="en-US" dirty="0" smtClean="0"/>
+            </a:br>
+            <a:r>
+              <a:rPr lang="en-US" dirty="0" smtClean="0"/>
+              <a:t>Can tree structure tell us anything?</a:t>
+            </a:r>
+            <a:endParaRPr lang="en-US" dirty="0"/>
+          </a:p>
+        </p:txBody>
+      </p:sp>
+      <p:pic>
+        <p:nvPicPr>
+          <p:cNvPr id="6" name="Content Placeholder 5"/>
+          <p:cNvPicPr>
+            <a:picLocks noGrp="1" noChangeAspect="1"/>
+          </p:cNvPicPr>
+          <p:nvPr>
+            <p:ph idx="1"/>
+          </p:nvPr>
+        </p:nvPicPr>
+        <p:blipFill>
+          <a:blip r:embed="rId3">
+            <a:clrChange>
+              <a:clrFrom>
+                <a:srgbClr val="F3F3F3"/>
+              </a:clrFrom>
+              <a:clrTo>
+                <a:srgbClr val="F3F3F3">
+                  <a:alpha val="0"/>
+                </a:srgbClr>
+              </a:clrTo>
+            </a:clrChange>
+            <a:extLst>
+              <a:ext uri="{28A0092B-C50C-407E-A947-70E740481C1C}">
+                <a14:useLocalDpi xmlns:a14="http://schemas.microsoft.com/office/drawing/2010/main" val="0"/>
+              </a:ext>
+            </a:extLst>
+          </a:blip>
+          <a:stretch>
+            <a:fillRect/>
+          </a:stretch>
+        </p:blipFill>
+        <p:spPr>
+          <a:xfrm>
+            <a:off x="2172712" y="2390302"/>
+            <a:ext cx="7846575" cy="2054376"/>
+          </a:xfrm>
+        </p:spPr>
+      </p:pic>
+    </p:spTree>
+    <p:extLst>
+      <p:ext uri="{BB962C8B-B14F-4D97-AF65-F5344CB8AC3E}">
+        <p14:creationId xmlns:p14="http://schemas.microsoft.com/office/powerpoint/2010/main" val="3584548270"/>
+      </p:ext>
+    </p:extLst>
+  </p:cSld>
+  <p:clrMapOvr>
+    <a:masterClrMapping/>
+  </p:clrMapOvr>
+  <p:timing>
+    <p:tnLst>
+      <p:par>
+        <p:cTn id="1" dur="indefinite" restart="never" nodeType="tmRoot"/>
+      </p:par>
+    </p:tnLst>
+  </p:timing>
+</p:sld>
+</file>
+
+<file path=ppt/slides/slide15.xml><?xml version="1.0" encoding="utf-8"?>
+<p:sld xmlns:a="http://schemas.openxmlformats.org/drawingml/2006/main" xmlns:r="http://schemas.openxmlformats.org/officeDocument/2006/relationships" xmlns:p="http://schemas.openxmlformats.org/presentationml/2006/main">
+  <p:cSld>
+    <p:spTree>
+      <p:nvGrpSpPr>
+        <p:cNvPr id="1" name=""/>
+        <p:cNvGrpSpPr/>
+        <p:nvPr/>
+      </p:nvGrpSpPr>
+      <p:grpSpPr>
+        <a:xfrm>
+          <a:off x="0" y="0"/>
+          <a:ext cx="0" cy="0"/>
+          <a:chOff x="0" y="0"/>
+          <a:chExt cx="0" cy="0"/>
+        </a:xfrm>
+      </p:grpSpPr>
+      <p:pic>
+        <p:nvPicPr>
+          <p:cNvPr id="6" name="Content Placeholder 5"/>
+          <p:cNvPicPr>
+            <a:picLocks noGrp="1" noChangeAspect="1"/>
+          </p:cNvPicPr>
+          <p:nvPr>
+            <p:ph idx="1"/>
+          </p:nvPr>
+        </p:nvPicPr>
+        <p:blipFill rotWithShape="1">
+          <a:blip r:embed="rId3">
+            <a:clrChange>
+              <a:clrFrom>
+                <a:srgbClr val="F6F6F6"/>
+              </a:clrFrom>
+              <a:clrTo>
+                <a:srgbClr val="F6F6F6">
+                  <a:alpha val="0"/>
+                </a:srgbClr>
+              </a:clrTo>
+            </a:clrChange>
+            <a:extLst>
+              <a:ext uri="{28A0092B-C50C-407E-A947-70E740481C1C}">
+                <a14:useLocalDpi xmlns:a14="http://schemas.microsoft.com/office/drawing/2010/main" val="0"/>
+              </a:ext>
+            </a:extLst>
+          </a:blip>
+          <a:srcRect t="19308"/>
+          <a:stretch/>
+        </p:blipFill>
+        <p:spPr>
+          <a:xfrm>
+            <a:off x="3055716" y="230651"/>
+            <a:ext cx="5787342" cy="5685107"/>
+          </a:xfrm>
+        </p:spPr>
+      </p:pic>
+    </p:spTree>
+    <p:extLst>
+      <p:ext uri="{BB962C8B-B14F-4D97-AF65-F5344CB8AC3E}">
+        <p14:creationId xmlns:p14="http://schemas.microsoft.com/office/powerpoint/2010/main" val="2715741475"/>
+      </p:ext>
+    </p:extLst>
+  </p:cSld>
+  <p:clrMapOvr>
+    <a:masterClrMapping/>
+  </p:clrMapOvr>
+  <p:timing>
+    <p:tnLst>
+      <p:par>
+        <p:cTn id="1" dur="indefinite" restart="never" nodeType="tmRoot"/>
+      </p:par>
+    </p:tnLst>
+  </p:timing>
+</p:sld>
+</file>
+
+<file path=ppt/slides/slide16.xml><?xml version="1.0" encoding="utf-8"?>
+<p:sld xmlns:a="http://schemas.openxmlformats.org/drawingml/2006/main" xmlns:r="http://schemas.openxmlformats.org/officeDocument/2006/relationships" xmlns:p="http://schemas.openxmlformats.org/presentationml/2006/main">
+  <p:cSld>
+    <p:spTree>
+      <p:nvGrpSpPr>
+        <p:cNvPr id="1" name=""/>
+        <p:cNvGrpSpPr/>
+        <p:nvPr/>
+      </p:nvGrpSpPr>
+      <p:grpSpPr>
+        <a:xfrm>
+          <a:off x="0" y="0"/>
+          <a:ext cx="0" cy="0"/>
+          <a:chOff x="0" y="0"/>
+          <a:chExt cx="0" cy="0"/>
+        </a:xfrm>
+      </p:grpSpPr>
+      <p:sp>
+        <p:nvSpPr>
+          <p:cNvPr id="2" name="Title 1"/>
+          <p:cNvSpPr>
+            <a:spLocks noGrp="1"/>
+          </p:cNvSpPr>
+          <p:nvPr>
+            <p:ph type="title"/>
+          </p:nvPr>
+        </p:nvSpPr>
+        <p:spPr/>
+        <p:txBody>
+          <a:bodyPr/>
+          <a:lstStyle/>
+          <a:p>
+            <a:r>
+              <a:rPr lang="en-US" dirty="0" err="1" smtClean="0">
+                <a:solidFill>
+                  <a:srgbClr val="FF0000"/>
+                </a:solidFill>
+              </a:rPr>
+              <a:t>Moritur</a:t>
+            </a:r>
+            <a:r>
+              <a:rPr lang="en-US" dirty="0" smtClean="0">
+                <a:solidFill>
+                  <a:srgbClr val="FF0000"/>
+                </a:solidFill>
+              </a:rPr>
+              <a:t> </a:t>
+            </a:r>
+            <a:r>
+              <a:rPr lang="en-US" dirty="0" err="1" smtClean="0">
+                <a:solidFill>
+                  <a:srgbClr val="FFFF00"/>
+                </a:solidFill>
+              </a:rPr>
+              <a:t>filius</a:t>
+            </a:r>
+            <a:r>
+              <a:rPr lang="en-US" dirty="0" smtClean="0">
+                <a:solidFill>
+                  <a:srgbClr val="FFFF00"/>
+                </a:solidFill>
+              </a:rPr>
+              <a:t> </a:t>
+            </a:r>
+            <a:r>
+              <a:rPr lang="en-US" dirty="0" err="1" smtClean="0">
+                <a:solidFill>
+                  <a:srgbClr val="92D050"/>
+                </a:solidFill>
+              </a:rPr>
+              <a:t>fratris</a:t>
+            </a:r>
+            <a:r>
+              <a:rPr lang="en-US" dirty="0" smtClean="0">
+                <a:solidFill>
+                  <a:srgbClr val="92D050"/>
+                </a:solidFill>
+              </a:rPr>
+              <a:t> </a:t>
+            </a:r>
+            <a:r>
+              <a:rPr lang="en-US" dirty="0" err="1" smtClean="0">
+                <a:solidFill>
+                  <a:srgbClr val="00B0F0"/>
+                </a:solidFill>
+              </a:rPr>
+              <a:t>mei</a:t>
+            </a:r>
+            <a:endParaRPr lang="en-US" dirty="0">
+              <a:solidFill>
+                <a:srgbClr val="00B0F0"/>
+              </a:solidFill>
+            </a:endParaRPr>
+          </a:p>
+        </p:txBody>
+      </p:sp>
+      <p:pic>
+        <p:nvPicPr>
+          <p:cNvPr id="4" name="Content Placeholder 3"/>
+          <p:cNvPicPr>
+            <a:picLocks noGrp="1" noChangeAspect="1"/>
+          </p:cNvPicPr>
+          <p:nvPr>
+            <p:ph idx="1"/>
+          </p:nvPr>
+        </p:nvPicPr>
+        <p:blipFill>
+          <a:blip r:embed="rId3">
+            <a:extLst>
+              <a:ext uri="{28A0092B-C50C-407E-A947-70E740481C1C}">
+                <a14:useLocalDpi xmlns:a14="http://schemas.microsoft.com/office/drawing/2010/main" val="0"/>
+              </a:ext>
+            </a:extLst>
+          </a:blip>
+          <a:stretch>
+            <a:fillRect/>
+          </a:stretch>
+        </p:blipFill>
+        <p:spPr>
+          <a:xfrm>
+            <a:off x="5238930" y="2131681"/>
+            <a:ext cx="2200275" cy="3486150"/>
+          </a:xfrm>
+        </p:spPr>
+      </p:pic>
+      <p:pic>
+        <p:nvPicPr>
+          <p:cNvPr id="5" name="Picture 4"/>
+          <p:cNvPicPr>
+            <a:picLocks noChangeAspect="1"/>
+          </p:cNvPicPr>
+          <p:nvPr/>
+        </p:nvPicPr>
+        <p:blipFill>
+          <a:blip r:embed="rId4">
+            <a:extLst>
+              <a:ext uri="{28A0092B-C50C-407E-A947-70E740481C1C}">
+                <a14:useLocalDpi xmlns:a14="http://schemas.microsoft.com/office/drawing/2010/main" val="0"/>
+              </a:ext>
+            </a:extLst>
+          </a:blip>
+          <a:stretch>
+            <a:fillRect/>
+          </a:stretch>
+        </p:blipFill>
+        <p:spPr>
+          <a:xfrm rot="7839305">
+            <a:off x="1297811" y="2342063"/>
+            <a:ext cx="2602857" cy="1952143"/>
+          </a:xfrm>
+          <a:prstGeom prst="rect">
+            <a:avLst/>
+          </a:prstGeom>
+        </p:spPr>
+      </p:pic>
+    </p:spTree>
+    <p:extLst>
+      <p:ext uri="{BB962C8B-B14F-4D97-AF65-F5344CB8AC3E}">
+        <p14:creationId xmlns:p14="http://schemas.microsoft.com/office/powerpoint/2010/main" val="3223308448"/>
+      </p:ext>
+    </p:extLst>
+  </p:cSld>
+  <p:clrMapOvr>
+    <a:masterClrMapping/>
+  </p:clrMapOvr>
+  <p:timing>
+    <p:tnLst>
+      <p:par>
+        <p:cTn id="1" dur="indefinite" restart="never" nodeType="tmRoot"/>
+      </p:par>
+    </p:tnLst>
+  </p:timing>
+</p:sld>
+</file>
+
+<file path=ppt/slides/slide17.xml><?xml version="1.0" encoding="utf-8"?>
+<p:sld xmlns:a="http://schemas.openxmlformats.org/drawingml/2006/main" xmlns:r="http://schemas.openxmlformats.org/officeDocument/2006/relationships" xmlns:p="http://schemas.openxmlformats.org/presentationml/2006/main">
+  <p:cSld>
+    <p:spTree>
+      <p:nvGrpSpPr>
+        <p:cNvPr id="1" name=""/>
+        <p:cNvGrpSpPr/>
+        <p:nvPr/>
+      </p:nvGrpSpPr>
+      <p:grpSpPr>
+        <a:xfrm>
+          <a:off x="0" y="0"/>
+          <a:ext cx="0" cy="0"/>
+          <a:chOff x="0" y="0"/>
+          <a:chExt cx="0" cy="0"/>
+        </a:xfrm>
+      </p:grpSpPr>
+      <p:sp>
+        <p:nvSpPr>
+          <p:cNvPr id="2" name="Title 1"/>
+          <p:cNvSpPr>
+            <a:spLocks noGrp="1"/>
+          </p:cNvSpPr>
+          <p:nvPr>
+            <p:ph type="title"/>
+          </p:nvPr>
+        </p:nvSpPr>
+        <p:spPr/>
+        <p:txBody>
+          <a:bodyPr/>
+          <a:lstStyle/>
+          <a:p>
+            <a:r>
+              <a:rPr lang="en-US" dirty="0" smtClean="0">
+                <a:solidFill>
+                  <a:srgbClr val="FF0000"/>
+                </a:solidFill>
+              </a:rPr>
+              <a:t>Cicero</a:t>
+            </a:r>
+            <a:r>
+              <a:rPr lang="en-US" dirty="0" smtClean="0"/>
+              <a:t> </a:t>
+            </a:r>
+            <a:r>
+              <a:rPr lang="en-US" dirty="0" err="1" smtClean="0">
+                <a:solidFill>
+                  <a:srgbClr val="FFFF00"/>
+                </a:solidFill>
+              </a:rPr>
+              <a:t>timet</a:t>
+            </a:r>
+            <a:r>
+              <a:rPr lang="en-US" dirty="0" smtClean="0">
+                <a:solidFill>
+                  <a:srgbClr val="FFFF00"/>
+                </a:solidFill>
+              </a:rPr>
+              <a:t> </a:t>
+            </a:r>
+            <a:r>
+              <a:rPr lang="en-US" dirty="0" err="1" smtClean="0">
+                <a:solidFill>
+                  <a:srgbClr val="92D050"/>
+                </a:solidFill>
+              </a:rPr>
+              <a:t>periculum</a:t>
+            </a:r>
+            <a:r>
+              <a:rPr lang="en-US" dirty="0" smtClean="0">
+                <a:solidFill>
+                  <a:srgbClr val="92D050"/>
+                </a:solidFill>
+              </a:rPr>
+              <a:t> </a:t>
+            </a:r>
+            <a:r>
+              <a:rPr lang="en-US" dirty="0" smtClean="0">
+                <a:solidFill>
+                  <a:srgbClr val="00B0F0"/>
+                </a:solidFill>
+              </a:rPr>
+              <a:t>magnum</a:t>
+            </a:r>
+            <a:endParaRPr lang="en-US" dirty="0">
+              <a:solidFill>
+                <a:srgbClr val="00B0F0"/>
+              </a:solidFill>
+            </a:endParaRPr>
+          </a:p>
+        </p:txBody>
+      </p:sp>
+      <p:pic>
+        <p:nvPicPr>
+          <p:cNvPr id="4" name="Content Placeholder 3"/>
+          <p:cNvPicPr>
+            <a:picLocks noGrp="1" noChangeAspect="1"/>
+          </p:cNvPicPr>
+          <p:nvPr>
+            <p:ph idx="1"/>
+          </p:nvPr>
+        </p:nvPicPr>
+        <p:blipFill>
+          <a:blip r:embed="rId2">
+            <a:extLst>
+              <a:ext uri="{28A0092B-C50C-407E-A947-70E740481C1C}">
+                <a14:useLocalDpi xmlns:a14="http://schemas.microsoft.com/office/drawing/2010/main" val="0"/>
+              </a:ext>
+            </a:extLst>
+          </a:blip>
+          <a:stretch>
+            <a:fillRect/>
+          </a:stretch>
+        </p:blipFill>
+        <p:spPr>
+          <a:xfrm rot="2453559">
+            <a:off x="1069075" y="2466773"/>
+            <a:ext cx="2505178" cy="1878884"/>
+          </a:xfrm>
+        </p:spPr>
+      </p:pic>
+      <p:pic>
+        <p:nvPicPr>
+          <p:cNvPr id="5" name="Picture 4"/>
+          <p:cNvPicPr>
+            <a:picLocks noChangeAspect="1"/>
+          </p:cNvPicPr>
+          <p:nvPr/>
+        </p:nvPicPr>
+        <p:blipFill>
+          <a:blip r:embed="rId3">
+            <a:extLst>
+              <a:ext uri="{28A0092B-C50C-407E-A947-70E740481C1C}">
+                <a14:useLocalDpi xmlns:a14="http://schemas.microsoft.com/office/drawing/2010/main" val="0"/>
+              </a:ext>
+            </a:extLst>
+          </a:blip>
+          <a:stretch>
+            <a:fillRect/>
+          </a:stretch>
+        </p:blipFill>
+        <p:spPr>
+          <a:xfrm>
+            <a:off x="4024312" y="1883538"/>
+            <a:ext cx="4143375" cy="3924300"/>
+          </a:xfrm>
+          <a:prstGeom prst="rect">
+            <a:avLst/>
+          </a:prstGeom>
+        </p:spPr>
+      </p:pic>
+    </p:spTree>
+    <p:extLst>
+      <p:ext uri="{BB962C8B-B14F-4D97-AF65-F5344CB8AC3E}">
+        <p14:creationId xmlns:p14="http://schemas.microsoft.com/office/powerpoint/2010/main" val="4199009692"/>
+      </p:ext>
+    </p:extLst>
+  </p:cSld>
+  <p:clrMapOvr>
+    <a:masterClrMapping/>
+  </p:clrMapOvr>
+  <p:timing>
+    <p:tnLst>
+      <p:par>
+        <p:cTn id="1" dur="indefinite" restart="never" nodeType="tmRoot"/>
+      </p:par>
+    </p:tnLst>
+  </p:timing>
+</p:sld>
+</file>
+
+<file path=ppt/slides/slide18.xml><?xml version="1.0" encoding="utf-8"?>
+<p:sld xmlns:a="http://schemas.openxmlformats.org/drawingml/2006/main" xmlns:r="http://schemas.openxmlformats.org/officeDocument/2006/relationships" xmlns:p="http://schemas.openxmlformats.org/presentationml/2006/main">
+  <p:cSld>
+    <p:spTree>
+      <p:nvGrpSpPr>
+        <p:cNvPr id="1" name=""/>
+        <p:cNvGrpSpPr/>
+        <p:nvPr/>
+      </p:nvGrpSpPr>
+      <p:grpSpPr>
+        <a:xfrm>
+          <a:off x="0" y="0"/>
+          <a:ext cx="0" cy="0"/>
+          <a:chOff x="0" y="0"/>
+          <a:chExt cx="0" cy="0"/>
+        </a:xfrm>
+      </p:grpSpPr>
+      <p:sp>
+        <p:nvSpPr>
+          <p:cNvPr id="2" name="Title 1"/>
+          <p:cNvSpPr>
+            <a:spLocks noGrp="1"/>
+          </p:cNvSpPr>
+          <p:nvPr>
+            <p:ph type="title"/>
+          </p:nvPr>
+        </p:nvSpPr>
+        <p:spPr/>
+        <p:txBody>
+          <a:bodyPr/>
+          <a:lstStyle/>
+          <a:p>
+            <a:r>
+              <a:rPr lang="en-US" dirty="0" smtClean="0"/>
+              <a:t>Rooted labeled trees on n </a:t>
+            </a:r>
+            <a:r>
+              <a:rPr lang="en-US" dirty="0" smtClean="0"/>
+              <a:t>vertices</a:t>
+            </a:r>
+            <a:endParaRPr lang="en-US" dirty="0"/>
+          </a:p>
+        </p:txBody>
+      </p:sp>
+      <p:graphicFrame>
+        <p:nvGraphicFramePr>
+          <p:cNvPr id="6" name="Content Placeholder 5"/>
+          <p:cNvGraphicFramePr>
+            <a:graphicFrameLocks noGrp="1"/>
+          </p:cNvGraphicFramePr>
+          <p:nvPr>
+            <p:ph idx="1"/>
+            <p:extLst>
+              <p:ext uri="{D42A27DB-BD31-4B8C-83A1-F6EECF244321}">
+                <p14:modId xmlns:p14="http://schemas.microsoft.com/office/powerpoint/2010/main" val="1912490039"/>
+              </p:ext>
+            </p:extLst>
+          </p:nvPr>
+        </p:nvGraphicFramePr>
+        <p:xfrm>
+          <a:off x="4649164" y="1469982"/>
+          <a:ext cx="3684607" cy="4171060"/>
+        </p:xfrm>
+        <a:graphic>
+          <a:graphicData uri="http://schemas.openxmlformats.org/drawingml/2006/table">
+            <a:tbl>
+              <a:tblPr>
+                <a:tableStyleId>{793D81CF-94F2-401A-BA57-92F5A7B2D0C5}</a:tableStyleId>
+              </a:tblPr>
+              <a:tblGrid>
+                <a:gridCol w="1537922"/>
+                <a:gridCol w="2146685"/>
+              </a:tblGrid>
+              <a:tr h="279897">
+                <a:tc>
+                  <a:txBody>
+                    <a:bodyPr/>
+                    <a:lstStyle/>
+                    <a:p>
+                      <a:pPr algn="l" fontAlgn="b"/>
+                      <a:r>
+                        <a:rPr lang="en-US" sz="2400" u="none" strike="noStrike">
+                          <a:effectLst/>
+                        </a:rPr>
+                        <a:t>Vertices</a:t>
+                      </a:r>
+                      <a:endParaRPr lang="en-US" sz="2400" b="0" i="0" u="none" strike="noStrike">
+                        <a:solidFill>
+                          <a:srgbClr val="000000"/>
+                        </a:solidFill>
+                        <a:effectLst/>
+                        <a:latin typeface="Calibri" panose="020F0502020204030204" pitchFamily="34" charset="0"/>
+                      </a:endParaRPr>
+                    </a:p>
+                  </a:txBody>
+                  <a:tcPr marL="9525" marR="9525" marT="9525" marB="0" anchor="b"/>
+                </a:tc>
+                <a:tc>
+                  <a:txBody>
+                    <a:bodyPr/>
+                    <a:lstStyle/>
+                    <a:p>
+                      <a:pPr algn="l" fontAlgn="b"/>
+                      <a:r>
+                        <a:rPr lang="en-US" sz="2400" u="none" strike="noStrike">
+                          <a:effectLst/>
+                        </a:rPr>
+                        <a:t>Unique Trees</a:t>
+                      </a:r>
+                      <a:endParaRPr lang="en-US" sz="2400" b="0" i="0" u="none" strike="noStrike">
+                        <a:solidFill>
+                          <a:srgbClr val="000000"/>
+                        </a:solidFill>
+                        <a:effectLst/>
+                        <a:latin typeface="Calibri" panose="020F0502020204030204" pitchFamily="34" charset="0"/>
+                      </a:endParaRPr>
+                    </a:p>
+                  </a:txBody>
+                  <a:tcPr marL="9525" marR="9525" marT="9525" marB="0" anchor="b"/>
+                </a:tc>
+              </a:tr>
+              <a:tr h="279897">
+                <a:tc>
+                  <a:txBody>
+                    <a:bodyPr/>
+                    <a:lstStyle/>
+                    <a:p>
+                      <a:pPr algn="r" fontAlgn="b"/>
+                      <a:r>
+                        <a:rPr lang="en-US" sz="2400" u="none" strike="noStrike">
+                          <a:effectLst/>
+                        </a:rPr>
+                        <a:t>1</a:t>
+                      </a:r>
+                      <a:endParaRPr lang="en-US" sz="2400" b="0" i="0" u="none" strike="noStrike">
+                        <a:solidFill>
+                          <a:srgbClr val="000000"/>
+                        </a:solidFill>
+                        <a:effectLst/>
+                        <a:latin typeface="Calibri" panose="020F0502020204030204" pitchFamily="34" charset="0"/>
+                      </a:endParaRPr>
+                    </a:p>
+                  </a:txBody>
+                  <a:tcPr marL="9525" marR="9525" marT="9525" marB="0" anchor="b"/>
+                </a:tc>
+                <a:tc>
+                  <a:txBody>
+                    <a:bodyPr/>
+                    <a:lstStyle/>
+                    <a:p>
+                      <a:pPr algn="r" fontAlgn="b"/>
+                      <a:r>
+                        <a:rPr lang="en-US" sz="2400" u="none" strike="noStrike" dirty="0">
+                          <a:effectLst/>
+                        </a:rPr>
+                        <a:t>1</a:t>
+                      </a:r>
+                      <a:endParaRPr lang="en-US" sz="2400" b="0" i="0" u="none" strike="noStrike" dirty="0">
+                        <a:solidFill>
+                          <a:srgbClr val="000000"/>
+                        </a:solidFill>
+                        <a:effectLst/>
+                        <a:latin typeface="Calibri" panose="020F0502020204030204" pitchFamily="34" charset="0"/>
+                      </a:endParaRPr>
+                    </a:p>
+                  </a:txBody>
+                  <a:tcPr marL="9525" marR="9525" marT="9525" marB="0" anchor="b"/>
+                </a:tc>
+              </a:tr>
+              <a:tr h="279897">
+                <a:tc>
+                  <a:txBody>
+                    <a:bodyPr/>
+                    <a:lstStyle/>
+                    <a:p>
+                      <a:pPr algn="r" fontAlgn="b"/>
+                      <a:r>
+                        <a:rPr lang="en-US" sz="2400" u="none" strike="noStrike">
+                          <a:effectLst/>
+                        </a:rPr>
+                        <a:t>2</a:t>
+                      </a:r>
+                      <a:endParaRPr lang="en-US" sz="2400" b="0" i="0" u="none" strike="noStrike">
+                        <a:solidFill>
+                          <a:srgbClr val="000000"/>
+                        </a:solidFill>
+                        <a:effectLst/>
+                        <a:latin typeface="Calibri" panose="020F0502020204030204" pitchFamily="34" charset="0"/>
+                      </a:endParaRPr>
+                    </a:p>
+                  </a:txBody>
+                  <a:tcPr marL="9525" marR="9525" marT="9525" marB="0" anchor="b"/>
+                </a:tc>
+                <a:tc>
+                  <a:txBody>
+                    <a:bodyPr/>
+                    <a:lstStyle/>
+                    <a:p>
+                      <a:pPr algn="r" fontAlgn="b"/>
+                      <a:r>
+                        <a:rPr lang="en-US" sz="2400" u="none" strike="noStrike">
+                          <a:effectLst/>
+                        </a:rPr>
+                        <a:t>2</a:t>
+                      </a:r>
+                      <a:endParaRPr lang="en-US" sz="2400" b="0" i="0" u="none" strike="noStrike">
+                        <a:solidFill>
+                          <a:srgbClr val="000000"/>
+                        </a:solidFill>
+                        <a:effectLst/>
+                        <a:latin typeface="Calibri" panose="020F0502020204030204" pitchFamily="34" charset="0"/>
+                      </a:endParaRPr>
+                    </a:p>
+                  </a:txBody>
+                  <a:tcPr marL="9525" marR="9525" marT="9525" marB="0" anchor="b"/>
+                </a:tc>
+              </a:tr>
+              <a:tr h="418210">
+                <a:tc>
+                  <a:txBody>
+                    <a:bodyPr/>
+                    <a:lstStyle/>
+                    <a:p>
+                      <a:pPr algn="r" fontAlgn="b"/>
+                      <a:r>
+                        <a:rPr lang="en-US" sz="2400" u="none" strike="noStrike">
+                          <a:effectLst/>
+                        </a:rPr>
+                        <a:t>3</a:t>
+                      </a:r>
+                      <a:endParaRPr lang="en-US" sz="2400" b="0" i="0" u="none" strike="noStrike">
+                        <a:solidFill>
+                          <a:srgbClr val="000000"/>
+                        </a:solidFill>
+                        <a:effectLst/>
+                        <a:latin typeface="Calibri" panose="020F0502020204030204" pitchFamily="34" charset="0"/>
+                      </a:endParaRPr>
+                    </a:p>
+                  </a:txBody>
+                  <a:tcPr marL="9525" marR="9525" marT="9525" marB="0" anchor="b"/>
+                </a:tc>
+                <a:tc>
+                  <a:txBody>
+                    <a:bodyPr/>
+                    <a:lstStyle/>
+                    <a:p>
+                      <a:pPr algn="r" fontAlgn="b"/>
+                      <a:r>
+                        <a:rPr lang="en-US" sz="2400" u="none" strike="noStrike" dirty="0">
+                          <a:effectLst/>
+                        </a:rPr>
+                        <a:t>9</a:t>
+                      </a:r>
+                      <a:endParaRPr lang="en-US" sz="2400" b="0" i="0" u="none" strike="noStrike" dirty="0">
+                        <a:solidFill>
+                          <a:srgbClr val="000000"/>
+                        </a:solidFill>
+                        <a:effectLst/>
+                        <a:latin typeface="Calibri" panose="020F0502020204030204" pitchFamily="34" charset="0"/>
+                      </a:endParaRPr>
+                    </a:p>
+                  </a:txBody>
+                  <a:tcPr marL="9525" marR="9525" marT="9525" marB="0" anchor="b"/>
+                </a:tc>
+              </a:tr>
+              <a:tr h="279897">
+                <a:tc>
+                  <a:txBody>
+                    <a:bodyPr/>
+                    <a:lstStyle/>
+                    <a:p>
+                      <a:pPr algn="r" fontAlgn="b"/>
+                      <a:r>
+                        <a:rPr lang="en-US" sz="2400" u="none" strike="noStrike">
+                          <a:effectLst/>
+                        </a:rPr>
+                        <a:t>4</a:t>
+                      </a:r>
+                      <a:endParaRPr lang="en-US" sz="2400" b="0" i="0" u="none" strike="noStrike">
+                        <a:solidFill>
+                          <a:srgbClr val="000000"/>
+                        </a:solidFill>
+                        <a:effectLst/>
+                        <a:latin typeface="Calibri" panose="020F0502020204030204" pitchFamily="34" charset="0"/>
+                      </a:endParaRPr>
+                    </a:p>
+                  </a:txBody>
+                  <a:tcPr marL="9525" marR="9525" marT="9525" marB="0" anchor="b"/>
+                </a:tc>
+                <a:tc>
+                  <a:txBody>
+                    <a:bodyPr/>
+                    <a:lstStyle/>
+                    <a:p>
+                      <a:pPr algn="r" fontAlgn="b"/>
+                      <a:r>
+                        <a:rPr lang="en-US" sz="2400" u="none" strike="noStrike" dirty="0">
+                          <a:effectLst/>
+                        </a:rPr>
+                        <a:t>64</a:t>
+                      </a:r>
+                      <a:endParaRPr lang="en-US" sz="2400" b="0" i="0" u="none" strike="noStrike" dirty="0">
+                        <a:solidFill>
+                          <a:srgbClr val="000000"/>
+                        </a:solidFill>
+                        <a:effectLst/>
+                        <a:latin typeface="Calibri" panose="020F0502020204030204" pitchFamily="34" charset="0"/>
+                      </a:endParaRPr>
+                    </a:p>
+                  </a:txBody>
+                  <a:tcPr marL="9525" marR="9525" marT="9525" marB="0" anchor="b"/>
+                </a:tc>
+              </a:tr>
+              <a:tr h="279897">
+                <a:tc>
+                  <a:txBody>
+                    <a:bodyPr/>
+                    <a:lstStyle/>
+                    <a:p>
+                      <a:pPr algn="r" fontAlgn="b"/>
+                      <a:r>
+                        <a:rPr lang="en-US" sz="2400" u="none" strike="noStrike">
+                          <a:effectLst/>
+                        </a:rPr>
+                        <a:t>5</a:t>
+                      </a:r>
+                      <a:endParaRPr lang="en-US" sz="2400" b="0" i="0" u="none" strike="noStrike">
+                        <a:solidFill>
+                          <a:srgbClr val="000000"/>
+                        </a:solidFill>
+                        <a:effectLst/>
+                        <a:latin typeface="Calibri" panose="020F0502020204030204" pitchFamily="34" charset="0"/>
+                      </a:endParaRPr>
+                    </a:p>
+                  </a:txBody>
+                  <a:tcPr marL="9525" marR="9525" marT="9525" marB="0" anchor="b"/>
+                </a:tc>
+                <a:tc>
+                  <a:txBody>
+                    <a:bodyPr/>
+                    <a:lstStyle/>
+                    <a:p>
+                      <a:pPr algn="r" fontAlgn="b"/>
+                      <a:r>
+                        <a:rPr lang="en-US" sz="2400" u="none" strike="noStrike">
+                          <a:effectLst/>
+                        </a:rPr>
+                        <a:t>625</a:t>
+                      </a:r>
+                      <a:endParaRPr lang="en-US" sz="2400" b="0" i="0" u="none" strike="noStrike">
+                        <a:solidFill>
+                          <a:srgbClr val="000000"/>
+                        </a:solidFill>
+                        <a:effectLst/>
+                        <a:latin typeface="Calibri" panose="020F0502020204030204" pitchFamily="34" charset="0"/>
+                      </a:endParaRPr>
+                    </a:p>
+                  </a:txBody>
+                  <a:tcPr marL="9525" marR="9525" marT="9525" marB="0" anchor="b"/>
+                </a:tc>
+              </a:tr>
+              <a:tr h="279897">
+                <a:tc>
+                  <a:txBody>
+                    <a:bodyPr/>
+                    <a:lstStyle/>
+                    <a:p>
+                      <a:pPr algn="r" fontAlgn="b"/>
+                      <a:r>
+                        <a:rPr lang="en-US" sz="2400" u="none" strike="noStrike">
+                          <a:effectLst/>
+                        </a:rPr>
+                        <a:t>6</a:t>
+                      </a:r>
+                      <a:endParaRPr lang="en-US" sz="2400" b="0" i="0" u="none" strike="noStrike">
+                        <a:solidFill>
+                          <a:srgbClr val="000000"/>
+                        </a:solidFill>
+                        <a:effectLst/>
+                        <a:latin typeface="Calibri" panose="020F0502020204030204" pitchFamily="34" charset="0"/>
+                      </a:endParaRPr>
+                    </a:p>
+                  </a:txBody>
+                  <a:tcPr marL="9525" marR="9525" marT="9525" marB="0" anchor="b"/>
+                </a:tc>
+                <a:tc>
+                  <a:txBody>
+                    <a:bodyPr/>
+                    <a:lstStyle/>
+                    <a:p>
+                      <a:pPr algn="r" fontAlgn="b"/>
+                      <a:r>
+                        <a:rPr lang="en-US" sz="2400" u="none" strike="noStrike">
+                          <a:effectLst/>
+                        </a:rPr>
+                        <a:t>7776</a:t>
+                      </a:r>
+                      <a:endParaRPr lang="en-US" sz="2400" b="0" i="0" u="none" strike="noStrike">
+                        <a:solidFill>
+                          <a:srgbClr val="000000"/>
+                        </a:solidFill>
+                        <a:effectLst/>
+                        <a:latin typeface="Calibri" panose="020F0502020204030204" pitchFamily="34" charset="0"/>
+                      </a:endParaRPr>
+                    </a:p>
+                  </a:txBody>
+                  <a:tcPr marL="9525" marR="9525" marT="9525" marB="0" anchor="b"/>
+                </a:tc>
+              </a:tr>
+              <a:tr h="279897">
+                <a:tc>
+                  <a:txBody>
+                    <a:bodyPr/>
+                    <a:lstStyle/>
+                    <a:p>
+                      <a:pPr algn="r" fontAlgn="b"/>
+                      <a:r>
+                        <a:rPr lang="en-US" sz="2400" u="none" strike="noStrike">
+                          <a:effectLst/>
+                        </a:rPr>
+                        <a:t>7</a:t>
+                      </a:r>
+                      <a:endParaRPr lang="en-US" sz="2400" b="0" i="0" u="none" strike="noStrike">
+                        <a:solidFill>
+                          <a:srgbClr val="000000"/>
+                        </a:solidFill>
+                        <a:effectLst/>
+                        <a:latin typeface="Calibri" panose="020F0502020204030204" pitchFamily="34" charset="0"/>
+                      </a:endParaRPr>
+                    </a:p>
+                  </a:txBody>
+                  <a:tcPr marL="9525" marR="9525" marT="9525" marB="0" anchor="b"/>
+                </a:tc>
+                <a:tc>
+                  <a:txBody>
+                    <a:bodyPr/>
+                    <a:lstStyle/>
+                    <a:p>
+                      <a:pPr algn="r" fontAlgn="b"/>
+                      <a:r>
+                        <a:rPr lang="en-US" sz="2400" u="none" strike="noStrike">
+                          <a:effectLst/>
+                        </a:rPr>
+                        <a:t>117,649</a:t>
+                      </a:r>
+                      <a:endParaRPr lang="en-US" sz="2400" b="0" i="0" u="none" strike="noStrike">
+                        <a:solidFill>
+                          <a:srgbClr val="000000"/>
+                        </a:solidFill>
+                        <a:effectLst/>
+                        <a:latin typeface="Calibri" panose="020F0502020204030204" pitchFamily="34" charset="0"/>
+                      </a:endParaRPr>
+                    </a:p>
+                  </a:txBody>
+                  <a:tcPr marL="9525" marR="9525" marT="9525" marB="0" anchor="b"/>
+                </a:tc>
+              </a:tr>
+              <a:tr h="279897">
+                <a:tc>
+                  <a:txBody>
+                    <a:bodyPr/>
+                    <a:lstStyle/>
+                    <a:p>
+                      <a:pPr algn="r" fontAlgn="b"/>
+                      <a:r>
+                        <a:rPr lang="en-US" sz="2400" u="none" strike="noStrike">
+                          <a:effectLst/>
+                        </a:rPr>
+                        <a:t>8</a:t>
+                      </a:r>
+                      <a:endParaRPr lang="en-US" sz="2400" b="0" i="0" u="none" strike="noStrike">
+                        <a:solidFill>
+                          <a:srgbClr val="000000"/>
+                        </a:solidFill>
+                        <a:effectLst/>
+                        <a:latin typeface="Calibri" panose="020F0502020204030204" pitchFamily="34" charset="0"/>
+                      </a:endParaRPr>
+                    </a:p>
+                  </a:txBody>
+                  <a:tcPr marL="9525" marR="9525" marT="9525" marB="0" anchor="b"/>
+                </a:tc>
+                <a:tc>
+                  <a:txBody>
+                    <a:bodyPr/>
+                    <a:lstStyle/>
+                    <a:p>
+                      <a:pPr algn="r" fontAlgn="b"/>
+                      <a:r>
+                        <a:rPr lang="en-US" sz="2400" u="none" strike="noStrike">
+                          <a:effectLst/>
+                        </a:rPr>
+                        <a:t>2,097,152</a:t>
+                      </a:r>
+                      <a:endParaRPr lang="en-US" sz="2400" b="0" i="0" u="none" strike="noStrike">
+                        <a:solidFill>
+                          <a:srgbClr val="000000"/>
+                        </a:solidFill>
+                        <a:effectLst/>
+                        <a:latin typeface="Calibri" panose="020F0502020204030204" pitchFamily="34" charset="0"/>
+                      </a:endParaRPr>
+                    </a:p>
+                  </a:txBody>
+                  <a:tcPr marL="9525" marR="9525" marT="9525" marB="0" anchor="b"/>
+                </a:tc>
+              </a:tr>
+              <a:tr h="279897">
+                <a:tc>
+                  <a:txBody>
+                    <a:bodyPr/>
+                    <a:lstStyle/>
+                    <a:p>
+                      <a:pPr algn="r" fontAlgn="b"/>
+                      <a:r>
+                        <a:rPr lang="en-US" sz="2400" u="none" strike="noStrike">
+                          <a:effectLst/>
+                        </a:rPr>
+                        <a:t>9</a:t>
+                      </a:r>
+                      <a:endParaRPr lang="en-US" sz="2400" b="0" i="0" u="none" strike="noStrike">
+                        <a:solidFill>
+                          <a:srgbClr val="000000"/>
+                        </a:solidFill>
+                        <a:effectLst/>
+                        <a:latin typeface="Calibri" panose="020F0502020204030204" pitchFamily="34" charset="0"/>
+                      </a:endParaRPr>
+                    </a:p>
+                  </a:txBody>
+                  <a:tcPr marL="9525" marR="9525" marT="9525" marB="0" anchor="b"/>
+                </a:tc>
+                <a:tc>
+                  <a:txBody>
+                    <a:bodyPr/>
+                    <a:lstStyle/>
+                    <a:p>
+                      <a:pPr algn="r" fontAlgn="b"/>
+                      <a:r>
+                        <a:rPr lang="en-US" sz="2400" u="none" strike="noStrike">
+                          <a:effectLst/>
+                        </a:rPr>
+                        <a:t>43,046,721</a:t>
+                      </a:r>
+                      <a:endParaRPr lang="en-US" sz="2400" b="0" i="0" u="none" strike="noStrike">
+                        <a:solidFill>
+                          <a:srgbClr val="000000"/>
+                        </a:solidFill>
+                        <a:effectLst/>
+                        <a:latin typeface="Calibri" panose="020F0502020204030204" pitchFamily="34" charset="0"/>
+                      </a:endParaRPr>
+                    </a:p>
+                  </a:txBody>
+                  <a:tcPr marL="9525" marR="9525" marT="9525" marB="0" anchor="b"/>
+                </a:tc>
+              </a:tr>
+              <a:tr h="279897">
+                <a:tc>
+                  <a:txBody>
+                    <a:bodyPr/>
+                    <a:lstStyle/>
+                    <a:p>
+                      <a:pPr algn="r" fontAlgn="b"/>
+                      <a:r>
+                        <a:rPr lang="en-US" sz="2400" u="none" strike="noStrike">
+                          <a:effectLst/>
+                        </a:rPr>
+                        <a:t>10</a:t>
+                      </a:r>
+                      <a:endParaRPr lang="en-US" sz="2400" b="0" i="0" u="none" strike="noStrike">
+                        <a:solidFill>
+                          <a:srgbClr val="000000"/>
+                        </a:solidFill>
+                        <a:effectLst/>
+                        <a:latin typeface="Calibri" panose="020F0502020204030204" pitchFamily="34" charset="0"/>
+                      </a:endParaRPr>
+                    </a:p>
+                  </a:txBody>
+                  <a:tcPr marL="9525" marR="9525" marT="9525" marB="0" anchor="b"/>
+                </a:tc>
+                <a:tc>
+                  <a:txBody>
+                    <a:bodyPr/>
+                    <a:lstStyle/>
+                    <a:p>
+                      <a:pPr algn="r" fontAlgn="b"/>
+                      <a:r>
+                        <a:rPr lang="en-US" sz="2400" u="none" strike="noStrike" dirty="0">
+                          <a:effectLst/>
+                        </a:rPr>
+                        <a:t>1,000,000,000</a:t>
+                      </a:r>
+                      <a:endParaRPr lang="en-US" sz="2400" b="0" i="0" u="none" strike="noStrike" dirty="0">
+                        <a:solidFill>
+                          <a:srgbClr val="000000"/>
+                        </a:solidFill>
+                        <a:effectLst/>
+                        <a:latin typeface="Calibri" panose="020F0502020204030204" pitchFamily="34" charset="0"/>
+                      </a:endParaRPr>
+                    </a:p>
+                  </a:txBody>
+                  <a:tcPr marL="9525" marR="9525" marT="9525" marB="0" anchor="b"/>
+                </a:tc>
+              </a:tr>
+            </a:tbl>
+          </a:graphicData>
+        </a:graphic>
+      </p:graphicFrame>
+    </p:spTree>
+    <p:extLst>
+      <p:ext uri="{BB962C8B-B14F-4D97-AF65-F5344CB8AC3E}">
+        <p14:creationId xmlns:p14="http://schemas.microsoft.com/office/powerpoint/2010/main" val="2537516352"/>
+      </p:ext>
+    </p:extLst>
+  </p:cSld>
+  <p:clrMapOvr>
+    <a:masterClrMapping/>
+  </p:clrMapOvr>
+  <p:timing>
+    <p:tnLst>
+      <p:par>
+        <p:cTn id="1" dur="indefinite" restart="never" nodeType="tmRoot"/>
+      </p:par>
+    </p:tnLst>
+  </p:timing>
+</p:sld>
+</file>
+
+<file path=ppt/slides/slide19.xml><?xml version="1.0" encoding="utf-8"?>
+<p:sld xmlns:a="http://schemas.openxmlformats.org/drawingml/2006/main" xmlns:r="http://schemas.openxmlformats.org/officeDocument/2006/relationships" xmlns:p="http://schemas.openxmlformats.org/presentationml/2006/main">
+  <p:cSld>
+    <p:spTree>
+      <p:nvGrpSpPr>
+        <p:cNvPr id="1" name=""/>
+        <p:cNvGrpSpPr/>
+        <p:nvPr/>
+      </p:nvGrpSpPr>
+      <p:grpSpPr>
+        <a:xfrm>
+          <a:off x="0" y="0"/>
+          <a:ext cx="0" cy="0"/>
+          <a:chOff x="0" y="0"/>
+          <a:chExt cx="0" cy="0"/>
+        </a:xfrm>
+      </p:grpSpPr>
+      <p:sp>
+        <p:nvSpPr>
+          <p:cNvPr id="2" name="Title 1"/>
+          <p:cNvSpPr>
+            <a:spLocks noGrp="1"/>
+          </p:cNvSpPr>
+          <p:nvPr>
+            <p:ph type="title"/>
+          </p:nvPr>
+        </p:nvSpPr>
+        <p:spPr/>
+        <p:txBody>
+          <a:bodyPr/>
+          <a:lstStyle/>
+          <a:p>
+            <a:endParaRPr lang="en-US"/>
+          </a:p>
+        </p:txBody>
+      </p:sp>
+      <p:sp>
+        <p:nvSpPr>
+          <p:cNvPr id="5" name="Content Placeholder 4"/>
+          <p:cNvSpPr>
+            <a:spLocks noGrp="1"/>
+          </p:cNvSpPr>
+          <p:nvPr>
+            <p:ph idx="1"/>
+          </p:nvPr>
+        </p:nvSpPr>
+        <p:spPr/>
+        <p:txBody>
+          <a:bodyPr/>
+          <a:lstStyle/>
+          <a:p>
+            <a:endParaRPr lang="en-US"/>
+          </a:p>
+        </p:txBody>
+      </p:sp>
+    </p:spTree>
+    <p:extLst>
+      <p:ext uri="{BB962C8B-B14F-4D97-AF65-F5344CB8AC3E}">
+        <p14:creationId xmlns:p14="http://schemas.microsoft.com/office/powerpoint/2010/main" val="1325990350"/>
+      </p:ext>
+    </p:extLst>
+  </p:cSld>
+  <p:clrMapOvr>
+    <a:masterClrMapping/>
+  </p:clrMapOvr>
+  <p:timing>
+    <p:tnLst>
+      <p:par>
+        <p:cTn id="1" dur="indefinite" restart="never" nodeType="tmRoot"/>
+      </p:par>
+    </p:tnLst>
+  </p:timing>
 </p:sld>
 </file>
 
@@ -5595,6 +9358,482 @@
     <p:extLst>
       <p:ext uri="{BB962C8B-B14F-4D97-AF65-F5344CB8AC3E}">
         <p14:creationId xmlns:p14="http://schemas.microsoft.com/office/powerpoint/2010/main" val="4071930204"/>
+      </p:ext>
+    </p:extLst>
+  </p:cSld>
+  <p:clrMapOvr>
+    <a:masterClrMapping/>
+  </p:clrMapOvr>
+</p:sld>
+</file>
+
+<file path=ppt/slides/slide20.xml><?xml version="1.0" encoding="utf-8"?>
+<p:sld xmlns:a="http://schemas.openxmlformats.org/drawingml/2006/main" xmlns:r="http://schemas.openxmlformats.org/officeDocument/2006/relationships" xmlns:p="http://schemas.openxmlformats.org/presentationml/2006/main">
+  <p:cSld>
+    <p:spTree>
+      <p:nvGrpSpPr>
+        <p:cNvPr id="1" name=""/>
+        <p:cNvGrpSpPr/>
+        <p:nvPr/>
+      </p:nvGrpSpPr>
+      <p:grpSpPr>
+        <a:xfrm>
+          <a:off x="0" y="0"/>
+          <a:ext cx="0" cy="0"/>
+          <a:chOff x="0" y="0"/>
+          <a:chExt cx="0" cy="0"/>
+        </a:xfrm>
+      </p:grpSpPr>
+      <p:sp>
+        <p:nvSpPr>
+          <p:cNvPr id="2" name="Title 1"/>
+          <p:cNvSpPr>
+            <a:spLocks noGrp="1"/>
+          </p:cNvSpPr>
+          <p:nvPr>
+            <p:ph type="title"/>
+          </p:nvPr>
+        </p:nvSpPr>
+        <p:spPr/>
+        <p:txBody>
+          <a:bodyPr/>
+          <a:lstStyle/>
+          <a:p>
+            <a:endParaRPr lang="en-US"/>
+          </a:p>
+        </p:txBody>
+      </p:sp>
+      <p:sp>
+        <p:nvSpPr>
+          <p:cNvPr id="3" name="Content Placeholder 2"/>
+          <p:cNvSpPr>
+            <a:spLocks noGrp="1"/>
+          </p:cNvSpPr>
+          <p:nvPr>
+            <p:ph idx="1"/>
+          </p:nvPr>
+        </p:nvSpPr>
+        <p:spPr/>
+        <p:txBody>
+          <a:bodyPr/>
+          <a:lstStyle/>
+          <a:p>
+            <a:endParaRPr lang="en-US"/>
+          </a:p>
+        </p:txBody>
+      </p:sp>
+    </p:spTree>
+    <p:extLst>
+      <p:ext uri="{BB962C8B-B14F-4D97-AF65-F5344CB8AC3E}">
+        <p14:creationId xmlns:p14="http://schemas.microsoft.com/office/powerpoint/2010/main" val="2238015617"/>
+      </p:ext>
+    </p:extLst>
+  </p:cSld>
+  <p:clrMapOvr>
+    <a:masterClrMapping/>
+  </p:clrMapOvr>
+  <p:timing>
+    <p:tnLst>
+      <p:par>
+        <p:cTn id="1" dur="indefinite" restart="never" nodeType="tmRoot"/>
+      </p:par>
+    </p:tnLst>
+  </p:timing>
+</p:sld>
+</file>
+
+<file path=ppt/slides/slide21.xml><?xml version="1.0" encoding="utf-8"?>
+<p:sld xmlns:a="http://schemas.openxmlformats.org/drawingml/2006/main" xmlns:r="http://schemas.openxmlformats.org/officeDocument/2006/relationships" xmlns:p="http://schemas.openxmlformats.org/presentationml/2006/main">
+  <p:cSld>
+    <p:spTree>
+      <p:nvGrpSpPr>
+        <p:cNvPr id="1" name=""/>
+        <p:cNvGrpSpPr/>
+        <p:nvPr/>
+      </p:nvGrpSpPr>
+      <p:grpSpPr>
+        <a:xfrm>
+          <a:off x="0" y="0"/>
+          <a:ext cx="0" cy="0"/>
+          <a:chOff x="0" y="0"/>
+          <a:chExt cx="0" cy="0"/>
+        </a:xfrm>
+      </p:grpSpPr>
+      <p:sp>
+        <p:nvSpPr>
+          <p:cNvPr id="2" name="Title 1"/>
+          <p:cNvSpPr>
+            <a:spLocks noGrp="1"/>
+          </p:cNvSpPr>
+          <p:nvPr>
+            <p:ph type="title"/>
+          </p:nvPr>
+        </p:nvSpPr>
+        <p:spPr/>
+        <p:txBody>
+          <a:bodyPr/>
+          <a:lstStyle/>
+          <a:p>
+            <a:r>
+              <a:rPr lang="en-US" dirty="0" smtClean="0"/>
+              <a:t>Usefulness of data?</a:t>
+            </a:r>
+            <a:endParaRPr lang="en-US" dirty="0"/>
+          </a:p>
+        </p:txBody>
+      </p:sp>
+      <p:sp>
+        <p:nvSpPr>
+          <p:cNvPr id="3" name="Content Placeholder 2"/>
+          <p:cNvSpPr>
+            <a:spLocks noGrp="1"/>
+          </p:cNvSpPr>
+          <p:nvPr>
+            <p:ph idx="1"/>
+          </p:nvPr>
+        </p:nvSpPr>
+        <p:spPr/>
+        <p:txBody>
+          <a:bodyPr/>
+          <a:lstStyle/>
+          <a:p>
+            <a:r>
+              <a:rPr lang="en-US" dirty="0" smtClean="0"/>
+              <a:t>Relation</a:t>
+            </a:r>
+          </a:p>
+          <a:p>
+            <a:r>
+              <a:rPr lang="en-US" dirty="0" smtClean="0"/>
+              <a:t>Lemma </a:t>
+            </a:r>
+          </a:p>
+          <a:p>
+            <a:r>
+              <a:rPr lang="en-US" dirty="0" err="1" smtClean="0"/>
+              <a:t>Postag</a:t>
+            </a:r>
+            <a:r>
+              <a:rPr lang="en-US" dirty="0" smtClean="0"/>
+              <a:t/>
+            </a:r>
+            <a:br>
+              <a:rPr lang="en-US" dirty="0" smtClean="0"/>
+            </a:br>
+            <a:endParaRPr lang="en-US" dirty="0" smtClean="0"/>
+          </a:p>
+          <a:p>
+            <a:r>
+              <a:rPr lang="en-US" dirty="0" smtClean="0"/>
+              <a:t>Head?? </a:t>
+            </a:r>
+            <a:endParaRPr lang="en-US" dirty="0"/>
+          </a:p>
+        </p:txBody>
+      </p:sp>
+    </p:spTree>
+    <p:extLst>
+      <p:ext uri="{BB962C8B-B14F-4D97-AF65-F5344CB8AC3E}">
+        <p14:creationId xmlns:p14="http://schemas.microsoft.com/office/powerpoint/2010/main" val="1213817617"/>
+      </p:ext>
+    </p:extLst>
+  </p:cSld>
+  <p:clrMapOvr>
+    <a:masterClrMapping/>
+  </p:clrMapOvr>
+  <p:timing>
+    <p:tnLst>
+      <p:par>
+        <p:cTn id="1" dur="indefinite" restart="never" nodeType="tmRoot"/>
+      </p:par>
+    </p:tnLst>
+  </p:timing>
+</p:sld>
+</file>
+
+<file path=ppt/slides/slide22.xml><?xml version="1.0" encoding="utf-8"?>
+<p:sld xmlns:a="http://schemas.openxmlformats.org/drawingml/2006/main" xmlns:r="http://schemas.openxmlformats.org/officeDocument/2006/relationships" xmlns:p="http://schemas.openxmlformats.org/presentationml/2006/main">
+  <p:cSld>
+    <p:spTree>
+      <p:nvGrpSpPr>
+        <p:cNvPr id="1" name=""/>
+        <p:cNvGrpSpPr/>
+        <p:nvPr/>
+      </p:nvGrpSpPr>
+      <p:grpSpPr>
+        <a:xfrm>
+          <a:off x="0" y="0"/>
+          <a:ext cx="0" cy="0"/>
+          <a:chOff x="0" y="0"/>
+          <a:chExt cx="0" cy="0"/>
+        </a:xfrm>
+      </p:grpSpPr>
+      <p:sp>
+        <p:nvSpPr>
+          <p:cNvPr id="2" name="Title 1"/>
+          <p:cNvSpPr>
+            <a:spLocks noGrp="1"/>
+          </p:cNvSpPr>
+          <p:nvPr>
+            <p:ph type="title"/>
+          </p:nvPr>
+        </p:nvSpPr>
+        <p:spPr/>
+        <p:txBody>
+          <a:bodyPr/>
+          <a:lstStyle/>
+          <a:p>
+            <a:endParaRPr lang="en-US"/>
+          </a:p>
+        </p:txBody>
+      </p:sp>
+      <p:pic>
+        <p:nvPicPr>
+          <p:cNvPr id="6" name="Content Placeholder 5"/>
+          <p:cNvPicPr>
+            <a:picLocks noGrp="1" noChangeAspect="1"/>
+          </p:cNvPicPr>
+          <p:nvPr>
+            <p:ph idx="1"/>
+          </p:nvPr>
+        </p:nvPicPr>
+        <p:blipFill>
+          <a:blip r:embed="rId3">
+            <a:clrChange>
+              <a:clrFrom>
+                <a:srgbClr val="F6F6F6"/>
+              </a:clrFrom>
+              <a:clrTo>
+                <a:srgbClr val="F6F6F6">
+                  <a:alpha val="0"/>
+                </a:srgbClr>
+              </a:clrTo>
+            </a:clrChange>
+            <a:extLst>
+              <a:ext uri="{28A0092B-C50C-407E-A947-70E740481C1C}">
+                <a14:useLocalDpi xmlns:a14="http://schemas.microsoft.com/office/drawing/2010/main" val="0"/>
+              </a:ext>
+            </a:extLst>
+          </a:blip>
+          <a:stretch>
+            <a:fillRect/>
+          </a:stretch>
+        </p:blipFill>
+        <p:spPr>
+          <a:xfrm>
+            <a:off x="4343400" y="1729581"/>
+            <a:ext cx="3505200" cy="4267200"/>
+          </a:xfrm>
+        </p:spPr>
+      </p:pic>
+    </p:spTree>
+    <p:extLst>
+      <p:ext uri="{BB962C8B-B14F-4D97-AF65-F5344CB8AC3E}">
+        <p14:creationId xmlns:p14="http://schemas.microsoft.com/office/powerpoint/2010/main" val="2463861853"/>
+      </p:ext>
+    </p:extLst>
+  </p:cSld>
+  <p:clrMapOvr>
+    <a:masterClrMapping/>
+  </p:clrMapOvr>
+</p:sld>
+</file>
+
+<file path=ppt/slides/slide23.xml><?xml version="1.0" encoding="utf-8"?>
+<p:sld xmlns:a="http://schemas.openxmlformats.org/drawingml/2006/main" xmlns:r="http://schemas.openxmlformats.org/officeDocument/2006/relationships" xmlns:p="http://schemas.openxmlformats.org/presentationml/2006/main">
+  <p:cSld>
+    <p:spTree>
+      <p:nvGrpSpPr>
+        <p:cNvPr id="1" name=""/>
+        <p:cNvGrpSpPr/>
+        <p:nvPr/>
+      </p:nvGrpSpPr>
+      <p:grpSpPr>
+        <a:xfrm>
+          <a:off x="0" y="0"/>
+          <a:ext cx="0" cy="0"/>
+          <a:chOff x="0" y="0"/>
+          <a:chExt cx="0" cy="0"/>
+        </a:xfrm>
+      </p:grpSpPr>
+      <p:sp>
+        <p:nvSpPr>
+          <p:cNvPr id="2" name="Title 1"/>
+          <p:cNvSpPr>
+            <a:spLocks noGrp="1"/>
+          </p:cNvSpPr>
+          <p:nvPr>
+            <p:ph type="title"/>
+          </p:nvPr>
+        </p:nvSpPr>
+        <p:spPr/>
+        <p:txBody>
+          <a:bodyPr/>
+          <a:lstStyle/>
+          <a:p>
+            <a:endParaRPr lang="en-US"/>
+          </a:p>
+        </p:txBody>
+      </p:sp>
+      <p:sp>
+        <p:nvSpPr>
+          <p:cNvPr id="3" name="Content Placeholder 2"/>
+          <p:cNvSpPr>
+            <a:spLocks noGrp="1"/>
+          </p:cNvSpPr>
+          <p:nvPr>
+            <p:ph idx="1"/>
+          </p:nvPr>
+        </p:nvSpPr>
+        <p:spPr/>
+        <p:txBody>
+          <a:bodyPr/>
+          <a:lstStyle/>
+          <a:p>
+            <a:endParaRPr lang="en-US"/>
+          </a:p>
+        </p:txBody>
+      </p:sp>
+    </p:spTree>
+    <p:extLst>
+      <p:ext uri="{BB962C8B-B14F-4D97-AF65-F5344CB8AC3E}">
+        <p14:creationId xmlns:p14="http://schemas.microsoft.com/office/powerpoint/2010/main" val="2313706660"/>
+      </p:ext>
+    </p:extLst>
+  </p:cSld>
+  <p:clrMapOvr>
+    <a:masterClrMapping/>
+  </p:clrMapOvr>
+</p:sld>
+</file>
+
+<file path=ppt/slides/slide24.xml><?xml version="1.0" encoding="utf-8"?>
+<p:sld xmlns:a="http://schemas.openxmlformats.org/drawingml/2006/main" xmlns:r="http://schemas.openxmlformats.org/officeDocument/2006/relationships" xmlns:p="http://schemas.openxmlformats.org/presentationml/2006/main">
+  <p:cSld>
+    <p:spTree>
+      <p:nvGrpSpPr>
+        <p:cNvPr id="1" name=""/>
+        <p:cNvGrpSpPr/>
+        <p:nvPr/>
+      </p:nvGrpSpPr>
+      <p:grpSpPr>
+        <a:xfrm>
+          <a:off x="0" y="0"/>
+          <a:ext cx="0" cy="0"/>
+          <a:chOff x="0" y="0"/>
+          <a:chExt cx="0" cy="0"/>
+        </a:xfrm>
+      </p:grpSpPr>
+      <p:sp>
+        <p:nvSpPr>
+          <p:cNvPr id="2" name="Title 1"/>
+          <p:cNvSpPr>
+            <a:spLocks noGrp="1"/>
+          </p:cNvSpPr>
+          <p:nvPr>
+            <p:ph type="title"/>
+          </p:nvPr>
+        </p:nvSpPr>
+        <p:spPr/>
+        <p:txBody>
+          <a:bodyPr/>
+          <a:lstStyle/>
+          <a:p>
+            <a:endParaRPr lang="en-US"/>
+          </a:p>
+        </p:txBody>
+      </p:sp>
+      <p:sp>
+        <p:nvSpPr>
+          <p:cNvPr id="3" name="Content Placeholder 2"/>
+          <p:cNvSpPr>
+            <a:spLocks noGrp="1"/>
+          </p:cNvSpPr>
+          <p:nvPr>
+            <p:ph idx="1"/>
+          </p:nvPr>
+        </p:nvSpPr>
+        <p:spPr/>
+        <p:txBody>
+          <a:bodyPr/>
+          <a:lstStyle/>
+          <a:p>
+            <a:endParaRPr lang="en-US"/>
+          </a:p>
+        </p:txBody>
+      </p:sp>
+    </p:spTree>
+    <p:extLst>
+      <p:ext uri="{BB962C8B-B14F-4D97-AF65-F5344CB8AC3E}">
+        <p14:creationId xmlns:p14="http://schemas.microsoft.com/office/powerpoint/2010/main" val="2782782934"/>
+      </p:ext>
+    </p:extLst>
+  </p:cSld>
+  <p:clrMapOvr>
+    <a:masterClrMapping/>
+  </p:clrMapOvr>
+</p:sld>
+</file>
+
+<file path=ppt/slides/slide25.xml><?xml version="1.0" encoding="utf-8"?>
+<p:sld xmlns:a="http://schemas.openxmlformats.org/drawingml/2006/main" xmlns:r="http://schemas.openxmlformats.org/officeDocument/2006/relationships" xmlns:p="http://schemas.openxmlformats.org/presentationml/2006/main">
+  <p:cSld>
+    <p:spTree>
+      <p:nvGrpSpPr>
+        <p:cNvPr id="1" name=""/>
+        <p:cNvGrpSpPr/>
+        <p:nvPr/>
+      </p:nvGrpSpPr>
+      <p:grpSpPr>
+        <a:xfrm>
+          <a:off x="0" y="0"/>
+          <a:ext cx="0" cy="0"/>
+          <a:chOff x="0" y="0"/>
+          <a:chExt cx="0" cy="0"/>
+        </a:xfrm>
+      </p:grpSpPr>
+      <p:sp>
+        <p:nvSpPr>
+          <p:cNvPr id="2" name="Title 1"/>
+          <p:cNvSpPr>
+            <a:spLocks noGrp="1"/>
+          </p:cNvSpPr>
+          <p:nvPr>
+            <p:ph type="title"/>
+          </p:nvPr>
+        </p:nvSpPr>
+        <p:spPr/>
+        <p:txBody>
+          <a:bodyPr/>
+          <a:lstStyle/>
+          <a:p>
+            <a:endParaRPr lang="en-US"/>
+          </a:p>
+        </p:txBody>
+      </p:sp>
+      <p:sp>
+        <p:nvSpPr>
+          <p:cNvPr id="3" name="Content Placeholder 2"/>
+          <p:cNvSpPr>
+            <a:spLocks noGrp="1"/>
+          </p:cNvSpPr>
+          <p:nvPr>
+            <p:ph idx="1"/>
+          </p:nvPr>
+        </p:nvSpPr>
+        <p:spPr/>
+        <p:txBody>
+          <a:bodyPr/>
+          <a:lstStyle/>
+          <a:p>
+            <a:endParaRPr lang="en-US"/>
+          </a:p>
+        </p:txBody>
+      </p:sp>
+    </p:spTree>
+    <p:extLst>
+      <p:ext uri="{BB962C8B-B14F-4D97-AF65-F5344CB8AC3E}">
+        <p14:creationId xmlns:p14="http://schemas.microsoft.com/office/powerpoint/2010/main" val="94337934"/>
       </p:ext>
     </p:extLst>
   </p:cSld>
@@ -6464,29 +10703,152 @@
           <a:bodyPr/>
           <a:lstStyle/>
           <a:p>
-            <a:endParaRPr lang="en-US"/>
+            <a:r>
+              <a:rPr lang="en-US" dirty="0" err="1">
+                <a:effectLst/>
+              </a:rPr>
+              <a:t>Noster</a:t>
+            </a:r>
+            <a:r>
+              <a:rPr lang="en-US" dirty="0">
+                <a:effectLst/>
+              </a:rPr>
+              <a:t> </a:t>
+            </a:r>
+            <a:r>
+              <a:rPr lang="en-US" dirty="0" err="1">
+                <a:effectLst/>
+              </a:rPr>
+              <a:t>poēta</a:t>
+            </a:r>
+            <a:r>
+              <a:rPr lang="en-US" dirty="0">
+                <a:effectLst/>
+              </a:rPr>
+              <a:t> , nisi </a:t>
+            </a:r>
+            <a:r>
+              <a:rPr lang="en-US" dirty="0" err="1">
+                <a:effectLst/>
+              </a:rPr>
+              <a:t>cīvis</a:t>
+            </a:r>
+            <a:r>
+              <a:rPr lang="en-US" dirty="0">
+                <a:effectLst/>
+              </a:rPr>
+              <a:t> </a:t>
+            </a:r>
+            <a:r>
+              <a:rPr lang="en-US" dirty="0" err="1">
+                <a:effectLst/>
+              </a:rPr>
+              <a:t>Rōmānus</a:t>
+            </a:r>
+            <a:r>
+              <a:rPr lang="en-US" dirty="0">
+                <a:effectLst/>
+              </a:rPr>
+              <a:t> </a:t>
+            </a:r>
+            <a:r>
+              <a:rPr lang="en-US" dirty="0" err="1">
+                <a:effectLst/>
+              </a:rPr>
+              <a:t>esset</a:t>
+            </a:r>
+            <a:r>
+              <a:rPr lang="en-US" dirty="0">
+                <a:effectLst/>
+              </a:rPr>
+              <a:t> , ā </a:t>
+            </a:r>
+            <a:br>
+              <a:rPr lang="en-US" dirty="0">
+                <a:effectLst/>
+              </a:rPr>
+            </a:br>
+            <a:r>
+              <a:rPr lang="en-US" dirty="0" err="1">
+                <a:effectLst/>
+              </a:rPr>
+              <a:t>populō</a:t>
+            </a:r>
+            <a:r>
+              <a:rPr lang="en-US" dirty="0">
+                <a:effectLst/>
+              </a:rPr>
+              <a:t> </a:t>
+            </a:r>
+            <a:r>
+              <a:rPr lang="en-US" dirty="0" err="1">
+                <a:effectLst/>
+              </a:rPr>
+              <a:t>nunc</a:t>
+            </a:r>
+            <a:r>
+              <a:rPr lang="en-US" dirty="0">
+                <a:effectLst/>
+              </a:rPr>
+              <a:t> </a:t>
+            </a:r>
+            <a:r>
+              <a:rPr lang="en-US" dirty="0" err="1">
+                <a:effectLst/>
+              </a:rPr>
+              <a:t>cīvitāte</a:t>
+            </a:r>
+            <a:r>
+              <a:rPr lang="en-US" dirty="0">
+                <a:effectLst/>
+              </a:rPr>
+              <a:t> </a:t>
+            </a:r>
+            <a:r>
+              <a:rPr lang="en-US" dirty="0" err="1">
+                <a:effectLst/>
+              </a:rPr>
+              <a:t>dōnārētur</a:t>
+            </a:r>
+            <a:r>
+              <a:rPr lang="en-US" dirty="0">
+                <a:effectLst/>
+              </a:rPr>
+              <a:t> .</a:t>
+            </a:r>
+            <a:endParaRPr lang="en-US" dirty="0"/>
           </a:p>
         </p:txBody>
       </p:sp>
-      <p:sp>
-        <p:nvSpPr>
-          <p:cNvPr id="3" name="Content Placeholder 2"/>
-          <p:cNvSpPr>
-            <a:spLocks noGrp="1"/>
-          </p:cNvSpPr>
+      <p:pic>
+        <p:nvPicPr>
+          <p:cNvPr id="4" name="Content Placeholder 3"/>
+          <p:cNvPicPr>
+            <a:picLocks noGrp="1" noChangeAspect="1"/>
+          </p:cNvPicPr>
           <p:nvPr>
             <p:ph idx="1"/>
           </p:nvPr>
-        </p:nvSpPr>
-        <p:spPr/>
-        <p:txBody>
-          <a:bodyPr/>
-          <a:lstStyle/>
-          <a:p>
-            <a:endParaRPr lang="en-US"/>
-          </a:p>
-        </p:txBody>
-      </p:sp>
+        </p:nvPicPr>
+        <p:blipFill>
+          <a:blip r:embed="rId3">
+            <a:extLst>
+              <a:ext uri="{28A0092B-C50C-407E-A947-70E740481C1C}">
+                <a14:useLocalDpi xmlns:a14="http://schemas.microsoft.com/office/drawing/2010/main" val="0"/>
+              </a:ext>
+            </a:extLst>
+          </a:blip>
+          <a:stretch>
+            <a:fillRect/>
+          </a:stretch>
+        </p:blipFill>
+        <p:spPr>
+          <a:xfrm>
+            <a:off x="2998723" y="1600200"/>
+            <a:ext cx="6194553" cy="4525963"/>
+          </a:xfrm>
+        </p:spPr>
+      </p:pic>
     </p:spTree>
     <p:extLst>
       <p:ext uri="{BB962C8B-B14F-4D97-AF65-F5344CB8AC3E}">
@@ -6533,79 +10895,160 @@
           <a:lstStyle/>
           <a:p>
             <a:r>
-              <a:rPr lang="en-US" dirty="0" smtClean="0"/>
-              <a:t>Usefulness of data?</a:t>
+              <a:rPr lang="en-US" dirty="0" err="1">
+                <a:effectLst/>
+              </a:rPr>
+              <a:t>Noster</a:t>
+            </a:r>
+            <a:r>
+              <a:rPr lang="en-US" dirty="0">
+                <a:effectLst/>
+              </a:rPr>
+              <a:t> </a:t>
+            </a:r>
+            <a:r>
+              <a:rPr lang="en-US" dirty="0" err="1">
+                <a:effectLst/>
+              </a:rPr>
+              <a:t>poēta</a:t>
+            </a:r>
+            <a:r>
+              <a:rPr lang="en-US" dirty="0">
+                <a:effectLst/>
+              </a:rPr>
+              <a:t> , nisi </a:t>
+            </a:r>
+            <a:r>
+              <a:rPr lang="en-US" dirty="0" err="1">
+                <a:effectLst/>
+              </a:rPr>
+              <a:t>cīvis</a:t>
+            </a:r>
+            <a:r>
+              <a:rPr lang="en-US" dirty="0">
+                <a:effectLst/>
+              </a:rPr>
+              <a:t> </a:t>
+            </a:r>
+            <a:r>
+              <a:rPr lang="en-US" dirty="0" err="1">
+                <a:effectLst/>
+              </a:rPr>
+              <a:t>Rōmānus</a:t>
+            </a:r>
+            <a:r>
+              <a:rPr lang="en-US" dirty="0">
+                <a:effectLst/>
+              </a:rPr>
+              <a:t> </a:t>
+            </a:r>
+            <a:r>
+              <a:rPr lang="en-US" dirty="0" err="1">
+                <a:effectLst/>
+              </a:rPr>
+              <a:t>esset</a:t>
+            </a:r>
+            <a:r>
+              <a:rPr lang="en-US" dirty="0">
+                <a:effectLst/>
+              </a:rPr>
+              <a:t> , ā </a:t>
+            </a:r>
+            <a:br>
+              <a:rPr lang="en-US" dirty="0">
+                <a:effectLst/>
+              </a:rPr>
+            </a:br>
+            <a:r>
+              <a:rPr lang="en-US" dirty="0" err="1">
+                <a:effectLst/>
+              </a:rPr>
+              <a:t>populō</a:t>
+            </a:r>
+            <a:r>
+              <a:rPr lang="en-US" dirty="0">
+                <a:effectLst/>
+              </a:rPr>
+              <a:t> </a:t>
+            </a:r>
+            <a:r>
+              <a:rPr lang="en-US" dirty="0" err="1">
+                <a:effectLst/>
+              </a:rPr>
+              <a:t>nunc</a:t>
+            </a:r>
+            <a:r>
+              <a:rPr lang="en-US" dirty="0">
+                <a:effectLst/>
+              </a:rPr>
+              <a:t> </a:t>
+            </a:r>
+            <a:r>
+              <a:rPr lang="en-US" dirty="0" err="1">
+                <a:effectLst/>
+              </a:rPr>
+              <a:t>cīvitāte</a:t>
+            </a:r>
+            <a:r>
+              <a:rPr lang="en-US" dirty="0">
+                <a:effectLst/>
+              </a:rPr>
+              <a:t> </a:t>
+            </a:r>
+            <a:r>
+              <a:rPr lang="en-US" dirty="0" err="1" smtClean="0">
+                <a:effectLst/>
+              </a:rPr>
+              <a:t>dōnārētur</a:t>
+            </a:r>
+            <a:r>
+              <a:rPr lang="en-US" dirty="0" smtClean="0">
+                <a:effectLst/>
+              </a:rPr>
+              <a:t>.</a:t>
             </a:r>
             <a:endParaRPr lang="en-US" dirty="0"/>
           </a:p>
         </p:txBody>
       </p:sp>
-      <p:sp>
-        <p:nvSpPr>
-          <p:cNvPr id="3" name="Content Placeholder 2"/>
-          <p:cNvSpPr>
-            <a:spLocks noGrp="1"/>
-          </p:cNvSpPr>
+      <p:pic>
+        <p:nvPicPr>
+          <p:cNvPr id="4" name="Content Placeholder 3"/>
+          <p:cNvPicPr>
+            <a:picLocks noGrp="1" noChangeAspect="1"/>
+          </p:cNvPicPr>
           <p:nvPr>
             <p:ph idx="1"/>
           </p:nvPr>
-        </p:nvSpPr>
-        <p:spPr/>
-        <p:txBody>
-          <a:bodyPr/>
-          <a:lstStyle/>
-          <a:p>
-            <a:r>
-              <a:rPr lang="en-US" dirty="0" smtClean="0"/>
-              <a:t>Relation</a:t>
-            </a:r>
-          </a:p>
-          <a:p>
-            <a:r>
-              <a:rPr lang="en-US" dirty="0" smtClean="0"/>
-              <a:t>Lemma </a:t>
-            </a:r>
-          </a:p>
-          <a:p>
-            <a:r>
-              <a:rPr lang="en-US" dirty="0" err="1" smtClean="0"/>
-              <a:t>Postag</a:t>
-            </a:r>
-            <a:r>
-              <a:rPr lang="en-US" dirty="0" smtClean="0"/>
-              <a:t/>
-            </a:r>
-            <a:br>
-              <a:rPr lang="en-US" dirty="0" smtClean="0"/>
-            </a:br>
-            <a:endParaRPr lang="en-US" dirty="0" smtClean="0"/>
-          </a:p>
-          <a:p>
-            <a:r>
-              <a:rPr lang="en-US" dirty="0" smtClean="0"/>
-              <a:t>Head?? </a:t>
-            </a:r>
-            <a:endParaRPr lang="en-US" dirty="0"/>
-          </a:p>
-        </p:txBody>
-      </p:sp>
+        </p:nvPicPr>
+        <p:blipFill rotWithShape="1">
+          <a:blip r:embed="rId3">
+            <a:extLst>
+              <a:ext uri="{28A0092B-C50C-407E-A947-70E740481C1C}">
+                <a14:useLocalDpi xmlns:a14="http://schemas.microsoft.com/office/drawing/2010/main" val="0"/>
+              </a:ext>
+            </a:extLst>
+          </a:blip>
+          <a:srcRect t="19628" b="69119"/>
+          <a:stretch/>
+        </p:blipFill>
+        <p:spPr>
+          <a:xfrm>
+            <a:off x="183019" y="2673751"/>
+            <a:ext cx="11825962" cy="972273"/>
+          </a:xfrm>
+        </p:spPr>
+      </p:pic>
     </p:spTree>
     <p:extLst>
       <p:ext uri="{BB962C8B-B14F-4D97-AF65-F5344CB8AC3E}">
-        <p14:creationId xmlns:p14="http://schemas.microsoft.com/office/powerpoint/2010/main" val="1213817617"/>
+        <p14:creationId xmlns:p14="http://schemas.microsoft.com/office/powerpoint/2010/main" val="735931059"/>
       </p:ext>
     </p:extLst>
   </p:cSld>
   <p:clrMapOvr>
     <a:masterClrMapping/>
   </p:clrMapOvr>
-  <p:timing>
-    <p:tnLst>
-      <p:par>
-        <p:cTn id="1" dur="indefinite" restart="never" nodeType="tmRoot"/>
-      </p:par>
-    </p:tnLst>
-  </p:timing>
 </p:sld>
 </file>
 
@@ -6641,53 +11084,1318 @@
           <a:bodyPr/>
           <a:lstStyle/>
           <a:p>
-            <a:endParaRPr lang="en-US"/>
+            <a:r>
+              <a:rPr lang="en-US" dirty="0" err="1">
+                <a:effectLst/>
+              </a:rPr>
+              <a:t>Noster</a:t>
+            </a:r>
+            <a:r>
+              <a:rPr lang="en-US" dirty="0">
+                <a:effectLst/>
+              </a:rPr>
+              <a:t> </a:t>
+            </a:r>
+            <a:r>
+              <a:rPr lang="en-US" dirty="0" err="1">
+                <a:effectLst/>
+              </a:rPr>
+              <a:t>poēta</a:t>
+            </a:r>
+            <a:r>
+              <a:rPr lang="en-US" dirty="0">
+                <a:effectLst/>
+              </a:rPr>
+              <a:t> , nisi </a:t>
+            </a:r>
+            <a:r>
+              <a:rPr lang="en-US" dirty="0" err="1">
+                <a:effectLst/>
+              </a:rPr>
+              <a:t>cīvis</a:t>
+            </a:r>
+            <a:r>
+              <a:rPr lang="en-US" dirty="0">
+                <a:effectLst/>
+              </a:rPr>
+              <a:t> </a:t>
+            </a:r>
+            <a:r>
+              <a:rPr lang="en-US" dirty="0" err="1">
+                <a:effectLst/>
+              </a:rPr>
+              <a:t>Rōmānus</a:t>
+            </a:r>
+            <a:r>
+              <a:rPr lang="en-US" dirty="0">
+                <a:effectLst/>
+              </a:rPr>
+              <a:t> </a:t>
+            </a:r>
+            <a:r>
+              <a:rPr lang="en-US" dirty="0" err="1">
+                <a:effectLst/>
+              </a:rPr>
+              <a:t>esset</a:t>
+            </a:r>
+            <a:r>
+              <a:rPr lang="en-US" dirty="0">
+                <a:effectLst/>
+              </a:rPr>
+              <a:t> , ā </a:t>
+            </a:r>
+            <a:br>
+              <a:rPr lang="en-US" dirty="0">
+                <a:effectLst/>
+              </a:rPr>
+            </a:br>
+            <a:r>
+              <a:rPr lang="en-US" dirty="0" err="1">
+                <a:effectLst/>
+              </a:rPr>
+              <a:t>populō</a:t>
+            </a:r>
+            <a:r>
+              <a:rPr lang="en-US" dirty="0">
+                <a:effectLst/>
+              </a:rPr>
+              <a:t> </a:t>
+            </a:r>
+            <a:r>
+              <a:rPr lang="en-US" dirty="0" err="1">
+                <a:effectLst/>
+              </a:rPr>
+              <a:t>nunc</a:t>
+            </a:r>
+            <a:r>
+              <a:rPr lang="en-US" dirty="0">
+                <a:effectLst/>
+              </a:rPr>
+              <a:t> </a:t>
+            </a:r>
+            <a:r>
+              <a:rPr lang="en-US" dirty="0" err="1">
+                <a:effectLst/>
+              </a:rPr>
+              <a:t>cīvitāte</a:t>
+            </a:r>
+            <a:r>
+              <a:rPr lang="en-US" dirty="0">
+                <a:effectLst/>
+              </a:rPr>
+              <a:t> </a:t>
+            </a:r>
+            <a:r>
+              <a:rPr lang="en-US" dirty="0" err="1">
+                <a:effectLst/>
+              </a:rPr>
+              <a:t>dōnārētur</a:t>
+            </a:r>
+            <a:r>
+              <a:rPr lang="en-US" dirty="0">
+                <a:effectLst/>
+              </a:rPr>
+              <a:t>.</a:t>
+            </a:r>
+            <a:endParaRPr lang="en-US" dirty="0"/>
           </a:p>
         </p:txBody>
       </p:sp>
-      <p:pic>
-        <p:nvPicPr>
+      <p:graphicFrame>
+        <p:nvGraphicFramePr>
           <p:cNvPr id="6" name="Content Placeholder 5"/>
-          <p:cNvPicPr>
-            <a:picLocks noGrp="1" noChangeAspect="1"/>
-          </p:cNvPicPr>
+          <p:cNvGraphicFramePr>
+            <a:graphicFrameLocks noGrp="1"/>
+          </p:cNvGraphicFramePr>
           <p:nvPr>
             <p:ph idx="1"/>
-          </p:nvPr>
-        </p:nvPicPr>
-        <p:blipFill>
-          <a:blip r:embed="rId3">
-            <a:clrChange>
-              <a:clrFrom>
-                <a:srgbClr val="F6F6F6"/>
-              </a:clrFrom>
-              <a:clrTo>
-                <a:srgbClr val="F6F6F6">
-                  <a:alpha val="0"/>
-                </a:srgbClr>
-              </a:clrTo>
-            </a:clrChange>
-            <a:extLst>
-              <a:ext uri="{28A0092B-C50C-407E-A947-70E740481C1C}">
-                <a14:useLocalDpi xmlns:a14="http://schemas.microsoft.com/office/drawing/2010/main" val="0"/>
-              </a:ext>
-            </a:extLst>
-          </a:blip>
-          <a:stretch>
-            <a:fillRect/>
-          </a:stretch>
-        </p:blipFill>
-        <p:spPr>
-          <a:xfrm>
-            <a:off x="4343400" y="1729581"/>
-            <a:ext cx="3505200" cy="4267200"/>
-          </a:xfrm>
-        </p:spPr>
-      </p:pic>
+            <p:extLst>
+              <p:ext uri="{D42A27DB-BD31-4B8C-83A1-F6EECF244321}">
+                <p14:modId xmlns:p14="http://schemas.microsoft.com/office/powerpoint/2010/main" val="3275045593"/>
+              </p:ext>
+            </p:extLst>
+          </p:nvPr>
+        </p:nvGraphicFramePr>
+        <p:xfrm>
+          <a:off x="2291787" y="1747908"/>
+          <a:ext cx="2523282" cy="4108884"/>
+        </p:xfrm>
+        <a:graphic>
+          <a:graphicData uri="http://schemas.openxmlformats.org/drawingml/2006/table">
+            <a:tbl>
+              <a:tblPr>
+                <a:tableStyleId>{793D81CF-94F2-401A-BA57-92F5A7B2D0C5}</a:tableStyleId>
+              </a:tblPr>
+              <a:tblGrid>
+                <a:gridCol w="1261641"/>
+                <a:gridCol w="1261641"/>
+              </a:tblGrid>
+              <a:tr h="320756">
+                <a:tc gridSpan="2">
+                  <a:txBody>
+                    <a:bodyPr/>
+                    <a:lstStyle/>
+                    <a:p>
+                      <a:pPr algn="ctr" fontAlgn="b"/>
+                      <a:r>
+                        <a:rPr lang="en-US" sz="2000" u="none" strike="noStrike" dirty="0">
+                          <a:effectLst/>
+                        </a:rPr>
+                        <a:t>Dependency</a:t>
+                      </a:r>
+                      <a:endParaRPr lang="en-US" sz="2000" b="1" i="0" u="none" strike="noStrike" dirty="0">
+                        <a:solidFill>
+                          <a:srgbClr val="000000"/>
+                        </a:solidFill>
+                        <a:effectLst/>
+                        <a:latin typeface="Calibri" panose="020F0502020204030204" pitchFamily="34" charset="0"/>
+                      </a:endParaRPr>
+                    </a:p>
+                  </a:txBody>
+                  <a:tcPr marL="9525" marR="9525" marT="9525" marB="0" anchor="b"/>
+                </a:tc>
+                <a:tc hMerge="1">
+                  <a:txBody>
+                    <a:bodyPr/>
+                    <a:lstStyle/>
+                    <a:p>
+                      <a:endParaRPr lang="en-US"/>
+                    </a:p>
+                  </a:txBody>
+                  <a:tcPr/>
+                </a:tc>
+              </a:tr>
+              <a:tr h="320756">
+                <a:tc>
+                  <a:txBody>
+                    <a:bodyPr/>
+                    <a:lstStyle/>
+                    <a:p>
+                      <a:pPr algn="l" fontAlgn="b"/>
+                      <a:r>
+                        <a:rPr lang="en-US" sz="2000" u="none" strike="noStrike" dirty="0" err="1">
+                          <a:effectLst/>
+                        </a:rPr>
+                        <a:t>noster</a:t>
+                      </a:r>
+                      <a:endParaRPr lang="en-US" sz="2000" b="0" i="0" u="none" strike="noStrike" dirty="0">
+                        <a:solidFill>
+                          <a:srgbClr val="000000"/>
+                        </a:solidFill>
+                        <a:effectLst/>
+                        <a:latin typeface="Calibri" panose="020F0502020204030204" pitchFamily="34" charset="0"/>
+                      </a:endParaRPr>
+                    </a:p>
+                  </a:txBody>
+                  <a:tcPr marL="9525" marR="9525" marT="9525" marB="0" anchor="b"/>
+                </a:tc>
+                <a:tc>
+                  <a:txBody>
+                    <a:bodyPr/>
+                    <a:lstStyle/>
+                    <a:p>
+                      <a:pPr algn="r" fontAlgn="b"/>
+                      <a:r>
+                        <a:rPr lang="en-US" sz="2000" u="none" strike="noStrike">
+                          <a:effectLst/>
+                        </a:rPr>
+                        <a:t>59%</a:t>
+                      </a:r>
+                      <a:endParaRPr lang="en-US" sz="2000" b="0" i="0" u="none" strike="noStrike">
+                        <a:solidFill>
+                          <a:srgbClr val="000000"/>
+                        </a:solidFill>
+                        <a:effectLst/>
+                        <a:latin typeface="Calibri" panose="020F0502020204030204" pitchFamily="34" charset="0"/>
+                      </a:endParaRPr>
+                    </a:p>
+                  </a:txBody>
+                  <a:tcPr marL="9525" marR="9525" marT="9525" marB="0" anchor="b"/>
+                </a:tc>
+              </a:tr>
+              <a:tr h="320756">
+                <a:tc>
+                  <a:txBody>
+                    <a:bodyPr/>
+                    <a:lstStyle/>
+                    <a:p>
+                      <a:pPr algn="l" fontAlgn="b"/>
+                      <a:r>
+                        <a:rPr lang="en-US" sz="2000" u="none" strike="noStrike" dirty="0" err="1">
+                          <a:effectLst/>
+                        </a:rPr>
+                        <a:t>poeta</a:t>
+                      </a:r>
+                      <a:endParaRPr lang="en-US" sz="2000" b="0" i="0" u="none" strike="noStrike" dirty="0">
+                        <a:solidFill>
+                          <a:srgbClr val="000000"/>
+                        </a:solidFill>
+                        <a:effectLst/>
+                        <a:latin typeface="Calibri" panose="020F0502020204030204" pitchFamily="34" charset="0"/>
+                      </a:endParaRPr>
+                    </a:p>
+                  </a:txBody>
+                  <a:tcPr marL="9525" marR="9525" marT="9525" marB="0" anchor="b"/>
+                </a:tc>
+                <a:tc>
+                  <a:txBody>
+                    <a:bodyPr/>
+                    <a:lstStyle/>
+                    <a:p>
+                      <a:pPr algn="r" fontAlgn="b"/>
+                      <a:r>
+                        <a:rPr lang="en-US" sz="2000" u="none" strike="noStrike" dirty="0">
+                          <a:effectLst/>
+                        </a:rPr>
+                        <a:t>53%</a:t>
+                      </a:r>
+                      <a:endParaRPr lang="en-US" sz="2000" b="0" i="0" u="none" strike="noStrike" dirty="0">
+                        <a:solidFill>
+                          <a:srgbClr val="000000"/>
+                        </a:solidFill>
+                        <a:effectLst/>
+                        <a:latin typeface="Calibri" panose="020F0502020204030204" pitchFamily="34" charset="0"/>
+                      </a:endParaRPr>
+                    </a:p>
+                  </a:txBody>
+                  <a:tcPr marL="9525" marR="9525" marT="9525" marB="0" anchor="b"/>
+                </a:tc>
+              </a:tr>
+              <a:tr h="320756">
+                <a:tc>
+                  <a:txBody>
+                    <a:bodyPr/>
+                    <a:lstStyle/>
+                    <a:p>
+                      <a:pPr algn="l" fontAlgn="b"/>
+                      <a:r>
+                        <a:rPr lang="en-US" sz="2000" u="none" strike="noStrike" dirty="0">
+                          <a:effectLst/>
+                        </a:rPr>
+                        <a:t>nisi</a:t>
+                      </a:r>
+                      <a:endParaRPr lang="en-US" sz="2000" b="0" i="0" u="none" strike="noStrike" dirty="0">
+                        <a:solidFill>
+                          <a:srgbClr val="000000"/>
+                        </a:solidFill>
+                        <a:effectLst/>
+                        <a:latin typeface="Calibri" panose="020F0502020204030204" pitchFamily="34" charset="0"/>
+                      </a:endParaRPr>
+                    </a:p>
+                  </a:txBody>
+                  <a:tcPr marL="9525" marR="9525" marT="9525" marB="0" anchor="b"/>
+                </a:tc>
+                <a:tc>
+                  <a:txBody>
+                    <a:bodyPr/>
+                    <a:lstStyle/>
+                    <a:p>
+                      <a:pPr algn="r" fontAlgn="b"/>
+                      <a:r>
+                        <a:rPr lang="en-US" sz="2000" u="none" strike="noStrike" dirty="0">
+                          <a:effectLst/>
+                        </a:rPr>
+                        <a:t>59%</a:t>
+                      </a:r>
+                      <a:endParaRPr lang="en-US" sz="2000" b="0" i="0" u="none" strike="noStrike" dirty="0">
+                        <a:solidFill>
+                          <a:srgbClr val="000000"/>
+                        </a:solidFill>
+                        <a:effectLst/>
+                        <a:latin typeface="Calibri" panose="020F0502020204030204" pitchFamily="34" charset="0"/>
+                      </a:endParaRPr>
+                    </a:p>
+                  </a:txBody>
+                  <a:tcPr marL="9525" marR="9525" marT="9525" marB="0" anchor="b"/>
+                </a:tc>
+              </a:tr>
+              <a:tr h="320756">
+                <a:tc>
+                  <a:txBody>
+                    <a:bodyPr/>
+                    <a:lstStyle/>
+                    <a:p>
+                      <a:pPr algn="l" fontAlgn="b"/>
+                      <a:r>
+                        <a:rPr lang="en-US" sz="2000" u="none" strike="noStrike" dirty="0" err="1">
+                          <a:effectLst/>
+                        </a:rPr>
+                        <a:t>civis</a:t>
+                      </a:r>
+                      <a:endParaRPr lang="en-US" sz="2000" b="0" i="0" u="none" strike="noStrike" dirty="0">
+                        <a:solidFill>
+                          <a:srgbClr val="000000"/>
+                        </a:solidFill>
+                        <a:effectLst/>
+                        <a:latin typeface="Calibri" panose="020F0502020204030204" pitchFamily="34" charset="0"/>
+                      </a:endParaRPr>
+                    </a:p>
+                  </a:txBody>
+                  <a:tcPr marL="9525" marR="9525" marT="9525" marB="0" anchor="b"/>
+                </a:tc>
+                <a:tc>
+                  <a:txBody>
+                    <a:bodyPr/>
+                    <a:lstStyle/>
+                    <a:p>
+                      <a:pPr algn="r" fontAlgn="b"/>
+                      <a:r>
+                        <a:rPr lang="en-US" sz="2000" u="none" strike="noStrike" dirty="0">
+                          <a:effectLst/>
+                        </a:rPr>
+                        <a:t>47%</a:t>
+                      </a:r>
+                      <a:endParaRPr lang="en-US" sz="2000" b="0" i="0" u="none" strike="noStrike" dirty="0">
+                        <a:solidFill>
+                          <a:srgbClr val="000000"/>
+                        </a:solidFill>
+                        <a:effectLst/>
+                        <a:latin typeface="Calibri" panose="020F0502020204030204" pitchFamily="34" charset="0"/>
+                      </a:endParaRPr>
+                    </a:p>
+                  </a:txBody>
+                  <a:tcPr marL="9525" marR="9525" marT="9525" marB="0" anchor="b"/>
+                </a:tc>
+              </a:tr>
+              <a:tr h="320756">
+                <a:tc>
+                  <a:txBody>
+                    <a:bodyPr/>
+                    <a:lstStyle/>
+                    <a:p>
+                      <a:pPr algn="l" fontAlgn="b"/>
+                      <a:r>
+                        <a:rPr lang="en-US" sz="2000" u="none" strike="noStrike" dirty="0" smtClean="0">
+                          <a:effectLst/>
+                        </a:rPr>
+                        <a:t>Romanus</a:t>
+                      </a:r>
+                      <a:endParaRPr lang="en-US" sz="2000" b="0" i="0" u="none" strike="noStrike" dirty="0">
+                        <a:solidFill>
+                          <a:srgbClr val="000000"/>
+                        </a:solidFill>
+                        <a:effectLst/>
+                        <a:latin typeface="Calibri" panose="020F0502020204030204" pitchFamily="34" charset="0"/>
+                      </a:endParaRPr>
+                    </a:p>
+                  </a:txBody>
+                  <a:tcPr marL="9525" marR="9525" marT="9525" marB="0" anchor="b"/>
+                </a:tc>
+                <a:tc>
+                  <a:txBody>
+                    <a:bodyPr/>
+                    <a:lstStyle/>
+                    <a:p>
+                      <a:pPr algn="r" fontAlgn="b"/>
+                      <a:r>
+                        <a:rPr lang="en-US" sz="2000" u="none" strike="noStrike" dirty="0">
+                          <a:effectLst/>
+                        </a:rPr>
+                        <a:t>53%</a:t>
+                      </a:r>
+                      <a:endParaRPr lang="en-US" sz="2000" b="0" i="0" u="none" strike="noStrike" dirty="0">
+                        <a:solidFill>
+                          <a:srgbClr val="000000"/>
+                        </a:solidFill>
+                        <a:effectLst/>
+                        <a:latin typeface="Calibri" panose="020F0502020204030204" pitchFamily="34" charset="0"/>
+                      </a:endParaRPr>
+                    </a:p>
+                  </a:txBody>
+                  <a:tcPr marL="9525" marR="9525" marT="9525" marB="0" anchor="b"/>
+                </a:tc>
+              </a:tr>
+              <a:tr h="320756">
+                <a:tc>
+                  <a:txBody>
+                    <a:bodyPr/>
+                    <a:lstStyle/>
+                    <a:p>
+                      <a:pPr algn="l" fontAlgn="b"/>
+                      <a:r>
+                        <a:rPr lang="en-US" sz="2000" u="none" strike="noStrike">
+                          <a:effectLst/>
+                        </a:rPr>
+                        <a:t>esset</a:t>
+                      </a:r>
+                      <a:endParaRPr lang="en-US" sz="2000" b="0" i="0" u="none" strike="noStrike">
+                        <a:solidFill>
+                          <a:srgbClr val="000000"/>
+                        </a:solidFill>
+                        <a:effectLst/>
+                        <a:latin typeface="Calibri" panose="020F0502020204030204" pitchFamily="34" charset="0"/>
+                      </a:endParaRPr>
+                    </a:p>
+                  </a:txBody>
+                  <a:tcPr marL="9525" marR="9525" marT="9525" marB="0" anchor="b"/>
+                </a:tc>
+                <a:tc>
+                  <a:txBody>
+                    <a:bodyPr/>
+                    <a:lstStyle/>
+                    <a:p>
+                      <a:pPr algn="r" fontAlgn="b"/>
+                      <a:r>
+                        <a:rPr lang="en-US" sz="2000" u="none" strike="noStrike" dirty="0">
+                          <a:effectLst/>
+                        </a:rPr>
+                        <a:t>59%</a:t>
+                      </a:r>
+                      <a:endParaRPr lang="en-US" sz="2000" b="0" i="0" u="none" strike="noStrike" dirty="0">
+                        <a:solidFill>
+                          <a:srgbClr val="000000"/>
+                        </a:solidFill>
+                        <a:effectLst/>
+                        <a:latin typeface="Calibri" panose="020F0502020204030204" pitchFamily="34" charset="0"/>
+                      </a:endParaRPr>
+                    </a:p>
+                  </a:txBody>
+                  <a:tcPr marL="9525" marR="9525" marT="9525" marB="0" anchor="b"/>
+                </a:tc>
+              </a:tr>
+              <a:tr h="320756">
+                <a:tc>
+                  <a:txBody>
+                    <a:bodyPr/>
+                    <a:lstStyle/>
+                    <a:p>
+                      <a:pPr algn="l" fontAlgn="b"/>
+                      <a:r>
+                        <a:rPr lang="en-US" sz="2000" u="none" strike="noStrike">
+                          <a:effectLst/>
+                        </a:rPr>
+                        <a:t>a</a:t>
+                      </a:r>
+                      <a:endParaRPr lang="en-US" sz="2000" b="0" i="0" u="none" strike="noStrike">
+                        <a:solidFill>
+                          <a:srgbClr val="000000"/>
+                        </a:solidFill>
+                        <a:effectLst/>
+                        <a:latin typeface="Calibri" panose="020F0502020204030204" pitchFamily="34" charset="0"/>
+                      </a:endParaRPr>
+                    </a:p>
+                  </a:txBody>
+                  <a:tcPr marL="9525" marR="9525" marT="9525" marB="0" anchor="b"/>
+                </a:tc>
+                <a:tc>
+                  <a:txBody>
+                    <a:bodyPr/>
+                    <a:lstStyle/>
+                    <a:p>
+                      <a:pPr algn="r" fontAlgn="b"/>
+                      <a:r>
+                        <a:rPr lang="en-US" sz="2000" u="none" strike="noStrike" dirty="0">
+                          <a:effectLst/>
+                        </a:rPr>
+                        <a:t>76%</a:t>
+                      </a:r>
+                      <a:endParaRPr lang="en-US" sz="2000" b="0" i="0" u="none" strike="noStrike" dirty="0">
+                        <a:solidFill>
+                          <a:srgbClr val="000000"/>
+                        </a:solidFill>
+                        <a:effectLst/>
+                        <a:latin typeface="Calibri" panose="020F0502020204030204" pitchFamily="34" charset="0"/>
+                      </a:endParaRPr>
+                    </a:p>
+                  </a:txBody>
+                  <a:tcPr marL="9525" marR="9525" marT="9525" marB="0" anchor="b"/>
+                </a:tc>
+              </a:tr>
+              <a:tr h="320756">
+                <a:tc>
+                  <a:txBody>
+                    <a:bodyPr/>
+                    <a:lstStyle/>
+                    <a:p>
+                      <a:pPr algn="l" fontAlgn="b"/>
+                      <a:r>
+                        <a:rPr lang="en-US" sz="2000" u="none" strike="noStrike">
+                          <a:effectLst/>
+                        </a:rPr>
+                        <a:t>populo</a:t>
+                      </a:r>
+                      <a:endParaRPr lang="en-US" sz="2000" b="0" i="0" u="none" strike="noStrike">
+                        <a:solidFill>
+                          <a:srgbClr val="000000"/>
+                        </a:solidFill>
+                        <a:effectLst/>
+                        <a:latin typeface="Calibri" panose="020F0502020204030204" pitchFamily="34" charset="0"/>
+                      </a:endParaRPr>
+                    </a:p>
+                  </a:txBody>
+                  <a:tcPr marL="9525" marR="9525" marT="9525" marB="0" anchor="b"/>
+                </a:tc>
+                <a:tc>
+                  <a:txBody>
+                    <a:bodyPr/>
+                    <a:lstStyle/>
+                    <a:p>
+                      <a:pPr algn="r" fontAlgn="b"/>
+                      <a:r>
+                        <a:rPr lang="en-US" sz="2000" u="none" strike="noStrike" dirty="0">
+                          <a:effectLst/>
+                        </a:rPr>
+                        <a:t>100%</a:t>
+                      </a:r>
+                      <a:endParaRPr lang="en-US" sz="2000" b="0" i="0" u="none" strike="noStrike" dirty="0">
+                        <a:solidFill>
+                          <a:srgbClr val="000000"/>
+                        </a:solidFill>
+                        <a:effectLst/>
+                        <a:latin typeface="Calibri" panose="020F0502020204030204" pitchFamily="34" charset="0"/>
+                      </a:endParaRPr>
+                    </a:p>
+                  </a:txBody>
+                  <a:tcPr marL="9525" marR="9525" marT="9525" marB="0" anchor="b"/>
+                </a:tc>
+              </a:tr>
+              <a:tr h="320756">
+                <a:tc>
+                  <a:txBody>
+                    <a:bodyPr/>
+                    <a:lstStyle/>
+                    <a:p>
+                      <a:pPr algn="l" fontAlgn="b"/>
+                      <a:r>
+                        <a:rPr lang="en-US" sz="2000" u="none" strike="noStrike">
+                          <a:effectLst/>
+                        </a:rPr>
+                        <a:t>nunc</a:t>
+                      </a:r>
+                      <a:endParaRPr lang="en-US" sz="2000" b="0" i="0" u="none" strike="noStrike">
+                        <a:solidFill>
+                          <a:srgbClr val="000000"/>
+                        </a:solidFill>
+                        <a:effectLst/>
+                        <a:latin typeface="Calibri" panose="020F0502020204030204" pitchFamily="34" charset="0"/>
+                      </a:endParaRPr>
+                    </a:p>
+                  </a:txBody>
+                  <a:tcPr marL="9525" marR="9525" marT="9525" marB="0" anchor="b"/>
+                </a:tc>
+                <a:tc>
+                  <a:txBody>
+                    <a:bodyPr/>
+                    <a:lstStyle/>
+                    <a:p>
+                      <a:pPr algn="r" fontAlgn="b"/>
+                      <a:r>
+                        <a:rPr lang="en-US" sz="2000" u="none" strike="noStrike" dirty="0">
+                          <a:effectLst/>
+                        </a:rPr>
+                        <a:t>94%</a:t>
+                      </a:r>
+                      <a:endParaRPr lang="en-US" sz="2000" b="0" i="0" u="none" strike="noStrike" dirty="0">
+                        <a:solidFill>
+                          <a:srgbClr val="000000"/>
+                        </a:solidFill>
+                        <a:effectLst/>
+                        <a:latin typeface="Calibri" panose="020F0502020204030204" pitchFamily="34" charset="0"/>
+                      </a:endParaRPr>
+                    </a:p>
+                  </a:txBody>
+                  <a:tcPr marL="9525" marR="9525" marT="9525" marB="0" anchor="b"/>
+                </a:tc>
+              </a:tr>
+              <a:tr h="320756">
+                <a:tc>
+                  <a:txBody>
+                    <a:bodyPr/>
+                    <a:lstStyle/>
+                    <a:p>
+                      <a:pPr algn="l" fontAlgn="b"/>
+                      <a:r>
+                        <a:rPr lang="en-US" sz="2000" u="none" strike="noStrike">
+                          <a:effectLst/>
+                        </a:rPr>
+                        <a:t>civitate</a:t>
+                      </a:r>
+                      <a:endParaRPr lang="en-US" sz="2000" b="0" i="0" u="none" strike="noStrike">
+                        <a:solidFill>
+                          <a:srgbClr val="000000"/>
+                        </a:solidFill>
+                        <a:effectLst/>
+                        <a:latin typeface="Calibri" panose="020F0502020204030204" pitchFamily="34" charset="0"/>
+                      </a:endParaRPr>
+                    </a:p>
+                  </a:txBody>
+                  <a:tcPr marL="9525" marR="9525" marT="9525" marB="0" anchor="b"/>
+                </a:tc>
+                <a:tc>
+                  <a:txBody>
+                    <a:bodyPr/>
+                    <a:lstStyle/>
+                    <a:p>
+                      <a:pPr algn="r" fontAlgn="b"/>
+                      <a:r>
+                        <a:rPr lang="en-US" sz="2000" u="none" strike="noStrike" dirty="0">
+                          <a:effectLst/>
+                        </a:rPr>
+                        <a:t>71%</a:t>
+                      </a:r>
+                      <a:endParaRPr lang="en-US" sz="2000" b="0" i="0" u="none" strike="noStrike" dirty="0">
+                        <a:solidFill>
+                          <a:srgbClr val="000000"/>
+                        </a:solidFill>
+                        <a:effectLst/>
+                        <a:latin typeface="Calibri" panose="020F0502020204030204" pitchFamily="34" charset="0"/>
+                      </a:endParaRPr>
+                    </a:p>
+                  </a:txBody>
+                  <a:tcPr marL="9525" marR="9525" marT="9525" marB="0" anchor="b"/>
+                </a:tc>
+              </a:tr>
+              <a:tr h="580568">
+                <a:tc>
+                  <a:txBody>
+                    <a:bodyPr/>
+                    <a:lstStyle/>
+                    <a:p>
+                      <a:pPr algn="l" fontAlgn="b"/>
+                      <a:r>
+                        <a:rPr lang="en-US" sz="2000" u="none" strike="noStrike">
+                          <a:effectLst/>
+                        </a:rPr>
+                        <a:t>donaretur</a:t>
+                      </a:r>
+                      <a:endParaRPr lang="en-US" sz="2000" b="0" i="0" u="none" strike="noStrike">
+                        <a:solidFill>
+                          <a:srgbClr val="000000"/>
+                        </a:solidFill>
+                        <a:effectLst/>
+                        <a:latin typeface="Calibri" panose="020F0502020204030204" pitchFamily="34" charset="0"/>
+                      </a:endParaRPr>
+                    </a:p>
+                  </a:txBody>
+                  <a:tcPr marL="9525" marR="9525" marT="9525" marB="0" anchor="b"/>
+                </a:tc>
+                <a:tc>
+                  <a:txBody>
+                    <a:bodyPr/>
+                    <a:lstStyle/>
+                    <a:p>
+                      <a:pPr algn="r" fontAlgn="b"/>
+                      <a:r>
+                        <a:rPr lang="en-US" sz="2000" u="none" strike="noStrike" dirty="0">
+                          <a:effectLst/>
+                        </a:rPr>
+                        <a:t>82%</a:t>
+                      </a:r>
+                      <a:endParaRPr lang="en-US" sz="2000" b="0" i="0" u="none" strike="noStrike" dirty="0">
+                        <a:solidFill>
+                          <a:srgbClr val="000000"/>
+                        </a:solidFill>
+                        <a:effectLst/>
+                        <a:latin typeface="Calibri" panose="020F0502020204030204" pitchFamily="34" charset="0"/>
+                      </a:endParaRPr>
+                    </a:p>
+                  </a:txBody>
+                  <a:tcPr marL="9525" marR="9525" marT="9525" marB="0" anchor="b"/>
+                </a:tc>
+              </a:tr>
+            </a:tbl>
+          </a:graphicData>
+        </a:graphic>
+      </p:graphicFrame>
+      <p:graphicFrame>
+        <p:nvGraphicFramePr>
+          <p:cNvPr id="7" name="Table 6"/>
+          <p:cNvGraphicFramePr>
+            <a:graphicFrameLocks noGrp="1"/>
+          </p:cNvGraphicFramePr>
+          <p:nvPr>
+            <p:extLst>
+              <p:ext uri="{D42A27DB-BD31-4B8C-83A1-F6EECF244321}">
+                <p14:modId xmlns:p14="http://schemas.microsoft.com/office/powerpoint/2010/main" val="3064481940"/>
+              </p:ext>
+            </p:extLst>
+          </p:nvPr>
+        </p:nvGraphicFramePr>
+        <p:xfrm>
+          <a:off x="6655439" y="1747908"/>
+          <a:ext cx="2361238" cy="4108884"/>
+        </p:xfrm>
+        <a:graphic>
+          <a:graphicData uri="http://schemas.openxmlformats.org/drawingml/2006/table">
+            <a:tbl>
+              <a:tblPr>
+                <a:tableStyleId>{793D81CF-94F2-401A-BA57-92F5A7B2D0C5}</a:tableStyleId>
+              </a:tblPr>
+              <a:tblGrid>
+                <a:gridCol w="1180619"/>
+                <a:gridCol w="1180619"/>
+              </a:tblGrid>
+              <a:tr h="320756">
+                <a:tc gridSpan="2">
+                  <a:txBody>
+                    <a:bodyPr/>
+                    <a:lstStyle/>
+                    <a:p>
+                      <a:pPr algn="ctr" fontAlgn="b"/>
+                      <a:r>
+                        <a:rPr lang="en-US" sz="2000" u="none" strike="noStrike" dirty="0">
+                          <a:effectLst/>
+                        </a:rPr>
+                        <a:t>Relation</a:t>
+                      </a:r>
+                      <a:endParaRPr lang="en-US" sz="2000" b="1" i="0" u="none" strike="noStrike" dirty="0">
+                        <a:solidFill>
+                          <a:srgbClr val="000000"/>
+                        </a:solidFill>
+                        <a:effectLst/>
+                        <a:latin typeface="Calibri" panose="020F0502020204030204" pitchFamily="34" charset="0"/>
+                      </a:endParaRPr>
+                    </a:p>
+                  </a:txBody>
+                  <a:tcPr marL="9525" marR="9525" marT="9525" marB="0" anchor="b"/>
+                </a:tc>
+                <a:tc hMerge="1">
+                  <a:txBody>
+                    <a:bodyPr/>
+                    <a:lstStyle/>
+                    <a:p>
+                      <a:endParaRPr lang="en-US"/>
+                    </a:p>
+                  </a:txBody>
+                  <a:tcPr/>
+                </a:tc>
+              </a:tr>
+              <a:tr h="320756">
+                <a:tc>
+                  <a:txBody>
+                    <a:bodyPr/>
+                    <a:lstStyle/>
+                    <a:p>
+                      <a:pPr algn="l" fontAlgn="b"/>
+                      <a:r>
+                        <a:rPr lang="en-US" sz="2000" u="none" strike="noStrike">
+                          <a:effectLst/>
+                        </a:rPr>
+                        <a:t>noster</a:t>
+                      </a:r>
+                      <a:endParaRPr lang="en-US" sz="2000" b="0" i="0" u="none" strike="noStrike">
+                        <a:solidFill>
+                          <a:srgbClr val="000000"/>
+                        </a:solidFill>
+                        <a:effectLst/>
+                        <a:latin typeface="Calibri" panose="020F0502020204030204" pitchFamily="34" charset="0"/>
+                      </a:endParaRPr>
+                    </a:p>
+                  </a:txBody>
+                  <a:tcPr marL="9525" marR="9525" marT="9525" marB="0" anchor="b"/>
+                </a:tc>
+                <a:tc>
+                  <a:txBody>
+                    <a:bodyPr/>
+                    <a:lstStyle/>
+                    <a:p>
+                      <a:pPr algn="r" fontAlgn="b"/>
+                      <a:r>
+                        <a:rPr lang="en-US" sz="2000" u="none" strike="noStrike">
+                          <a:effectLst/>
+                        </a:rPr>
+                        <a:t>70.59%</a:t>
+                      </a:r>
+                      <a:endParaRPr lang="en-US" sz="2000" b="0" i="0" u="none" strike="noStrike">
+                        <a:solidFill>
+                          <a:srgbClr val="000000"/>
+                        </a:solidFill>
+                        <a:effectLst/>
+                        <a:latin typeface="Calibri" panose="020F0502020204030204" pitchFamily="34" charset="0"/>
+                      </a:endParaRPr>
+                    </a:p>
+                  </a:txBody>
+                  <a:tcPr marL="9525" marR="9525" marT="9525" marB="0" anchor="b"/>
+                </a:tc>
+              </a:tr>
+              <a:tr h="320756">
+                <a:tc>
+                  <a:txBody>
+                    <a:bodyPr/>
+                    <a:lstStyle/>
+                    <a:p>
+                      <a:pPr algn="l" fontAlgn="b"/>
+                      <a:r>
+                        <a:rPr lang="en-US" sz="2000" u="none" strike="noStrike" dirty="0" err="1">
+                          <a:effectLst/>
+                        </a:rPr>
+                        <a:t>poeta</a:t>
+                      </a:r>
+                      <a:endParaRPr lang="en-US" sz="2000" b="0" i="0" u="none" strike="noStrike" dirty="0">
+                        <a:solidFill>
+                          <a:srgbClr val="000000"/>
+                        </a:solidFill>
+                        <a:effectLst/>
+                        <a:latin typeface="Calibri" panose="020F0502020204030204" pitchFamily="34" charset="0"/>
+                      </a:endParaRPr>
+                    </a:p>
+                  </a:txBody>
+                  <a:tcPr marL="9525" marR="9525" marT="9525" marB="0" anchor="b"/>
+                </a:tc>
+                <a:tc>
+                  <a:txBody>
+                    <a:bodyPr/>
+                    <a:lstStyle/>
+                    <a:p>
+                      <a:pPr algn="r" fontAlgn="b"/>
+                      <a:r>
+                        <a:rPr lang="en-US" sz="2000" u="none" strike="noStrike">
+                          <a:effectLst/>
+                        </a:rPr>
+                        <a:t>88.24%</a:t>
+                      </a:r>
+                      <a:endParaRPr lang="en-US" sz="2000" b="0" i="0" u="none" strike="noStrike">
+                        <a:solidFill>
+                          <a:srgbClr val="000000"/>
+                        </a:solidFill>
+                        <a:effectLst/>
+                        <a:latin typeface="Calibri" panose="020F0502020204030204" pitchFamily="34" charset="0"/>
+                      </a:endParaRPr>
+                    </a:p>
+                  </a:txBody>
+                  <a:tcPr marL="9525" marR="9525" marT="9525" marB="0" anchor="b"/>
+                </a:tc>
+              </a:tr>
+              <a:tr h="320756">
+                <a:tc>
+                  <a:txBody>
+                    <a:bodyPr/>
+                    <a:lstStyle/>
+                    <a:p>
+                      <a:pPr algn="l" fontAlgn="b"/>
+                      <a:r>
+                        <a:rPr lang="en-US" sz="2000" u="none" strike="noStrike">
+                          <a:effectLst/>
+                        </a:rPr>
+                        <a:t>nisi</a:t>
+                      </a:r>
+                      <a:endParaRPr lang="en-US" sz="2000" b="0" i="0" u="none" strike="noStrike">
+                        <a:solidFill>
+                          <a:srgbClr val="000000"/>
+                        </a:solidFill>
+                        <a:effectLst/>
+                        <a:latin typeface="Calibri" panose="020F0502020204030204" pitchFamily="34" charset="0"/>
+                      </a:endParaRPr>
+                    </a:p>
+                  </a:txBody>
+                  <a:tcPr marL="9525" marR="9525" marT="9525" marB="0" anchor="b"/>
+                </a:tc>
+                <a:tc>
+                  <a:txBody>
+                    <a:bodyPr/>
+                    <a:lstStyle/>
+                    <a:p>
+                      <a:pPr algn="r" fontAlgn="b"/>
+                      <a:r>
+                        <a:rPr lang="en-US" sz="2000" u="none" strike="noStrike">
+                          <a:effectLst/>
+                        </a:rPr>
+                        <a:t>70.59%</a:t>
+                      </a:r>
+                      <a:endParaRPr lang="en-US" sz="2000" b="0" i="0" u="none" strike="noStrike">
+                        <a:solidFill>
+                          <a:srgbClr val="000000"/>
+                        </a:solidFill>
+                        <a:effectLst/>
+                        <a:latin typeface="Calibri" panose="020F0502020204030204" pitchFamily="34" charset="0"/>
+                      </a:endParaRPr>
+                    </a:p>
+                  </a:txBody>
+                  <a:tcPr marL="9525" marR="9525" marT="9525" marB="0" anchor="b"/>
+                </a:tc>
+              </a:tr>
+              <a:tr h="320756">
+                <a:tc>
+                  <a:txBody>
+                    <a:bodyPr/>
+                    <a:lstStyle/>
+                    <a:p>
+                      <a:pPr algn="l" fontAlgn="b"/>
+                      <a:r>
+                        <a:rPr lang="en-US" sz="2000" u="none" strike="noStrike">
+                          <a:effectLst/>
+                        </a:rPr>
+                        <a:t>civis</a:t>
+                      </a:r>
+                      <a:endParaRPr lang="en-US" sz="2000" b="0" i="0" u="none" strike="noStrike">
+                        <a:solidFill>
+                          <a:srgbClr val="000000"/>
+                        </a:solidFill>
+                        <a:effectLst/>
+                        <a:latin typeface="Calibri" panose="020F0502020204030204" pitchFamily="34" charset="0"/>
+                      </a:endParaRPr>
+                    </a:p>
+                  </a:txBody>
+                  <a:tcPr marL="9525" marR="9525" marT="9525" marB="0" anchor="b"/>
+                </a:tc>
+                <a:tc>
+                  <a:txBody>
+                    <a:bodyPr/>
+                    <a:lstStyle/>
+                    <a:p>
+                      <a:pPr algn="r" fontAlgn="b"/>
+                      <a:r>
+                        <a:rPr lang="en-US" sz="2000" u="none" strike="noStrike" dirty="0">
+                          <a:effectLst/>
+                        </a:rPr>
+                        <a:t>41.18%</a:t>
+                      </a:r>
+                      <a:endParaRPr lang="en-US" sz="2000" b="0" i="0" u="none" strike="noStrike" dirty="0">
+                        <a:solidFill>
+                          <a:srgbClr val="000000"/>
+                        </a:solidFill>
+                        <a:effectLst/>
+                        <a:latin typeface="Calibri" panose="020F0502020204030204" pitchFamily="34" charset="0"/>
+                      </a:endParaRPr>
+                    </a:p>
+                  </a:txBody>
+                  <a:tcPr marL="9525" marR="9525" marT="9525" marB="0" anchor="b"/>
+                </a:tc>
+              </a:tr>
+              <a:tr h="320756">
+                <a:tc>
+                  <a:txBody>
+                    <a:bodyPr/>
+                    <a:lstStyle/>
+                    <a:p>
+                      <a:pPr algn="l" fontAlgn="b"/>
+                      <a:r>
+                        <a:rPr lang="en-US" sz="2000" u="none" strike="noStrike" dirty="0" smtClean="0">
+                          <a:effectLst/>
+                        </a:rPr>
+                        <a:t>Romanus</a:t>
+                      </a:r>
+                      <a:endParaRPr lang="en-US" sz="2000" b="0" i="0" u="none" strike="noStrike" dirty="0">
+                        <a:solidFill>
+                          <a:srgbClr val="000000"/>
+                        </a:solidFill>
+                        <a:effectLst/>
+                        <a:latin typeface="Calibri" panose="020F0502020204030204" pitchFamily="34" charset="0"/>
+                      </a:endParaRPr>
+                    </a:p>
+                  </a:txBody>
+                  <a:tcPr marL="9525" marR="9525" marT="9525" marB="0" anchor="b"/>
+                </a:tc>
+                <a:tc>
+                  <a:txBody>
+                    <a:bodyPr/>
+                    <a:lstStyle/>
+                    <a:p>
+                      <a:pPr algn="r" fontAlgn="b"/>
+                      <a:r>
+                        <a:rPr lang="en-US" sz="2000" u="none" strike="noStrike">
+                          <a:effectLst/>
+                        </a:rPr>
+                        <a:t>52.94%</a:t>
+                      </a:r>
+                      <a:endParaRPr lang="en-US" sz="2000" b="0" i="0" u="none" strike="noStrike">
+                        <a:solidFill>
+                          <a:srgbClr val="000000"/>
+                        </a:solidFill>
+                        <a:effectLst/>
+                        <a:latin typeface="Calibri" panose="020F0502020204030204" pitchFamily="34" charset="0"/>
+                      </a:endParaRPr>
+                    </a:p>
+                  </a:txBody>
+                  <a:tcPr marL="9525" marR="9525" marT="9525" marB="0" anchor="b"/>
+                </a:tc>
+              </a:tr>
+              <a:tr h="320756">
+                <a:tc>
+                  <a:txBody>
+                    <a:bodyPr/>
+                    <a:lstStyle/>
+                    <a:p>
+                      <a:pPr algn="l" fontAlgn="b"/>
+                      <a:r>
+                        <a:rPr lang="en-US" sz="2000" u="none" strike="noStrike">
+                          <a:effectLst/>
+                        </a:rPr>
+                        <a:t>esset</a:t>
+                      </a:r>
+                      <a:endParaRPr lang="en-US" sz="2000" b="0" i="0" u="none" strike="noStrike">
+                        <a:solidFill>
+                          <a:srgbClr val="000000"/>
+                        </a:solidFill>
+                        <a:effectLst/>
+                        <a:latin typeface="Calibri" panose="020F0502020204030204" pitchFamily="34" charset="0"/>
+                      </a:endParaRPr>
+                    </a:p>
+                  </a:txBody>
+                  <a:tcPr marL="9525" marR="9525" marT="9525" marB="0" anchor="b"/>
+                </a:tc>
+                <a:tc>
+                  <a:txBody>
+                    <a:bodyPr/>
+                    <a:lstStyle/>
+                    <a:p>
+                      <a:pPr algn="r" fontAlgn="b"/>
+                      <a:r>
+                        <a:rPr lang="en-US" sz="2000" u="none" strike="noStrike">
+                          <a:effectLst/>
+                        </a:rPr>
+                        <a:t>47.06%</a:t>
+                      </a:r>
+                      <a:endParaRPr lang="en-US" sz="2000" b="0" i="0" u="none" strike="noStrike">
+                        <a:solidFill>
+                          <a:srgbClr val="000000"/>
+                        </a:solidFill>
+                        <a:effectLst/>
+                        <a:latin typeface="Calibri" panose="020F0502020204030204" pitchFamily="34" charset="0"/>
+                      </a:endParaRPr>
+                    </a:p>
+                  </a:txBody>
+                  <a:tcPr marL="9525" marR="9525" marT="9525" marB="0" anchor="b"/>
+                </a:tc>
+              </a:tr>
+              <a:tr h="320756">
+                <a:tc>
+                  <a:txBody>
+                    <a:bodyPr/>
+                    <a:lstStyle/>
+                    <a:p>
+                      <a:pPr algn="l" fontAlgn="b"/>
+                      <a:r>
+                        <a:rPr lang="en-US" sz="2000" u="none" strike="noStrike">
+                          <a:effectLst/>
+                        </a:rPr>
+                        <a:t>a</a:t>
+                      </a:r>
+                      <a:endParaRPr lang="en-US" sz="2000" b="0" i="0" u="none" strike="noStrike">
+                        <a:solidFill>
+                          <a:srgbClr val="000000"/>
+                        </a:solidFill>
+                        <a:effectLst/>
+                        <a:latin typeface="Calibri" panose="020F0502020204030204" pitchFamily="34" charset="0"/>
+                      </a:endParaRPr>
+                    </a:p>
+                  </a:txBody>
+                  <a:tcPr marL="9525" marR="9525" marT="9525" marB="0" anchor="b"/>
+                </a:tc>
+                <a:tc>
+                  <a:txBody>
+                    <a:bodyPr/>
+                    <a:lstStyle/>
+                    <a:p>
+                      <a:pPr algn="r" fontAlgn="b"/>
+                      <a:r>
+                        <a:rPr lang="en-US" sz="2000" u="none" strike="noStrike">
+                          <a:effectLst/>
+                        </a:rPr>
+                        <a:t>100.00%</a:t>
+                      </a:r>
+                      <a:endParaRPr lang="en-US" sz="2000" b="0" i="0" u="none" strike="noStrike">
+                        <a:solidFill>
+                          <a:srgbClr val="000000"/>
+                        </a:solidFill>
+                        <a:effectLst/>
+                        <a:latin typeface="Calibri" panose="020F0502020204030204" pitchFamily="34" charset="0"/>
+                      </a:endParaRPr>
+                    </a:p>
+                  </a:txBody>
+                  <a:tcPr marL="9525" marR="9525" marT="9525" marB="0" anchor="b"/>
+                </a:tc>
+              </a:tr>
+              <a:tr h="320756">
+                <a:tc>
+                  <a:txBody>
+                    <a:bodyPr/>
+                    <a:lstStyle/>
+                    <a:p>
+                      <a:pPr algn="l" fontAlgn="b"/>
+                      <a:r>
+                        <a:rPr lang="en-US" sz="2000" u="none" strike="noStrike">
+                          <a:effectLst/>
+                        </a:rPr>
+                        <a:t>populo</a:t>
+                      </a:r>
+                      <a:endParaRPr lang="en-US" sz="2000" b="0" i="0" u="none" strike="noStrike">
+                        <a:solidFill>
+                          <a:srgbClr val="000000"/>
+                        </a:solidFill>
+                        <a:effectLst/>
+                        <a:latin typeface="Calibri" panose="020F0502020204030204" pitchFamily="34" charset="0"/>
+                      </a:endParaRPr>
+                    </a:p>
+                  </a:txBody>
+                  <a:tcPr marL="9525" marR="9525" marT="9525" marB="0" anchor="b"/>
+                </a:tc>
+                <a:tc>
+                  <a:txBody>
+                    <a:bodyPr/>
+                    <a:lstStyle/>
+                    <a:p>
+                      <a:pPr algn="r" fontAlgn="b"/>
+                      <a:r>
+                        <a:rPr lang="en-US" sz="2000" u="none" strike="noStrike">
+                          <a:effectLst/>
+                        </a:rPr>
+                        <a:t>94.12%</a:t>
+                      </a:r>
+                      <a:endParaRPr lang="en-US" sz="2000" b="0" i="0" u="none" strike="noStrike">
+                        <a:solidFill>
+                          <a:srgbClr val="000000"/>
+                        </a:solidFill>
+                        <a:effectLst/>
+                        <a:latin typeface="Calibri" panose="020F0502020204030204" pitchFamily="34" charset="0"/>
+                      </a:endParaRPr>
+                    </a:p>
+                  </a:txBody>
+                  <a:tcPr marL="9525" marR="9525" marT="9525" marB="0" anchor="b"/>
+                </a:tc>
+              </a:tr>
+              <a:tr h="320756">
+                <a:tc>
+                  <a:txBody>
+                    <a:bodyPr/>
+                    <a:lstStyle/>
+                    <a:p>
+                      <a:pPr algn="l" fontAlgn="b"/>
+                      <a:r>
+                        <a:rPr lang="en-US" sz="2000" u="none" strike="noStrike">
+                          <a:effectLst/>
+                        </a:rPr>
+                        <a:t>nunc</a:t>
+                      </a:r>
+                      <a:endParaRPr lang="en-US" sz="2000" b="0" i="0" u="none" strike="noStrike">
+                        <a:solidFill>
+                          <a:srgbClr val="000000"/>
+                        </a:solidFill>
+                        <a:effectLst/>
+                        <a:latin typeface="Calibri" panose="020F0502020204030204" pitchFamily="34" charset="0"/>
+                      </a:endParaRPr>
+                    </a:p>
+                  </a:txBody>
+                  <a:tcPr marL="9525" marR="9525" marT="9525" marB="0" anchor="b"/>
+                </a:tc>
+                <a:tc>
+                  <a:txBody>
+                    <a:bodyPr/>
+                    <a:lstStyle/>
+                    <a:p>
+                      <a:pPr algn="r" fontAlgn="b"/>
+                      <a:r>
+                        <a:rPr lang="en-US" sz="2000" u="none" strike="noStrike">
+                          <a:effectLst/>
+                        </a:rPr>
+                        <a:t>100.00%</a:t>
+                      </a:r>
+                      <a:endParaRPr lang="en-US" sz="2000" b="0" i="0" u="none" strike="noStrike">
+                        <a:solidFill>
+                          <a:srgbClr val="000000"/>
+                        </a:solidFill>
+                        <a:effectLst/>
+                        <a:latin typeface="Calibri" panose="020F0502020204030204" pitchFamily="34" charset="0"/>
+                      </a:endParaRPr>
+                    </a:p>
+                  </a:txBody>
+                  <a:tcPr marL="9525" marR="9525" marT="9525" marB="0" anchor="b"/>
+                </a:tc>
+              </a:tr>
+              <a:tr h="320756">
+                <a:tc>
+                  <a:txBody>
+                    <a:bodyPr/>
+                    <a:lstStyle/>
+                    <a:p>
+                      <a:pPr algn="l" fontAlgn="b"/>
+                      <a:r>
+                        <a:rPr lang="en-US" sz="2000" u="none" strike="noStrike">
+                          <a:effectLst/>
+                        </a:rPr>
+                        <a:t>civitate</a:t>
+                      </a:r>
+                      <a:endParaRPr lang="en-US" sz="2000" b="0" i="0" u="none" strike="noStrike">
+                        <a:solidFill>
+                          <a:srgbClr val="000000"/>
+                        </a:solidFill>
+                        <a:effectLst/>
+                        <a:latin typeface="Calibri" panose="020F0502020204030204" pitchFamily="34" charset="0"/>
+                      </a:endParaRPr>
+                    </a:p>
+                  </a:txBody>
+                  <a:tcPr marL="9525" marR="9525" marT="9525" marB="0" anchor="b"/>
+                </a:tc>
+                <a:tc>
+                  <a:txBody>
+                    <a:bodyPr/>
+                    <a:lstStyle/>
+                    <a:p>
+                      <a:pPr algn="r" fontAlgn="b"/>
+                      <a:r>
+                        <a:rPr lang="en-US" sz="2000" u="none" strike="noStrike">
+                          <a:effectLst/>
+                        </a:rPr>
+                        <a:t>58.82%</a:t>
+                      </a:r>
+                      <a:endParaRPr lang="en-US" sz="2000" b="0" i="0" u="none" strike="noStrike">
+                        <a:solidFill>
+                          <a:srgbClr val="000000"/>
+                        </a:solidFill>
+                        <a:effectLst/>
+                        <a:latin typeface="Calibri" panose="020F0502020204030204" pitchFamily="34" charset="0"/>
+                      </a:endParaRPr>
+                    </a:p>
+                  </a:txBody>
+                  <a:tcPr marL="9525" marR="9525" marT="9525" marB="0" anchor="b"/>
+                </a:tc>
+              </a:tr>
+              <a:tr h="580568">
+                <a:tc>
+                  <a:txBody>
+                    <a:bodyPr/>
+                    <a:lstStyle/>
+                    <a:p>
+                      <a:pPr algn="l" fontAlgn="b"/>
+                      <a:r>
+                        <a:rPr lang="en-US" sz="2000" u="none" strike="noStrike">
+                          <a:effectLst/>
+                        </a:rPr>
+                        <a:t>donaretur</a:t>
+                      </a:r>
+                      <a:endParaRPr lang="en-US" sz="2000" b="0" i="0" u="none" strike="noStrike">
+                        <a:solidFill>
+                          <a:srgbClr val="000000"/>
+                        </a:solidFill>
+                        <a:effectLst/>
+                        <a:latin typeface="Calibri" panose="020F0502020204030204" pitchFamily="34" charset="0"/>
+                      </a:endParaRPr>
+                    </a:p>
+                  </a:txBody>
+                  <a:tcPr marL="9525" marR="9525" marT="9525" marB="0" anchor="b"/>
+                </a:tc>
+                <a:tc>
+                  <a:txBody>
+                    <a:bodyPr/>
+                    <a:lstStyle/>
+                    <a:p>
+                      <a:pPr algn="r" fontAlgn="b"/>
+                      <a:r>
+                        <a:rPr lang="en-US" sz="2000" u="none" strike="noStrike" dirty="0">
+                          <a:effectLst/>
+                        </a:rPr>
+                        <a:t>88.24%</a:t>
+                      </a:r>
+                      <a:endParaRPr lang="en-US" sz="2000" b="0" i="0" u="none" strike="noStrike" dirty="0">
+                        <a:solidFill>
+                          <a:srgbClr val="000000"/>
+                        </a:solidFill>
+                        <a:effectLst/>
+                        <a:latin typeface="Calibri" panose="020F0502020204030204" pitchFamily="34" charset="0"/>
+                      </a:endParaRPr>
+                    </a:p>
+                  </a:txBody>
+                  <a:tcPr marL="9525" marR="9525" marT="9525" marB="0" anchor="b"/>
+                </a:tc>
+              </a:tr>
+            </a:tbl>
+          </a:graphicData>
+        </a:graphic>
+      </p:graphicFrame>
     </p:spTree>
     <p:extLst>
       <p:ext uri="{BB962C8B-B14F-4D97-AF65-F5344CB8AC3E}">
-        <p14:creationId xmlns:p14="http://schemas.microsoft.com/office/powerpoint/2010/main" val="2463861853"/>
+        <p14:creationId xmlns:p14="http://schemas.microsoft.com/office/powerpoint/2010/main" val="1728336048"/>
       </p:ext>
     </p:extLst>
   </p:cSld>
@@ -6729,33 +12437,1318 @@
           <a:bodyPr/>
           <a:lstStyle/>
           <a:p>
-            <a:endParaRPr lang="en-US"/>
+            <a:r>
+              <a:rPr lang="en-US" dirty="0" err="1">
+                <a:effectLst/>
+              </a:rPr>
+              <a:t>Noster</a:t>
+            </a:r>
+            <a:r>
+              <a:rPr lang="en-US" dirty="0">
+                <a:effectLst/>
+              </a:rPr>
+              <a:t> </a:t>
+            </a:r>
+            <a:r>
+              <a:rPr lang="en-US" dirty="0" err="1">
+                <a:effectLst/>
+              </a:rPr>
+              <a:t>poēta</a:t>
+            </a:r>
+            <a:r>
+              <a:rPr lang="en-US" dirty="0">
+                <a:effectLst/>
+              </a:rPr>
+              <a:t> , nisi </a:t>
+            </a:r>
+            <a:r>
+              <a:rPr lang="en-US" dirty="0" err="1">
+                <a:effectLst/>
+              </a:rPr>
+              <a:t>cīvis</a:t>
+            </a:r>
+            <a:r>
+              <a:rPr lang="en-US" dirty="0">
+                <a:effectLst/>
+              </a:rPr>
+              <a:t> </a:t>
+            </a:r>
+            <a:r>
+              <a:rPr lang="en-US" dirty="0" err="1">
+                <a:effectLst/>
+              </a:rPr>
+              <a:t>Rōmānus</a:t>
+            </a:r>
+            <a:r>
+              <a:rPr lang="en-US" dirty="0">
+                <a:effectLst/>
+              </a:rPr>
+              <a:t> </a:t>
+            </a:r>
+            <a:r>
+              <a:rPr lang="en-US" dirty="0" err="1">
+                <a:effectLst/>
+              </a:rPr>
+              <a:t>esset</a:t>
+            </a:r>
+            <a:r>
+              <a:rPr lang="en-US" dirty="0">
+                <a:effectLst/>
+              </a:rPr>
+              <a:t> , ā </a:t>
+            </a:r>
+            <a:br>
+              <a:rPr lang="en-US" dirty="0">
+                <a:effectLst/>
+              </a:rPr>
+            </a:br>
+            <a:r>
+              <a:rPr lang="en-US" dirty="0" err="1">
+                <a:effectLst/>
+              </a:rPr>
+              <a:t>populō</a:t>
+            </a:r>
+            <a:r>
+              <a:rPr lang="en-US" dirty="0">
+                <a:effectLst/>
+              </a:rPr>
+              <a:t> </a:t>
+            </a:r>
+            <a:r>
+              <a:rPr lang="en-US" dirty="0" err="1">
+                <a:effectLst/>
+              </a:rPr>
+              <a:t>nunc</a:t>
+            </a:r>
+            <a:r>
+              <a:rPr lang="en-US" dirty="0">
+                <a:effectLst/>
+              </a:rPr>
+              <a:t> </a:t>
+            </a:r>
+            <a:r>
+              <a:rPr lang="en-US" dirty="0" err="1">
+                <a:effectLst/>
+              </a:rPr>
+              <a:t>cīvitāte</a:t>
+            </a:r>
+            <a:r>
+              <a:rPr lang="en-US" dirty="0">
+                <a:effectLst/>
+              </a:rPr>
+              <a:t> </a:t>
+            </a:r>
+            <a:r>
+              <a:rPr lang="en-US" dirty="0" err="1">
+                <a:effectLst/>
+              </a:rPr>
+              <a:t>dōnārētur</a:t>
+            </a:r>
+            <a:r>
+              <a:rPr lang="en-US" dirty="0">
+                <a:effectLst/>
+              </a:rPr>
+              <a:t>.</a:t>
+            </a:r>
+            <a:endParaRPr lang="en-US" dirty="0"/>
           </a:p>
         </p:txBody>
       </p:sp>
-      <p:sp>
-        <p:nvSpPr>
-          <p:cNvPr id="3" name="Content Placeholder 2"/>
-          <p:cNvSpPr>
-            <a:spLocks noGrp="1"/>
-          </p:cNvSpPr>
+      <p:graphicFrame>
+        <p:nvGraphicFramePr>
+          <p:cNvPr id="4" name="Content Placeholder 3"/>
+          <p:cNvGraphicFramePr>
+            <a:graphicFrameLocks noGrp="1"/>
+          </p:cNvGraphicFramePr>
           <p:nvPr>
             <p:ph idx="1"/>
-          </p:nvPr>
-        </p:nvSpPr>
-        <p:spPr/>
-        <p:txBody>
-          <a:bodyPr/>
-          <a:lstStyle/>
-          <a:p>
-            <a:endParaRPr lang="en-US"/>
-          </a:p>
-        </p:txBody>
-      </p:sp>
+            <p:extLst>
+              <p:ext uri="{D42A27DB-BD31-4B8C-83A1-F6EECF244321}">
+                <p14:modId xmlns:p14="http://schemas.microsoft.com/office/powerpoint/2010/main" val="501311865"/>
+              </p:ext>
+            </p:extLst>
+          </p:nvPr>
+        </p:nvGraphicFramePr>
+        <p:xfrm>
+          <a:off x="2314934" y="1863522"/>
+          <a:ext cx="2835800" cy="4132163"/>
+        </p:xfrm>
+        <a:graphic>
+          <a:graphicData uri="http://schemas.openxmlformats.org/drawingml/2006/table">
+            <a:tbl>
+              <a:tblPr>
+                <a:tableStyleId>{793D81CF-94F2-401A-BA57-92F5A7B2D0C5}</a:tableStyleId>
+              </a:tblPr>
+              <a:tblGrid>
+                <a:gridCol w="1417900"/>
+                <a:gridCol w="1417900"/>
+              </a:tblGrid>
+              <a:tr h="337575">
+                <a:tc gridSpan="2">
+                  <a:txBody>
+                    <a:bodyPr/>
+                    <a:lstStyle/>
+                    <a:p>
+                      <a:pPr algn="ctr" fontAlgn="b"/>
+                      <a:r>
+                        <a:rPr lang="en-US" sz="2000" u="none" strike="noStrike" dirty="0">
+                          <a:effectLst/>
+                        </a:rPr>
+                        <a:t>Lemma</a:t>
+                      </a:r>
+                      <a:endParaRPr lang="en-US" sz="2000" b="1" i="0" u="none" strike="noStrike" dirty="0">
+                        <a:solidFill>
+                          <a:srgbClr val="000000"/>
+                        </a:solidFill>
+                        <a:effectLst/>
+                        <a:latin typeface="Calibri" panose="020F0502020204030204" pitchFamily="34" charset="0"/>
+                      </a:endParaRPr>
+                    </a:p>
+                  </a:txBody>
+                  <a:tcPr marL="9525" marR="9525" marT="9525" marB="0" anchor="b"/>
+                </a:tc>
+                <a:tc hMerge="1">
+                  <a:txBody>
+                    <a:bodyPr/>
+                    <a:lstStyle/>
+                    <a:p>
+                      <a:endParaRPr lang="en-US"/>
+                    </a:p>
+                  </a:txBody>
+                  <a:tcPr/>
+                </a:tc>
+              </a:tr>
+              <a:tr h="337575">
+                <a:tc>
+                  <a:txBody>
+                    <a:bodyPr/>
+                    <a:lstStyle/>
+                    <a:p>
+                      <a:pPr algn="l" fontAlgn="b"/>
+                      <a:r>
+                        <a:rPr lang="en-US" sz="2000" u="none" strike="noStrike">
+                          <a:effectLst/>
+                        </a:rPr>
+                        <a:t>noster</a:t>
+                      </a:r>
+                      <a:endParaRPr lang="en-US" sz="2000" b="0" i="0" u="none" strike="noStrike">
+                        <a:solidFill>
+                          <a:srgbClr val="000000"/>
+                        </a:solidFill>
+                        <a:effectLst/>
+                        <a:latin typeface="Calibri" panose="020F0502020204030204" pitchFamily="34" charset="0"/>
+                      </a:endParaRPr>
+                    </a:p>
+                  </a:txBody>
+                  <a:tcPr marL="9525" marR="9525" marT="9525" marB="0" anchor="b"/>
+                </a:tc>
+                <a:tc>
+                  <a:txBody>
+                    <a:bodyPr/>
+                    <a:lstStyle/>
+                    <a:p>
+                      <a:pPr algn="r" fontAlgn="b"/>
+                      <a:r>
+                        <a:rPr lang="en-US" sz="2000" u="none" strike="noStrike">
+                          <a:effectLst/>
+                        </a:rPr>
+                        <a:t>94.12%</a:t>
+                      </a:r>
+                      <a:endParaRPr lang="en-US" sz="2000" b="0" i="0" u="none" strike="noStrike">
+                        <a:solidFill>
+                          <a:srgbClr val="000000"/>
+                        </a:solidFill>
+                        <a:effectLst/>
+                        <a:latin typeface="Calibri" panose="020F0502020204030204" pitchFamily="34" charset="0"/>
+                      </a:endParaRPr>
+                    </a:p>
+                  </a:txBody>
+                  <a:tcPr marL="9525" marR="9525" marT="9525" marB="0" anchor="b"/>
+                </a:tc>
+              </a:tr>
+              <a:tr h="337575">
+                <a:tc>
+                  <a:txBody>
+                    <a:bodyPr/>
+                    <a:lstStyle/>
+                    <a:p>
+                      <a:pPr algn="l" fontAlgn="b"/>
+                      <a:r>
+                        <a:rPr lang="en-US" sz="2000" u="none" strike="noStrike">
+                          <a:effectLst/>
+                        </a:rPr>
+                        <a:t>poeta</a:t>
+                      </a:r>
+                      <a:endParaRPr lang="en-US" sz="2000" b="0" i="0" u="none" strike="noStrike">
+                        <a:solidFill>
+                          <a:srgbClr val="000000"/>
+                        </a:solidFill>
+                        <a:effectLst/>
+                        <a:latin typeface="Calibri" panose="020F0502020204030204" pitchFamily="34" charset="0"/>
+                      </a:endParaRPr>
+                    </a:p>
+                  </a:txBody>
+                  <a:tcPr marL="9525" marR="9525" marT="9525" marB="0" anchor="b"/>
+                </a:tc>
+                <a:tc>
+                  <a:txBody>
+                    <a:bodyPr/>
+                    <a:lstStyle/>
+                    <a:p>
+                      <a:pPr algn="r" fontAlgn="b"/>
+                      <a:r>
+                        <a:rPr lang="en-US" sz="2000" u="none" strike="noStrike">
+                          <a:effectLst/>
+                        </a:rPr>
+                        <a:t>100.00%</a:t>
+                      </a:r>
+                      <a:endParaRPr lang="en-US" sz="2000" b="0" i="0" u="none" strike="noStrike">
+                        <a:solidFill>
+                          <a:srgbClr val="000000"/>
+                        </a:solidFill>
+                        <a:effectLst/>
+                        <a:latin typeface="Calibri" panose="020F0502020204030204" pitchFamily="34" charset="0"/>
+                      </a:endParaRPr>
+                    </a:p>
+                  </a:txBody>
+                  <a:tcPr marL="9525" marR="9525" marT="9525" marB="0" anchor="b"/>
+                </a:tc>
+              </a:tr>
+              <a:tr h="337575">
+                <a:tc>
+                  <a:txBody>
+                    <a:bodyPr/>
+                    <a:lstStyle/>
+                    <a:p>
+                      <a:pPr algn="l" fontAlgn="b"/>
+                      <a:r>
+                        <a:rPr lang="en-US" sz="2000" u="none" strike="noStrike">
+                          <a:effectLst/>
+                        </a:rPr>
+                        <a:t>nisi</a:t>
+                      </a:r>
+                      <a:endParaRPr lang="en-US" sz="2000" b="0" i="0" u="none" strike="noStrike">
+                        <a:solidFill>
+                          <a:srgbClr val="000000"/>
+                        </a:solidFill>
+                        <a:effectLst/>
+                        <a:latin typeface="Calibri" panose="020F0502020204030204" pitchFamily="34" charset="0"/>
+                      </a:endParaRPr>
+                    </a:p>
+                  </a:txBody>
+                  <a:tcPr marL="9525" marR="9525" marT="9525" marB="0" anchor="b"/>
+                </a:tc>
+                <a:tc>
+                  <a:txBody>
+                    <a:bodyPr/>
+                    <a:lstStyle/>
+                    <a:p>
+                      <a:pPr algn="r" fontAlgn="b"/>
+                      <a:r>
+                        <a:rPr lang="en-US" sz="2000" u="none" strike="noStrike" dirty="0">
+                          <a:effectLst/>
+                        </a:rPr>
+                        <a:t>100.00%</a:t>
+                      </a:r>
+                      <a:endParaRPr lang="en-US" sz="2000" b="0" i="0" u="none" strike="noStrike" dirty="0">
+                        <a:solidFill>
+                          <a:srgbClr val="000000"/>
+                        </a:solidFill>
+                        <a:effectLst/>
+                        <a:latin typeface="Calibri" panose="020F0502020204030204" pitchFamily="34" charset="0"/>
+                      </a:endParaRPr>
+                    </a:p>
+                  </a:txBody>
+                  <a:tcPr marL="9525" marR="9525" marT="9525" marB="0" anchor="b"/>
+                </a:tc>
+              </a:tr>
+              <a:tr h="337575">
+                <a:tc>
+                  <a:txBody>
+                    <a:bodyPr/>
+                    <a:lstStyle/>
+                    <a:p>
+                      <a:pPr algn="l" fontAlgn="b"/>
+                      <a:r>
+                        <a:rPr lang="en-US" sz="2000" u="none" strike="noStrike">
+                          <a:effectLst/>
+                        </a:rPr>
+                        <a:t>civis</a:t>
+                      </a:r>
+                      <a:endParaRPr lang="en-US" sz="2000" b="0" i="0" u="none" strike="noStrike">
+                        <a:solidFill>
+                          <a:srgbClr val="000000"/>
+                        </a:solidFill>
+                        <a:effectLst/>
+                        <a:latin typeface="Calibri" panose="020F0502020204030204" pitchFamily="34" charset="0"/>
+                      </a:endParaRPr>
+                    </a:p>
+                  </a:txBody>
+                  <a:tcPr marL="9525" marR="9525" marT="9525" marB="0" anchor="b"/>
+                </a:tc>
+                <a:tc>
+                  <a:txBody>
+                    <a:bodyPr/>
+                    <a:lstStyle/>
+                    <a:p>
+                      <a:pPr algn="r" fontAlgn="b"/>
+                      <a:r>
+                        <a:rPr lang="en-US" sz="2000" u="none" strike="noStrike">
+                          <a:effectLst/>
+                        </a:rPr>
+                        <a:t>100.00%</a:t>
+                      </a:r>
+                      <a:endParaRPr lang="en-US" sz="2000" b="0" i="0" u="none" strike="noStrike">
+                        <a:solidFill>
+                          <a:srgbClr val="000000"/>
+                        </a:solidFill>
+                        <a:effectLst/>
+                        <a:latin typeface="Calibri" panose="020F0502020204030204" pitchFamily="34" charset="0"/>
+                      </a:endParaRPr>
+                    </a:p>
+                  </a:txBody>
+                  <a:tcPr marL="9525" marR="9525" marT="9525" marB="0" anchor="b"/>
+                </a:tc>
+              </a:tr>
+              <a:tr h="418718">
+                <a:tc>
+                  <a:txBody>
+                    <a:bodyPr/>
+                    <a:lstStyle/>
+                    <a:p>
+                      <a:pPr algn="l" fontAlgn="b"/>
+                      <a:r>
+                        <a:rPr lang="en-US" sz="2000" u="none" strike="noStrike" dirty="0">
+                          <a:effectLst/>
+                        </a:rPr>
+                        <a:t>Romanus</a:t>
+                      </a:r>
+                      <a:endParaRPr lang="en-US" sz="2000" b="0" i="0" u="none" strike="noStrike" dirty="0">
+                        <a:solidFill>
+                          <a:srgbClr val="000000"/>
+                        </a:solidFill>
+                        <a:effectLst/>
+                        <a:latin typeface="Calibri" panose="020F0502020204030204" pitchFamily="34" charset="0"/>
+                      </a:endParaRPr>
+                    </a:p>
+                  </a:txBody>
+                  <a:tcPr marL="9525" marR="9525" marT="9525" marB="0" anchor="b"/>
+                </a:tc>
+                <a:tc>
+                  <a:txBody>
+                    <a:bodyPr/>
+                    <a:lstStyle/>
+                    <a:p>
+                      <a:pPr algn="r" fontAlgn="b"/>
+                      <a:r>
+                        <a:rPr lang="en-US" sz="2000" u="none" strike="noStrike">
+                          <a:effectLst/>
+                        </a:rPr>
+                        <a:t>94.12%</a:t>
+                      </a:r>
+                      <a:endParaRPr lang="en-US" sz="2000" b="0" i="0" u="none" strike="noStrike">
+                        <a:solidFill>
+                          <a:srgbClr val="000000"/>
+                        </a:solidFill>
+                        <a:effectLst/>
+                        <a:latin typeface="Calibri" panose="020F0502020204030204" pitchFamily="34" charset="0"/>
+                      </a:endParaRPr>
+                    </a:p>
+                  </a:txBody>
+                  <a:tcPr marL="9525" marR="9525" marT="9525" marB="0" anchor="b"/>
+                </a:tc>
+              </a:tr>
+              <a:tr h="337575">
+                <a:tc>
+                  <a:txBody>
+                    <a:bodyPr/>
+                    <a:lstStyle/>
+                    <a:p>
+                      <a:pPr algn="l" fontAlgn="b"/>
+                      <a:r>
+                        <a:rPr lang="en-US" sz="2000" u="none" strike="noStrike">
+                          <a:effectLst/>
+                        </a:rPr>
+                        <a:t>esset</a:t>
+                      </a:r>
+                      <a:endParaRPr lang="en-US" sz="2000" b="0" i="0" u="none" strike="noStrike">
+                        <a:solidFill>
+                          <a:srgbClr val="000000"/>
+                        </a:solidFill>
+                        <a:effectLst/>
+                        <a:latin typeface="Calibri" panose="020F0502020204030204" pitchFamily="34" charset="0"/>
+                      </a:endParaRPr>
+                    </a:p>
+                  </a:txBody>
+                  <a:tcPr marL="9525" marR="9525" marT="9525" marB="0" anchor="b"/>
+                </a:tc>
+                <a:tc>
+                  <a:txBody>
+                    <a:bodyPr/>
+                    <a:lstStyle/>
+                    <a:p>
+                      <a:pPr algn="r" fontAlgn="b"/>
+                      <a:r>
+                        <a:rPr lang="en-US" sz="2000" u="none" strike="noStrike">
+                          <a:effectLst/>
+                        </a:rPr>
+                        <a:t>94.12%</a:t>
+                      </a:r>
+                      <a:endParaRPr lang="en-US" sz="2000" b="0" i="0" u="none" strike="noStrike">
+                        <a:solidFill>
+                          <a:srgbClr val="000000"/>
+                        </a:solidFill>
+                        <a:effectLst/>
+                        <a:latin typeface="Calibri" panose="020F0502020204030204" pitchFamily="34" charset="0"/>
+                      </a:endParaRPr>
+                    </a:p>
+                  </a:txBody>
+                  <a:tcPr marL="9525" marR="9525" marT="9525" marB="0" anchor="b"/>
+                </a:tc>
+              </a:tr>
+              <a:tr h="337575">
+                <a:tc>
+                  <a:txBody>
+                    <a:bodyPr/>
+                    <a:lstStyle/>
+                    <a:p>
+                      <a:pPr algn="l" fontAlgn="b"/>
+                      <a:r>
+                        <a:rPr lang="en-US" sz="2000" u="none" strike="noStrike">
+                          <a:effectLst/>
+                        </a:rPr>
+                        <a:t>a</a:t>
+                      </a:r>
+                      <a:endParaRPr lang="en-US" sz="2000" b="0" i="0" u="none" strike="noStrike">
+                        <a:solidFill>
+                          <a:srgbClr val="000000"/>
+                        </a:solidFill>
+                        <a:effectLst/>
+                        <a:latin typeface="Calibri" panose="020F0502020204030204" pitchFamily="34" charset="0"/>
+                      </a:endParaRPr>
+                    </a:p>
+                  </a:txBody>
+                  <a:tcPr marL="9525" marR="9525" marT="9525" marB="0" anchor="b"/>
+                </a:tc>
+                <a:tc>
+                  <a:txBody>
+                    <a:bodyPr/>
+                    <a:lstStyle/>
+                    <a:p>
+                      <a:pPr algn="r" fontAlgn="b"/>
+                      <a:r>
+                        <a:rPr lang="en-US" sz="2000" u="none" strike="noStrike">
+                          <a:effectLst/>
+                        </a:rPr>
+                        <a:t>100.00%</a:t>
+                      </a:r>
+                      <a:endParaRPr lang="en-US" sz="2000" b="0" i="0" u="none" strike="noStrike">
+                        <a:solidFill>
+                          <a:srgbClr val="000000"/>
+                        </a:solidFill>
+                        <a:effectLst/>
+                        <a:latin typeface="Calibri" panose="020F0502020204030204" pitchFamily="34" charset="0"/>
+                      </a:endParaRPr>
+                    </a:p>
+                  </a:txBody>
+                  <a:tcPr marL="9525" marR="9525" marT="9525" marB="0" anchor="b"/>
+                </a:tc>
+              </a:tr>
+              <a:tr h="337575">
+                <a:tc>
+                  <a:txBody>
+                    <a:bodyPr/>
+                    <a:lstStyle/>
+                    <a:p>
+                      <a:pPr algn="l" fontAlgn="b"/>
+                      <a:r>
+                        <a:rPr lang="en-US" sz="2000" u="none" strike="noStrike">
+                          <a:effectLst/>
+                        </a:rPr>
+                        <a:t>populo</a:t>
+                      </a:r>
+                      <a:endParaRPr lang="en-US" sz="2000" b="0" i="0" u="none" strike="noStrike">
+                        <a:solidFill>
+                          <a:srgbClr val="000000"/>
+                        </a:solidFill>
+                        <a:effectLst/>
+                        <a:latin typeface="Calibri" panose="020F0502020204030204" pitchFamily="34" charset="0"/>
+                      </a:endParaRPr>
+                    </a:p>
+                  </a:txBody>
+                  <a:tcPr marL="9525" marR="9525" marT="9525" marB="0" anchor="b"/>
+                </a:tc>
+                <a:tc>
+                  <a:txBody>
+                    <a:bodyPr/>
+                    <a:lstStyle/>
+                    <a:p>
+                      <a:pPr algn="r" fontAlgn="b"/>
+                      <a:r>
+                        <a:rPr lang="en-US" sz="2000" u="none" strike="noStrike">
+                          <a:effectLst/>
+                        </a:rPr>
+                        <a:t>88.24%</a:t>
+                      </a:r>
+                      <a:endParaRPr lang="en-US" sz="2000" b="0" i="0" u="none" strike="noStrike">
+                        <a:solidFill>
+                          <a:srgbClr val="000000"/>
+                        </a:solidFill>
+                        <a:effectLst/>
+                        <a:latin typeface="Calibri" panose="020F0502020204030204" pitchFamily="34" charset="0"/>
+                      </a:endParaRPr>
+                    </a:p>
+                  </a:txBody>
+                  <a:tcPr marL="9525" marR="9525" marT="9525" marB="0" anchor="b"/>
+                </a:tc>
+              </a:tr>
+              <a:tr h="337575">
+                <a:tc>
+                  <a:txBody>
+                    <a:bodyPr/>
+                    <a:lstStyle/>
+                    <a:p>
+                      <a:pPr algn="l" fontAlgn="b"/>
+                      <a:r>
+                        <a:rPr lang="en-US" sz="2000" u="none" strike="noStrike">
+                          <a:effectLst/>
+                        </a:rPr>
+                        <a:t>nunc</a:t>
+                      </a:r>
+                      <a:endParaRPr lang="en-US" sz="2000" b="0" i="0" u="none" strike="noStrike">
+                        <a:solidFill>
+                          <a:srgbClr val="000000"/>
+                        </a:solidFill>
+                        <a:effectLst/>
+                        <a:latin typeface="Calibri" panose="020F0502020204030204" pitchFamily="34" charset="0"/>
+                      </a:endParaRPr>
+                    </a:p>
+                  </a:txBody>
+                  <a:tcPr marL="9525" marR="9525" marT="9525" marB="0" anchor="b"/>
+                </a:tc>
+                <a:tc>
+                  <a:txBody>
+                    <a:bodyPr/>
+                    <a:lstStyle/>
+                    <a:p>
+                      <a:pPr algn="r" fontAlgn="b"/>
+                      <a:r>
+                        <a:rPr lang="en-US" sz="2000" u="none" strike="noStrike">
+                          <a:effectLst/>
+                        </a:rPr>
+                        <a:t>100.00%</a:t>
+                      </a:r>
+                      <a:endParaRPr lang="en-US" sz="2000" b="0" i="0" u="none" strike="noStrike">
+                        <a:solidFill>
+                          <a:srgbClr val="000000"/>
+                        </a:solidFill>
+                        <a:effectLst/>
+                        <a:latin typeface="Calibri" panose="020F0502020204030204" pitchFamily="34" charset="0"/>
+                      </a:endParaRPr>
+                    </a:p>
+                  </a:txBody>
+                  <a:tcPr marL="9525" marR="9525" marT="9525" marB="0" anchor="b"/>
+                </a:tc>
+              </a:tr>
+              <a:tr h="337575">
+                <a:tc>
+                  <a:txBody>
+                    <a:bodyPr/>
+                    <a:lstStyle/>
+                    <a:p>
+                      <a:pPr algn="l" fontAlgn="b"/>
+                      <a:r>
+                        <a:rPr lang="en-US" sz="2000" u="none" strike="noStrike">
+                          <a:effectLst/>
+                        </a:rPr>
+                        <a:t>civitate</a:t>
+                      </a:r>
+                      <a:endParaRPr lang="en-US" sz="2000" b="0" i="0" u="none" strike="noStrike">
+                        <a:solidFill>
+                          <a:srgbClr val="000000"/>
+                        </a:solidFill>
+                        <a:effectLst/>
+                        <a:latin typeface="Calibri" panose="020F0502020204030204" pitchFamily="34" charset="0"/>
+                      </a:endParaRPr>
+                    </a:p>
+                  </a:txBody>
+                  <a:tcPr marL="9525" marR="9525" marT="9525" marB="0" anchor="b"/>
+                </a:tc>
+                <a:tc>
+                  <a:txBody>
+                    <a:bodyPr/>
+                    <a:lstStyle/>
+                    <a:p>
+                      <a:pPr algn="r" fontAlgn="b"/>
+                      <a:r>
+                        <a:rPr lang="en-US" sz="2000" u="none" strike="noStrike">
+                          <a:effectLst/>
+                        </a:rPr>
+                        <a:t>100.00%</a:t>
+                      </a:r>
+                      <a:endParaRPr lang="en-US" sz="2000" b="0" i="0" u="none" strike="noStrike">
+                        <a:solidFill>
+                          <a:srgbClr val="000000"/>
+                        </a:solidFill>
+                        <a:effectLst/>
+                        <a:latin typeface="Calibri" panose="020F0502020204030204" pitchFamily="34" charset="0"/>
+                      </a:endParaRPr>
+                    </a:p>
+                  </a:txBody>
+                  <a:tcPr marL="9525" marR="9525" marT="9525" marB="0" anchor="b"/>
+                </a:tc>
+              </a:tr>
+              <a:tr h="337695">
+                <a:tc>
+                  <a:txBody>
+                    <a:bodyPr/>
+                    <a:lstStyle/>
+                    <a:p>
+                      <a:pPr algn="l" fontAlgn="b"/>
+                      <a:r>
+                        <a:rPr lang="en-US" sz="2000" u="none" strike="noStrike">
+                          <a:effectLst/>
+                        </a:rPr>
+                        <a:t>donaretur</a:t>
+                      </a:r>
+                      <a:endParaRPr lang="en-US" sz="2000" b="0" i="0" u="none" strike="noStrike">
+                        <a:solidFill>
+                          <a:srgbClr val="000000"/>
+                        </a:solidFill>
+                        <a:effectLst/>
+                        <a:latin typeface="Calibri" panose="020F0502020204030204" pitchFamily="34" charset="0"/>
+                      </a:endParaRPr>
+                    </a:p>
+                  </a:txBody>
+                  <a:tcPr marL="9525" marR="9525" marT="9525" marB="0" anchor="b"/>
+                </a:tc>
+                <a:tc>
+                  <a:txBody>
+                    <a:bodyPr/>
+                    <a:lstStyle/>
+                    <a:p>
+                      <a:pPr algn="r" fontAlgn="b"/>
+                      <a:r>
+                        <a:rPr lang="en-US" sz="2000" u="none" strike="noStrike" dirty="0">
+                          <a:effectLst/>
+                        </a:rPr>
+                        <a:t>100.00%</a:t>
+                      </a:r>
+                      <a:endParaRPr lang="en-US" sz="2000" b="0" i="0" u="none" strike="noStrike" dirty="0">
+                        <a:solidFill>
+                          <a:srgbClr val="000000"/>
+                        </a:solidFill>
+                        <a:effectLst/>
+                        <a:latin typeface="Calibri" panose="020F0502020204030204" pitchFamily="34" charset="0"/>
+                      </a:endParaRPr>
+                    </a:p>
+                  </a:txBody>
+                  <a:tcPr marL="9525" marR="9525" marT="9525" marB="0" anchor="b"/>
+                </a:tc>
+              </a:tr>
+            </a:tbl>
+          </a:graphicData>
+        </a:graphic>
+      </p:graphicFrame>
+      <p:graphicFrame>
+        <p:nvGraphicFramePr>
+          <p:cNvPr id="5" name="Table 4"/>
+          <p:cNvGraphicFramePr>
+            <a:graphicFrameLocks noGrp="1"/>
+          </p:cNvGraphicFramePr>
+          <p:nvPr>
+            <p:extLst>
+              <p:ext uri="{D42A27DB-BD31-4B8C-83A1-F6EECF244321}">
+                <p14:modId xmlns:p14="http://schemas.microsoft.com/office/powerpoint/2010/main" val="1251463880"/>
+              </p:ext>
+            </p:extLst>
+          </p:nvPr>
+        </p:nvGraphicFramePr>
+        <p:xfrm>
+          <a:off x="6076707" y="1863522"/>
+          <a:ext cx="3090442" cy="4132160"/>
+        </p:xfrm>
+        <a:graphic>
+          <a:graphicData uri="http://schemas.openxmlformats.org/drawingml/2006/table">
+            <a:tbl>
+              <a:tblPr>
+                <a:tableStyleId>{793D81CF-94F2-401A-BA57-92F5A7B2D0C5}</a:tableStyleId>
+              </a:tblPr>
+              <a:tblGrid>
+                <a:gridCol w="1545221"/>
+                <a:gridCol w="1545221"/>
+              </a:tblGrid>
+              <a:tr h="322573">
+                <a:tc gridSpan="2">
+                  <a:txBody>
+                    <a:bodyPr/>
+                    <a:lstStyle/>
+                    <a:p>
+                      <a:pPr algn="ctr" fontAlgn="b"/>
+                      <a:r>
+                        <a:rPr lang="en-US" sz="2000" u="none" strike="noStrike" dirty="0">
+                          <a:effectLst/>
+                        </a:rPr>
+                        <a:t>Morphology</a:t>
+                      </a:r>
+                      <a:endParaRPr lang="en-US" sz="2000" b="1" i="0" u="none" strike="noStrike" dirty="0">
+                        <a:solidFill>
+                          <a:srgbClr val="000000"/>
+                        </a:solidFill>
+                        <a:effectLst/>
+                        <a:latin typeface="Calibri" panose="020F0502020204030204" pitchFamily="34" charset="0"/>
+                      </a:endParaRPr>
+                    </a:p>
+                  </a:txBody>
+                  <a:tcPr marL="9525" marR="9525" marT="9525" marB="0" anchor="b"/>
+                </a:tc>
+                <a:tc hMerge="1">
+                  <a:txBody>
+                    <a:bodyPr/>
+                    <a:lstStyle/>
+                    <a:p>
+                      <a:endParaRPr lang="en-US"/>
+                    </a:p>
+                  </a:txBody>
+                  <a:tcPr/>
+                </a:tc>
+              </a:tr>
+              <a:tr h="322573">
+                <a:tc>
+                  <a:txBody>
+                    <a:bodyPr/>
+                    <a:lstStyle/>
+                    <a:p>
+                      <a:pPr algn="l" fontAlgn="b"/>
+                      <a:r>
+                        <a:rPr lang="en-US" sz="2000" u="none" strike="noStrike">
+                          <a:effectLst/>
+                        </a:rPr>
+                        <a:t>noster</a:t>
+                      </a:r>
+                      <a:endParaRPr lang="en-US" sz="2000" b="0" i="0" u="none" strike="noStrike">
+                        <a:solidFill>
+                          <a:srgbClr val="000000"/>
+                        </a:solidFill>
+                        <a:effectLst/>
+                        <a:latin typeface="Calibri" panose="020F0502020204030204" pitchFamily="34" charset="0"/>
+                      </a:endParaRPr>
+                    </a:p>
+                  </a:txBody>
+                  <a:tcPr marL="9525" marR="9525" marT="9525" marB="0" anchor="b"/>
+                </a:tc>
+                <a:tc>
+                  <a:txBody>
+                    <a:bodyPr/>
+                    <a:lstStyle/>
+                    <a:p>
+                      <a:pPr algn="r" fontAlgn="b"/>
+                      <a:r>
+                        <a:rPr lang="en-US" sz="2000" u="none" strike="noStrike">
+                          <a:effectLst/>
+                        </a:rPr>
+                        <a:t>52.94%</a:t>
+                      </a:r>
+                      <a:endParaRPr lang="en-US" sz="2000" b="0" i="0" u="none" strike="noStrike">
+                        <a:solidFill>
+                          <a:srgbClr val="000000"/>
+                        </a:solidFill>
+                        <a:effectLst/>
+                        <a:latin typeface="Calibri" panose="020F0502020204030204" pitchFamily="34" charset="0"/>
+                      </a:endParaRPr>
+                    </a:p>
+                  </a:txBody>
+                  <a:tcPr marL="9525" marR="9525" marT="9525" marB="0" anchor="b"/>
+                </a:tc>
+              </a:tr>
+              <a:tr h="322573">
+                <a:tc>
+                  <a:txBody>
+                    <a:bodyPr/>
+                    <a:lstStyle/>
+                    <a:p>
+                      <a:pPr algn="l" fontAlgn="b"/>
+                      <a:r>
+                        <a:rPr lang="en-US" sz="2000" u="none" strike="noStrike">
+                          <a:effectLst/>
+                        </a:rPr>
+                        <a:t>poeta</a:t>
+                      </a:r>
+                      <a:endParaRPr lang="en-US" sz="2000" b="0" i="0" u="none" strike="noStrike">
+                        <a:solidFill>
+                          <a:srgbClr val="000000"/>
+                        </a:solidFill>
+                        <a:effectLst/>
+                        <a:latin typeface="Calibri" panose="020F0502020204030204" pitchFamily="34" charset="0"/>
+                      </a:endParaRPr>
+                    </a:p>
+                  </a:txBody>
+                  <a:tcPr marL="9525" marR="9525" marT="9525" marB="0" anchor="b"/>
+                </a:tc>
+                <a:tc>
+                  <a:txBody>
+                    <a:bodyPr/>
+                    <a:lstStyle/>
+                    <a:p>
+                      <a:pPr algn="r" fontAlgn="b"/>
+                      <a:r>
+                        <a:rPr lang="en-US" sz="2000" u="none" strike="noStrike">
+                          <a:effectLst/>
+                        </a:rPr>
+                        <a:t>88.24%</a:t>
+                      </a:r>
+                      <a:endParaRPr lang="en-US" sz="2000" b="0" i="0" u="none" strike="noStrike">
+                        <a:solidFill>
+                          <a:srgbClr val="000000"/>
+                        </a:solidFill>
+                        <a:effectLst/>
+                        <a:latin typeface="Calibri" panose="020F0502020204030204" pitchFamily="34" charset="0"/>
+                      </a:endParaRPr>
+                    </a:p>
+                  </a:txBody>
+                  <a:tcPr marL="9525" marR="9525" marT="9525" marB="0" anchor="b"/>
+                </a:tc>
+              </a:tr>
+              <a:tr h="322573">
+                <a:tc>
+                  <a:txBody>
+                    <a:bodyPr/>
+                    <a:lstStyle/>
+                    <a:p>
+                      <a:pPr algn="l" fontAlgn="b"/>
+                      <a:r>
+                        <a:rPr lang="en-US" sz="2000" u="none" strike="noStrike">
+                          <a:effectLst/>
+                        </a:rPr>
+                        <a:t>nisi</a:t>
+                      </a:r>
+                      <a:endParaRPr lang="en-US" sz="2000" b="0" i="0" u="none" strike="noStrike">
+                        <a:solidFill>
+                          <a:srgbClr val="000000"/>
+                        </a:solidFill>
+                        <a:effectLst/>
+                        <a:latin typeface="Calibri" panose="020F0502020204030204" pitchFamily="34" charset="0"/>
+                      </a:endParaRPr>
+                    </a:p>
+                  </a:txBody>
+                  <a:tcPr marL="9525" marR="9525" marT="9525" marB="0" anchor="b"/>
+                </a:tc>
+                <a:tc>
+                  <a:txBody>
+                    <a:bodyPr/>
+                    <a:lstStyle/>
+                    <a:p>
+                      <a:pPr algn="r" fontAlgn="b"/>
+                      <a:r>
+                        <a:rPr lang="en-US" sz="2000" u="none" strike="noStrike">
+                          <a:effectLst/>
+                        </a:rPr>
+                        <a:t>100.00%</a:t>
+                      </a:r>
+                      <a:endParaRPr lang="en-US" sz="2000" b="0" i="0" u="none" strike="noStrike">
+                        <a:solidFill>
+                          <a:srgbClr val="000000"/>
+                        </a:solidFill>
+                        <a:effectLst/>
+                        <a:latin typeface="Calibri" panose="020F0502020204030204" pitchFamily="34" charset="0"/>
+                      </a:endParaRPr>
+                    </a:p>
+                  </a:txBody>
+                  <a:tcPr marL="9525" marR="9525" marT="9525" marB="0" anchor="b"/>
+                </a:tc>
+              </a:tr>
+              <a:tr h="322573">
+                <a:tc>
+                  <a:txBody>
+                    <a:bodyPr/>
+                    <a:lstStyle/>
+                    <a:p>
+                      <a:pPr algn="l" fontAlgn="b"/>
+                      <a:r>
+                        <a:rPr lang="en-US" sz="2000" u="none" strike="noStrike">
+                          <a:effectLst/>
+                        </a:rPr>
+                        <a:t>civis</a:t>
+                      </a:r>
+                      <a:endParaRPr lang="en-US" sz="2000" b="0" i="0" u="none" strike="noStrike">
+                        <a:solidFill>
+                          <a:srgbClr val="000000"/>
+                        </a:solidFill>
+                        <a:effectLst/>
+                        <a:latin typeface="Calibri" panose="020F0502020204030204" pitchFamily="34" charset="0"/>
+                      </a:endParaRPr>
+                    </a:p>
+                  </a:txBody>
+                  <a:tcPr marL="9525" marR="9525" marT="9525" marB="0" anchor="b"/>
+                </a:tc>
+                <a:tc>
+                  <a:txBody>
+                    <a:bodyPr/>
+                    <a:lstStyle/>
+                    <a:p>
+                      <a:pPr algn="r" fontAlgn="b"/>
+                      <a:r>
+                        <a:rPr lang="en-US" sz="2000" u="none" strike="noStrike">
+                          <a:effectLst/>
+                        </a:rPr>
+                        <a:t>76.47%</a:t>
+                      </a:r>
+                      <a:endParaRPr lang="en-US" sz="2000" b="0" i="0" u="none" strike="noStrike">
+                        <a:solidFill>
+                          <a:srgbClr val="000000"/>
+                        </a:solidFill>
+                        <a:effectLst/>
+                        <a:latin typeface="Calibri" panose="020F0502020204030204" pitchFamily="34" charset="0"/>
+                      </a:endParaRPr>
+                    </a:p>
+                  </a:txBody>
+                  <a:tcPr marL="9525" marR="9525" marT="9525" marB="0" anchor="b"/>
+                </a:tc>
+              </a:tr>
+              <a:tr h="322573">
+                <a:tc>
+                  <a:txBody>
+                    <a:bodyPr/>
+                    <a:lstStyle/>
+                    <a:p>
+                      <a:pPr algn="l" fontAlgn="b"/>
+                      <a:r>
+                        <a:rPr lang="en-US" sz="2000" u="none" strike="noStrike">
+                          <a:effectLst/>
+                        </a:rPr>
+                        <a:t>Romanus</a:t>
+                      </a:r>
+                      <a:endParaRPr lang="en-US" sz="2000" b="0" i="0" u="none" strike="noStrike">
+                        <a:solidFill>
+                          <a:srgbClr val="000000"/>
+                        </a:solidFill>
+                        <a:effectLst/>
+                        <a:latin typeface="Calibri" panose="020F0502020204030204" pitchFamily="34" charset="0"/>
+                      </a:endParaRPr>
+                    </a:p>
+                  </a:txBody>
+                  <a:tcPr marL="9525" marR="9525" marT="9525" marB="0" anchor="b"/>
+                </a:tc>
+                <a:tc>
+                  <a:txBody>
+                    <a:bodyPr/>
+                    <a:lstStyle/>
+                    <a:p>
+                      <a:pPr algn="r" fontAlgn="b"/>
+                      <a:r>
+                        <a:rPr lang="en-US" sz="2000" u="none" strike="noStrike">
+                          <a:effectLst/>
+                        </a:rPr>
+                        <a:t>64.71%</a:t>
+                      </a:r>
+                      <a:endParaRPr lang="en-US" sz="2000" b="0" i="0" u="none" strike="noStrike">
+                        <a:solidFill>
+                          <a:srgbClr val="000000"/>
+                        </a:solidFill>
+                        <a:effectLst/>
+                        <a:latin typeface="Calibri" panose="020F0502020204030204" pitchFamily="34" charset="0"/>
+                      </a:endParaRPr>
+                    </a:p>
+                  </a:txBody>
+                  <a:tcPr marL="9525" marR="9525" marT="9525" marB="0" anchor="b"/>
+                </a:tc>
+              </a:tr>
+              <a:tr h="322573">
+                <a:tc>
+                  <a:txBody>
+                    <a:bodyPr/>
+                    <a:lstStyle/>
+                    <a:p>
+                      <a:pPr algn="l" fontAlgn="b"/>
+                      <a:r>
+                        <a:rPr lang="en-US" sz="2000" u="none" strike="noStrike">
+                          <a:effectLst/>
+                        </a:rPr>
+                        <a:t>esset</a:t>
+                      </a:r>
+                      <a:endParaRPr lang="en-US" sz="2000" b="0" i="0" u="none" strike="noStrike">
+                        <a:solidFill>
+                          <a:srgbClr val="000000"/>
+                        </a:solidFill>
+                        <a:effectLst/>
+                        <a:latin typeface="Calibri" panose="020F0502020204030204" pitchFamily="34" charset="0"/>
+                      </a:endParaRPr>
+                    </a:p>
+                  </a:txBody>
+                  <a:tcPr marL="9525" marR="9525" marT="9525" marB="0" anchor="b"/>
+                </a:tc>
+                <a:tc>
+                  <a:txBody>
+                    <a:bodyPr/>
+                    <a:lstStyle/>
+                    <a:p>
+                      <a:pPr algn="r" fontAlgn="b"/>
+                      <a:r>
+                        <a:rPr lang="en-US" sz="2000" u="none" strike="noStrike">
+                          <a:effectLst/>
+                        </a:rPr>
+                        <a:t>58.82%</a:t>
+                      </a:r>
+                      <a:endParaRPr lang="en-US" sz="2000" b="0" i="0" u="none" strike="noStrike">
+                        <a:solidFill>
+                          <a:srgbClr val="000000"/>
+                        </a:solidFill>
+                        <a:effectLst/>
+                        <a:latin typeface="Calibri" panose="020F0502020204030204" pitchFamily="34" charset="0"/>
+                      </a:endParaRPr>
+                    </a:p>
+                  </a:txBody>
+                  <a:tcPr marL="9525" marR="9525" marT="9525" marB="0" anchor="b"/>
+                </a:tc>
+              </a:tr>
+              <a:tr h="322573">
+                <a:tc>
+                  <a:txBody>
+                    <a:bodyPr/>
+                    <a:lstStyle/>
+                    <a:p>
+                      <a:pPr algn="l" fontAlgn="b"/>
+                      <a:r>
+                        <a:rPr lang="en-US" sz="2000" u="none" strike="noStrike">
+                          <a:effectLst/>
+                        </a:rPr>
+                        <a:t>a</a:t>
+                      </a:r>
+                      <a:endParaRPr lang="en-US" sz="2000" b="0" i="0" u="none" strike="noStrike">
+                        <a:solidFill>
+                          <a:srgbClr val="000000"/>
+                        </a:solidFill>
+                        <a:effectLst/>
+                        <a:latin typeface="Calibri" panose="020F0502020204030204" pitchFamily="34" charset="0"/>
+                      </a:endParaRPr>
+                    </a:p>
+                  </a:txBody>
+                  <a:tcPr marL="9525" marR="9525" marT="9525" marB="0" anchor="b"/>
+                </a:tc>
+                <a:tc>
+                  <a:txBody>
+                    <a:bodyPr/>
+                    <a:lstStyle/>
+                    <a:p>
+                      <a:pPr algn="r" fontAlgn="b"/>
+                      <a:r>
+                        <a:rPr lang="en-US" sz="2000" u="none" strike="noStrike">
+                          <a:effectLst/>
+                        </a:rPr>
+                        <a:t>94.12%</a:t>
+                      </a:r>
+                      <a:endParaRPr lang="en-US" sz="2000" b="0" i="0" u="none" strike="noStrike">
+                        <a:solidFill>
+                          <a:srgbClr val="000000"/>
+                        </a:solidFill>
+                        <a:effectLst/>
+                        <a:latin typeface="Calibri" panose="020F0502020204030204" pitchFamily="34" charset="0"/>
+                      </a:endParaRPr>
+                    </a:p>
+                  </a:txBody>
+                  <a:tcPr marL="9525" marR="9525" marT="9525" marB="0" anchor="b"/>
+                </a:tc>
+              </a:tr>
+              <a:tr h="322573">
+                <a:tc>
+                  <a:txBody>
+                    <a:bodyPr/>
+                    <a:lstStyle/>
+                    <a:p>
+                      <a:pPr algn="l" fontAlgn="b"/>
+                      <a:r>
+                        <a:rPr lang="en-US" sz="2000" u="none" strike="noStrike">
+                          <a:effectLst/>
+                        </a:rPr>
+                        <a:t>populo</a:t>
+                      </a:r>
+                      <a:endParaRPr lang="en-US" sz="2000" b="0" i="0" u="none" strike="noStrike">
+                        <a:solidFill>
+                          <a:srgbClr val="000000"/>
+                        </a:solidFill>
+                        <a:effectLst/>
+                        <a:latin typeface="Calibri" panose="020F0502020204030204" pitchFamily="34" charset="0"/>
+                      </a:endParaRPr>
+                    </a:p>
+                  </a:txBody>
+                  <a:tcPr marL="9525" marR="9525" marT="9525" marB="0" anchor="b"/>
+                </a:tc>
+                <a:tc>
+                  <a:txBody>
+                    <a:bodyPr/>
+                    <a:lstStyle/>
+                    <a:p>
+                      <a:pPr algn="r" fontAlgn="b"/>
+                      <a:r>
+                        <a:rPr lang="en-US" sz="2000" u="none" strike="noStrike">
+                          <a:effectLst/>
+                        </a:rPr>
+                        <a:t>82.35%</a:t>
+                      </a:r>
+                      <a:endParaRPr lang="en-US" sz="2000" b="0" i="0" u="none" strike="noStrike">
+                        <a:solidFill>
+                          <a:srgbClr val="000000"/>
+                        </a:solidFill>
+                        <a:effectLst/>
+                        <a:latin typeface="Calibri" panose="020F0502020204030204" pitchFamily="34" charset="0"/>
+                      </a:endParaRPr>
+                    </a:p>
+                  </a:txBody>
+                  <a:tcPr marL="9525" marR="9525" marT="9525" marB="0" anchor="b"/>
+                </a:tc>
+              </a:tr>
+              <a:tr h="322573">
+                <a:tc>
+                  <a:txBody>
+                    <a:bodyPr/>
+                    <a:lstStyle/>
+                    <a:p>
+                      <a:pPr algn="l" fontAlgn="b"/>
+                      <a:r>
+                        <a:rPr lang="en-US" sz="2000" u="none" strike="noStrike">
+                          <a:effectLst/>
+                        </a:rPr>
+                        <a:t>nunc</a:t>
+                      </a:r>
+                      <a:endParaRPr lang="en-US" sz="2000" b="0" i="0" u="none" strike="noStrike">
+                        <a:solidFill>
+                          <a:srgbClr val="000000"/>
+                        </a:solidFill>
+                        <a:effectLst/>
+                        <a:latin typeface="Calibri" panose="020F0502020204030204" pitchFamily="34" charset="0"/>
+                      </a:endParaRPr>
+                    </a:p>
+                  </a:txBody>
+                  <a:tcPr marL="9525" marR="9525" marT="9525" marB="0" anchor="b"/>
+                </a:tc>
+                <a:tc>
+                  <a:txBody>
+                    <a:bodyPr/>
+                    <a:lstStyle/>
+                    <a:p>
+                      <a:pPr algn="r" fontAlgn="b"/>
+                      <a:r>
+                        <a:rPr lang="en-US" sz="2000" u="none" strike="noStrike">
+                          <a:effectLst/>
+                        </a:rPr>
+                        <a:t>100.00%</a:t>
+                      </a:r>
+                      <a:endParaRPr lang="en-US" sz="2000" b="0" i="0" u="none" strike="noStrike">
+                        <a:solidFill>
+                          <a:srgbClr val="000000"/>
+                        </a:solidFill>
+                        <a:effectLst/>
+                        <a:latin typeface="Calibri" panose="020F0502020204030204" pitchFamily="34" charset="0"/>
+                      </a:endParaRPr>
+                    </a:p>
+                  </a:txBody>
+                  <a:tcPr marL="9525" marR="9525" marT="9525" marB="0" anchor="b"/>
+                </a:tc>
+              </a:tr>
+              <a:tr h="322573">
+                <a:tc>
+                  <a:txBody>
+                    <a:bodyPr/>
+                    <a:lstStyle/>
+                    <a:p>
+                      <a:pPr algn="l" fontAlgn="b"/>
+                      <a:r>
+                        <a:rPr lang="en-US" sz="2000" u="none" strike="noStrike">
+                          <a:effectLst/>
+                        </a:rPr>
+                        <a:t>civitate</a:t>
+                      </a:r>
+                      <a:endParaRPr lang="en-US" sz="2000" b="0" i="0" u="none" strike="noStrike">
+                        <a:solidFill>
+                          <a:srgbClr val="000000"/>
+                        </a:solidFill>
+                        <a:effectLst/>
+                        <a:latin typeface="Calibri" panose="020F0502020204030204" pitchFamily="34" charset="0"/>
+                      </a:endParaRPr>
+                    </a:p>
+                  </a:txBody>
+                  <a:tcPr marL="9525" marR="9525" marT="9525" marB="0" anchor="b"/>
+                </a:tc>
+                <a:tc>
+                  <a:txBody>
+                    <a:bodyPr/>
+                    <a:lstStyle/>
+                    <a:p>
+                      <a:pPr algn="r" fontAlgn="b"/>
+                      <a:r>
+                        <a:rPr lang="en-US" sz="2000" u="none" strike="noStrike">
+                          <a:effectLst/>
+                        </a:rPr>
+                        <a:t>82.35%</a:t>
+                      </a:r>
+                      <a:endParaRPr lang="en-US" sz="2000" b="0" i="0" u="none" strike="noStrike">
+                        <a:solidFill>
+                          <a:srgbClr val="000000"/>
+                        </a:solidFill>
+                        <a:effectLst/>
+                        <a:latin typeface="Calibri" panose="020F0502020204030204" pitchFamily="34" charset="0"/>
+                      </a:endParaRPr>
+                    </a:p>
+                  </a:txBody>
+                  <a:tcPr marL="9525" marR="9525" marT="9525" marB="0" anchor="b"/>
+                </a:tc>
+              </a:tr>
+              <a:tr h="583857">
+                <a:tc>
+                  <a:txBody>
+                    <a:bodyPr/>
+                    <a:lstStyle/>
+                    <a:p>
+                      <a:pPr algn="l" fontAlgn="b"/>
+                      <a:r>
+                        <a:rPr lang="en-US" sz="2000" u="none" strike="noStrike">
+                          <a:effectLst/>
+                        </a:rPr>
+                        <a:t>donaretur</a:t>
+                      </a:r>
+                      <a:endParaRPr lang="en-US" sz="2000" b="0" i="0" u="none" strike="noStrike">
+                        <a:solidFill>
+                          <a:srgbClr val="000000"/>
+                        </a:solidFill>
+                        <a:effectLst/>
+                        <a:latin typeface="Calibri" panose="020F0502020204030204" pitchFamily="34" charset="0"/>
+                      </a:endParaRPr>
+                    </a:p>
+                  </a:txBody>
+                  <a:tcPr marL="9525" marR="9525" marT="9525" marB="0" anchor="b"/>
+                </a:tc>
+                <a:tc>
+                  <a:txBody>
+                    <a:bodyPr/>
+                    <a:lstStyle/>
+                    <a:p>
+                      <a:pPr algn="r" fontAlgn="b"/>
+                      <a:r>
+                        <a:rPr lang="en-US" sz="2000" u="none" strike="noStrike" dirty="0">
+                          <a:effectLst/>
+                        </a:rPr>
+                        <a:t>82.35%</a:t>
+                      </a:r>
+                      <a:endParaRPr lang="en-US" sz="2000" b="0" i="0" u="none" strike="noStrike" dirty="0">
+                        <a:solidFill>
+                          <a:srgbClr val="000000"/>
+                        </a:solidFill>
+                        <a:effectLst/>
+                        <a:latin typeface="Calibri" panose="020F0502020204030204" pitchFamily="34" charset="0"/>
+                      </a:endParaRPr>
+                    </a:p>
+                  </a:txBody>
+                  <a:tcPr marL="9525" marR="9525" marT="9525" marB="0" anchor="b"/>
+                </a:tc>
+              </a:tr>
+            </a:tbl>
+          </a:graphicData>
+        </a:graphic>
+      </p:graphicFrame>
     </p:spTree>
     <p:extLst>
       <p:ext uri="{BB962C8B-B14F-4D97-AF65-F5344CB8AC3E}">
-        <p14:creationId xmlns:p14="http://schemas.microsoft.com/office/powerpoint/2010/main" val="2313706660"/>
+        <p14:creationId xmlns:p14="http://schemas.microsoft.com/office/powerpoint/2010/main" val="1989636303"/>
       </p:ext>
     </p:extLst>
   </p:cSld>
